--- a/figures/Fig2.pptx
+++ b/figures/Fig2.pptx
@@ -5,7 +5,7 @@
     <p:sldMasterId id="2147483672" r:id="rId1"/>
   </p:sldMasterIdLst>
   <p:notesMasterIdLst>
-    <p:notesMasterId r:id="rId13"/>
+    <p:notesMasterId r:id="rId14"/>
   </p:notesMasterIdLst>
   <p:sldIdLst>
     <p:sldId id="260" r:id="rId2"/>
@@ -19,6 +19,7 @@
     <p:sldId id="264" r:id="rId10"/>
     <p:sldId id="266" r:id="rId11"/>
     <p:sldId id="270" r:id="rId12"/>
+    <p:sldId id="271" r:id="rId13"/>
   </p:sldIdLst>
   <p:sldSz cx="13320713" cy="7920038"/>
   <p:notesSz cx="6858000" cy="9144000"/>
@@ -207,7 +208,7 @@
           <a:p>
             <a:fld id="{B19977C2-3852-6343-8FB6-75798599EF47}" type="datetimeFigureOut">
               <a:rPr lang="en-US" smtClean="0"/>
-              <a:t>8/28/24</a:t>
+              <a:t>9/5/24</a:t>
             </a:fld>
             <a:endParaRPr lang="en-US"/>
           </a:p>
@@ -961,7 +962,7 @@
           <a:p>
             <a:fld id="{49D16157-31ED-214D-A6E8-583A2FDE31BF}" type="datetimeFigureOut">
               <a:rPr lang="en-US" smtClean="0"/>
-              <a:t>8/28/24</a:t>
+              <a:t>9/5/24</a:t>
             </a:fld>
             <a:endParaRPr lang="en-US"/>
           </a:p>
@@ -1131,7 +1132,7 @@
           <a:p>
             <a:fld id="{49D16157-31ED-214D-A6E8-583A2FDE31BF}" type="datetimeFigureOut">
               <a:rPr lang="en-US" smtClean="0"/>
-              <a:t>8/28/24</a:t>
+              <a:t>9/5/24</a:t>
             </a:fld>
             <a:endParaRPr lang="en-US"/>
           </a:p>
@@ -1311,7 +1312,7 @@
           <a:p>
             <a:fld id="{49D16157-31ED-214D-A6E8-583A2FDE31BF}" type="datetimeFigureOut">
               <a:rPr lang="en-US" smtClean="0"/>
-              <a:t>8/28/24</a:t>
+              <a:t>9/5/24</a:t>
             </a:fld>
             <a:endParaRPr lang="en-US"/>
           </a:p>
@@ -1481,7 +1482,7 @@
           <a:p>
             <a:fld id="{49D16157-31ED-214D-A6E8-583A2FDE31BF}" type="datetimeFigureOut">
               <a:rPr lang="en-US" smtClean="0"/>
-              <a:t>8/28/24</a:t>
+              <a:t>9/5/24</a:t>
             </a:fld>
             <a:endParaRPr lang="en-US"/>
           </a:p>
@@ -1727,7 +1728,7 @@
           <a:p>
             <a:fld id="{49D16157-31ED-214D-A6E8-583A2FDE31BF}" type="datetimeFigureOut">
               <a:rPr lang="en-US" smtClean="0"/>
-              <a:t>8/28/24</a:t>
+              <a:t>9/5/24</a:t>
             </a:fld>
             <a:endParaRPr lang="en-US"/>
           </a:p>
@@ -1959,7 +1960,7 @@
           <a:p>
             <a:fld id="{49D16157-31ED-214D-A6E8-583A2FDE31BF}" type="datetimeFigureOut">
               <a:rPr lang="en-US" smtClean="0"/>
-              <a:t>8/28/24</a:t>
+              <a:t>9/5/24</a:t>
             </a:fld>
             <a:endParaRPr lang="en-US"/>
           </a:p>
@@ -2326,7 +2327,7 @@
           <a:p>
             <a:fld id="{49D16157-31ED-214D-A6E8-583A2FDE31BF}" type="datetimeFigureOut">
               <a:rPr lang="en-US" smtClean="0"/>
-              <a:t>8/28/24</a:t>
+              <a:t>9/5/24</a:t>
             </a:fld>
             <a:endParaRPr lang="en-US"/>
           </a:p>
@@ -2444,7 +2445,7 @@
           <a:p>
             <a:fld id="{49D16157-31ED-214D-A6E8-583A2FDE31BF}" type="datetimeFigureOut">
               <a:rPr lang="en-US" smtClean="0"/>
-              <a:t>8/28/24</a:t>
+              <a:t>9/5/24</a:t>
             </a:fld>
             <a:endParaRPr lang="en-US"/>
           </a:p>
@@ -2539,7 +2540,7 @@
           <a:p>
             <a:fld id="{49D16157-31ED-214D-A6E8-583A2FDE31BF}" type="datetimeFigureOut">
               <a:rPr lang="en-US" smtClean="0"/>
-              <a:t>8/28/24</a:t>
+              <a:t>9/5/24</a:t>
             </a:fld>
             <a:endParaRPr lang="en-US"/>
           </a:p>
@@ -2816,7 +2817,7 @@
           <a:p>
             <a:fld id="{49D16157-31ED-214D-A6E8-583A2FDE31BF}" type="datetimeFigureOut">
               <a:rPr lang="en-US" smtClean="0"/>
-              <a:t>8/28/24</a:t>
+              <a:t>9/5/24</a:t>
             </a:fld>
             <a:endParaRPr lang="en-US"/>
           </a:p>
@@ -3073,7 +3074,7 @@
           <a:p>
             <a:fld id="{49D16157-31ED-214D-A6E8-583A2FDE31BF}" type="datetimeFigureOut">
               <a:rPr lang="en-US" smtClean="0"/>
-              <a:t>8/28/24</a:t>
+              <a:t>9/5/24</a:t>
             </a:fld>
             <a:endParaRPr lang="en-US"/>
           </a:p>
@@ -3286,7 +3287,7 @@
           <a:p>
             <a:fld id="{49D16157-31ED-214D-A6E8-583A2FDE31BF}" type="datetimeFigureOut">
               <a:rPr lang="en-US" smtClean="0"/>
-              <a:t>8/28/24</a:t>
+              <a:t>9/5/24</a:t>
             </a:fld>
             <a:endParaRPr lang="en-US"/>
           </a:p>
@@ -15990,6 +15991,6832 @@
     <p:extLst>
       <p:ext uri="{BB962C8B-B14F-4D97-AF65-F5344CB8AC3E}">
         <p14:creationId xmlns:p14="http://schemas.microsoft.com/office/powerpoint/2010/main" val="806416157"/>
+      </p:ext>
+    </p:extLst>
+  </p:cSld>
+  <p:clrMapOvr>
+    <a:masterClrMapping/>
+  </p:clrMapOvr>
+</p:sld>
+</file>
+
+<file path=ppt/slides/slide12.xml><?xml version="1.0" encoding="utf-8"?>
+<p:sld xmlns:a="http://schemas.openxmlformats.org/drawingml/2006/main" xmlns:r="http://schemas.openxmlformats.org/officeDocument/2006/relationships" xmlns:p="http://schemas.openxmlformats.org/presentationml/2006/main">
+  <p:cSld>
+    <p:spTree>
+      <p:nvGrpSpPr>
+        <p:cNvPr id="1" name=""/>
+        <p:cNvGrpSpPr/>
+        <p:nvPr/>
+      </p:nvGrpSpPr>
+      <p:grpSpPr>
+        <a:xfrm>
+          <a:off x="0" y="0"/>
+          <a:ext cx="0" cy="0"/>
+          <a:chOff x="0" y="0"/>
+          <a:chExt cx="0" cy="0"/>
+        </a:xfrm>
+      </p:grpSpPr>
+      <p:pic>
+        <p:nvPicPr>
+          <p:cNvPr id="6" name="Picture 5">
+            <a:extLst>
+              <a:ext uri="{FF2B5EF4-FFF2-40B4-BE49-F238E27FC236}">
+                <a16:creationId xmlns:a16="http://schemas.microsoft.com/office/drawing/2014/main" id="{DAE8373D-7F09-0A56-EA14-47480169032E}"/>
+              </a:ext>
+            </a:extLst>
+          </p:cNvPr>
+          <p:cNvPicPr>
+            <a:picLocks noChangeAspect="1"/>
+          </p:cNvPicPr>
+          <p:nvPr/>
+        </p:nvPicPr>
+        <p:blipFill>
+          <a:blip r:embed="rId2"/>
+          <a:srcRect l="9953" t="59976" r="9625" b="7602"/>
+          <a:stretch/>
+        </p:blipFill>
+        <p:spPr>
+          <a:xfrm rot="5400000">
+            <a:off x="6645153" y="6127583"/>
+            <a:ext cx="1910250" cy="996624"/>
+          </a:xfrm>
+          <a:prstGeom prst="rect">
+            <a:avLst/>
+          </a:prstGeom>
+        </p:spPr>
+      </p:pic>
+      <p:graphicFrame>
+        <p:nvGraphicFramePr>
+          <p:cNvPr id="2" name="Table 1">
+            <a:extLst>
+              <a:ext uri="{FF2B5EF4-FFF2-40B4-BE49-F238E27FC236}">
+                <a16:creationId xmlns:a16="http://schemas.microsoft.com/office/drawing/2014/main" id="{EE4DC056-853A-D758-360B-9CB9021B95F1}"/>
+              </a:ext>
+            </a:extLst>
+          </p:cNvPr>
+          <p:cNvGraphicFramePr>
+            <a:graphicFrameLocks noGrp="1"/>
+          </p:cNvGraphicFramePr>
+          <p:nvPr/>
+        </p:nvGraphicFramePr>
+        <p:xfrm>
+          <a:off x="2808358" y="3720259"/>
+          <a:ext cx="3851998" cy="1674580"/>
+        </p:xfrm>
+        <a:graphic>
+          <a:graphicData uri="http://schemas.openxmlformats.org/drawingml/2006/table">
+            <a:tbl>
+              <a:tblPr firstRow="1" bandRow="1">
+                <a:tableStyleId>{5C22544A-7EE6-4342-B048-85BDC9FD1C3A}</a:tableStyleId>
+              </a:tblPr>
+              <a:tblGrid>
+                <a:gridCol w="931248">
+                  <a:extLst>
+                    <a:ext uri="{9D8B030D-6E8A-4147-A177-3AD203B41FA5}">
+                      <a16:colId xmlns:a16="http://schemas.microsoft.com/office/drawing/2014/main" val="4134159232"/>
+                    </a:ext>
+                  </a:extLst>
+                </a:gridCol>
+                <a:gridCol w="575403">
+                  <a:extLst>
+                    <a:ext uri="{9D8B030D-6E8A-4147-A177-3AD203B41FA5}">
+                      <a16:colId xmlns:a16="http://schemas.microsoft.com/office/drawing/2014/main" val="1221643716"/>
+                    </a:ext>
+                  </a:extLst>
+                </a:gridCol>
+                <a:gridCol w="422776">
+                  <a:extLst>
+                    <a:ext uri="{9D8B030D-6E8A-4147-A177-3AD203B41FA5}">
+                      <a16:colId xmlns:a16="http://schemas.microsoft.com/office/drawing/2014/main" val="268569216"/>
+                    </a:ext>
+                  </a:extLst>
+                </a:gridCol>
+                <a:gridCol w="378798">
+                  <a:extLst>
+                    <a:ext uri="{9D8B030D-6E8A-4147-A177-3AD203B41FA5}">
+                      <a16:colId xmlns:a16="http://schemas.microsoft.com/office/drawing/2014/main" val="3357352923"/>
+                    </a:ext>
+                  </a:extLst>
+                </a:gridCol>
+                <a:gridCol w="514591">
+                  <a:extLst>
+                    <a:ext uri="{9D8B030D-6E8A-4147-A177-3AD203B41FA5}">
+                      <a16:colId xmlns:a16="http://schemas.microsoft.com/office/drawing/2014/main" val="2419226137"/>
+                    </a:ext>
+                  </a:extLst>
+                </a:gridCol>
+                <a:gridCol w="514591">
+                  <a:extLst>
+                    <a:ext uri="{9D8B030D-6E8A-4147-A177-3AD203B41FA5}">
+                      <a16:colId xmlns:a16="http://schemas.microsoft.com/office/drawing/2014/main" val="1775705032"/>
+                    </a:ext>
+                  </a:extLst>
+                </a:gridCol>
+                <a:gridCol w="514591">
+                  <a:extLst>
+                    <a:ext uri="{9D8B030D-6E8A-4147-A177-3AD203B41FA5}">
+                      <a16:colId xmlns:a16="http://schemas.microsoft.com/office/drawing/2014/main" val="1741896273"/>
+                    </a:ext>
+                  </a:extLst>
+                </a:gridCol>
+              </a:tblGrid>
+              <a:tr h="186827">
+                <a:tc rowSpan="2">
+                  <a:txBody>
+                    <a:bodyPr/>
+                    <a:lstStyle/>
+                    <a:p>
+                      <a:pPr algn="ctr"/>
+                      <a:r>
+                        <a:rPr lang="en-US" sz="700" b="1" dirty="0">
+                          <a:ln>
+                            <a:noFill/>
+                          </a:ln>
+                          <a:solidFill>
+                            <a:schemeClr val="tx1"/>
+                          </a:solidFill>
+                          <a:latin typeface="Arial" panose="020B0604020202020204" pitchFamily="34" charset="0"/>
+                          <a:cs typeface="Arial" panose="020B0604020202020204" pitchFamily="34" charset="0"/>
+                        </a:rPr>
+                        <a:t>Graph type</a:t>
+                      </a:r>
+                    </a:p>
+                  </a:txBody>
+                  <a:tcPr marL="80212" marR="80212" marT="40106" marB="40106" anchor="ctr">
+                    <a:lnL w="12700" cap="flat" cmpd="sng" algn="ctr">
+                      <a:solidFill>
+                        <a:schemeClr val="tx1"/>
+                      </a:solidFill>
+                      <a:prstDash val="solid"/>
+                      <a:round/>
+                      <a:headEnd type="none" w="med" len="med"/>
+                      <a:tailEnd type="none" w="med" len="med"/>
+                    </a:lnL>
+                    <a:lnR w="12700" cap="flat" cmpd="sng" algn="ctr">
+                      <a:solidFill>
+                        <a:schemeClr val="tx1"/>
+                      </a:solidFill>
+                      <a:prstDash val="solid"/>
+                      <a:round/>
+                      <a:headEnd type="none" w="med" len="med"/>
+                      <a:tailEnd type="none" w="med" len="med"/>
+                    </a:lnR>
+                    <a:lnT w="12700" cap="flat" cmpd="sng" algn="ctr">
+                      <a:solidFill>
+                        <a:schemeClr val="tx1"/>
+                      </a:solidFill>
+                      <a:prstDash val="solid"/>
+                      <a:round/>
+                      <a:headEnd type="none" w="med" len="med"/>
+                      <a:tailEnd type="none" w="med" len="med"/>
+                    </a:lnT>
+                    <a:lnB w="12700" cap="flat" cmpd="sng" algn="ctr">
+                      <a:solidFill>
+                        <a:schemeClr val="tx1"/>
+                      </a:solidFill>
+                      <a:prstDash val="solid"/>
+                      <a:round/>
+                      <a:headEnd type="none" w="med" len="med"/>
+                      <a:tailEnd type="none" w="med" len="med"/>
+                    </a:lnB>
+                    <a:noFill/>
+                  </a:tcPr>
+                </a:tc>
+                <a:tc rowSpan="2">
+                  <a:txBody>
+                    <a:bodyPr/>
+                    <a:lstStyle/>
+                    <a:p>
+                      <a:pPr algn="ctr"/>
+                      <a:r>
+                        <a:rPr lang="en-US" sz="700" b="1" dirty="0">
+                          <a:ln>
+                            <a:noFill/>
+                          </a:ln>
+                          <a:solidFill>
+                            <a:schemeClr val="tx1"/>
+                          </a:solidFill>
+                          <a:latin typeface="Arial" panose="020B0604020202020204" pitchFamily="34" charset="0"/>
+                          <a:cs typeface="Arial" panose="020B0604020202020204" pitchFamily="34" charset="0"/>
+                        </a:rPr>
+                        <a:t>Sample size per group</a:t>
+                      </a:r>
+                    </a:p>
+                  </a:txBody>
+                  <a:tcPr marL="80212" marR="80212" marT="40106" marB="40106" anchor="ctr">
+                    <a:lnL w="12700" cap="flat" cmpd="sng" algn="ctr">
+                      <a:solidFill>
+                        <a:schemeClr val="tx1"/>
+                      </a:solidFill>
+                      <a:prstDash val="solid"/>
+                      <a:round/>
+                      <a:headEnd type="none" w="med" len="med"/>
+                      <a:tailEnd type="none" w="med" len="med"/>
+                    </a:lnL>
+                    <a:lnR w="12700" cap="flat" cmpd="sng" algn="ctr">
+                      <a:solidFill>
+                        <a:schemeClr val="tx1"/>
+                      </a:solidFill>
+                      <a:prstDash val="solid"/>
+                      <a:round/>
+                      <a:headEnd type="none" w="med" len="med"/>
+                      <a:tailEnd type="none" w="med" len="med"/>
+                    </a:lnR>
+                    <a:lnT w="12700" cap="flat" cmpd="sng" algn="ctr">
+                      <a:solidFill>
+                        <a:schemeClr val="tx1"/>
+                      </a:solidFill>
+                      <a:prstDash val="solid"/>
+                      <a:round/>
+                      <a:headEnd type="none" w="med" len="med"/>
+                      <a:tailEnd type="none" w="med" len="med"/>
+                    </a:lnT>
+                    <a:lnB w="12700" cap="flat" cmpd="sng" algn="ctr">
+                      <a:solidFill>
+                        <a:schemeClr val="tx1"/>
+                      </a:solidFill>
+                      <a:prstDash val="solid"/>
+                      <a:round/>
+                      <a:headEnd type="none" w="med" len="med"/>
+                      <a:tailEnd type="none" w="med" len="med"/>
+                    </a:lnB>
+                    <a:noFill/>
+                  </a:tcPr>
+                </a:tc>
+                <a:tc gridSpan="2">
+                  <a:txBody>
+                    <a:bodyPr/>
+                    <a:lstStyle/>
+                    <a:p>
+                      <a:pPr algn="ctr"/>
+                      <a:r>
+                        <a:rPr lang="en-US" sz="700" dirty="0">
+                          <a:ln>
+                            <a:noFill/>
+                          </a:ln>
+                          <a:solidFill>
+                            <a:schemeClr val="tx1"/>
+                          </a:solidFill>
+                          <a:latin typeface="Arial" panose="020B0604020202020204" pitchFamily="34" charset="0"/>
+                          <a:cs typeface="Arial" panose="020B0604020202020204" pitchFamily="34" charset="0"/>
+                        </a:rPr>
+                        <a:t>Axis scale</a:t>
+                      </a:r>
+                    </a:p>
+                  </a:txBody>
+                  <a:tcPr marL="80212" marR="80212" marT="40106" marB="40106">
+                    <a:lnL w="12700" cap="flat" cmpd="sng" algn="ctr">
+                      <a:solidFill>
+                        <a:schemeClr val="tx1"/>
+                      </a:solidFill>
+                      <a:prstDash val="solid"/>
+                      <a:round/>
+                      <a:headEnd type="none" w="med" len="med"/>
+                      <a:tailEnd type="none" w="med" len="med"/>
+                    </a:lnL>
+                    <a:lnR w="12700" cap="flat" cmpd="sng" algn="ctr">
+                      <a:solidFill>
+                        <a:schemeClr val="tx1"/>
+                      </a:solidFill>
+                      <a:prstDash val="solid"/>
+                      <a:round/>
+                      <a:headEnd type="none" w="med" len="med"/>
+                      <a:tailEnd type="none" w="med" len="med"/>
+                    </a:lnR>
+                    <a:lnT w="12700" cap="flat" cmpd="sng" algn="ctr">
+                      <a:solidFill>
+                        <a:schemeClr val="tx1"/>
+                      </a:solidFill>
+                      <a:prstDash val="solid"/>
+                      <a:round/>
+                      <a:headEnd type="none" w="med" len="med"/>
+                      <a:tailEnd type="none" w="med" len="med"/>
+                    </a:lnT>
+                    <a:lnB w="12700" cap="flat" cmpd="sng" algn="ctr">
+                      <a:solidFill>
+                        <a:schemeClr val="tx1"/>
+                      </a:solidFill>
+                      <a:prstDash val="solid"/>
+                      <a:round/>
+                      <a:headEnd type="none" w="med" len="med"/>
+                      <a:tailEnd type="none" w="med" len="med"/>
+                    </a:lnB>
+                    <a:noFill/>
+                  </a:tcPr>
+                </a:tc>
+                <a:tc hMerge="1">
+                  <a:txBody>
+                    <a:bodyPr/>
+                    <a:lstStyle/>
+                    <a:p>
+                      <a:endParaRPr lang="en-US" sz="800" dirty="0">
+                        <a:latin typeface="Arial" panose="020B0604020202020204" pitchFamily="34" charset="0"/>
+                        <a:cs typeface="Arial" panose="020B0604020202020204" pitchFamily="34" charset="0"/>
+                      </a:endParaRPr>
+                    </a:p>
+                  </a:txBody>
+                  <a:tcPr/>
+                </a:tc>
+                <a:tc gridSpan="3">
+                  <a:txBody>
+                    <a:bodyPr/>
+                    <a:lstStyle/>
+                    <a:p>
+                      <a:pPr algn="ctr"/>
+                      <a:r>
+                        <a:rPr lang="en-US" sz="700" dirty="0">
+                          <a:ln>
+                            <a:noFill/>
+                          </a:ln>
+                          <a:solidFill>
+                            <a:schemeClr val="tx1"/>
+                          </a:solidFill>
+                          <a:latin typeface="Arial" panose="020B0604020202020204" pitchFamily="34" charset="0"/>
+                          <a:cs typeface="Arial" panose="020B0604020202020204" pitchFamily="34" charset="0"/>
+                        </a:rPr>
+                        <a:t>Change</a:t>
+                      </a:r>
+                    </a:p>
+                  </a:txBody>
+                  <a:tcPr marL="80212" marR="80212" marT="40106" marB="40106">
+                    <a:lnL w="12700" cap="flat" cmpd="sng" algn="ctr">
+                      <a:solidFill>
+                        <a:schemeClr val="tx1"/>
+                      </a:solidFill>
+                      <a:prstDash val="solid"/>
+                      <a:round/>
+                      <a:headEnd type="none" w="med" len="med"/>
+                      <a:tailEnd type="none" w="med" len="med"/>
+                    </a:lnL>
+                    <a:lnR w="12700" cap="flat" cmpd="sng" algn="ctr">
+                      <a:solidFill>
+                        <a:schemeClr val="tx1"/>
+                      </a:solidFill>
+                      <a:prstDash val="solid"/>
+                      <a:round/>
+                      <a:headEnd type="none" w="med" len="med"/>
+                      <a:tailEnd type="none" w="med" len="med"/>
+                    </a:lnR>
+                    <a:lnT w="12700" cap="flat" cmpd="sng" algn="ctr">
+                      <a:solidFill>
+                        <a:schemeClr val="tx1"/>
+                      </a:solidFill>
+                      <a:prstDash val="solid"/>
+                      <a:round/>
+                      <a:headEnd type="none" w="med" len="med"/>
+                      <a:tailEnd type="none" w="med" len="med"/>
+                    </a:lnT>
+                    <a:lnB w="12700" cap="flat" cmpd="sng" algn="ctr">
+                      <a:solidFill>
+                        <a:schemeClr val="tx1"/>
+                      </a:solidFill>
+                      <a:prstDash val="solid"/>
+                      <a:round/>
+                      <a:headEnd type="none" w="med" len="med"/>
+                      <a:tailEnd type="none" w="med" len="med"/>
+                    </a:lnB>
+                    <a:noFill/>
+                  </a:tcPr>
+                </a:tc>
+                <a:tc hMerge="1">
+                  <a:txBody>
+                    <a:bodyPr/>
+                    <a:lstStyle/>
+                    <a:p>
+                      <a:endParaRPr lang="en-US" sz="800" dirty="0">
+                        <a:latin typeface="Arial" panose="020B0604020202020204" pitchFamily="34" charset="0"/>
+                        <a:cs typeface="Arial" panose="020B0604020202020204" pitchFamily="34" charset="0"/>
+                      </a:endParaRPr>
+                    </a:p>
+                  </a:txBody>
+                  <a:tcPr/>
+                </a:tc>
+                <a:tc hMerge="1">
+                  <a:txBody>
+                    <a:bodyPr/>
+                    <a:lstStyle/>
+                    <a:p>
+                      <a:endParaRPr lang="en-US" sz="800" dirty="0">
+                        <a:latin typeface="Arial" panose="020B0604020202020204" pitchFamily="34" charset="0"/>
+                        <a:cs typeface="Arial" panose="020B0604020202020204" pitchFamily="34" charset="0"/>
+                      </a:endParaRPr>
+                    </a:p>
+                  </a:txBody>
+                  <a:tcPr/>
+                </a:tc>
+                <a:extLst>
+                  <a:ext uri="{0D108BD9-81ED-4DB2-BD59-A6C34878D82A}">
+                    <a16:rowId xmlns:a16="http://schemas.microsoft.com/office/drawing/2014/main" val="2993593359"/>
+                  </a:ext>
+                </a:extLst>
+              </a:tr>
+              <a:tr h="279209">
+                <a:tc vMerge="1">
+                  <a:txBody>
+                    <a:bodyPr/>
+                    <a:lstStyle/>
+                    <a:p>
+                      <a:endParaRPr dirty="0"/>
+                    </a:p>
+                  </a:txBody>
+                  <a:tcPr>
+                    <a:lnR w="12700" cap="flat" cmpd="sng" algn="ctr">
+                      <a:solidFill>
+                        <a:schemeClr val="tx1"/>
+                      </a:solidFill>
+                      <a:prstDash val="solid"/>
+                      <a:round/>
+                      <a:headEnd type="none" w="med" len="med"/>
+                      <a:tailEnd type="none" w="med" len="med"/>
+                    </a:lnR>
+                    <a:lnT w="12700" cap="flat" cmpd="sng" algn="ctr">
+                      <a:solidFill>
+                        <a:schemeClr val="tx1"/>
+                      </a:solidFill>
+                      <a:prstDash val="solid"/>
+                      <a:round/>
+                      <a:headEnd type="none" w="med" len="med"/>
+                      <a:tailEnd type="none" w="med" len="med"/>
+                    </a:lnT>
+                    <a:lnB w="12700" cap="flat" cmpd="sng" algn="ctr">
+                      <a:solidFill>
+                        <a:schemeClr val="tx1"/>
+                      </a:solidFill>
+                      <a:prstDash val="solid"/>
+                      <a:round/>
+                      <a:headEnd type="none" w="med" len="med"/>
+                      <a:tailEnd type="none" w="med" len="med"/>
+                    </a:lnB>
+                    <a:noFill/>
+                  </a:tcPr>
+                </a:tc>
+                <a:tc vMerge="1">
+                  <a:txBody>
+                    <a:bodyPr/>
+                    <a:lstStyle/>
+                    <a:p>
+                      <a:endParaRPr dirty="0"/>
+                    </a:p>
+                  </a:txBody>
+                  <a:tcPr>
+                    <a:lnL w="12700" cap="flat" cmpd="sng" algn="ctr">
+                      <a:solidFill>
+                        <a:schemeClr val="tx1"/>
+                      </a:solidFill>
+                      <a:prstDash val="solid"/>
+                      <a:round/>
+                      <a:headEnd type="none" w="med" len="med"/>
+                      <a:tailEnd type="none" w="med" len="med"/>
+                    </a:lnL>
+                    <a:lnR w="12700" cap="flat" cmpd="sng" algn="ctr">
+                      <a:solidFill>
+                        <a:schemeClr val="tx1"/>
+                      </a:solidFill>
+                      <a:prstDash val="solid"/>
+                      <a:round/>
+                      <a:headEnd type="none" w="med" len="med"/>
+                      <a:tailEnd type="none" w="med" len="med"/>
+                    </a:lnR>
+                    <a:lnT w="12700" cap="flat" cmpd="sng" algn="ctr">
+                      <a:solidFill>
+                        <a:schemeClr val="tx1"/>
+                      </a:solidFill>
+                      <a:prstDash val="solid"/>
+                      <a:round/>
+                      <a:headEnd type="none" w="med" len="med"/>
+                      <a:tailEnd type="none" w="med" len="med"/>
+                    </a:lnT>
+                    <a:lnB w="12700" cap="flat" cmpd="sng" algn="ctr">
+                      <a:solidFill>
+                        <a:schemeClr val="tx1"/>
+                      </a:solidFill>
+                      <a:prstDash val="solid"/>
+                      <a:round/>
+                      <a:headEnd type="none" w="med" len="med"/>
+                      <a:tailEnd type="none" w="med" len="med"/>
+                    </a:lnB>
+                    <a:noFill/>
+                  </a:tcPr>
+                </a:tc>
+                <a:tc>
+                  <a:txBody>
+                    <a:bodyPr/>
+                    <a:lstStyle/>
+                    <a:p>
+                      <a:pPr algn="ctr"/>
+                      <a:r>
+                        <a:rPr lang="en-US" sz="700" b="1" dirty="0">
+                          <a:ln>
+                            <a:noFill/>
+                          </a:ln>
+                          <a:solidFill>
+                            <a:schemeClr val="tx1"/>
+                          </a:solidFill>
+                          <a:latin typeface="Arial" panose="020B0604020202020204" pitchFamily="34" charset="0"/>
+                          <a:cs typeface="Arial" panose="020B0604020202020204" pitchFamily="34" charset="0"/>
+                        </a:rPr>
+                        <a:t>Linear</a:t>
+                      </a:r>
+                    </a:p>
+                  </a:txBody>
+                  <a:tcPr marL="65948" marR="65948" marT="32973" marB="32973" anchor="ctr">
+                    <a:lnL w="12700" cap="flat" cmpd="sng" algn="ctr">
+                      <a:solidFill>
+                        <a:schemeClr val="tx1"/>
+                      </a:solidFill>
+                      <a:prstDash val="solid"/>
+                      <a:round/>
+                      <a:headEnd type="none" w="med" len="med"/>
+                      <a:tailEnd type="none" w="med" len="med"/>
+                    </a:lnL>
+                    <a:lnT w="12700" cap="flat" cmpd="sng" algn="ctr">
+                      <a:solidFill>
+                        <a:schemeClr val="tx1"/>
+                      </a:solidFill>
+                      <a:prstDash val="solid"/>
+                      <a:round/>
+                      <a:headEnd type="none" w="med" len="med"/>
+                      <a:tailEnd type="none" w="med" len="med"/>
+                    </a:lnT>
+                    <a:lnB w="12700" cap="flat" cmpd="sng" algn="ctr">
+                      <a:solidFill>
+                        <a:schemeClr val="tx1"/>
+                      </a:solidFill>
+                      <a:prstDash val="solid"/>
+                      <a:round/>
+                      <a:headEnd type="none" w="med" len="med"/>
+                      <a:tailEnd type="none" w="med" len="med"/>
+                    </a:lnB>
+                    <a:noFill/>
+                  </a:tcPr>
+                </a:tc>
+                <a:tc>
+                  <a:txBody>
+                    <a:bodyPr/>
+                    <a:lstStyle/>
+                    <a:p>
+                      <a:pPr algn="ctr"/>
+                      <a:r>
+                        <a:rPr lang="en-US" sz="700" b="1" dirty="0">
+                          <a:ln>
+                            <a:noFill/>
+                          </a:ln>
+                          <a:solidFill>
+                            <a:schemeClr val="tx1"/>
+                          </a:solidFill>
+                          <a:latin typeface="Arial" panose="020B0604020202020204" pitchFamily="34" charset="0"/>
+                          <a:cs typeface="Arial" panose="020B0604020202020204" pitchFamily="34" charset="0"/>
+                        </a:rPr>
+                        <a:t>Log</a:t>
+                      </a:r>
+                    </a:p>
+                  </a:txBody>
+                  <a:tcPr marL="65948" marR="65948" marT="32973" marB="32973" anchor="ctr">
+                    <a:lnR w="12700" cap="flat" cmpd="sng" algn="ctr">
+                      <a:solidFill>
+                        <a:schemeClr val="tx1"/>
+                      </a:solidFill>
+                      <a:prstDash val="solid"/>
+                      <a:round/>
+                      <a:headEnd type="none" w="med" len="med"/>
+                      <a:tailEnd type="none" w="med" len="med"/>
+                    </a:lnR>
+                    <a:lnT w="12700" cap="flat" cmpd="sng" algn="ctr">
+                      <a:solidFill>
+                        <a:schemeClr val="tx1"/>
+                      </a:solidFill>
+                      <a:prstDash val="solid"/>
+                      <a:round/>
+                      <a:headEnd type="none" w="med" len="med"/>
+                      <a:tailEnd type="none" w="med" len="med"/>
+                    </a:lnT>
+                    <a:lnB w="12700" cap="flat" cmpd="sng" algn="ctr">
+                      <a:solidFill>
+                        <a:schemeClr val="tx1"/>
+                      </a:solidFill>
+                      <a:prstDash val="solid"/>
+                      <a:round/>
+                      <a:headEnd type="none" w="med" len="med"/>
+                      <a:tailEnd type="none" w="med" len="med"/>
+                    </a:lnB>
+                    <a:noFill/>
+                  </a:tcPr>
+                </a:tc>
+                <a:tc>
+                  <a:txBody>
+                    <a:bodyPr/>
+                    <a:lstStyle/>
+                    <a:p>
+                      <a:pPr algn="ctr"/>
+                      <a:r>
+                        <a:rPr lang="en-US" sz="700" b="1" dirty="0">
+                          <a:ln>
+                            <a:noFill/>
+                          </a:ln>
+                          <a:solidFill>
+                            <a:schemeClr val="tx1"/>
+                          </a:solidFill>
+                          <a:latin typeface="Arial" panose="020B0604020202020204" pitchFamily="34" charset="0"/>
+                          <a:cs typeface="Arial" panose="020B0604020202020204" pitchFamily="34" charset="0"/>
+                        </a:rPr>
+                        <a:t>Absolute change</a:t>
+                      </a:r>
+                    </a:p>
+                  </a:txBody>
+                  <a:tcPr marL="65948" marR="65948" marT="32973" marB="32973" anchor="ctr">
+                    <a:lnL w="12700" cap="flat" cmpd="sng" algn="ctr">
+                      <a:solidFill>
+                        <a:schemeClr val="tx1"/>
+                      </a:solidFill>
+                      <a:prstDash val="solid"/>
+                      <a:round/>
+                      <a:headEnd type="none" w="med" len="med"/>
+                      <a:tailEnd type="none" w="med" len="med"/>
+                    </a:lnL>
+                    <a:lnT w="12700" cap="flat" cmpd="sng" algn="ctr">
+                      <a:solidFill>
+                        <a:schemeClr val="tx1"/>
+                      </a:solidFill>
+                      <a:prstDash val="solid"/>
+                      <a:round/>
+                      <a:headEnd type="none" w="med" len="med"/>
+                      <a:tailEnd type="none" w="med" len="med"/>
+                    </a:lnT>
+                    <a:lnB w="12700" cap="flat" cmpd="sng" algn="ctr">
+                      <a:solidFill>
+                        <a:schemeClr val="tx1"/>
+                      </a:solidFill>
+                      <a:prstDash val="solid"/>
+                      <a:round/>
+                      <a:headEnd type="none" w="med" len="med"/>
+                      <a:tailEnd type="none" w="med" len="med"/>
+                    </a:lnB>
+                    <a:noFill/>
+                  </a:tcPr>
+                </a:tc>
+                <a:tc>
+                  <a:txBody>
+                    <a:bodyPr/>
+                    <a:lstStyle/>
+                    <a:p>
+                      <a:pPr algn="ctr"/>
+                      <a:r>
+                        <a:rPr lang="en-US" sz="700" b="1" dirty="0">
+                          <a:ln>
+                            <a:noFill/>
+                          </a:ln>
+                          <a:solidFill>
+                            <a:schemeClr val="tx1"/>
+                          </a:solidFill>
+                          <a:latin typeface="Arial" panose="020B0604020202020204" pitchFamily="34" charset="0"/>
+                          <a:cs typeface="Arial" panose="020B0604020202020204" pitchFamily="34" charset="0"/>
+                        </a:rPr>
+                        <a:t>Fold change</a:t>
+                      </a:r>
+                    </a:p>
+                  </a:txBody>
+                  <a:tcPr marL="65948" marR="65948" marT="32973" marB="32973" anchor="ctr">
+                    <a:lnT w="12700" cap="flat" cmpd="sng" algn="ctr">
+                      <a:solidFill>
+                        <a:schemeClr val="tx1"/>
+                      </a:solidFill>
+                      <a:prstDash val="solid"/>
+                      <a:round/>
+                      <a:headEnd type="none" w="med" len="med"/>
+                      <a:tailEnd type="none" w="med" len="med"/>
+                    </a:lnT>
+                    <a:lnB w="12700" cap="flat" cmpd="sng" algn="ctr">
+                      <a:solidFill>
+                        <a:schemeClr val="tx1"/>
+                      </a:solidFill>
+                      <a:prstDash val="solid"/>
+                      <a:round/>
+                      <a:headEnd type="none" w="med" len="med"/>
+                      <a:tailEnd type="none" w="med" len="med"/>
+                    </a:lnB>
+                    <a:noFill/>
+                  </a:tcPr>
+                </a:tc>
+                <a:tc>
+                  <a:txBody>
+                    <a:bodyPr/>
+                    <a:lstStyle/>
+                    <a:p>
+                      <a:pPr algn="ctr"/>
+                      <a:r>
+                        <a:rPr lang="en-US" sz="700" b="1" dirty="0">
+                          <a:ln>
+                            <a:noFill/>
+                          </a:ln>
+                          <a:solidFill>
+                            <a:schemeClr val="tx1"/>
+                          </a:solidFill>
+                          <a:latin typeface="Arial" panose="020B0604020202020204" pitchFamily="34" charset="0"/>
+                          <a:cs typeface="Arial" panose="020B0604020202020204" pitchFamily="34" charset="0"/>
+                        </a:rPr>
+                        <a:t>Relative change</a:t>
+                      </a:r>
+                    </a:p>
+                  </a:txBody>
+                  <a:tcPr marL="65948" marR="65948" marT="32973" marB="32973" anchor="ctr">
+                    <a:lnR w="12700" cap="flat" cmpd="sng" algn="ctr">
+                      <a:solidFill>
+                        <a:schemeClr val="tx1"/>
+                      </a:solidFill>
+                      <a:prstDash val="solid"/>
+                      <a:round/>
+                      <a:headEnd type="none" w="med" len="med"/>
+                      <a:tailEnd type="none" w="med" len="med"/>
+                    </a:lnR>
+                    <a:lnT w="12700" cap="flat" cmpd="sng" algn="ctr">
+                      <a:solidFill>
+                        <a:schemeClr val="tx1"/>
+                      </a:solidFill>
+                      <a:prstDash val="solid"/>
+                      <a:round/>
+                      <a:headEnd type="none" w="med" len="med"/>
+                      <a:tailEnd type="none" w="med" len="med"/>
+                    </a:lnT>
+                    <a:lnB w="12700" cap="flat" cmpd="sng" algn="ctr">
+                      <a:solidFill>
+                        <a:schemeClr val="tx1"/>
+                      </a:solidFill>
+                      <a:prstDash val="solid"/>
+                      <a:round/>
+                      <a:headEnd type="none" w="med" len="med"/>
+                      <a:tailEnd type="none" w="med" len="med"/>
+                    </a:lnB>
+                    <a:noFill/>
+                  </a:tcPr>
+                </a:tc>
+                <a:extLst>
+                  <a:ext uri="{0D108BD9-81ED-4DB2-BD59-A6C34878D82A}">
+                    <a16:rowId xmlns:a16="http://schemas.microsoft.com/office/drawing/2014/main" val="1550650502"/>
+                  </a:ext>
+                </a:extLst>
+              </a:tr>
+              <a:tr h="172566">
+                <a:tc>
+                  <a:txBody>
+                    <a:bodyPr/>
+                    <a:lstStyle/>
+                    <a:p>
+                      <a:pPr algn="ctr"/>
+                      <a:r>
+                        <a:rPr lang="en-US" sz="700" dirty="0">
+                          <a:ln>
+                            <a:noFill/>
+                          </a:ln>
+                          <a:solidFill>
+                            <a:schemeClr val="tx1"/>
+                          </a:solidFill>
+                          <a:latin typeface="Arial" panose="020B0604020202020204" pitchFamily="34" charset="0"/>
+                          <a:cs typeface="Arial" panose="020B0604020202020204" pitchFamily="34" charset="0"/>
+                        </a:rPr>
+                        <a:t>Point plot</a:t>
+                      </a:r>
+                    </a:p>
+                  </a:txBody>
+                  <a:tcPr marL="65948" marR="65948" marT="32973" marB="32973" anchor="ctr">
+                    <a:lnL w="12700" cap="flat" cmpd="sng" algn="ctr">
+                      <a:solidFill>
+                        <a:schemeClr val="tx1"/>
+                      </a:solidFill>
+                      <a:prstDash val="solid"/>
+                      <a:round/>
+                      <a:headEnd type="none" w="med" len="med"/>
+                      <a:tailEnd type="none" w="med" len="med"/>
+                    </a:lnL>
+                    <a:lnR w="12700" cap="flat" cmpd="sng" algn="ctr">
+                      <a:solidFill>
+                        <a:schemeClr val="tx1"/>
+                      </a:solidFill>
+                      <a:prstDash val="solid"/>
+                      <a:round/>
+                      <a:headEnd type="none" w="med" len="med"/>
+                      <a:tailEnd type="none" w="med" len="med"/>
+                    </a:lnR>
+                    <a:lnT w="12700" cap="flat" cmpd="sng" algn="ctr">
+                      <a:solidFill>
+                        <a:schemeClr val="tx1"/>
+                      </a:solidFill>
+                      <a:prstDash val="solid"/>
+                      <a:round/>
+                      <a:headEnd type="none" w="med" len="med"/>
+                      <a:tailEnd type="none" w="med" len="med"/>
+                    </a:lnT>
+                    <a:lnB w="12700" cmpd="sng">
+                      <a:noFill/>
+                    </a:lnB>
+                    <a:noFill/>
+                  </a:tcPr>
+                </a:tc>
+                <a:tc>
+                  <a:txBody>
+                    <a:bodyPr/>
+                    <a:lstStyle/>
+                    <a:p>
+                      <a:pPr algn="ctr"/>
+                      <a:r>
+                        <a:rPr lang="en-US" sz="700" i="1" dirty="0">
+                          <a:ln>
+                            <a:noFill/>
+                          </a:ln>
+                          <a:solidFill>
+                            <a:schemeClr val="tx1"/>
+                          </a:solidFill>
+                          <a:latin typeface="Arial" panose="020B0604020202020204" pitchFamily="34" charset="0"/>
+                          <a:cs typeface="Arial" panose="020B0604020202020204" pitchFamily="34" charset="0"/>
+                        </a:rPr>
+                        <a:t>n</a:t>
+                      </a:r>
+                      <a:r>
+                        <a:rPr lang="en-US" sz="700" dirty="0">
+                          <a:ln>
+                            <a:noFill/>
+                          </a:ln>
+                          <a:solidFill>
+                            <a:schemeClr val="tx1"/>
+                          </a:solidFill>
+                          <a:latin typeface="Arial" panose="020B0604020202020204" pitchFamily="34" charset="0"/>
+                          <a:cs typeface="Arial" panose="020B0604020202020204" pitchFamily="34" charset="0"/>
+                        </a:rPr>
+                        <a:t> = 1</a:t>
+                      </a:r>
+                    </a:p>
+                  </a:txBody>
+                  <a:tcPr marL="65948" marR="65948" marT="32973" marB="32973" anchor="ctr">
+                    <a:lnL w="12700" cap="flat" cmpd="sng" algn="ctr">
+                      <a:solidFill>
+                        <a:schemeClr val="tx1"/>
+                      </a:solidFill>
+                      <a:prstDash val="solid"/>
+                      <a:round/>
+                      <a:headEnd type="none" w="med" len="med"/>
+                      <a:tailEnd type="none" w="med" len="med"/>
+                    </a:lnL>
+                    <a:lnR w="12700" cap="flat" cmpd="sng" algn="ctr">
+                      <a:solidFill>
+                        <a:schemeClr val="tx1"/>
+                      </a:solidFill>
+                      <a:prstDash val="solid"/>
+                      <a:round/>
+                      <a:headEnd type="none" w="med" len="med"/>
+                      <a:tailEnd type="none" w="med" len="med"/>
+                    </a:lnR>
+                    <a:lnT w="12700" cap="flat" cmpd="sng" algn="ctr">
+                      <a:solidFill>
+                        <a:schemeClr val="tx1"/>
+                      </a:solidFill>
+                      <a:prstDash val="solid"/>
+                      <a:round/>
+                      <a:headEnd type="none" w="med" len="med"/>
+                      <a:tailEnd type="none" w="med" len="med"/>
+                    </a:lnT>
+                    <a:lnB w="12700" cmpd="sng">
+                      <a:noFill/>
+                    </a:lnB>
+                    <a:noFill/>
+                  </a:tcPr>
+                </a:tc>
+                <a:tc>
+                  <a:txBody>
+                    <a:bodyPr/>
+                    <a:lstStyle/>
+                    <a:p>
+                      <a:pPr algn="ctr"/>
+                      <a:r>
+                        <a:rPr lang="en-US" sz="700" dirty="0">
+                          <a:ln>
+                            <a:noFill/>
+                          </a:ln>
+                          <a:solidFill>
+                            <a:schemeClr val="tx1"/>
+                          </a:solidFill>
+                          <a:latin typeface="Arial" panose="020B0604020202020204" pitchFamily="34" charset="0"/>
+                          <a:cs typeface="Arial" panose="020B0604020202020204" pitchFamily="34" charset="0"/>
+                        </a:rPr>
+                        <a:t>✓</a:t>
+                      </a:r>
+                    </a:p>
+                  </a:txBody>
+                  <a:tcPr marL="65948" marR="65948" marT="32973" marB="32973" anchor="ctr">
+                    <a:lnL w="12700" cap="flat" cmpd="sng" algn="ctr">
+                      <a:solidFill>
+                        <a:schemeClr val="tx1"/>
+                      </a:solidFill>
+                      <a:prstDash val="solid"/>
+                      <a:round/>
+                      <a:headEnd type="none" w="med" len="med"/>
+                      <a:tailEnd type="none" w="med" len="med"/>
+                    </a:lnL>
+                    <a:lnT w="12700" cap="flat" cmpd="sng" algn="ctr">
+                      <a:solidFill>
+                        <a:schemeClr val="tx1"/>
+                      </a:solidFill>
+                      <a:prstDash val="solid"/>
+                      <a:round/>
+                      <a:headEnd type="none" w="med" len="med"/>
+                      <a:tailEnd type="none" w="med" len="med"/>
+                    </a:lnT>
+                    <a:lnB w="12700" cmpd="sng">
+                      <a:noFill/>
+                    </a:lnB>
+                    <a:noFill/>
+                  </a:tcPr>
+                </a:tc>
+                <a:tc>
+                  <a:txBody>
+                    <a:bodyPr/>
+                    <a:lstStyle/>
+                    <a:p>
+                      <a:pPr algn="ctr"/>
+                      <a:r>
+                        <a:rPr lang="en-US" sz="700" dirty="0">
+                          <a:ln>
+                            <a:noFill/>
+                          </a:ln>
+                          <a:solidFill>
+                            <a:schemeClr val="tx1"/>
+                          </a:solidFill>
+                          <a:latin typeface="Arial" panose="020B0604020202020204" pitchFamily="34" charset="0"/>
+                          <a:cs typeface="Arial" panose="020B0604020202020204" pitchFamily="34" charset="0"/>
+                        </a:rPr>
+                        <a:t>✓</a:t>
+                      </a:r>
+                    </a:p>
+                  </a:txBody>
+                  <a:tcPr marL="65948" marR="65948" marT="32973" marB="32973" anchor="ctr">
+                    <a:lnR w="12700" cap="flat" cmpd="sng" algn="ctr">
+                      <a:solidFill>
+                        <a:schemeClr val="tx1"/>
+                      </a:solidFill>
+                      <a:prstDash val="solid"/>
+                      <a:round/>
+                      <a:headEnd type="none" w="med" len="med"/>
+                      <a:tailEnd type="none" w="med" len="med"/>
+                    </a:lnR>
+                    <a:lnT w="12700" cap="flat" cmpd="sng" algn="ctr">
+                      <a:solidFill>
+                        <a:schemeClr val="tx1"/>
+                      </a:solidFill>
+                      <a:prstDash val="solid"/>
+                      <a:round/>
+                      <a:headEnd type="none" w="med" len="med"/>
+                      <a:tailEnd type="none" w="med" len="med"/>
+                    </a:lnT>
+                    <a:lnB w="12700" cmpd="sng">
+                      <a:noFill/>
+                    </a:lnB>
+                    <a:noFill/>
+                  </a:tcPr>
+                </a:tc>
+                <a:tc>
+                  <a:txBody>
+                    <a:bodyPr/>
+                    <a:lstStyle/>
+                    <a:p>
+                      <a:pPr algn="ctr"/>
+                      <a:r>
+                        <a:rPr kumimoji="0" lang="en-US" sz="700" b="0" i="0" u="none" strike="noStrike" kern="1200" cap="none" spc="0" normalizeH="0" baseline="0" noProof="0" dirty="0">
+                          <a:ln>
+                            <a:noFill/>
+                          </a:ln>
+                          <a:solidFill>
+                            <a:schemeClr val="tx1"/>
+                          </a:solidFill>
+                          <a:effectLst/>
+                          <a:uLnTx/>
+                          <a:uFillTx/>
+                          <a:latin typeface="Arial" panose="020B0604020202020204" pitchFamily="34" charset="0"/>
+                          <a:ea typeface="+mn-ea"/>
+                          <a:cs typeface="Arial" panose="020B0604020202020204" pitchFamily="34" charset="0"/>
+                        </a:rPr>
+                        <a:t>✓</a:t>
+                      </a:r>
+                      <a:endParaRPr lang="en-US" sz="700" dirty="0">
+                        <a:ln>
+                          <a:noFill/>
+                        </a:ln>
+                        <a:solidFill>
+                          <a:schemeClr val="tx1"/>
+                        </a:solidFill>
+                        <a:latin typeface="Arial" panose="020B0604020202020204" pitchFamily="34" charset="0"/>
+                        <a:cs typeface="Arial" panose="020B0604020202020204" pitchFamily="34" charset="0"/>
+                      </a:endParaRPr>
+                    </a:p>
+                  </a:txBody>
+                  <a:tcPr marL="65948" marR="65948" marT="32973" marB="32973" anchor="ctr">
+                    <a:lnL w="12700" cap="flat" cmpd="sng" algn="ctr">
+                      <a:solidFill>
+                        <a:schemeClr val="tx1"/>
+                      </a:solidFill>
+                      <a:prstDash val="solid"/>
+                      <a:round/>
+                      <a:headEnd type="none" w="med" len="med"/>
+                      <a:tailEnd type="none" w="med" len="med"/>
+                    </a:lnL>
+                    <a:lnT w="12700" cap="flat" cmpd="sng" algn="ctr">
+                      <a:solidFill>
+                        <a:schemeClr val="tx1"/>
+                      </a:solidFill>
+                      <a:prstDash val="solid"/>
+                      <a:round/>
+                      <a:headEnd type="none" w="med" len="med"/>
+                      <a:tailEnd type="none" w="med" len="med"/>
+                    </a:lnT>
+                    <a:lnB w="12700" cmpd="sng">
+                      <a:noFill/>
+                    </a:lnB>
+                    <a:noFill/>
+                  </a:tcPr>
+                </a:tc>
+                <a:tc>
+                  <a:txBody>
+                    <a:bodyPr/>
+                    <a:lstStyle/>
+                    <a:p>
+                      <a:pPr algn="ctr"/>
+                      <a:endParaRPr lang="en-US" sz="700" dirty="0">
+                        <a:ln>
+                          <a:noFill/>
+                        </a:ln>
+                        <a:solidFill>
+                          <a:schemeClr val="tx1"/>
+                        </a:solidFill>
+                        <a:latin typeface="Arial" panose="020B0604020202020204" pitchFamily="34" charset="0"/>
+                        <a:cs typeface="Arial" panose="020B0604020202020204" pitchFamily="34" charset="0"/>
+                      </a:endParaRPr>
+                    </a:p>
+                  </a:txBody>
+                  <a:tcPr marL="65948" marR="65948" marT="32973" marB="32973" anchor="ctr">
+                    <a:lnT w="12700" cap="flat" cmpd="sng" algn="ctr">
+                      <a:solidFill>
+                        <a:schemeClr val="tx1"/>
+                      </a:solidFill>
+                      <a:prstDash val="solid"/>
+                      <a:round/>
+                      <a:headEnd type="none" w="med" len="med"/>
+                      <a:tailEnd type="none" w="med" len="med"/>
+                    </a:lnT>
+                    <a:lnB w="12700" cmpd="sng">
+                      <a:noFill/>
+                    </a:lnB>
+                    <a:noFill/>
+                  </a:tcPr>
+                </a:tc>
+                <a:tc>
+                  <a:txBody>
+                    <a:bodyPr/>
+                    <a:lstStyle/>
+                    <a:p>
+                      <a:pPr algn="ctr"/>
+                      <a:endParaRPr lang="en-US" sz="700" dirty="0">
+                        <a:ln>
+                          <a:noFill/>
+                        </a:ln>
+                        <a:solidFill>
+                          <a:schemeClr val="tx1"/>
+                        </a:solidFill>
+                        <a:latin typeface="Arial" panose="020B0604020202020204" pitchFamily="34" charset="0"/>
+                        <a:cs typeface="Arial" panose="020B0604020202020204" pitchFamily="34" charset="0"/>
+                      </a:endParaRPr>
+                    </a:p>
+                  </a:txBody>
+                  <a:tcPr marL="65948" marR="65948" marT="32973" marB="32973" anchor="ctr">
+                    <a:lnR w="12700" cap="flat" cmpd="sng" algn="ctr">
+                      <a:solidFill>
+                        <a:schemeClr val="tx1"/>
+                      </a:solidFill>
+                      <a:prstDash val="solid"/>
+                      <a:round/>
+                      <a:headEnd type="none" w="med" len="med"/>
+                      <a:tailEnd type="none" w="med" len="med"/>
+                    </a:lnR>
+                    <a:lnT w="12700" cap="flat" cmpd="sng" algn="ctr">
+                      <a:solidFill>
+                        <a:schemeClr val="tx1"/>
+                      </a:solidFill>
+                      <a:prstDash val="solid"/>
+                      <a:round/>
+                      <a:headEnd type="none" w="med" len="med"/>
+                      <a:tailEnd type="none" w="med" len="med"/>
+                    </a:lnT>
+                    <a:lnB w="12700" cmpd="sng">
+                      <a:noFill/>
+                    </a:lnB>
+                    <a:noFill/>
+                  </a:tcPr>
+                </a:tc>
+                <a:extLst>
+                  <a:ext uri="{0D108BD9-81ED-4DB2-BD59-A6C34878D82A}">
+                    <a16:rowId xmlns:a16="http://schemas.microsoft.com/office/drawing/2014/main" val="1600709287"/>
+                  </a:ext>
+                </a:extLst>
+              </a:tr>
+              <a:tr h="172566">
+                <a:tc>
+                  <a:txBody>
+                    <a:bodyPr/>
+                    <a:lstStyle/>
+                    <a:p>
+                      <a:pPr algn="ctr"/>
+                      <a:r>
+                        <a:rPr lang="en-US" sz="700" dirty="0">
+                          <a:ln>
+                            <a:noFill/>
+                          </a:ln>
+                          <a:solidFill>
+                            <a:schemeClr val="tx1"/>
+                          </a:solidFill>
+                          <a:latin typeface="Arial" panose="020B0604020202020204" pitchFamily="34" charset="0"/>
+                          <a:cs typeface="Arial" panose="020B0604020202020204" pitchFamily="34" charset="0"/>
+                        </a:rPr>
+                        <a:t>Lollipop plot</a:t>
+                      </a:r>
+                    </a:p>
+                  </a:txBody>
+                  <a:tcPr marL="65948" marR="65948" marT="32973" marB="32973" anchor="ctr">
+                    <a:lnL w="12700" cap="flat" cmpd="sng" algn="ctr">
+                      <a:solidFill>
+                        <a:schemeClr val="tx1"/>
+                      </a:solidFill>
+                      <a:prstDash val="solid"/>
+                      <a:round/>
+                      <a:headEnd type="none" w="med" len="med"/>
+                      <a:tailEnd type="none" w="med" len="med"/>
+                    </a:lnL>
+                    <a:lnR w="12700" cap="flat" cmpd="sng" algn="ctr">
+                      <a:solidFill>
+                        <a:schemeClr val="tx1"/>
+                      </a:solidFill>
+                      <a:prstDash val="solid"/>
+                      <a:round/>
+                      <a:headEnd type="none" w="med" len="med"/>
+                      <a:tailEnd type="none" w="med" len="med"/>
+                    </a:lnR>
+                    <a:lnT w="12700" cmpd="sng">
+                      <a:noFill/>
+                    </a:lnT>
+                    <a:lnB w="12700" cmpd="sng">
+                      <a:noFill/>
+                    </a:lnB>
+                    <a:noFill/>
+                  </a:tcPr>
+                </a:tc>
+                <a:tc>
+                  <a:txBody>
+                    <a:bodyPr/>
+                    <a:lstStyle/>
+                    <a:p>
+                      <a:pPr algn="ctr"/>
+                      <a:r>
+                        <a:rPr lang="en-US" sz="700" i="1" dirty="0">
+                          <a:ln>
+                            <a:noFill/>
+                          </a:ln>
+                          <a:solidFill>
+                            <a:schemeClr val="tx1"/>
+                          </a:solidFill>
+                          <a:latin typeface="Arial" panose="020B0604020202020204" pitchFamily="34" charset="0"/>
+                          <a:cs typeface="Arial" panose="020B0604020202020204" pitchFamily="34" charset="0"/>
+                        </a:rPr>
+                        <a:t>n</a:t>
+                      </a:r>
+                      <a:r>
+                        <a:rPr lang="en-US" sz="700" dirty="0">
+                          <a:ln>
+                            <a:noFill/>
+                          </a:ln>
+                          <a:solidFill>
+                            <a:schemeClr val="tx1"/>
+                          </a:solidFill>
+                          <a:latin typeface="Arial" panose="020B0604020202020204" pitchFamily="34" charset="0"/>
+                          <a:cs typeface="Arial" panose="020B0604020202020204" pitchFamily="34" charset="0"/>
+                        </a:rPr>
+                        <a:t> = 1</a:t>
+                      </a:r>
+                    </a:p>
+                  </a:txBody>
+                  <a:tcPr marL="65948" marR="65948" marT="32973" marB="32973" anchor="ctr">
+                    <a:lnL w="12700" cap="flat" cmpd="sng" algn="ctr">
+                      <a:solidFill>
+                        <a:schemeClr val="tx1"/>
+                      </a:solidFill>
+                      <a:prstDash val="solid"/>
+                      <a:round/>
+                      <a:headEnd type="none" w="med" len="med"/>
+                      <a:tailEnd type="none" w="med" len="med"/>
+                    </a:lnL>
+                    <a:lnR w="12700" cap="flat" cmpd="sng" algn="ctr">
+                      <a:solidFill>
+                        <a:schemeClr val="tx1"/>
+                      </a:solidFill>
+                      <a:prstDash val="solid"/>
+                      <a:round/>
+                      <a:headEnd type="none" w="med" len="med"/>
+                      <a:tailEnd type="none" w="med" len="med"/>
+                    </a:lnR>
+                    <a:lnT w="12700" cmpd="sng">
+                      <a:noFill/>
+                    </a:lnT>
+                    <a:lnB w="12700" cmpd="sng">
+                      <a:noFill/>
+                    </a:lnB>
+                    <a:noFill/>
+                  </a:tcPr>
+                </a:tc>
+                <a:tc>
+                  <a:txBody>
+                    <a:bodyPr/>
+                    <a:lstStyle/>
+                    <a:p>
+                      <a:pPr algn="ctr"/>
+                      <a:r>
+                        <a:rPr lang="en-US" sz="700" dirty="0">
+                          <a:ln>
+                            <a:noFill/>
+                          </a:ln>
+                          <a:solidFill>
+                            <a:schemeClr val="tx1"/>
+                          </a:solidFill>
+                          <a:latin typeface="Arial" panose="020B0604020202020204" pitchFamily="34" charset="0"/>
+                          <a:cs typeface="Arial" panose="020B0604020202020204" pitchFamily="34" charset="0"/>
+                        </a:rPr>
+                        <a:t>✓</a:t>
+                      </a:r>
+                    </a:p>
+                  </a:txBody>
+                  <a:tcPr marL="65948" marR="65948" marT="32973" marB="32973" anchor="ctr">
+                    <a:lnL w="12700" cap="flat" cmpd="sng" algn="ctr">
+                      <a:solidFill>
+                        <a:schemeClr val="tx1"/>
+                      </a:solidFill>
+                      <a:prstDash val="solid"/>
+                      <a:round/>
+                      <a:headEnd type="none" w="med" len="med"/>
+                      <a:tailEnd type="none" w="med" len="med"/>
+                    </a:lnL>
+                    <a:lnT w="12700" cmpd="sng">
+                      <a:noFill/>
+                    </a:lnT>
+                    <a:lnB w="12700" cmpd="sng">
+                      <a:noFill/>
+                    </a:lnB>
+                    <a:noFill/>
+                  </a:tcPr>
+                </a:tc>
+                <a:tc>
+                  <a:txBody>
+                    <a:bodyPr/>
+                    <a:lstStyle/>
+                    <a:p>
+                      <a:pPr algn="ctr"/>
+                      <a:endParaRPr lang="en-US" sz="700" dirty="0">
+                        <a:ln>
+                          <a:noFill/>
+                        </a:ln>
+                        <a:solidFill>
+                          <a:schemeClr val="tx1"/>
+                        </a:solidFill>
+                        <a:latin typeface="Arial" panose="020B0604020202020204" pitchFamily="34" charset="0"/>
+                        <a:cs typeface="Arial" panose="020B0604020202020204" pitchFamily="34" charset="0"/>
+                      </a:endParaRPr>
+                    </a:p>
+                  </a:txBody>
+                  <a:tcPr marL="65948" marR="65948" marT="32973" marB="32973" anchor="ctr">
+                    <a:lnR w="12700" cap="flat" cmpd="sng" algn="ctr">
+                      <a:solidFill>
+                        <a:schemeClr val="tx1"/>
+                      </a:solidFill>
+                      <a:prstDash val="solid"/>
+                      <a:round/>
+                      <a:headEnd type="none" w="med" len="med"/>
+                      <a:tailEnd type="none" w="med" len="med"/>
+                    </a:lnR>
+                    <a:lnT w="12700" cmpd="sng">
+                      <a:noFill/>
+                    </a:lnT>
+                    <a:lnB w="12700" cmpd="sng">
+                      <a:noFill/>
+                    </a:lnB>
+                    <a:noFill/>
+                  </a:tcPr>
+                </a:tc>
+                <a:tc>
+                  <a:txBody>
+                    <a:bodyPr/>
+                    <a:lstStyle/>
+                    <a:p>
+                      <a:pPr algn="ctr"/>
+                      <a:endParaRPr lang="en-US" sz="700" dirty="0">
+                        <a:ln>
+                          <a:noFill/>
+                        </a:ln>
+                        <a:solidFill>
+                          <a:schemeClr val="tx1"/>
+                        </a:solidFill>
+                        <a:latin typeface="Arial" panose="020B0604020202020204" pitchFamily="34" charset="0"/>
+                        <a:cs typeface="Arial" panose="020B0604020202020204" pitchFamily="34" charset="0"/>
+                      </a:endParaRPr>
+                    </a:p>
+                  </a:txBody>
+                  <a:tcPr marL="65948" marR="65948" marT="32973" marB="32973" anchor="ctr">
+                    <a:lnL w="12700" cap="flat" cmpd="sng" algn="ctr">
+                      <a:solidFill>
+                        <a:schemeClr val="tx1"/>
+                      </a:solidFill>
+                      <a:prstDash val="solid"/>
+                      <a:round/>
+                      <a:headEnd type="none" w="med" len="med"/>
+                      <a:tailEnd type="none" w="med" len="med"/>
+                    </a:lnL>
+                    <a:lnT w="12700" cmpd="sng">
+                      <a:noFill/>
+                    </a:lnT>
+                    <a:lnB w="12700" cmpd="sng">
+                      <a:noFill/>
+                    </a:lnB>
+                    <a:noFill/>
+                  </a:tcPr>
+                </a:tc>
+                <a:tc>
+                  <a:txBody>
+                    <a:bodyPr/>
+                    <a:lstStyle/>
+                    <a:p>
+                      <a:pPr algn="ctr"/>
+                      <a:r>
+                        <a:rPr lang="en-US" sz="700" dirty="0">
+                          <a:ln>
+                            <a:noFill/>
+                          </a:ln>
+                          <a:solidFill>
+                            <a:schemeClr val="tx1"/>
+                          </a:solidFill>
+                          <a:latin typeface="Arial" panose="020B0604020202020204" pitchFamily="34" charset="0"/>
+                          <a:cs typeface="Arial" panose="020B0604020202020204" pitchFamily="34" charset="0"/>
+                        </a:rPr>
+                        <a:t>✓</a:t>
+                      </a:r>
+                    </a:p>
+                  </a:txBody>
+                  <a:tcPr marL="65948" marR="65948" marT="32973" marB="32973" anchor="ctr">
+                    <a:lnT w="12700" cmpd="sng">
+                      <a:noFill/>
+                    </a:lnT>
+                    <a:lnB w="12700" cmpd="sng">
+                      <a:noFill/>
+                    </a:lnB>
+                    <a:noFill/>
+                  </a:tcPr>
+                </a:tc>
+                <a:tc>
+                  <a:txBody>
+                    <a:bodyPr/>
+                    <a:lstStyle/>
+                    <a:p>
+                      <a:pPr algn="ctr"/>
+                      <a:r>
+                        <a:rPr lang="en-US" sz="700" dirty="0">
+                          <a:ln>
+                            <a:noFill/>
+                          </a:ln>
+                          <a:solidFill>
+                            <a:schemeClr val="tx1"/>
+                          </a:solidFill>
+                          <a:latin typeface="Arial" panose="020B0604020202020204" pitchFamily="34" charset="0"/>
+                          <a:cs typeface="Arial" panose="020B0604020202020204" pitchFamily="34" charset="0"/>
+                        </a:rPr>
+                        <a:t>✓</a:t>
+                      </a:r>
+                    </a:p>
+                  </a:txBody>
+                  <a:tcPr marL="65948" marR="65948" marT="32973" marB="32973" anchor="ctr">
+                    <a:lnR w="12700" cap="flat" cmpd="sng" algn="ctr">
+                      <a:solidFill>
+                        <a:schemeClr val="tx1"/>
+                      </a:solidFill>
+                      <a:prstDash val="solid"/>
+                      <a:round/>
+                      <a:headEnd type="none" w="med" len="med"/>
+                      <a:tailEnd type="none" w="med" len="med"/>
+                    </a:lnR>
+                    <a:lnT w="12700" cmpd="sng">
+                      <a:noFill/>
+                    </a:lnT>
+                    <a:lnB w="12700" cmpd="sng">
+                      <a:noFill/>
+                    </a:lnB>
+                    <a:noFill/>
+                  </a:tcPr>
+                </a:tc>
+                <a:extLst>
+                  <a:ext uri="{0D108BD9-81ED-4DB2-BD59-A6C34878D82A}">
+                    <a16:rowId xmlns:a16="http://schemas.microsoft.com/office/drawing/2014/main" val="1591239116"/>
+                  </a:ext>
+                </a:extLst>
+              </a:tr>
+              <a:tr h="172566">
+                <a:tc>
+                  <a:txBody>
+                    <a:bodyPr/>
+                    <a:lstStyle/>
+                    <a:p>
+                      <a:pPr algn="ctr"/>
+                      <a:r>
+                        <a:rPr lang="en-US" sz="700" dirty="0">
+                          <a:ln>
+                            <a:noFill/>
+                          </a:ln>
+                          <a:solidFill>
+                            <a:schemeClr val="tx1"/>
+                          </a:solidFill>
+                          <a:latin typeface="Arial" panose="020B0604020202020204" pitchFamily="34" charset="0"/>
+                          <a:cs typeface="Arial" panose="020B0604020202020204" pitchFamily="34" charset="0"/>
+                        </a:rPr>
+                        <a:t>Bar plot</a:t>
+                      </a:r>
+                    </a:p>
+                  </a:txBody>
+                  <a:tcPr marL="65948" marR="65948" marT="32973" marB="32973" anchor="ctr">
+                    <a:lnL w="12700" cap="flat" cmpd="sng" algn="ctr">
+                      <a:solidFill>
+                        <a:schemeClr val="tx1"/>
+                      </a:solidFill>
+                      <a:prstDash val="solid"/>
+                      <a:round/>
+                      <a:headEnd type="none" w="med" len="med"/>
+                      <a:tailEnd type="none" w="med" len="med"/>
+                    </a:lnL>
+                    <a:lnR w="12700" cap="flat" cmpd="sng" algn="ctr">
+                      <a:solidFill>
+                        <a:schemeClr val="tx1"/>
+                      </a:solidFill>
+                      <a:prstDash val="solid"/>
+                      <a:round/>
+                      <a:headEnd type="none" w="med" len="med"/>
+                      <a:tailEnd type="none" w="med" len="med"/>
+                    </a:lnR>
+                    <a:lnT w="12700" cmpd="sng">
+                      <a:noFill/>
+                    </a:lnT>
+                    <a:lnB w="12700" cmpd="sng">
+                      <a:noFill/>
+                    </a:lnB>
+                    <a:noFill/>
+                  </a:tcPr>
+                </a:tc>
+                <a:tc>
+                  <a:txBody>
+                    <a:bodyPr/>
+                    <a:lstStyle/>
+                    <a:p>
+                      <a:pPr marL="0" marR="0" lvl="0" indent="0" algn="ctr" defTabSz="914400" rtl="0" eaLnBrk="1" fontAlgn="auto" latinLnBrk="0" hangingPunct="1">
+                        <a:lnSpc>
+                          <a:spcPct val="100000"/>
+                        </a:lnSpc>
+                        <a:spcBef>
+                          <a:spcPts val="0"/>
+                        </a:spcBef>
+                        <a:spcAft>
+                          <a:spcPts val="0"/>
+                        </a:spcAft>
+                        <a:buClrTx/>
+                        <a:buSzTx/>
+                        <a:buFontTx/>
+                        <a:buNone/>
+                        <a:tabLst/>
+                        <a:defRPr/>
+                      </a:pPr>
+                      <a:r>
+                        <a:rPr lang="en-US" sz="700" dirty="0">
+                          <a:ln>
+                            <a:noFill/>
+                          </a:ln>
+                          <a:solidFill>
+                            <a:schemeClr val="tx1"/>
+                          </a:solidFill>
+                          <a:latin typeface="Arial" panose="020B0604020202020204" pitchFamily="34" charset="0"/>
+                          <a:cs typeface="Arial" panose="020B0604020202020204" pitchFamily="34" charset="0"/>
+                        </a:rPr>
+                        <a:t>1 ≤ </a:t>
+                      </a:r>
+                      <a:r>
+                        <a:rPr lang="en-US" sz="700" i="1" dirty="0">
+                          <a:ln>
+                            <a:noFill/>
+                          </a:ln>
+                          <a:solidFill>
+                            <a:schemeClr val="tx1"/>
+                          </a:solidFill>
+                          <a:latin typeface="Arial" panose="020B0604020202020204" pitchFamily="34" charset="0"/>
+                          <a:cs typeface="Arial" panose="020B0604020202020204" pitchFamily="34" charset="0"/>
+                        </a:rPr>
+                        <a:t>n</a:t>
+                      </a:r>
+                      <a:r>
+                        <a:rPr lang="en-US" sz="700" dirty="0">
+                          <a:ln>
+                            <a:noFill/>
+                          </a:ln>
+                          <a:solidFill>
+                            <a:schemeClr val="tx1"/>
+                          </a:solidFill>
+                          <a:latin typeface="Arial" panose="020B0604020202020204" pitchFamily="34" charset="0"/>
+                          <a:cs typeface="Arial" panose="020B0604020202020204" pitchFamily="34" charset="0"/>
+                        </a:rPr>
+                        <a:t> ≲ 5</a:t>
+                      </a:r>
+                    </a:p>
+                  </a:txBody>
+                  <a:tcPr marL="65948" marR="65948" marT="32973" marB="32973" anchor="ctr">
+                    <a:lnL w="12700" cap="flat" cmpd="sng" algn="ctr">
+                      <a:solidFill>
+                        <a:schemeClr val="tx1"/>
+                      </a:solidFill>
+                      <a:prstDash val="solid"/>
+                      <a:round/>
+                      <a:headEnd type="none" w="med" len="med"/>
+                      <a:tailEnd type="none" w="med" len="med"/>
+                    </a:lnL>
+                    <a:lnR w="12700" cap="flat" cmpd="sng" algn="ctr">
+                      <a:solidFill>
+                        <a:schemeClr val="tx1"/>
+                      </a:solidFill>
+                      <a:prstDash val="solid"/>
+                      <a:round/>
+                      <a:headEnd type="none" w="med" len="med"/>
+                      <a:tailEnd type="none" w="med" len="med"/>
+                    </a:lnR>
+                    <a:lnT w="12700" cmpd="sng">
+                      <a:noFill/>
+                    </a:lnT>
+                    <a:lnB w="12700" cmpd="sng">
+                      <a:noFill/>
+                    </a:lnB>
+                    <a:noFill/>
+                  </a:tcPr>
+                </a:tc>
+                <a:tc>
+                  <a:txBody>
+                    <a:bodyPr/>
+                    <a:lstStyle/>
+                    <a:p>
+                      <a:pPr algn="ctr"/>
+                      <a:r>
+                        <a:rPr lang="en-US" sz="700" dirty="0">
+                          <a:ln>
+                            <a:noFill/>
+                          </a:ln>
+                          <a:solidFill>
+                            <a:schemeClr val="tx1"/>
+                          </a:solidFill>
+                          <a:latin typeface="Arial" panose="020B0604020202020204" pitchFamily="34" charset="0"/>
+                          <a:cs typeface="Arial" panose="020B0604020202020204" pitchFamily="34" charset="0"/>
+                        </a:rPr>
+                        <a:t>✓</a:t>
+                      </a:r>
+                    </a:p>
+                  </a:txBody>
+                  <a:tcPr marL="65948" marR="65948" marT="32973" marB="32973" anchor="ctr">
+                    <a:lnL w="12700" cap="flat" cmpd="sng" algn="ctr">
+                      <a:solidFill>
+                        <a:schemeClr val="tx1"/>
+                      </a:solidFill>
+                      <a:prstDash val="solid"/>
+                      <a:round/>
+                      <a:headEnd type="none" w="med" len="med"/>
+                      <a:tailEnd type="none" w="med" len="med"/>
+                    </a:lnL>
+                    <a:lnT w="12700" cmpd="sng">
+                      <a:noFill/>
+                    </a:lnT>
+                    <a:lnB w="12700" cmpd="sng">
+                      <a:noFill/>
+                    </a:lnB>
+                    <a:noFill/>
+                  </a:tcPr>
+                </a:tc>
+                <a:tc>
+                  <a:txBody>
+                    <a:bodyPr/>
+                    <a:lstStyle/>
+                    <a:p>
+                      <a:pPr algn="ctr"/>
+                      <a:endParaRPr lang="en-US" sz="700" dirty="0">
+                        <a:ln>
+                          <a:noFill/>
+                        </a:ln>
+                        <a:solidFill>
+                          <a:schemeClr val="tx1"/>
+                        </a:solidFill>
+                        <a:latin typeface="Arial" panose="020B0604020202020204" pitchFamily="34" charset="0"/>
+                        <a:cs typeface="Arial" panose="020B0604020202020204" pitchFamily="34" charset="0"/>
+                      </a:endParaRPr>
+                    </a:p>
+                  </a:txBody>
+                  <a:tcPr marL="65948" marR="65948" marT="32973" marB="32973" anchor="ctr">
+                    <a:lnR w="12700" cap="flat" cmpd="sng" algn="ctr">
+                      <a:solidFill>
+                        <a:schemeClr val="tx1"/>
+                      </a:solidFill>
+                      <a:prstDash val="solid"/>
+                      <a:round/>
+                      <a:headEnd type="none" w="med" len="med"/>
+                      <a:tailEnd type="none" w="med" len="med"/>
+                    </a:lnR>
+                    <a:lnT w="12700" cmpd="sng">
+                      <a:noFill/>
+                    </a:lnT>
+                    <a:lnB w="12700" cmpd="sng">
+                      <a:noFill/>
+                    </a:lnB>
+                    <a:noFill/>
+                  </a:tcPr>
+                </a:tc>
+                <a:tc>
+                  <a:txBody>
+                    <a:bodyPr/>
+                    <a:lstStyle/>
+                    <a:p>
+                      <a:pPr algn="ctr"/>
+                      <a:endParaRPr lang="en-US" sz="700" dirty="0">
+                        <a:ln>
+                          <a:noFill/>
+                        </a:ln>
+                        <a:solidFill>
+                          <a:schemeClr val="tx1"/>
+                        </a:solidFill>
+                        <a:latin typeface="Arial" panose="020B0604020202020204" pitchFamily="34" charset="0"/>
+                        <a:cs typeface="Arial" panose="020B0604020202020204" pitchFamily="34" charset="0"/>
+                      </a:endParaRPr>
+                    </a:p>
+                  </a:txBody>
+                  <a:tcPr marL="65948" marR="65948" marT="32973" marB="32973" anchor="ctr">
+                    <a:lnL w="12700" cap="flat" cmpd="sng" algn="ctr">
+                      <a:solidFill>
+                        <a:schemeClr val="tx1"/>
+                      </a:solidFill>
+                      <a:prstDash val="solid"/>
+                      <a:round/>
+                      <a:headEnd type="none" w="med" len="med"/>
+                      <a:tailEnd type="none" w="med" len="med"/>
+                    </a:lnL>
+                    <a:lnT w="12700" cmpd="sng">
+                      <a:noFill/>
+                    </a:lnT>
+                    <a:lnB w="12700" cmpd="sng">
+                      <a:noFill/>
+                    </a:lnB>
+                    <a:noFill/>
+                  </a:tcPr>
+                </a:tc>
+                <a:tc>
+                  <a:txBody>
+                    <a:bodyPr/>
+                    <a:lstStyle/>
+                    <a:p>
+                      <a:pPr algn="ctr"/>
+                      <a:r>
+                        <a:rPr lang="en-US" sz="700" dirty="0">
+                          <a:ln>
+                            <a:noFill/>
+                          </a:ln>
+                          <a:solidFill>
+                            <a:schemeClr val="tx1"/>
+                          </a:solidFill>
+                          <a:latin typeface="Arial" panose="020B0604020202020204" pitchFamily="34" charset="0"/>
+                          <a:cs typeface="Arial" panose="020B0604020202020204" pitchFamily="34" charset="0"/>
+                        </a:rPr>
+                        <a:t>✓</a:t>
+                      </a:r>
+                    </a:p>
+                  </a:txBody>
+                  <a:tcPr marL="65948" marR="65948" marT="32973" marB="32973" anchor="ctr">
+                    <a:lnT w="12700" cmpd="sng">
+                      <a:noFill/>
+                    </a:lnT>
+                    <a:lnB w="12700" cmpd="sng">
+                      <a:noFill/>
+                    </a:lnB>
+                    <a:noFill/>
+                  </a:tcPr>
+                </a:tc>
+                <a:tc>
+                  <a:txBody>
+                    <a:bodyPr/>
+                    <a:lstStyle/>
+                    <a:p>
+                      <a:pPr algn="ctr"/>
+                      <a:r>
+                        <a:rPr lang="en-US" sz="700" dirty="0">
+                          <a:ln>
+                            <a:noFill/>
+                          </a:ln>
+                          <a:solidFill>
+                            <a:schemeClr val="tx1"/>
+                          </a:solidFill>
+                          <a:latin typeface="Arial" panose="020B0604020202020204" pitchFamily="34" charset="0"/>
+                          <a:cs typeface="Arial" panose="020B0604020202020204" pitchFamily="34" charset="0"/>
+                        </a:rPr>
+                        <a:t>✓</a:t>
+                      </a:r>
+                    </a:p>
+                  </a:txBody>
+                  <a:tcPr marL="65948" marR="65948" marT="32973" marB="32973" anchor="ctr">
+                    <a:lnR w="12700" cap="flat" cmpd="sng" algn="ctr">
+                      <a:solidFill>
+                        <a:schemeClr val="tx1"/>
+                      </a:solidFill>
+                      <a:prstDash val="solid"/>
+                      <a:round/>
+                      <a:headEnd type="none" w="med" len="med"/>
+                      <a:tailEnd type="none" w="med" len="med"/>
+                    </a:lnR>
+                    <a:lnT w="12700" cmpd="sng">
+                      <a:noFill/>
+                    </a:lnT>
+                    <a:lnB w="12700" cmpd="sng">
+                      <a:noFill/>
+                    </a:lnB>
+                    <a:noFill/>
+                  </a:tcPr>
+                </a:tc>
+                <a:extLst>
+                  <a:ext uri="{0D108BD9-81ED-4DB2-BD59-A6C34878D82A}">
+                    <a16:rowId xmlns:a16="http://schemas.microsoft.com/office/drawing/2014/main" val="1537718574"/>
+                  </a:ext>
+                </a:extLst>
+              </a:tr>
+              <a:tr h="172566">
+                <a:tc>
+                  <a:txBody>
+                    <a:bodyPr/>
+                    <a:lstStyle/>
+                    <a:p>
+                      <a:pPr algn="ctr"/>
+                      <a:r>
+                        <a:rPr lang="en-US" sz="700" dirty="0">
+                          <a:ln>
+                            <a:noFill/>
+                          </a:ln>
+                          <a:solidFill>
+                            <a:schemeClr val="tx1"/>
+                          </a:solidFill>
+                          <a:latin typeface="Arial" panose="020B0604020202020204" pitchFamily="34" charset="0"/>
+                          <a:cs typeface="Arial" panose="020B0604020202020204" pitchFamily="34" charset="0"/>
+                        </a:rPr>
+                        <a:t>Mean-and-error plot</a:t>
+                      </a:r>
+                    </a:p>
+                  </a:txBody>
+                  <a:tcPr marL="65948" marR="65948" marT="32973" marB="32973" anchor="ctr">
+                    <a:lnL w="12700" cap="flat" cmpd="sng" algn="ctr">
+                      <a:solidFill>
+                        <a:schemeClr val="tx1"/>
+                      </a:solidFill>
+                      <a:prstDash val="solid"/>
+                      <a:round/>
+                      <a:headEnd type="none" w="med" len="med"/>
+                      <a:tailEnd type="none" w="med" len="med"/>
+                    </a:lnL>
+                    <a:lnR w="12700" cap="flat" cmpd="sng" algn="ctr">
+                      <a:solidFill>
+                        <a:schemeClr val="tx1"/>
+                      </a:solidFill>
+                      <a:prstDash val="solid"/>
+                      <a:round/>
+                      <a:headEnd type="none" w="med" len="med"/>
+                      <a:tailEnd type="none" w="med" len="med"/>
+                    </a:lnR>
+                    <a:lnT w="12700" cmpd="sng">
+                      <a:noFill/>
+                    </a:lnT>
+                    <a:lnB w="12700" cmpd="sng">
+                      <a:noFill/>
+                    </a:lnB>
+                    <a:noFill/>
+                  </a:tcPr>
+                </a:tc>
+                <a:tc>
+                  <a:txBody>
+                    <a:bodyPr/>
+                    <a:lstStyle/>
+                    <a:p>
+                      <a:pPr marL="0" marR="0" lvl="0" indent="0" algn="ctr" defTabSz="914400" rtl="0" eaLnBrk="1" fontAlgn="auto" latinLnBrk="0" hangingPunct="1">
+                        <a:lnSpc>
+                          <a:spcPct val="100000"/>
+                        </a:lnSpc>
+                        <a:spcBef>
+                          <a:spcPts val="0"/>
+                        </a:spcBef>
+                        <a:spcAft>
+                          <a:spcPts val="0"/>
+                        </a:spcAft>
+                        <a:buClrTx/>
+                        <a:buSzTx/>
+                        <a:buFontTx/>
+                        <a:buNone/>
+                        <a:tabLst/>
+                        <a:defRPr/>
+                      </a:pPr>
+                      <a:r>
+                        <a:rPr lang="en-US" sz="700" dirty="0">
+                          <a:ln>
+                            <a:noFill/>
+                          </a:ln>
+                          <a:solidFill>
+                            <a:schemeClr val="tx1"/>
+                          </a:solidFill>
+                          <a:latin typeface="Arial" panose="020B0604020202020204" pitchFamily="34" charset="0"/>
+                          <a:cs typeface="Arial" panose="020B0604020202020204" pitchFamily="34" charset="0"/>
+                        </a:rPr>
+                        <a:t>1 &lt; </a:t>
+                      </a:r>
+                      <a:r>
+                        <a:rPr lang="en-US" sz="700" i="1" dirty="0">
+                          <a:ln>
+                            <a:noFill/>
+                          </a:ln>
+                          <a:solidFill>
+                            <a:schemeClr val="tx1"/>
+                          </a:solidFill>
+                          <a:latin typeface="Arial" panose="020B0604020202020204" pitchFamily="34" charset="0"/>
+                          <a:cs typeface="Arial" panose="020B0604020202020204" pitchFamily="34" charset="0"/>
+                        </a:rPr>
+                        <a:t>n</a:t>
+                      </a:r>
+                      <a:r>
+                        <a:rPr lang="en-US" sz="700" dirty="0">
+                          <a:ln>
+                            <a:noFill/>
+                          </a:ln>
+                          <a:solidFill>
+                            <a:schemeClr val="tx1"/>
+                          </a:solidFill>
+                          <a:latin typeface="Arial" panose="020B0604020202020204" pitchFamily="34" charset="0"/>
+                          <a:cs typeface="Arial" panose="020B0604020202020204" pitchFamily="34" charset="0"/>
+                        </a:rPr>
+                        <a:t> ≲ 5</a:t>
+                      </a:r>
+                    </a:p>
+                  </a:txBody>
+                  <a:tcPr marL="65948" marR="65948" marT="32973" marB="32973" anchor="ctr">
+                    <a:lnL w="12700" cap="flat" cmpd="sng" algn="ctr">
+                      <a:solidFill>
+                        <a:schemeClr val="tx1"/>
+                      </a:solidFill>
+                      <a:prstDash val="solid"/>
+                      <a:round/>
+                      <a:headEnd type="none" w="med" len="med"/>
+                      <a:tailEnd type="none" w="med" len="med"/>
+                    </a:lnL>
+                    <a:lnR w="12700" cap="flat" cmpd="sng" algn="ctr">
+                      <a:solidFill>
+                        <a:schemeClr val="tx1"/>
+                      </a:solidFill>
+                      <a:prstDash val="solid"/>
+                      <a:round/>
+                      <a:headEnd type="none" w="med" len="med"/>
+                      <a:tailEnd type="none" w="med" len="med"/>
+                    </a:lnR>
+                    <a:lnT w="12700" cmpd="sng">
+                      <a:noFill/>
+                    </a:lnT>
+                    <a:lnB w="12700" cmpd="sng">
+                      <a:noFill/>
+                    </a:lnB>
+                    <a:noFill/>
+                  </a:tcPr>
+                </a:tc>
+                <a:tc>
+                  <a:txBody>
+                    <a:bodyPr/>
+                    <a:lstStyle/>
+                    <a:p>
+                      <a:pPr algn="ctr"/>
+                      <a:r>
+                        <a:rPr lang="en-US" sz="700">
+                          <a:ln>
+                            <a:noFill/>
+                          </a:ln>
+                          <a:solidFill>
+                            <a:schemeClr val="tx1"/>
+                          </a:solidFill>
+                          <a:latin typeface="Arial" panose="020B0604020202020204" pitchFamily="34" charset="0"/>
+                          <a:cs typeface="Arial" panose="020B0604020202020204" pitchFamily="34" charset="0"/>
+                        </a:rPr>
+                        <a:t>✓</a:t>
+                      </a:r>
+                      <a:endParaRPr lang="en-US" sz="700" dirty="0">
+                        <a:ln>
+                          <a:noFill/>
+                        </a:ln>
+                        <a:solidFill>
+                          <a:schemeClr val="tx1"/>
+                        </a:solidFill>
+                        <a:latin typeface="Arial" panose="020B0604020202020204" pitchFamily="34" charset="0"/>
+                        <a:cs typeface="Arial" panose="020B0604020202020204" pitchFamily="34" charset="0"/>
+                      </a:endParaRPr>
+                    </a:p>
+                  </a:txBody>
+                  <a:tcPr marL="65948" marR="65948" marT="32973" marB="32973" anchor="ctr">
+                    <a:lnL w="12700" cap="flat" cmpd="sng" algn="ctr">
+                      <a:solidFill>
+                        <a:schemeClr val="tx1"/>
+                      </a:solidFill>
+                      <a:prstDash val="solid"/>
+                      <a:round/>
+                      <a:headEnd type="none" w="med" len="med"/>
+                      <a:tailEnd type="none" w="med" len="med"/>
+                    </a:lnL>
+                    <a:lnT w="12700" cmpd="sng">
+                      <a:noFill/>
+                    </a:lnT>
+                    <a:lnB w="12700" cmpd="sng">
+                      <a:noFill/>
+                    </a:lnB>
+                    <a:noFill/>
+                  </a:tcPr>
+                </a:tc>
+                <a:tc>
+                  <a:txBody>
+                    <a:bodyPr/>
+                    <a:lstStyle/>
+                    <a:p>
+                      <a:pPr algn="ctr"/>
+                      <a:r>
+                        <a:rPr lang="en-US" sz="700">
+                          <a:ln>
+                            <a:noFill/>
+                          </a:ln>
+                          <a:solidFill>
+                            <a:schemeClr val="tx1"/>
+                          </a:solidFill>
+                          <a:latin typeface="Arial" panose="020B0604020202020204" pitchFamily="34" charset="0"/>
+                          <a:cs typeface="Arial" panose="020B0604020202020204" pitchFamily="34" charset="0"/>
+                        </a:rPr>
+                        <a:t>✓</a:t>
+                      </a:r>
+                      <a:endParaRPr lang="en-US" sz="700" dirty="0">
+                        <a:ln>
+                          <a:noFill/>
+                        </a:ln>
+                        <a:solidFill>
+                          <a:schemeClr val="tx1"/>
+                        </a:solidFill>
+                        <a:latin typeface="Arial" panose="020B0604020202020204" pitchFamily="34" charset="0"/>
+                        <a:cs typeface="Arial" panose="020B0604020202020204" pitchFamily="34" charset="0"/>
+                      </a:endParaRPr>
+                    </a:p>
+                  </a:txBody>
+                  <a:tcPr marL="65948" marR="65948" marT="32973" marB="32973" anchor="ctr">
+                    <a:lnR w="12700" cap="flat" cmpd="sng" algn="ctr">
+                      <a:solidFill>
+                        <a:schemeClr val="tx1"/>
+                      </a:solidFill>
+                      <a:prstDash val="solid"/>
+                      <a:round/>
+                      <a:headEnd type="none" w="med" len="med"/>
+                      <a:tailEnd type="none" w="med" len="med"/>
+                    </a:lnR>
+                    <a:lnT w="12700" cmpd="sng">
+                      <a:noFill/>
+                    </a:lnT>
+                    <a:lnB w="12700" cmpd="sng">
+                      <a:noFill/>
+                    </a:lnB>
+                    <a:noFill/>
+                  </a:tcPr>
+                </a:tc>
+                <a:tc>
+                  <a:txBody>
+                    <a:bodyPr/>
+                    <a:lstStyle/>
+                    <a:p>
+                      <a:pPr algn="ctr"/>
+                      <a:r>
+                        <a:rPr kumimoji="0" lang="en-US" sz="700" b="0" i="0" u="none" strike="noStrike" kern="1200" cap="none" spc="0" normalizeH="0" baseline="0" noProof="0" dirty="0">
+                          <a:ln>
+                            <a:noFill/>
+                          </a:ln>
+                          <a:solidFill>
+                            <a:schemeClr val="tx1"/>
+                          </a:solidFill>
+                          <a:effectLst/>
+                          <a:uLnTx/>
+                          <a:uFillTx/>
+                          <a:latin typeface="Arial" panose="020B0604020202020204" pitchFamily="34" charset="0"/>
+                          <a:ea typeface="+mn-ea"/>
+                          <a:cs typeface="Arial" panose="020B0604020202020204" pitchFamily="34" charset="0"/>
+                        </a:rPr>
+                        <a:t>✓</a:t>
+                      </a:r>
+                      <a:endParaRPr lang="en-US" sz="700" dirty="0">
+                        <a:ln>
+                          <a:noFill/>
+                        </a:ln>
+                        <a:solidFill>
+                          <a:schemeClr val="tx1"/>
+                        </a:solidFill>
+                        <a:latin typeface="Arial" panose="020B0604020202020204" pitchFamily="34" charset="0"/>
+                        <a:cs typeface="Arial" panose="020B0604020202020204" pitchFamily="34" charset="0"/>
+                      </a:endParaRPr>
+                    </a:p>
+                  </a:txBody>
+                  <a:tcPr marL="65948" marR="65948" marT="32973" marB="32973" anchor="ctr">
+                    <a:lnL w="12700" cap="flat" cmpd="sng" algn="ctr">
+                      <a:solidFill>
+                        <a:schemeClr val="tx1"/>
+                      </a:solidFill>
+                      <a:prstDash val="solid"/>
+                      <a:round/>
+                      <a:headEnd type="none" w="med" len="med"/>
+                      <a:tailEnd type="none" w="med" len="med"/>
+                    </a:lnL>
+                    <a:lnT w="12700" cmpd="sng">
+                      <a:noFill/>
+                    </a:lnT>
+                    <a:lnB w="12700" cmpd="sng">
+                      <a:noFill/>
+                    </a:lnB>
+                    <a:noFill/>
+                  </a:tcPr>
+                </a:tc>
+                <a:tc>
+                  <a:txBody>
+                    <a:bodyPr/>
+                    <a:lstStyle/>
+                    <a:p>
+                      <a:pPr algn="ctr"/>
+                      <a:endParaRPr lang="en-US" sz="700" dirty="0">
+                        <a:ln>
+                          <a:noFill/>
+                        </a:ln>
+                        <a:solidFill>
+                          <a:schemeClr val="tx1"/>
+                        </a:solidFill>
+                        <a:latin typeface="Arial" panose="020B0604020202020204" pitchFamily="34" charset="0"/>
+                        <a:cs typeface="Arial" panose="020B0604020202020204" pitchFamily="34" charset="0"/>
+                      </a:endParaRPr>
+                    </a:p>
+                  </a:txBody>
+                  <a:tcPr marL="65948" marR="65948" marT="32973" marB="32973" anchor="ctr">
+                    <a:lnT w="12700" cmpd="sng">
+                      <a:noFill/>
+                    </a:lnT>
+                    <a:lnB w="12700" cmpd="sng">
+                      <a:noFill/>
+                    </a:lnB>
+                    <a:noFill/>
+                  </a:tcPr>
+                </a:tc>
+                <a:tc>
+                  <a:txBody>
+                    <a:bodyPr/>
+                    <a:lstStyle/>
+                    <a:p>
+                      <a:pPr algn="ctr"/>
+                      <a:endParaRPr lang="en-US" sz="700" dirty="0">
+                        <a:ln>
+                          <a:noFill/>
+                        </a:ln>
+                        <a:solidFill>
+                          <a:schemeClr val="tx1"/>
+                        </a:solidFill>
+                        <a:latin typeface="Arial" panose="020B0604020202020204" pitchFamily="34" charset="0"/>
+                        <a:cs typeface="Arial" panose="020B0604020202020204" pitchFamily="34" charset="0"/>
+                      </a:endParaRPr>
+                    </a:p>
+                  </a:txBody>
+                  <a:tcPr marL="65948" marR="65948" marT="32973" marB="32973" anchor="ctr">
+                    <a:lnR w="12700" cap="flat" cmpd="sng" algn="ctr">
+                      <a:solidFill>
+                        <a:schemeClr val="tx1"/>
+                      </a:solidFill>
+                      <a:prstDash val="solid"/>
+                      <a:round/>
+                      <a:headEnd type="none" w="med" len="med"/>
+                      <a:tailEnd type="none" w="med" len="med"/>
+                    </a:lnR>
+                    <a:lnT w="12700" cmpd="sng">
+                      <a:noFill/>
+                    </a:lnT>
+                    <a:lnB w="12700" cmpd="sng">
+                      <a:noFill/>
+                    </a:lnB>
+                    <a:noFill/>
+                  </a:tcPr>
+                </a:tc>
+                <a:extLst>
+                  <a:ext uri="{0D108BD9-81ED-4DB2-BD59-A6C34878D82A}">
+                    <a16:rowId xmlns:a16="http://schemas.microsoft.com/office/drawing/2014/main" val="3618775623"/>
+                  </a:ext>
+                </a:extLst>
+              </a:tr>
+              <a:tr h="172566">
+                <a:tc>
+                  <a:txBody>
+                    <a:bodyPr/>
+                    <a:lstStyle/>
+                    <a:p>
+                      <a:pPr algn="ctr"/>
+                      <a:r>
+                        <a:rPr lang="en-US" sz="700" dirty="0">
+                          <a:ln>
+                            <a:noFill/>
+                          </a:ln>
+                          <a:solidFill>
+                            <a:schemeClr val="tx1"/>
+                          </a:solidFill>
+                          <a:latin typeface="Arial" panose="020B0604020202020204" pitchFamily="34" charset="0"/>
+                          <a:cs typeface="Arial" panose="020B0604020202020204" pitchFamily="34" charset="0"/>
+                        </a:rPr>
+                        <a:t>Box plot</a:t>
+                      </a:r>
+                    </a:p>
+                  </a:txBody>
+                  <a:tcPr marL="65948" marR="65948" marT="32973" marB="32973" anchor="ctr">
+                    <a:lnL w="12700" cap="flat" cmpd="sng" algn="ctr">
+                      <a:solidFill>
+                        <a:schemeClr val="tx1"/>
+                      </a:solidFill>
+                      <a:prstDash val="solid"/>
+                      <a:round/>
+                      <a:headEnd type="none" w="med" len="med"/>
+                      <a:tailEnd type="none" w="med" len="med"/>
+                    </a:lnL>
+                    <a:lnR w="12700" cap="flat" cmpd="sng" algn="ctr">
+                      <a:solidFill>
+                        <a:schemeClr val="tx1"/>
+                      </a:solidFill>
+                      <a:prstDash val="solid"/>
+                      <a:round/>
+                      <a:headEnd type="none" w="med" len="med"/>
+                      <a:tailEnd type="none" w="med" len="med"/>
+                    </a:lnR>
+                    <a:lnT w="12700" cmpd="sng">
+                      <a:noFill/>
+                    </a:lnT>
+                    <a:lnB w="12700" cmpd="sng">
+                      <a:noFill/>
+                    </a:lnB>
+                    <a:noFill/>
+                  </a:tcPr>
+                </a:tc>
+                <a:tc>
+                  <a:txBody>
+                    <a:bodyPr/>
+                    <a:lstStyle/>
+                    <a:p>
+                      <a:pPr marL="0" marR="0" lvl="0" indent="0" algn="ctr" defTabSz="914400" rtl="0" eaLnBrk="1" fontAlgn="auto" latinLnBrk="0" hangingPunct="1">
+                        <a:lnSpc>
+                          <a:spcPct val="100000"/>
+                        </a:lnSpc>
+                        <a:spcBef>
+                          <a:spcPts val="0"/>
+                        </a:spcBef>
+                        <a:spcAft>
+                          <a:spcPts val="0"/>
+                        </a:spcAft>
+                        <a:buClrTx/>
+                        <a:buSzTx/>
+                        <a:buFontTx/>
+                        <a:buNone/>
+                        <a:tabLst/>
+                        <a:defRPr/>
+                      </a:pPr>
+                      <a:r>
+                        <a:rPr lang="en-US" sz="700" dirty="0">
+                          <a:ln>
+                            <a:noFill/>
+                          </a:ln>
+                          <a:solidFill>
+                            <a:schemeClr val="tx1"/>
+                          </a:solidFill>
+                          <a:latin typeface="Arial" panose="020B0604020202020204" pitchFamily="34" charset="0"/>
+                          <a:cs typeface="Arial" panose="020B0604020202020204" pitchFamily="34" charset="0"/>
+                        </a:rPr>
+                        <a:t>5 ≲ </a:t>
+                      </a:r>
+                      <a:r>
+                        <a:rPr lang="en-US" sz="700" i="1" dirty="0">
+                          <a:ln>
+                            <a:noFill/>
+                          </a:ln>
+                          <a:solidFill>
+                            <a:schemeClr val="tx1"/>
+                          </a:solidFill>
+                          <a:latin typeface="Arial" panose="020B0604020202020204" pitchFamily="34" charset="0"/>
+                          <a:cs typeface="Arial" panose="020B0604020202020204" pitchFamily="34" charset="0"/>
+                        </a:rPr>
+                        <a:t>n</a:t>
+                      </a:r>
+                      <a:r>
+                        <a:rPr lang="en-US" sz="700" dirty="0">
+                          <a:ln>
+                            <a:noFill/>
+                          </a:ln>
+                          <a:solidFill>
+                            <a:schemeClr val="tx1"/>
+                          </a:solidFill>
+                          <a:latin typeface="Arial" panose="020B0604020202020204" pitchFamily="34" charset="0"/>
+                          <a:cs typeface="Arial" panose="020B0604020202020204" pitchFamily="34" charset="0"/>
+                        </a:rPr>
+                        <a:t> ≲ 30</a:t>
+                      </a:r>
+                    </a:p>
+                  </a:txBody>
+                  <a:tcPr marL="65948" marR="65948" marT="32973" marB="32973" anchor="ctr">
+                    <a:lnL w="12700" cap="flat" cmpd="sng" algn="ctr">
+                      <a:solidFill>
+                        <a:schemeClr val="tx1"/>
+                      </a:solidFill>
+                      <a:prstDash val="solid"/>
+                      <a:round/>
+                      <a:headEnd type="none" w="med" len="med"/>
+                      <a:tailEnd type="none" w="med" len="med"/>
+                    </a:lnL>
+                    <a:lnR w="12700" cap="flat" cmpd="sng" algn="ctr">
+                      <a:solidFill>
+                        <a:schemeClr val="tx1"/>
+                      </a:solidFill>
+                      <a:prstDash val="solid"/>
+                      <a:round/>
+                      <a:headEnd type="none" w="med" len="med"/>
+                      <a:tailEnd type="none" w="med" len="med"/>
+                    </a:lnR>
+                    <a:lnT w="12700" cmpd="sng">
+                      <a:noFill/>
+                    </a:lnT>
+                    <a:lnB w="12700" cmpd="sng">
+                      <a:noFill/>
+                    </a:lnB>
+                    <a:noFill/>
+                  </a:tcPr>
+                </a:tc>
+                <a:tc>
+                  <a:txBody>
+                    <a:bodyPr/>
+                    <a:lstStyle/>
+                    <a:p>
+                      <a:pPr algn="ctr"/>
+                      <a:r>
+                        <a:rPr lang="en-US" sz="700">
+                          <a:ln>
+                            <a:noFill/>
+                          </a:ln>
+                          <a:solidFill>
+                            <a:schemeClr val="tx1"/>
+                          </a:solidFill>
+                          <a:latin typeface="Arial" panose="020B0604020202020204" pitchFamily="34" charset="0"/>
+                          <a:cs typeface="Arial" panose="020B0604020202020204" pitchFamily="34" charset="0"/>
+                        </a:rPr>
+                        <a:t>✓</a:t>
+                      </a:r>
+                      <a:endParaRPr lang="en-US" sz="700" dirty="0">
+                        <a:ln>
+                          <a:noFill/>
+                        </a:ln>
+                        <a:solidFill>
+                          <a:schemeClr val="tx1"/>
+                        </a:solidFill>
+                        <a:latin typeface="Arial" panose="020B0604020202020204" pitchFamily="34" charset="0"/>
+                        <a:cs typeface="Arial" panose="020B0604020202020204" pitchFamily="34" charset="0"/>
+                      </a:endParaRPr>
+                    </a:p>
+                  </a:txBody>
+                  <a:tcPr marL="65948" marR="65948" marT="32973" marB="32973" anchor="ctr">
+                    <a:lnL w="12700" cap="flat" cmpd="sng" algn="ctr">
+                      <a:solidFill>
+                        <a:schemeClr val="tx1"/>
+                      </a:solidFill>
+                      <a:prstDash val="solid"/>
+                      <a:round/>
+                      <a:headEnd type="none" w="med" len="med"/>
+                      <a:tailEnd type="none" w="med" len="med"/>
+                    </a:lnL>
+                    <a:lnT w="12700" cmpd="sng">
+                      <a:noFill/>
+                    </a:lnT>
+                    <a:lnB w="12700" cmpd="sng">
+                      <a:noFill/>
+                    </a:lnB>
+                    <a:noFill/>
+                  </a:tcPr>
+                </a:tc>
+                <a:tc>
+                  <a:txBody>
+                    <a:bodyPr/>
+                    <a:lstStyle/>
+                    <a:p>
+                      <a:pPr algn="ctr"/>
+                      <a:r>
+                        <a:rPr lang="en-US" sz="700">
+                          <a:ln>
+                            <a:noFill/>
+                          </a:ln>
+                          <a:solidFill>
+                            <a:schemeClr val="tx1"/>
+                          </a:solidFill>
+                          <a:latin typeface="Arial" panose="020B0604020202020204" pitchFamily="34" charset="0"/>
+                          <a:cs typeface="Arial" panose="020B0604020202020204" pitchFamily="34" charset="0"/>
+                        </a:rPr>
+                        <a:t>✓</a:t>
+                      </a:r>
+                      <a:endParaRPr lang="en-US" sz="700" dirty="0">
+                        <a:ln>
+                          <a:noFill/>
+                        </a:ln>
+                        <a:solidFill>
+                          <a:schemeClr val="tx1"/>
+                        </a:solidFill>
+                        <a:latin typeface="Arial" panose="020B0604020202020204" pitchFamily="34" charset="0"/>
+                        <a:cs typeface="Arial" panose="020B0604020202020204" pitchFamily="34" charset="0"/>
+                      </a:endParaRPr>
+                    </a:p>
+                  </a:txBody>
+                  <a:tcPr marL="65948" marR="65948" marT="32973" marB="32973" anchor="ctr">
+                    <a:lnR w="12700" cap="flat" cmpd="sng" algn="ctr">
+                      <a:solidFill>
+                        <a:schemeClr val="tx1"/>
+                      </a:solidFill>
+                      <a:prstDash val="solid"/>
+                      <a:round/>
+                      <a:headEnd type="none" w="med" len="med"/>
+                      <a:tailEnd type="none" w="med" len="med"/>
+                    </a:lnR>
+                    <a:lnT w="12700" cmpd="sng">
+                      <a:noFill/>
+                    </a:lnT>
+                    <a:lnB w="12700" cmpd="sng">
+                      <a:noFill/>
+                    </a:lnB>
+                    <a:noFill/>
+                  </a:tcPr>
+                </a:tc>
+                <a:tc>
+                  <a:txBody>
+                    <a:bodyPr/>
+                    <a:lstStyle/>
+                    <a:p>
+                      <a:pPr algn="ctr"/>
+                      <a:r>
+                        <a:rPr kumimoji="0" lang="en-US" sz="700" b="0" i="0" u="none" strike="noStrike" kern="1200" cap="none" spc="0" normalizeH="0" baseline="0" noProof="0">
+                          <a:ln>
+                            <a:noFill/>
+                          </a:ln>
+                          <a:solidFill>
+                            <a:schemeClr val="tx1"/>
+                          </a:solidFill>
+                          <a:effectLst/>
+                          <a:uLnTx/>
+                          <a:uFillTx/>
+                          <a:latin typeface="Arial" panose="020B0604020202020204" pitchFamily="34" charset="0"/>
+                          <a:ea typeface="+mn-ea"/>
+                          <a:cs typeface="Arial" panose="020B0604020202020204" pitchFamily="34" charset="0"/>
+                        </a:rPr>
+                        <a:t>✓</a:t>
+                      </a:r>
+                      <a:endParaRPr lang="en-US" sz="700">
+                        <a:ln>
+                          <a:noFill/>
+                        </a:ln>
+                        <a:solidFill>
+                          <a:schemeClr val="tx1"/>
+                        </a:solidFill>
+                        <a:latin typeface="Arial" panose="020B0604020202020204" pitchFamily="34" charset="0"/>
+                        <a:cs typeface="Arial" panose="020B0604020202020204" pitchFamily="34" charset="0"/>
+                      </a:endParaRPr>
+                    </a:p>
+                  </a:txBody>
+                  <a:tcPr marL="65948" marR="65948" marT="32973" marB="32973" anchor="ctr">
+                    <a:lnL w="12700" cap="flat" cmpd="sng" algn="ctr">
+                      <a:solidFill>
+                        <a:schemeClr val="tx1"/>
+                      </a:solidFill>
+                      <a:prstDash val="solid"/>
+                      <a:round/>
+                      <a:headEnd type="none" w="med" len="med"/>
+                      <a:tailEnd type="none" w="med" len="med"/>
+                    </a:lnL>
+                    <a:lnT w="12700" cmpd="sng">
+                      <a:noFill/>
+                    </a:lnT>
+                    <a:lnB w="12700" cmpd="sng">
+                      <a:noFill/>
+                    </a:lnB>
+                    <a:noFill/>
+                  </a:tcPr>
+                </a:tc>
+                <a:tc>
+                  <a:txBody>
+                    <a:bodyPr/>
+                    <a:lstStyle/>
+                    <a:p>
+                      <a:pPr algn="ctr"/>
+                      <a:endParaRPr lang="en-US" sz="700" dirty="0">
+                        <a:ln>
+                          <a:noFill/>
+                        </a:ln>
+                        <a:solidFill>
+                          <a:schemeClr val="tx1"/>
+                        </a:solidFill>
+                        <a:latin typeface="Arial" panose="020B0604020202020204" pitchFamily="34" charset="0"/>
+                        <a:cs typeface="Arial" panose="020B0604020202020204" pitchFamily="34" charset="0"/>
+                      </a:endParaRPr>
+                    </a:p>
+                  </a:txBody>
+                  <a:tcPr marL="65948" marR="65948" marT="32973" marB="32973" anchor="ctr">
+                    <a:lnT w="12700" cmpd="sng">
+                      <a:noFill/>
+                    </a:lnT>
+                    <a:lnB w="12700" cmpd="sng">
+                      <a:noFill/>
+                    </a:lnB>
+                    <a:noFill/>
+                  </a:tcPr>
+                </a:tc>
+                <a:tc>
+                  <a:txBody>
+                    <a:bodyPr/>
+                    <a:lstStyle/>
+                    <a:p>
+                      <a:pPr algn="ctr"/>
+                      <a:endParaRPr lang="en-US" sz="700" dirty="0">
+                        <a:ln>
+                          <a:noFill/>
+                        </a:ln>
+                        <a:solidFill>
+                          <a:schemeClr val="tx1"/>
+                        </a:solidFill>
+                        <a:latin typeface="Arial" panose="020B0604020202020204" pitchFamily="34" charset="0"/>
+                        <a:cs typeface="Arial" panose="020B0604020202020204" pitchFamily="34" charset="0"/>
+                      </a:endParaRPr>
+                    </a:p>
+                  </a:txBody>
+                  <a:tcPr marL="65948" marR="65948" marT="32973" marB="32973" anchor="ctr">
+                    <a:lnR w="12700" cap="flat" cmpd="sng" algn="ctr">
+                      <a:solidFill>
+                        <a:schemeClr val="tx1"/>
+                      </a:solidFill>
+                      <a:prstDash val="solid"/>
+                      <a:round/>
+                      <a:headEnd type="none" w="med" len="med"/>
+                      <a:tailEnd type="none" w="med" len="med"/>
+                    </a:lnR>
+                    <a:lnT w="12700" cmpd="sng">
+                      <a:noFill/>
+                    </a:lnT>
+                    <a:lnB w="12700" cmpd="sng">
+                      <a:noFill/>
+                    </a:lnB>
+                    <a:noFill/>
+                  </a:tcPr>
+                </a:tc>
+                <a:extLst>
+                  <a:ext uri="{0D108BD9-81ED-4DB2-BD59-A6C34878D82A}">
+                    <a16:rowId xmlns:a16="http://schemas.microsoft.com/office/drawing/2014/main" val="2536868443"/>
+                  </a:ext>
+                </a:extLst>
+              </a:tr>
+              <a:tr h="172566">
+                <a:tc>
+                  <a:txBody>
+                    <a:bodyPr/>
+                    <a:lstStyle/>
+                    <a:p>
+                      <a:pPr algn="ctr"/>
+                      <a:r>
+                        <a:rPr lang="en-US" sz="700" dirty="0">
+                          <a:ln>
+                            <a:noFill/>
+                          </a:ln>
+                          <a:solidFill>
+                            <a:schemeClr val="tx1"/>
+                          </a:solidFill>
+                          <a:latin typeface="Arial" panose="020B0604020202020204" pitchFamily="34" charset="0"/>
+                          <a:cs typeface="Arial" panose="020B0604020202020204" pitchFamily="34" charset="0"/>
+                        </a:rPr>
+                        <a:t>Violin plot</a:t>
+                      </a:r>
+                    </a:p>
+                  </a:txBody>
+                  <a:tcPr marL="65948" marR="65948" marT="32973" marB="32973" anchor="ctr">
+                    <a:lnL w="12700" cap="flat" cmpd="sng" algn="ctr">
+                      <a:solidFill>
+                        <a:schemeClr val="tx1"/>
+                      </a:solidFill>
+                      <a:prstDash val="solid"/>
+                      <a:round/>
+                      <a:headEnd type="none" w="med" len="med"/>
+                      <a:tailEnd type="none" w="med" len="med"/>
+                    </a:lnL>
+                    <a:lnR w="12700" cap="flat" cmpd="sng" algn="ctr">
+                      <a:solidFill>
+                        <a:schemeClr val="tx1"/>
+                      </a:solidFill>
+                      <a:prstDash val="solid"/>
+                      <a:round/>
+                      <a:headEnd type="none" w="med" len="med"/>
+                      <a:tailEnd type="none" w="med" len="med"/>
+                    </a:lnR>
+                    <a:lnT w="12700" cmpd="sng">
+                      <a:noFill/>
+                    </a:lnT>
+                    <a:lnB w="12700" cmpd="sng">
+                      <a:noFill/>
+                    </a:lnB>
+                    <a:noFill/>
+                  </a:tcPr>
+                </a:tc>
+                <a:tc>
+                  <a:txBody>
+                    <a:bodyPr/>
+                    <a:lstStyle/>
+                    <a:p>
+                      <a:pPr marL="0" marR="0" lvl="0" indent="0" algn="ctr" defTabSz="914400" rtl="0" eaLnBrk="1" fontAlgn="auto" latinLnBrk="0" hangingPunct="1">
+                        <a:lnSpc>
+                          <a:spcPct val="100000"/>
+                        </a:lnSpc>
+                        <a:spcBef>
+                          <a:spcPts val="0"/>
+                        </a:spcBef>
+                        <a:spcAft>
+                          <a:spcPts val="0"/>
+                        </a:spcAft>
+                        <a:buClrTx/>
+                        <a:buSzTx/>
+                        <a:buFontTx/>
+                        <a:buNone/>
+                        <a:tabLst/>
+                        <a:defRPr/>
+                      </a:pPr>
+                      <a:r>
+                        <a:rPr lang="en-US" sz="700" i="1" dirty="0">
+                          <a:ln>
+                            <a:noFill/>
+                          </a:ln>
+                          <a:solidFill>
+                            <a:schemeClr val="tx1"/>
+                          </a:solidFill>
+                          <a:latin typeface="Arial" panose="020B0604020202020204" pitchFamily="34" charset="0"/>
+                          <a:cs typeface="Arial" panose="020B0604020202020204" pitchFamily="34" charset="0"/>
+                        </a:rPr>
+                        <a:t>n</a:t>
+                      </a:r>
+                      <a:r>
+                        <a:rPr lang="en-US" sz="700" dirty="0">
+                          <a:ln>
+                            <a:noFill/>
+                          </a:ln>
+                          <a:solidFill>
+                            <a:schemeClr val="tx1"/>
+                          </a:solidFill>
+                          <a:latin typeface="Arial" panose="020B0604020202020204" pitchFamily="34" charset="0"/>
+                          <a:cs typeface="Arial" panose="020B0604020202020204" pitchFamily="34" charset="0"/>
+                        </a:rPr>
+                        <a:t> ≳ 30</a:t>
+                      </a:r>
+                    </a:p>
+                  </a:txBody>
+                  <a:tcPr marL="65948" marR="65948" marT="32973" marB="32973" anchor="ctr">
+                    <a:lnL w="12700" cap="flat" cmpd="sng" algn="ctr">
+                      <a:solidFill>
+                        <a:schemeClr val="tx1"/>
+                      </a:solidFill>
+                      <a:prstDash val="solid"/>
+                      <a:round/>
+                      <a:headEnd type="none" w="med" len="med"/>
+                      <a:tailEnd type="none" w="med" len="med"/>
+                    </a:lnL>
+                    <a:lnR w="12700" cap="flat" cmpd="sng" algn="ctr">
+                      <a:solidFill>
+                        <a:schemeClr val="tx1"/>
+                      </a:solidFill>
+                      <a:prstDash val="solid"/>
+                      <a:round/>
+                      <a:headEnd type="none" w="med" len="med"/>
+                      <a:tailEnd type="none" w="med" len="med"/>
+                    </a:lnR>
+                    <a:lnT w="12700" cmpd="sng">
+                      <a:noFill/>
+                    </a:lnT>
+                    <a:lnB w="12700" cmpd="sng">
+                      <a:noFill/>
+                    </a:lnB>
+                    <a:noFill/>
+                  </a:tcPr>
+                </a:tc>
+                <a:tc>
+                  <a:txBody>
+                    <a:bodyPr/>
+                    <a:lstStyle/>
+                    <a:p>
+                      <a:pPr algn="ctr"/>
+                      <a:r>
+                        <a:rPr lang="en-US" sz="700">
+                          <a:ln>
+                            <a:noFill/>
+                          </a:ln>
+                          <a:solidFill>
+                            <a:schemeClr val="tx1"/>
+                          </a:solidFill>
+                          <a:latin typeface="Arial" panose="020B0604020202020204" pitchFamily="34" charset="0"/>
+                          <a:cs typeface="Arial" panose="020B0604020202020204" pitchFamily="34" charset="0"/>
+                        </a:rPr>
+                        <a:t>✓</a:t>
+                      </a:r>
+                    </a:p>
+                  </a:txBody>
+                  <a:tcPr marL="65948" marR="65948" marT="32973" marB="32973" anchor="ctr">
+                    <a:lnL w="12700" cap="flat" cmpd="sng" algn="ctr">
+                      <a:solidFill>
+                        <a:schemeClr val="tx1"/>
+                      </a:solidFill>
+                      <a:prstDash val="solid"/>
+                      <a:round/>
+                      <a:headEnd type="none" w="med" len="med"/>
+                      <a:tailEnd type="none" w="med" len="med"/>
+                    </a:lnL>
+                    <a:lnT w="12700" cmpd="sng">
+                      <a:noFill/>
+                    </a:lnT>
+                    <a:lnB w="12700" cmpd="sng">
+                      <a:noFill/>
+                    </a:lnB>
+                    <a:noFill/>
+                  </a:tcPr>
+                </a:tc>
+                <a:tc>
+                  <a:txBody>
+                    <a:bodyPr/>
+                    <a:lstStyle/>
+                    <a:p>
+                      <a:pPr algn="ctr"/>
+                      <a:r>
+                        <a:rPr lang="en-US" sz="700">
+                          <a:ln>
+                            <a:noFill/>
+                          </a:ln>
+                          <a:solidFill>
+                            <a:schemeClr val="tx1"/>
+                          </a:solidFill>
+                          <a:latin typeface="Arial" panose="020B0604020202020204" pitchFamily="34" charset="0"/>
+                          <a:cs typeface="Arial" panose="020B0604020202020204" pitchFamily="34" charset="0"/>
+                        </a:rPr>
+                        <a:t>✓</a:t>
+                      </a:r>
+                      <a:endParaRPr lang="en-US" sz="700" dirty="0">
+                        <a:ln>
+                          <a:noFill/>
+                        </a:ln>
+                        <a:solidFill>
+                          <a:schemeClr val="tx1"/>
+                        </a:solidFill>
+                        <a:latin typeface="Arial" panose="020B0604020202020204" pitchFamily="34" charset="0"/>
+                        <a:cs typeface="Arial" panose="020B0604020202020204" pitchFamily="34" charset="0"/>
+                      </a:endParaRPr>
+                    </a:p>
+                  </a:txBody>
+                  <a:tcPr marL="65948" marR="65948" marT="32973" marB="32973" anchor="ctr">
+                    <a:lnR w="12700" cap="flat" cmpd="sng" algn="ctr">
+                      <a:solidFill>
+                        <a:schemeClr val="tx1"/>
+                      </a:solidFill>
+                      <a:prstDash val="solid"/>
+                      <a:round/>
+                      <a:headEnd type="none" w="med" len="med"/>
+                      <a:tailEnd type="none" w="med" len="med"/>
+                    </a:lnR>
+                    <a:lnT w="12700" cmpd="sng">
+                      <a:noFill/>
+                    </a:lnT>
+                    <a:lnB w="12700" cmpd="sng">
+                      <a:noFill/>
+                    </a:lnB>
+                    <a:noFill/>
+                  </a:tcPr>
+                </a:tc>
+                <a:tc>
+                  <a:txBody>
+                    <a:bodyPr/>
+                    <a:lstStyle/>
+                    <a:p>
+                      <a:pPr algn="ctr"/>
+                      <a:r>
+                        <a:rPr kumimoji="0" lang="en-US" sz="700" b="0" i="0" u="none" strike="noStrike" kern="1200" cap="none" spc="0" normalizeH="0" baseline="0" noProof="0">
+                          <a:ln>
+                            <a:noFill/>
+                          </a:ln>
+                          <a:solidFill>
+                            <a:schemeClr val="tx1"/>
+                          </a:solidFill>
+                          <a:effectLst/>
+                          <a:uLnTx/>
+                          <a:uFillTx/>
+                          <a:latin typeface="Arial" panose="020B0604020202020204" pitchFamily="34" charset="0"/>
+                          <a:ea typeface="+mn-ea"/>
+                          <a:cs typeface="Arial" panose="020B0604020202020204" pitchFamily="34" charset="0"/>
+                        </a:rPr>
+                        <a:t>✓</a:t>
+                      </a:r>
+                      <a:endParaRPr lang="en-US" sz="700">
+                        <a:ln>
+                          <a:noFill/>
+                        </a:ln>
+                        <a:solidFill>
+                          <a:schemeClr val="tx1"/>
+                        </a:solidFill>
+                        <a:latin typeface="Arial" panose="020B0604020202020204" pitchFamily="34" charset="0"/>
+                        <a:cs typeface="Arial" panose="020B0604020202020204" pitchFamily="34" charset="0"/>
+                      </a:endParaRPr>
+                    </a:p>
+                  </a:txBody>
+                  <a:tcPr marL="65948" marR="65948" marT="32973" marB="32973" anchor="ctr">
+                    <a:lnL w="12700" cap="flat" cmpd="sng" algn="ctr">
+                      <a:solidFill>
+                        <a:schemeClr val="tx1"/>
+                      </a:solidFill>
+                      <a:prstDash val="solid"/>
+                      <a:round/>
+                      <a:headEnd type="none" w="med" len="med"/>
+                      <a:tailEnd type="none" w="med" len="med"/>
+                    </a:lnL>
+                    <a:lnT w="12700" cmpd="sng">
+                      <a:noFill/>
+                    </a:lnT>
+                    <a:lnB w="12700" cmpd="sng">
+                      <a:noFill/>
+                    </a:lnB>
+                    <a:noFill/>
+                  </a:tcPr>
+                </a:tc>
+                <a:tc>
+                  <a:txBody>
+                    <a:bodyPr/>
+                    <a:lstStyle/>
+                    <a:p>
+                      <a:pPr algn="ctr"/>
+                      <a:endParaRPr lang="en-US" sz="700" dirty="0">
+                        <a:ln>
+                          <a:noFill/>
+                        </a:ln>
+                        <a:solidFill>
+                          <a:schemeClr val="tx1"/>
+                        </a:solidFill>
+                        <a:latin typeface="Arial" panose="020B0604020202020204" pitchFamily="34" charset="0"/>
+                        <a:cs typeface="Arial" panose="020B0604020202020204" pitchFamily="34" charset="0"/>
+                      </a:endParaRPr>
+                    </a:p>
+                  </a:txBody>
+                  <a:tcPr marL="65948" marR="65948" marT="32973" marB="32973" anchor="ctr">
+                    <a:lnT w="12700" cmpd="sng">
+                      <a:noFill/>
+                    </a:lnT>
+                    <a:lnB w="12700" cmpd="sng">
+                      <a:noFill/>
+                    </a:lnB>
+                    <a:noFill/>
+                  </a:tcPr>
+                </a:tc>
+                <a:tc>
+                  <a:txBody>
+                    <a:bodyPr/>
+                    <a:lstStyle/>
+                    <a:p>
+                      <a:pPr algn="ctr"/>
+                      <a:endParaRPr lang="en-US" sz="700" dirty="0">
+                        <a:ln>
+                          <a:noFill/>
+                        </a:ln>
+                        <a:solidFill>
+                          <a:schemeClr val="tx1"/>
+                        </a:solidFill>
+                        <a:latin typeface="Arial" panose="020B0604020202020204" pitchFamily="34" charset="0"/>
+                        <a:cs typeface="Arial" panose="020B0604020202020204" pitchFamily="34" charset="0"/>
+                      </a:endParaRPr>
+                    </a:p>
+                  </a:txBody>
+                  <a:tcPr marL="65948" marR="65948" marT="32973" marB="32973" anchor="ctr">
+                    <a:lnR w="12700" cap="flat" cmpd="sng" algn="ctr">
+                      <a:solidFill>
+                        <a:schemeClr val="tx1"/>
+                      </a:solidFill>
+                      <a:prstDash val="solid"/>
+                      <a:round/>
+                      <a:headEnd type="none" w="med" len="med"/>
+                      <a:tailEnd type="none" w="med" len="med"/>
+                    </a:lnR>
+                    <a:lnT w="12700" cmpd="sng">
+                      <a:noFill/>
+                    </a:lnT>
+                    <a:lnB w="12700" cmpd="sng">
+                      <a:noFill/>
+                    </a:lnB>
+                    <a:noFill/>
+                  </a:tcPr>
+                </a:tc>
+                <a:extLst>
+                  <a:ext uri="{0D108BD9-81ED-4DB2-BD59-A6C34878D82A}">
+                    <a16:rowId xmlns:a16="http://schemas.microsoft.com/office/drawing/2014/main" val="2686045765"/>
+                  </a:ext>
+                </a:extLst>
+              </a:tr>
+              <a:tr h="172566">
+                <a:tc>
+                  <a:txBody>
+                    <a:bodyPr/>
+                    <a:lstStyle/>
+                    <a:p>
+                      <a:pPr algn="ctr"/>
+                      <a:r>
+                        <a:rPr lang="en-US" sz="700" dirty="0">
+                          <a:ln>
+                            <a:noFill/>
+                          </a:ln>
+                          <a:solidFill>
+                            <a:schemeClr val="tx1"/>
+                          </a:solidFill>
+                          <a:latin typeface="Arial" panose="020B0604020202020204" pitchFamily="34" charset="0"/>
+                          <a:cs typeface="Arial" panose="020B0604020202020204" pitchFamily="34" charset="0"/>
+                        </a:rPr>
+                        <a:t>Histogram</a:t>
+                      </a:r>
+                    </a:p>
+                  </a:txBody>
+                  <a:tcPr marL="65948" marR="65948" marT="32973" marB="32973" anchor="ctr">
+                    <a:lnL w="12700" cap="flat" cmpd="sng" algn="ctr">
+                      <a:solidFill>
+                        <a:schemeClr val="tx1"/>
+                      </a:solidFill>
+                      <a:prstDash val="solid"/>
+                      <a:round/>
+                      <a:headEnd type="none" w="med" len="med"/>
+                      <a:tailEnd type="none" w="med" len="med"/>
+                    </a:lnL>
+                    <a:lnR w="12700" cap="flat" cmpd="sng" algn="ctr">
+                      <a:solidFill>
+                        <a:schemeClr val="tx1"/>
+                      </a:solidFill>
+                      <a:prstDash val="solid"/>
+                      <a:round/>
+                      <a:headEnd type="none" w="med" len="med"/>
+                      <a:tailEnd type="none" w="med" len="med"/>
+                    </a:lnR>
+                    <a:lnT w="12700" cmpd="sng">
+                      <a:noFill/>
+                    </a:lnT>
+                    <a:lnB w="12700" cap="flat" cmpd="sng" algn="ctr">
+                      <a:solidFill>
+                        <a:schemeClr val="tx1"/>
+                      </a:solidFill>
+                      <a:prstDash val="solid"/>
+                      <a:round/>
+                      <a:headEnd type="none" w="med" len="med"/>
+                      <a:tailEnd type="none" w="med" len="med"/>
+                    </a:lnB>
+                    <a:noFill/>
+                  </a:tcPr>
+                </a:tc>
+                <a:tc>
+                  <a:txBody>
+                    <a:bodyPr/>
+                    <a:lstStyle/>
+                    <a:p>
+                      <a:pPr marL="0" marR="0" lvl="0" indent="0" algn="ctr" defTabSz="914400" rtl="0" eaLnBrk="1" fontAlgn="auto" latinLnBrk="0" hangingPunct="1">
+                        <a:lnSpc>
+                          <a:spcPct val="100000"/>
+                        </a:lnSpc>
+                        <a:spcBef>
+                          <a:spcPts val="0"/>
+                        </a:spcBef>
+                        <a:spcAft>
+                          <a:spcPts val="0"/>
+                        </a:spcAft>
+                        <a:buClrTx/>
+                        <a:buSzTx/>
+                        <a:buFontTx/>
+                        <a:buNone/>
+                        <a:tabLst/>
+                        <a:defRPr/>
+                      </a:pPr>
+                      <a:r>
+                        <a:rPr lang="en-US" sz="700" i="1" dirty="0">
+                          <a:ln>
+                            <a:noFill/>
+                          </a:ln>
+                          <a:solidFill>
+                            <a:schemeClr val="tx1"/>
+                          </a:solidFill>
+                          <a:latin typeface="Arial" panose="020B0604020202020204" pitchFamily="34" charset="0"/>
+                          <a:cs typeface="Arial" panose="020B0604020202020204" pitchFamily="34" charset="0"/>
+                        </a:rPr>
+                        <a:t>n</a:t>
+                      </a:r>
+                      <a:r>
+                        <a:rPr lang="en-US" sz="700" dirty="0">
+                          <a:ln>
+                            <a:noFill/>
+                          </a:ln>
+                          <a:solidFill>
+                            <a:schemeClr val="tx1"/>
+                          </a:solidFill>
+                          <a:latin typeface="Arial" panose="020B0604020202020204" pitchFamily="34" charset="0"/>
+                          <a:cs typeface="Arial" panose="020B0604020202020204" pitchFamily="34" charset="0"/>
+                        </a:rPr>
+                        <a:t> ≳ 30</a:t>
+                      </a:r>
+                    </a:p>
+                  </a:txBody>
+                  <a:tcPr marL="65948" marR="65948" marT="32973" marB="32973" anchor="ctr">
+                    <a:lnL w="12700" cap="flat" cmpd="sng" algn="ctr">
+                      <a:solidFill>
+                        <a:schemeClr val="tx1"/>
+                      </a:solidFill>
+                      <a:prstDash val="solid"/>
+                      <a:round/>
+                      <a:headEnd type="none" w="med" len="med"/>
+                      <a:tailEnd type="none" w="med" len="med"/>
+                    </a:lnL>
+                    <a:lnR w="12700" cap="flat" cmpd="sng" algn="ctr">
+                      <a:solidFill>
+                        <a:schemeClr val="tx1"/>
+                      </a:solidFill>
+                      <a:prstDash val="solid"/>
+                      <a:round/>
+                      <a:headEnd type="none" w="med" len="med"/>
+                      <a:tailEnd type="none" w="med" len="med"/>
+                    </a:lnR>
+                    <a:lnT w="12700" cmpd="sng">
+                      <a:noFill/>
+                    </a:lnT>
+                    <a:lnB w="12700" cap="flat" cmpd="sng" algn="ctr">
+                      <a:solidFill>
+                        <a:schemeClr val="tx1"/>
+                      </a:solidFill>
+                      <a:prstDash val="solid"/>
+                      <a:round/>
+                      <a:headEnd type="none" w="med" len="med"/>
+                      <a:tailEnd type="none" w="med" len="med"/>
+                    </a:lnB>
+                    <a:noFill/>
+                  </a:tcPr>
+                </a:tc>
+                <a:tc>
+                  <a:txBody>
+                    <a:bodyPr/>
+                    <a:lstStyle/>
+                    <a:p>
+                      <a:pPr algn="ctr"/>
+                      <a:r>
+                        <a:rPr lang="en-US" sz="700">
+                          <a:ln>
+                            <a:noFill/>
+                          </a:ln>
+                          <a:solidFill>
+                            <a:schemeClr val="tx1"/>
+                          </a:solidFill>
+                          <a:latin typeface="Arial" panose="020B0604020202020204" pitchFamily="34" charset="0"/>
+                          <a:cs typeface="Arial" panose="020B0604020202020204" pitchFamily="34" charset="0"/>
+                        </a:rPr>
+                        <a:t>✓</a:t>
+                      </a:r>
+                    </a:p>
+                  </a:txBody>
+                  <a:tcPr marL="65948" marR="65948" marT="32973" marB="32973" anchor="ctr">
+                    <a:lnL w="12700" cap="flat" cmpd="sng" algn="ctr">
+                      <a:solidFill>
+                        <a:schemeClr val="tx1"/>
+                      </a:solidFill>
+                      <a:prstDash val="solid"/>
+                      <a:round/>
+                      <a:headEnd type="none" w="med" len="med"/>
+                      <a:tailEnd type="none" w="med" len="med"/>
+                    </a:lnL>
+                    <a:lnT w="12700" cmpd="sng">
+                      <a:noFill/>
+                    </a:lnT>
+                    <a:lnB w="12700" cap="flat" cmpd="sng" algn="ctr">
+                      <a:solidFill>
+                        <a:schemeClr val="tx1"/>
+                      </a:solidFill>
+                      <a:prstDash val="solid"/>
+                      <a:round/>
+                      <a:headEnd type="none" w="med" len="med"/>
+                      <a:tailEnd type="none" w="med" len="med"/>
+                    </a:lnB>
+                    <a:noFill/>
+                  </a:tcPr>
+                </a:tc>
+                <a:tc>
+                  <a:txBody>
+                    <a:bodyPr/>
+                    <a:lstStyle/>
+                    <a:p>
+                      <a:pPr algn="ctr"/>
+                      <a:endParaRPr lang="en-US" sz="700" dirty="0">
+                        <a:ln>
+                          <a:noFill/>
+                        </a:ln>
+                        <a:solidFill>
+                          <a:schemeClr val="tx1"/>
+                        </a:solidFill>
+                        <a:latin typeface="Arial" panose="020B0604020202020204" pitchFamily="34" charset="0"/>
+                        <a:cs typeface="Arial" panose="020B0604020202020204" pitchFamily="34" charset="0"/>
+                      </a:endParaRPr>
+                    </a:p>
+                  </a:txBody>
+                  <a:tcPr marL="65948" marR="65948" marT="32973" marB="32973" anchor="ctr">
+                    <a:lnR w="12700" cap="flat" cmpd="sng" algn="ctr">
+                      <a:solidFill>
+                        <a:schemeClr val="tx1"/>
+                      </a:solidFill>
+                      <a:prstDash val="solid"/>
+                      <a:round/>
+                      <a:headEnd type="none" w="med" len="med"/>
+                      <a:tailEnd type="none" w="med" len="med"/>
+                    </a:lnR>
+                    <a:lnT w="12700" cmpd="sng">
+                      <a:noFill/>
+                    </a:lnT>
+                    <a:lnB w="12700" cap="flat" cmpd="sng" algn="ctr">
+                      <a:solidFill>
+                        <a:schemeClr val="tx1"/>
+                      </a:solidFill>
+                      <a:prstDash val="solid"/>
+                      <a:round/>
+                      <a:headEnd type="none" w="med" len="med"/>
+                      <a:tailEnd type="none" w="med" len="med"/>
+                    </a:lnB>
+                    <a:noFill/>
+                  </a:tcPr>
+                </a:tc>
+                <a:tc>
+                  <a:txBody>
+                    <a:bodyPr/>
+                    <a:lstStyle/>
+                    <a:p>
+                      <a:pPr algn="ctr"/>
+                      <a:r>
+                        <a:rPr kumimoji="0" lang="en-US" sz="700" b="0" i="0" u="none" strike="noStrike" kern="1200" cap="none" spc="0" normalizeH="0" baseline="0" noProof="0" dirty="0">
+                          <a:ln>
+                            <a:noFill/>
+                          </a:ln>
+                          <a:solidFill>
+                            <a:schemeClr val="tx1"/>
+                          </a:solidFill>
+                          <a:effectLst/>
+                          <a:uLnTx/>
+                          <a:uFillTx/>
+                          <a:latin typeface="Arial" panose="020B0604020202020204" pitchFamily="34" charset="0"/>
+                          <a:ea typeface="+mn-ea"/>
+                          <a:cs typeface="Arial" panose="020B0604020202020204" pitchFamily="34" charset="0"/>
+                        </a:rPr>
+                        <a:t>✓</a:t>
+                      </a:r>
+                      <a:endParaRPr lang="en-US" sz="700" dirty="0">
+                        <a:ln>
+                          <a:noFill/>
+                        </a:ln>
+                        <a:solidFill>
+                          <a:schemeClr val="tx1"/>
+                        </a:solidFill>
+                        <a:latin typeface="Arial" panose="020B0604020202020204" pitchFamily="34" charset="0"/>
+                        <a:cs typeface="Arial" panose="020B0604020202020204" pitchFamily="34" charset="0"/>
+                      </a:endParaRPr>
+                    </a:p>
+                  </a:txBody>
+                  <a:tcPr marL="65948" marR="65948" marT="32973" marB="32973" anchor="ctr">
+                    <a:lnL w="12700" cap="flat" cmpd="sng" algn="ctr">
+                      <a:solidFill>
+                        <a:schemeClr val="tx1"/>
+                      </a:solidFill>
+                      <a:prstDash val="solid"/>
+                      <a:round/>
+                      <a:headEnd type="none" w="med" len="med"/>
+                      <a:tailEnd type="none" w="med" len="med"/>
+                    </a:lnL>
+                    <a:lnT w="12700" cmpd="sng">
+                      <a:noFill/>
+                    </a:lnT>
+                    <a:lnB w="12700" cap="flat" cmpd="sng" algn="ctr">
+                      <a:solidFill>
+                        <a:schemeClr val="tx1"/>
+                      </a:solidFill>
+                      <a:prstDash val="solid"/>
+                      <a:round/>
+                      <a:headEnd type="none" w="med" len="med"/>
+                      <a:tailEnd type="none" w="med" len="med"/>
+                    </a:lnB>
+                    <a:noFill/>
+                  </a:tcPr>
+                </a:tc>
+                <a:tc>
+                  <a:txBody>
+                    <a:bodyPr/>
+                    <a:lstStyle/>
+                    <a:p>
+                      <a:pPr algn="ctr"/>
+                      <a:endParaRPr lang="en-US" sz="700" dirty="0">
+                        <a:ln>
+                          <a:noFill/>
+                        </a:ln>
+                        <a:solidFill>
+                          <a:schemeClr val="tx1"/>
+                        </a:solidFill>
+                        <a:latin typeface="Arial" panose="020B0604020202020204" pitchFamily="34" charset="0"/>
+                        <a:cs typeface="Arial" panose="020B0604020202020204" pitchFamily="34" charset="0"/>
+                      </a:endParaRPr>
+                    </a:p>
+                  </a:txBody>
+                  <a:tcPr marL="65948" marR="65948" marT="32973" marB="32973" anchor="ctr">
+                    <a:lnT w="12700" cmpd="sng">
+                      <a:noFill/>
+                    </a:lnT>
+                    <a:lnB w="12700" cap="flat" cmpd="sng" algn="ctr">
+                      <a:solidFill>
+                        <a:schemeClr val="tx1"/>
+                      </a:solidFill>
+                      <a:prstDash val="solid"/>
+                      <a:round/>
+                      <a:headEnd type="none" w="med" len="med"/>
+                      <a:tailEnd type="none" w="med" len="med"/>
+                    </a:lnB>
+                    <a:noFill/>
+                  </a:tcPr>
+                </a:tc>
+                <a:tc>
+                  <a:txBody>
+                    <a:bodyPr/>
+                    <a:lstStyle/>
+                    <a:p>
+                      <a:pPr algn="ctr"/>
+                      <a:endParaRPr lang="en-US" sz="700" dirty="0">
+                        <a:ln>
+                          <a:noFill/>
+                        </a:ln>
+                        <a:solidFill>
+                          <a:schemeClr val="tx1"/>
+                        </a:solidFill>
+                        <a:latin typeface="Arial" panose="020B0604020202020204" pitchFamily="34" charset="0"/>
+                        <a:cs typeface="Arial" panose="020B0604020202020204" pitchFamily="34" charset="0"/>
+                      </a:endParaRPr>
+                    </a:p>
+                  </a:txBody>
+                  <a:tcPr marL="65948" marR="65948" marT="32973" marB="32973" anchor="ctr">
+                    <a:lnR w="12700" cap="flat" cmpd="sng" algn="ctr">
+                      <a:solidFill>
+                        <a:schemeClr val="tx1"/>
+                      </a:solidFill>
+                      <a:prstDash val="solid"/>
+                      <a:round/>
+                      <a:headEnd type="none" w="med" len="med"/>
+                      <a:tailEnd type="none" w="med" len="med"/>
+                    </a:lnR>
+                    <a:lnT w="12700" cmpd="sng">
+                      <a:noFill/>
+                    </a:lnT>
+                    <a:lnB w="12700" cap="flat" cmpd="sng" algn="ctr">
+                      <a:solidFill>
+                        <a:schemeClr val="tx1"/>
+                      </a:solidFill>
+                      <a:prstDash val="solid"/>
+                      <a:round/>
+                      <a:headEnd type="none" w="med" len="med"/>
+                      <a:tailEnd type="none" w="med" len="med"/>
+                    </a:lnB>
+                    <a:noFill/>
+                  </a:tcPr>
+                </a:tc>
+                <a:extLst>
+                  <a:ext uri="{0D108BD9-81ED-4DB2-BD59-A6C34878D82A}">
+                    <a16:rowId xmlns:a16="http://schemas.microsoft.com/office/drawing/2014/main" val="1494809061"/>
+                  </a:ext>
+                </a:extLst>
+              </a:tr>
+            </a:tbl>
+          </a:graphicData>
+        </a:graphic>
+      </p:graphicFrame>
+      <p:grpSp>
+        <p:nvGrpSpPr>
+          <p:cNvPr id="11" name="Group 10">
+            <a:extLst>
+              <a:ext uri="{FF2B5EF4-FFF2-40B4-BE49-F238E27FC236}">
+                <a16:creationId xmlns:a16="http://schemas.microsoft.com/office/drawing/2014/main" id="{6685DDFD-10B1-4369-5939-91AC43143681}"/>
+              </a:ext>
+            </a:extLst>
+          </p:cNvPr>
+          <p:cNvGrpSpPr/>
+          <p:nvPr/>
+        </p:nvGrpSpPr>
+        <p:grpSpPr>
+          <a:xfrm>
+            <a:off x="2826045" y="166255"/>
+            <a:ext cx="8092836" cy="3477991"/>
+            <a:chOff x="815225" y="918031"/>
+            <a:chExt cx="11778579" cy="5061982"/>
+          </a:xfrm>
+        </p:grpSpPr>
+        <p:sp>
+          <p:nvSpPr>
+            <p:cNvPr id="23" name="Trapezoid 22">
+              <a:extLst>
+                <a:ext uri="{FF2B5EF4-FFF2-40B4-BE49-F238E27FC236}">
+                  <a16:creationId xmlns:a16="http://schemas.microsoft.com/office/drawing/2014/main" id="{F2A6AA34-2893-C32A-CA73-B32080FBD205}"/>
+                </a:ext>
+              </a:extLst>
+            </p:cNvPr>
+            <p:cNvSpPr/>
+            <p:nvPr/>
+          </p:nvSpPr>
+          <p:spPr>
+            <a:xfrm>
+              <a:off x="815225" y="2425872"/>
+              <a:ext cx="8751508" cy="1161132"/>
+            </a:xfrm>
+            <a:prstGeom prst="trapezoid">
+              <a:avLst>
+                <a:gd name="adj" fmla="val 338500"/>
+              </a:avLst>
+            </a:prstGeom>
+            <a:gradFill>
+              <a:gsLst>
+                <a:gs pos="0">
+                  <a:schemeClr val="bg2">
+                    <a:lumMod val="90000"/>
+                  </a:schemeClr>
+                </a:gs>
+                <a:gs pos="55000">
+                  <a:srgbClr val="FFFFFF"/>
+                </a:gs>
+              </a:gsLst>
+              <a:lin ang="5400000" scaled="1"/>
+            </a:gradFill>
+            <a:ln>
+              <a:noFill/>
+            </a:ln>
+          </p:spPr>
+          <p:style>
+            <a:lnRef idx="2">
+              <a:schemeClr val="accent1">
+                <a:shade val="15000"/>
+              </a:schemeClr>
+            </a:lnRef>
+            <a:fillRef idx="1">
+              <a:schemeClr val="accent1"/>
+            </a:fillRef>
+            <a:effectRef idx="0">
+              <a:schemeClr val="accent1"/>
+            </a:effectRef>
+            <a:fontRef idx="minor">
+              <a:schemeClr val="lt1"/>
+            </a:fontRef>
+          </p:style>
+          <p:txBody>
+            <a:bodyPr rtlCol="0" anchor="ctr"/>
+            <a:lstStyle/>
+            <a:p>
+              <a:pPr algn="ctr"/>
+              <a:endParaRPr lang="en-US" sz="800"/>
+            </a:p>
+          </p:txBody>
+        </p:sp>
+        <p:sp>
+          <p:nvSpPr>
+            <p:cNvPr id="36" name="Chevron 35">
+              <a:extLst>
+                <a:ext uri="{FF2B5EF4-FFF2-40B4-BE49-F238E27FC236}">
+                  <a16:creationId xmlns:a16="http://schemas.microsoft.com/office/drawing/2014/main" id="{E422199C-D62A-6B16-0EAF-C9ACCAF4E217}"/>
+                </a:ext>
+              </a:extLst>
+            </p:cNvPr>
+            <p:cNvSpPr/>
+            <p:nvPr/>
+          </p:nvSpPr>
+          <p:spPr>
+            <a:xfrm>
+              <a:off x="973783" y="1242097"/>
+              <a:ext cx="5201479" cy="323432"/>
+            </a:xfrm>
+            <a:prstGeom prst="chevron">
+              <a:avLst/>
+            </a:prstGeom>
+            <a:solidFill>
+              <a:schemeClr val="bg2"/>
+            </a:solidFill>
+            <a:ln>
+              <a:noFill/>
+            </a:ln>
+          </p:spPr>
+          <p:style>
+            <a:lnRef idx="2">
+              <a:schemeClr val="accent1">
+                <a:shade val="15000"/>
+              </a:schemeClr>
+            </a:lnRef>
+            <a:fillRef idx="1">
+              <a:schemeClr val="accent1"/>
+            </a:fillRef>
+            <a:effectRef idx="0">
+              <a:schemeClr val="accent1"/>
+            </a:effectRef>
+            <a:fontRef idx="minor">
+              <a:schemeClr val="lt1"/>
+            </a:fontRef>
+          </p:style>
+          <p:txBody>
+            <a:bodyPr lIns="36000" tIns="36000" rIns="36000" bIns="36000" rtlCol="0" anchor="ctr"/>
+            <a:lstStyle/>
+            <a:p>
+              <a:pPr algn="ctr"/>
+              <a:r>
+                <a:rPr lang="en-US" sz="800" dirty="0">
+                  <a:solidFill>
+                    <a:schemeClr val="tx1"/>
+                  </a:solidFill>
+                  <a:latin typeface="Arial" panose="020B0604020202020204" pitchFamily="34" charset="0"/>
+                  <a:cs typeface="Arial" panose="020B0604020202020204" pitchFamily="34" charset="0"/>
+                </a:rPr>
+                <a:t>Education</a:t>
+              </a:r>
+            </a:p>
+          </p:txBody>
+        </p:sp>
+        <p:sp>
+          <p:nvSpPr>
+            <p:cNvPr id="38" name="Chevron 37">
+              <a:extLst>
+                <a:ext uri="{FF2B5EF4-FFF2-40B4-BE49-F238E27FC236}">
+                  <a16:creationId xmlns:a16="http://schemas.microsoft.com/office/drawing/2014/main" id="{6C8B0276-0607-6CBF-79FD-B4EE8D332CB6}"/>
+                </a:ext>
+              </a:extLst>
+            </p:cNvPr>
+            <p:cNvSpPr/>
+            <p:nvPr/>
+          </p:nvSpPr>
+          <p:spPr>
+            <a:xfrm>
+              <a:off x="4332660" y="2218699"/>
+              <a:ext cx="7172599" cy="323432"/>
+            </a:xfrm>
+            <a:prstGeom prst="chevron">
+              <a:avLst/>
+            </a:prstGeom>
+            <a:solidFill>
+              <a:schemeClr val="bg2"/>
+            </a:solidFill>
+            <a:ln>
+              <a:noFill/>
+            </a:ln>
+          </p:spPr>
+          <p:style>
+            <a:lnRef idx="2">
+              <a:schemeClr val="accent1">
+                <a:shade val="15000"/>
+              </a:schemeClr>
+            </a:lnRef>
+            <a:fillRef idx="1">
+              <a:schemeClr val="accent1"/>
+            </a:fillRef>
+            <a:effectRef idx="0">
+              <a:schemeClr val="accent1"/>
+            </a:effectRef>
+            <a:fontRef idx="minor">
+              <a:schemeClr val="lt1"/>
+            </a:fontRef>
+          </p:style>
+          <p:txBody>
+            <a:bodyPr lIns="36000" tIns="36000" rIns="36000" bIns="36000" rtlCol="0" anchor="ctr"/>
+            <a:lstStyle/>
+            <a:p>
+              <a:pPr algn="ctr"/>
+              <a:r>
+                <a:rPr lang="en-US" sz="800" dirty="0">
+                  <a:solidFill>
+                    <a:schemeClr val="tx1"/>
+                  </a:solidFill>
+                  <a:latin typeface="Arial" panose="020B0604020202020204" pitchFamily="34" charset="0"/>
+                  <a:cs typeface="Arial" panose="020B0604020202020204" pitchFamily="34" charset="0"/>
+                </a:rPr>
+                <a:t>Publication cycle</a:t>
+              </a:r>
+            </a:p>
+          </p:txBody>
+        </p:sp>
+        <p:sp>
+          <p:nvSpPr>
+            <p:cNvPr id="39" name="Chevron 38">
+              <a:extLst>
+                <a:ext uri="{FF2B5EF4-FFF2-40B4-BE49-F238E27FC236}">
+                  <a16:creationId xmlns:a16="http://schemas.microsoft.com/office/drawing/2014/main" id="{CFC71CAC-945E-C0A1-CEA8-DFBBFD852178}"/>
+                </a:ext>
+              </a:extLst>
+            </p:cNvPr>
+            <p:cNvSpPr/>
+            <p:nvPr/>
+          </p:nvSpPr>
+          <p:spPr>
+            <a:xfrm>
+              <a:off x="973784" y="1569385"/>
+              <a:ext cx="2008181" cy="645458"/>
+            </a:xfrm>
+            <a:prstGeom prst="chevron">
+              <a:avLst/>
+            </a:prstGeom>
+            <a:solidFill>
+              <a:srgbClr val="CEE26B">
+                <a:alpha val="40000"/>
+              </a:srgbClr>
+            </a:solidFill>
+            <a:ln>
+              <a:solidFill>
+                <a:schemeClr val="bg1"/>
+              </a:solidFill>
+            </a:ln>
+          </p:spPr>
+          <p:style>
+            <a:lnRef idx="2">
+              <a:schemeClr val="accent1">
+                <a:shade val="15000"/>
+              </a:schemeClr>
+            </a:lnRef>
+            <a:fillRef idx="1">
+              <a:schemeClr val="accent1"/>
+            </a:fillRef>
+            <a:effectRef idx="0">
+              <a:schemeClr val="accent1"/>
+            </a:effectRef>
+            <a:fontRef idx="minor">
+              <a:schemeClr val="lt1"/>
+            </a:fontRef>
+          </p:style>
+          <p:txBody>
+            <a:bodyPr lIns="36000" tIns="36000" rIns="36000" bIns="36000" rtlCol="0" anchor="ctr"/>
+            <a:lstStyle/>
+            <a:p>
+              <a:pPr algn="ctr"/>
+              <a:r>
+                <a:rPr lang="en-US" sz="800" dirty="0">
+                  <a:solidFill>
+                    <a:schemeClr val="tx1"/>
+                  </a:solidFill>
+                  <a:latin typeface="Arial" panose="020B0604020202020204" pitchFamily="34" charset="0"/>
+                  <a:cs typeface="Arial" panose="020B0604020202020204" pitchFamily="34" charset="0"/>
+                </a:rPr>
+                <a:t>K-12</a:t>
+              </a:r>
+            </a:p>
+          </p:txBody>
+        </p:sp>
+        <p:sp>
+          <p:nvSpPr>
+            <p:cNvPr id="40" name="Chevron 39">
+              <a:extLst>
+                <a:ext uri="{FF2B5EF4-FFF2-40B4-BE49-F238E27FC236}">
+                  <a16:creationId xmlns:a16="http://schemas.microsoft.com/office/drawing/2014/main" id="{0299F011-E3CE-670E-0FEA-4DF7D6EBB3DB}"/>
+                </a:ext>
+              </a:extLst>
+            </p:cNvPr>
+            <p:cNvSpPr/>
+            <p:nvPr/>
+          </p:nvSpPr>
+          <p:spPr>
+            <a:xfrm>
+              <a:off x="2653222" y="1569385"/>
+              <a:ext cx="2008181" cy="645458"/>
+            </a:xfrm>
+            <a:prstGeom prst="chevron">
+              <a:avLst/>
+            </a:prstGeom>
+            <a:solidFill>
+              <a:srgbClr val="82C26E">
+                <a:alpha val="80000"/>
+              </a:srgbClr>
+            </a:solidFill>
+            <a:ln>
+              <a:solidFill>
+                <a:schemeClr val="bg1"/>
+              </a:solidFill>
+            </a:ln>
+          </p:spPr>
+          <p:style>
+            <a:lnRef idx="2">
+              <a:schemeClr val="accent1">
+                <a:shade val="15000"/>
+              </a:schemeClr>
+            </a:lnRef>
+            <a:fillRef idx="1">
+              <a:schemeClr val="accent1"/>
+            </a:fillRef>
+            <a:effectRef idx="0">
+              <a:schemeClr val="accent1"/>
+            </a:effectRef>
+            <a:fontRef idx="minor">
+              <a:schemeClr val="lt1"/>
+            </a:fontRef>
+          </p:style>
+          <p:txBody>
+            <a:bodyPr lIns="36000" tIns="36000" rIns="36000" bIns="36000" rtlCol="0" anchor="ctr"/>
+            <a:lstStyle/>
+            <a:p>
+              <a:pPr algn="ctr"/>
+              <a:r>
+                <a:rPr lang="en-US" sz="800" dirty="0">
+                  <a:solidFill>
+                    <a:schemeClr val="tx1"/>
+                  </a:solidFill>
+                  <a:latin typeface="Arial" panose="020B0604020202020204" pitchFamily="34" charset="0"/>
+                  <a:cs typeface="Arial" panose="020B0604020202020204" pitchFamily="34" charset="0"/>
+                </a:rPr>
+                <a:t>Undergraduate</a:t>
+              </a:r>
+            </a:p>
+          </p:txBody>
+        </p:sp>
+        <p:sp>
+          <p:nvSpPr>
+            <p:cNvPr id="41" name="Chevron 40">
+              <a:extLst>
+                <a:ext uri="{FF2B5EF4-FFF2-40B4-BE49-F238E27FC236}">
+                  <a16:creationId xmlns:a16="http://schemas.microsoft.com/office/drawing/2014/main" id="{73E316A7-A436-25C9-31C9-663F75541544}"/>
+                </a:ext>
+              </a:extLst>
+            </p:cNvPr>
+            <p:cNvSpPr/>
+            <p:nvPr/>
+          </p:nvSpPr>
+          <p:spPr>
+            <a:xfrm>
+              <a:off x="4332660" y="1569385"/>
+              <a:ext cx="2008181" cy="645458"/>
+            </a:xfrm>
+            <a:prstGeom prst="chevron">
+              <a:avLst/>
+            </a:prstGeom>
+            <a:solidFill>
+              <a:srgbClr val="5CB270">
+                <a:alpha val="80000"/>
+              </a:srgbClr>
+            </a:solidFill>
+            <a:ln>
+              <a:solidFill>
+                <a:schemeClr val="bg1"/>
+              </a:solidFill>
+            </a:ln>
+          </p:spPr>
+          <p:style>
+            <a:lnRef idx="2">
+              <a:schemeClr val="accent1">
+                <a:shade val="15000"/>
+              </a:schemeClr>
+            </a:lnRef>
+            <a:fillRef idx="1">
+              <a:schemeClr val="accent1"/>
+            </a:fillRef>
+            <a:effectRef idx="0">
+              <a:schemeClr val="accent1"/>
+            </a:effectRef>
+            <a:fontRef idx="minor">
+              <a:schemeClr val="lt1"/>
+            </a:fontRef>
+          </p:style>
+          <p:txBody>
+            <a:bodyPr lIns="36000" tIns="36000" rIns="36000" bIns="36000" rtlCol="0" anchor="ctr"/>
+            <a:lstStyle/>
+            <a:p>
+              <a:pPr algn="ctr"/>
+              <a:r>
+                <a:rPr lang="en-US" sz="800" dirty="0">
+                  <a:solidFill>
+                    <a:schemeClr val="tx1"/>
+                  </a:solidFill>
+                  <a:latin typeface="Arial" panose="020B0604020202020204" pitchFamily="34" charset="0"/>
+                  <a:cs typeface="Arial" panose="020B0604020202020204" pitchFamily="34" charset="0"/>
+                </a:rPr>
+                <a:t>Graduate/Postdoc</a:t>
+              </a:r>
+            </a:p>
+            <a:p>
+              <a:pPr algn="ctr"/>
+              <a:r>
+                <a:rPr lang="en-US" sz="800" dirty="0">
+                  <a:solidFill>
+                    <a:schemeClr val="tx1"/>
+                  </a:solidFill>
+                  <a:latin typeface="Arial" panose="020B0604020202020204" pitchFamily="34" charset="0"/>
+                  <a:cs typeface="Arial" panose="020B0604020202020204" pitchFamily="34" charset="0"/>
+                </a:rPr>
+                <a:t>(First author)</a:t>
+              </a:r>
+            </a:p>
+          </p:txBody>
+        </p:sp>
+        <p:sp>
+          <p:nvSpPr>
+            <p:cNvPr id="42" name="Chevron 41">
+              <a:extLst>
+                <a:ext uri="{FF2B5EF4-FFF2-40B4-BE49-F238E27FC236}">
+                  <a16:creationId xmlns:a16="http://schemas.microsoft.com/office/drawing/2014/main" id="{401A405A-5C38-E2F4-1EA3-E665F8AD9A33}"/>
+                </a:ext>
+              </a:extLst>
+            </p:cNvPr>
+            <p:cNvSpPr/>
+            <p:nvPr/>
+          </p:nvSpPr>
+          <p:spPr>
+            <a:xfrm>
+              <a:off x="6012097" y="1569385"/>
+              <a:ext cx="2320942" cy="645458"/>
+            </a:xfrm>
+            <a:prstGeom prst="chevron">
+              <a:avLst/>
+            </a:prstGeom>
+            <a:solidFill>
+              <a:srgbClr val="82C26E">
+                <a:alpha val="80000"/>
+              </a:srgbClr>
+            </a:solidFill>
+            <a:ln>
+              <a:solidFill>
+                <a:schemeClr val="bg1"/>
+              </a:solidFill>
+            </a:ln>
+          </p:spPr>
+          <p:style>
+            <a:lnRef idx="2">
+              <a:schemeClr val="accent1">
+                <a:shade val="15000"/>
+              </a:schemeClr>
+            </a:lnRef>
+            <a:fillRef idx="1">
+              <a:schemeClr val="accent1"/>
+            </a:fillRef>
+            <a:effectRef idx="0">
+              <a:schemeClr val="accent1"/>
+            </a:effectRef>
+            <a:fontRef idx="minor">
+              <a:schemeClr val="lt1"/>
+            </a:fontRef>
+          </p:style>
+          <p:txBody>
+            <a:bodyPr lIns="36000" tIns="36000" rIns="36000" bIns="36000" rtlCol="0" anchor="ctr"/>
+            <a:lstStyle/>
+            <a:p>
+              <a:pPr algn="ctr"/>
+              <a:r>
+                <a:rPr lang="en-US" sz="800" dirty="0">
+                  <a:solidFill>
+                    <a:schemeClr val="tx1"/>
+                  </a:solidFill>
+                  <a:latin typeface="Arial" panose="020B0604020202020204" pitchFamily="34" charset="0"/>
+                  <a:cs typeface="Arial" panose="020B0604020202020204" pitchFamily="34" charset="0"/>
+                </a:rPr>
+                <a:t>PI</a:t>
+              </a:r>
+            </a:p>
+            <a:p>
+              <a:pPr algn="ctr"/>
+              <a:r>
+                <a:rPr lang="en-US" sz="800" dirty="0">
+                  <a:solidFill>
+                    <a:schemeClr val="tx1"/>
+                  </a:solidFill>
+                  <a:latin typeface="Arial" panose="020B0604020202020204" pitchFamily="34" charset="0"/>
+                  <a:cs typeface="Arial" panose="020B0604020202020204" pitchFamily="34" charset="0"/>
+                </a:rPr>
+                <a:t>(Corresponding author)</a:t>
+              </a:r>
+            </a:p>
+          </p:txBody>
+        </p:sp>
+        <p:sp>
+          <p:nvSpPr>
+            <p:cNvPr id="43" name="Chevron 42">
+              <a:extLst>
+                <a:ext uri="{FF2B5EF4-FFF2-40B4-BE49-F238E27FC236}">
+                  <a16:creationId xmlns:a16="http://schemas.microsoft.com/office/drawing/2014/main" id="{857941D3-F9C8-FF9E-E120-B55E4A46F01C}"/>
+                </a:ext>
+              </a:extLst>
+            </p:cNvPr>
+            <p:cNvSpPr/>
+            <p:nvPr/>
+          </p:nvSpPr>
+          <p:spPr>
+            <a:xfrm>
+              <a:off x="7983963" y="1569385"/>
+              <a:ext cx="2008181" cy="645458"/>
+            </a:xfrm>
+            <a:prstGeom prst="chevron">
+              <a:avLst/>
+            </a:prstGeom>
+            <a:solidFill>
+              <a:srgbClr val="A8D26D">
+                <a:alpha val="60000"/>
+              </a:srgbClr>
+            </a:solidFill>
+            <a:ln>
+              <a:solidFill>
+                <a:schemeClr val="bg1"/>
+              </a:solidFill>
+            </a:ln>
+          </p:spPr>
+          <p:style>
+            <a:lnRef idx="2">
+              <a:schemeClr val="accent1">
+                <a:shade val="15000"/>
+              </a:schemeClr>
+            </a:lnRef>
+            <a:fillRef idx="1">
+              <a:schemeClr val="accent1"/>
+            </a:fillRef>
+            <a:effectRef idx="0">
+              <a:schemeClr val="accent1"/>
+            </a:effectRef>
+            <a:fontRef idx="minor">
+              <a:schemeClr val="lt1"/>
+            </a:fontRef>
+          </p:style>
+          <p:txBody>
+            <a:bodyPr lIns="36000" tIns="36000" rIns="36000" bIns="36000" rtlCol="0" anchor="ctr"/>
+            <a:lstStyle/>
+            <a:p>
+              <a:pPr algn="ctr"/>
+              <a:r>
+                <a:rPr lang="en-US" sz="800" dirty="0">
+                  <a:solidFill>
+                    <a:schemeClr val="tx1"/>
+                  </a:solidFill>
+                  <a:latin typeface="Arial" panose="020B0604020202020204" pitchFamily="34" charset="0"/>
+                  <a:cs typeface="Arial" panose="020B0604020202020204" pitchFamily="34" charset="0"/>
+                </a:rPr>
+                <a:t>Reviewers</a:t>
+              </a:r>
+            </a:p>
+          </p:txBody>
+        </p:sp>
+        <p:sp>
+          <p:nvSpPr>
+            <p:cNvPr id="44" name="Chevron 43">
+              <a:extLst>
+                <a:ext uri="{FF2B5EF4-FFF2-40B4-BE49-F238E27FC236}">
+                  <a16:creationId xmlns:a16="http://schemas.microsoft.com/office/drawing/2014/main" id="{1BC27D1A-0B77-0F10-8C0F-C0372705BA9D}"/>
+                </a:ext>
+              </a:extLst>
+            </p:cNvPr>
+            <p:cNvSpPr/>
+            <p:nvPr/>
+          </p:nvSpPr>
+          <p:spPr>
+            <a:xfrm>
+              <a:off x="9663401" y="1569385"/>
+              <a:ext cx="2008181" cy="645458"/>
+            </a:xfrm>
+            <a:prstGeom prst="chevron">
+              <a:avLst/>
+            </a:prstGeom>
+            <a:solidFill>
+              <a:srgbClr val="A8D26D">
+                <a:alpha val="60000"/>
+              </a:srgbClr>
+            </a:solidFill>
+            <a:ln>
+              <a:solidFill>
+                <a:schemeClr val="bg1"/>
+              </a:solidFill>
+            </a:ln>
+          </p:spPr>
+          <p:style>
+            <a:lnRef idx="2">
+              <a:schemeClr val="accent1">
+                <a:shade val="15000"/>
+              </a:schemeClr>
+            </a:lnRef>
+            <a:fillRef idx="1">
+              <a:schemeClr val="accent1"/>
+            </a:fillRef>
+            <a:effectRef idx="0">
+              <a:schemeClr val="accent1"/>
+            </a:effectRef>
+            <a:fontRef idx="minor">
+              <a:schemeClr val="lt1"/>
+            </a:fontRef>
+          </p:style>
+          <p:txBody>
+            <a:bodyPr lIns="36000" tIns="36000" rIns="36000" bIns="36000" rtlCol="0" anchor="ctr"/>
+            <a:lstStyle/>
+            <a:p>
+              <a:pPr algn="ctr"/>
+              <a:r>
+                <a:rPr lang="en-US" sz="800" dirty="0">
+                  <a:solidFill>
+                    <a:schemeClr val="tx1"/>
+                  </a:solidFill>
+                  <a:latin typeface="Arial" panose="020B0604020202020204" pitchFamily="34" charset="0"/>
+                  <a:cs typeface="Arial" panose="020B0604020202020204" pitchFamily="34" charset="0"/>
+                </a:rPr>
+                <a:t>Editors</a:t>
+              </a:r>
+            </a:p>
+            <a:p>
+              <a:pPr algn="ctr"/>
+              <a:r>
+                <a:rPr lang="en-US" sz="800" dirty="0">
+                  <a:solidFill>
+                    <a:schemeClr val="tx1"/>
+                  </a:solidFill>
+                  <a:latin typeface="Arial" panose="020B0604020202020204" pitchFamily="34" charset="0"/>
+                  <a:cs typeface="Arial" panose="020B0604020202020204" pitchFamily="34" charset="0"/>
+                </a:rPr>
+                <a:t>(Text and art)</a:t>
+              </a:r>
+            </a:p>
+          </p:txBody>
+        </p:sp>
+        <p:sp>
+          <p:nvSpPr>
+            <p:cNvPr id="45" name="TextBox 44">
+              <a:extLst>
+                <a:ext uri="{FF2B5EF4-FFF2-40B4-BE49-F238E27FC236}">
+                  <a16:creationId xmlns:a16="http://schemas.microsoft.com/office/drawing/2014/main" id="{61543D84-FBFB-0275-DABB-D728DB55A711}"/>
+                </a:ext>
+              </a:extLst>
+            </p:cNvPr>
+            <p:cNvSpPr txBox="1"/>
+            <p:nvPr/>
+          </p:nvSpPr>
+          <p:spPr>
+            <a:xfrm>
+              <a:off x="11697442" y="1753615"/>
+              <a:ext cx="896362" cy="313564"/>
+            </a:xfrm>
+            <a:prstGeom prst="rect">
+              <a:avLst/>
+            </a:prstGeom>
+            <a:noFill/>
+          </p:spPr>
+          <p:txBody>
+            <a:bodyPr wrap="none" rtlCol="0">
+              <a:spAutoFit/>
+            </a:bodyPr>
+            <a:lstStyle/>
+            <a:p>
+              <a:pPr algn="ctr"/>
+              <a:r>
+                <a:rPr lang="en-US" sz="800" dirty="0">
+                  <a:latin typeface="Arial" panose="020B0604020202020204" pitchFamily="34" charset="0"/>
+                  <a:cs typeface="Arial" panose="020B0604020202020204" pitchFamily="34" charset="0"/>
+                </a:rPr>
+                <a:t>Audience</a:t>
+              </a:r>
+            </a:p>
+          </p:txBody>
+        </p:sp>
+        <p:sp>
+          <p:nvSpPr>
+            <p:cNvPr id="46" name="Chevron 45">
+              <a:extLst>
+                <a:ext uri="{FF2B5EF4-FFF2-40B4-BE49-F238E27FC236}">
+                  <a16:creationId xmlns:a16="http://schemas.microsoft.com/office/drawing/2014/main" id="{561F1A9D-E5F4-2597-BF75-7B2BF5A9E132}"/>
+                </a:ext>
+              </a:extLst>
+            </p:cNvPr>
+            <p:cNvSpPr/>
+            <p:nvPr/>
+          </p:nvSpPr>
+          <p:spPr>
+            <a:xfrm>
+              <a:off x="4332660" y="1258222"/>
+              <a:ext cx="7172599" cy="292559"/>
+            </a:xfrm>
+            <a:prstGeom prst="chevron">
+              <a:avLst/>
+            </a:prstGeom>
+            <a:noFill/>
+            <a:ln w="12700">
+              <a:solidFill>
+                <a:schemeClr val="tx1">
+                  <a:lumMod val="50000"/>
+                  <a:lumOff val="50000"/>
+                </a:schemeClr>
+              </a:solidFill>
+              <a:prstDash val="sysDash"/>
+            </a:ln>
+          </p:spPr>
+          <p:style>
+            <a:lnRef idx="2">
+              <a:schemeClr val="accent1">
+                <a:shade val="15000"/>
+              </a:schemeClr>
+            </a:lnRef>
+            <a:fillRef idx="1">
+              <a:schemeClr val="accent1"/>
+            </a:fillRef>
+            <a:effectRef idx="0">
+              <a:schemeClr val="accent1"/>
+            </a:effectRef>
+            <a:fontRef idx="minor">
+              <a:schemeClr val="lt1"/>
+            </a:fontRef>
+          </p:style>
+          <p:txBody>
+            <a:bodyPr lIns="36000" tIns="36000" rIns="36000" bIns="36000" rtlCol="0" anchor="ctr"/>
+            <a:lstStyle/>
+            <a:p>
+              <a:pPr algn="ctr"/>
+              <a:r>
+                <a:rPr lang="en-US" sz="800" dirty="0">
+                  <a:solidFill>
+                    <a:schemeClr val="tx1"/>
+                  </a:solidFill>
+                  <a:latin typeface="Arial" panose="020B0604020202020204" pitchFamily="34" charset="0"/>
+                  <a:cs typeface="Arial" panose="020B0604020202020204" pitchFamily="34" charset="0"/>
+                </a:rPr>
+                <a:t>Continued training</a:t>
+              </a:r>
+            </a:p>
+          </p:txBody>
+        </p:sp>
+        <p:sp>
+          <p:nvSpPr>
+            <p:cNvPr id="47" name="Chevron 46">
+              <a:extLst>
+                <a:ext uri="{FF2B5EF4-FFF2-40B4-BE49-F238E27FC236}">
+                  <a16:creationId xmlns:a16="http://schemas.microsoft.com/office/drawing/2014/main" id="{5A15C25D-80A4-004C-2480-8691FA37DF02}"/>
+                </a:ext>
+              </a:extLst>
+            </p:cNvPr>
+            <p:cNvSpPr/>
+            <p:nvPr/>
+          </p:nvSpPr>
+          <p:spPr>
+            <a:xfrm>
+              <a:off x="973783" y="2234136"/>
+              <a:ext cx="5201479" cy="292559"/>
+            </a:xfrm>
+            <a:prstGeom prst="chevron">
+              <a:avLst/>
+            </a:prstGeom>
+            <a:noFill/>
+            <a:ln w="12700">
+              <a:solidFill>
+                <a:schemeClr val="tx1">
+                  <a:lumMod val="50000"/>
+                  <a:lumOff val="50000"/>
+                </a:schemeClr>
+              </a:solidFill>
+              <a:prstDash val="sysDash"/>
+            </a:ln>
+          </p:spPr>
+          <p:style>
+            <a:lnRef idx="2">
+              <a:schemeClr val="accent1">
+                <a:shade val="15000"/>
+              </a:schemeClr>
+            </a:lnRef>
+            <a:fillRef idx="1">
+              <a:schemeClr val="accent1"/>
+            </a:fillRef>
+            <a:effectRef idx="0">
+              <a:schemeClr val="accent1"/>
+            </a:effectRef>
+            <a:fontRef idx="minor">
+              <a:schemeClr val="lt1"/>
+            </a:fontRef>
+          </p:style>
+          <p:txBody>
+            <a:bodyPr lIns="36000" tIns="36000" rIns="36000" bIns="36000" rtlCol="0" anchor="ctr"/>
+            <a:lstStyle/>
+            <a:p>
+              <a:pPr algn="ctr"/>
+              <a:r>
+                <a:rPr lang="en-US" sz="800" dirty="0">
+                  <a:solidFill>
+                    <a:schemeClr val="tx1"/>
+                  </a:solidFill>
+                  <a:latin typeface="Arial" panose="020B0604020202020204" pitchFamily="34" charset="0"/>
+                  <a:cs typeface="Arial" panose="020B0604020202020204" pitchFamily="34" charset="0"/>
+                </a:rPr>
+                <a:t>Industrial workforce</a:t>
+              </a:r>
+            </a:p>
+          </p:txBody>
+        </p:sp>
+        <p:sp>
+          <p:nvSpPr>
+            <p:cNvPr id="48" name="Chevron 47">
+              <a:extLst>
+                <a:ext uri="{FF2B5EF4-FFF2-40B4-BE49-F238E27FC236}">
+                  <a16:creationId xmlns:a16="http://schemas.microsoft.com/office/drawing/2014/main" id="{CF914DD8-B13D-7FD8-84C4-4903B77A6A62}"/>
+                </a:ext>
+              </a:extLst>
+            </p:cNvPr>
+            <p:cNvSpPr/>
+            <p:nvPr/>
+          </p:nvSpPr>
+          <p:spPr>
+            <a:xfrm>
+              <a:off x="973784" y="3656102"/>
+              <a:ext cx="2008181" cy="645458"/>
+            </a:xfrm>
+            <a:prstGeom prst="chevron">
+              <a:avLst/>
+            </a:prstGeom>
+            <a:solidFill>
+              <a:srgbClr val="5CB270">
+                <a:alpha val="80000"/>
+              </a:srgbClr>
+            </a:solidFill>
+            <a:ln>
+              <a:solidFill>
+                <a:schemeClr val="bg1"/>
+              </a:solidFill>
+            </a:ln>
+          </p:spPr>
+          <p:style>
+            <a:lnRef idx="2">
+              <a:schemeClr val="accent1">
+                <a:shade val="15000"/>
+              </a:schemeClr>
+            </a:lnRef>
+            <a:fillRef idx="1">
+              <a:schemeClr val="accent1"/>
+            </a:fillRef>
+            <a:effectRef idx="0">
+              <a:schemeClr val="accent1"/>
+            </a:effectRef>
+            <a:fontRef idx="minor">
+              <a:schemeClr val="lt1"/>
+            </a:fontRef>
+          </p:style>
+          <p:txBody>
+            <a:bodyPr lIns="36000" tIns="36000" rIns="36000" bIns="36000" rtlCol="0" anchor="ctr"/>
+            <a:lstStyle/>
+            <a:p>
+              <a:pPr algn="ctr"/>
+              <a:r>
+                <a:rPr lang="en-US" sz="800" dirty="0">
+                  <a:solidFill>
+                    <a:schemeClr val="tx1"/>
+                  </a:solidFill>
+                  <a:latin typeface="Arial" panose="020B0604020202020204" pitchFamily="34" charset="0"/>
+                  <a:cs typeface="Arial" panose="020B0604020202020204" pitchFamily="34" charset="0"/>
+                </a:rPr>
+                <a:t>Elimination</a:t>
+              </a:r>
+            </a:p>
+          </p:txBody>
+        </p:sp>
+        <p:sp>
+          <p:nvSpPr>
+            <p:cNvPr id="49" name="Chevron 48">
+              <a:extLst>
+                <a:ext uri="{FF2B5EF4-FFF2-40B4-BE49-F238E27FC236}">
+                  <a16:creationId xmlns:a16="http://schemas.microsoft.com/office/drawing/2014/main" id="{121570DE-8857-7E0B-F6C4-4E1C9B0905D7}"/>
+                </a:ext>
+              </a:extLst>
+            </p:cNvPr>
+            <p:cNvSpPr/>
+            <p:nvPr/>
+          </p:nvSpPr>
+          <p:spPr>
+            <a:xfrm>
+              <a:off x="2653222" y="3656102"/>
+              <a:ext cx="2008181" cy="645458"/>
+            </a:xfrm>
+            <a:prstGeom prst="chevron">
+              <a:avLst/>
+            </a:prstGeom>
+            <a:solidFill>
+              <a:srgbClr val="82C26E">
+                <a:alpha val="80000"/>
+              </a:srgbClr>
+            </a:solidFill>
+            <a:ln>
+              <a:solidFill>
+                <a:schemeClr val="bg1"/>
+              </a:solidFill>
+            </a:ln>
+          </p:spPr>
+          <p:style>
+            <a:lnRef idx="2">
+              <a:schemeClr val="accent1">
+                <a:shade val="15000"/>
+              </a:schemeClr>
+            </a:lnRef>
+            <a:fillRef idx="1">
+              <a:schemeClr val="accent1"/>
+            </a:fillRef>
+            <a:effectRef idx="0">
+              <a:schemeClr val="accent1"/>
+            </a:effectRef>
+            <a:fontRef idx="minor">
+              <a:schemeClr val="lt1"/>
+            </a:fontRef>
+          </p:style>
+          <p:txBody>
+            <a:bodyPr lIns="36000" tIns="36000" rIns="36000" bIns="36000" rtlCol="0" anchor="ctr"/>
+            <a:lstStyle/>
+            <a:p>
+              <a:pPr algn="ctr"/>
+              <a:r>
+                <a:rPr lang="en-US" sz="800" dirty="0">
+                  <a:solidFill>
+                    <a:schemeClr val="tx1"/>
+                  </a:solidFill>
+                  <a:latin typeface="Arial" panose="020B0604020202020204" pitchFamily="34" charset="0"/>
+                  <a:cs typeface="Arial" panose="020B0604020202020204" pitchFamily="34" charset="0"/>
+                </a:rPr>
+                <a:t>Substitution</a:t>
+              </a:r>
+            </a:p>
+          </p:txBody>
+        </p:sp>
+        <p:sp>
+          <p:nvSpPr>
+            <p:cNvPr id="50" name="Chevron 49">
+              <a:extLst>
+                <a:ext uri="{FF2B5EF4-FFF2-40B4-BE49-F238E27FC236}">
+                  <a16:creationId xmlns:a16="http://schemas.microsoft.com/office/drawing/2014/main" id="{4722592F-ABE3-C16C-4B27-50220415B3A5}"/>
+                </a:ext>
+              </a:extLst>
+            </p:cNvPr>
+            <p:cNvSpPr/>
+            <p:nvPr/>
+          </p:nvSpPr>
+          <p:spPr>
+            <a:xfrm>
+              <a:off x="4332660" y="3656102"/>
+              <a:ext cx="2008181" cy="645458"/>
+            </a:xfrm>
+            <a:prstGeom prst="chevron">
+              <a:avLst/>
+            </a:prstGeom>
+            <a:solidFill>
+              <a:srgbClr val="A8D26D">
+                <a:alpha val="60000"/>
+              </a:srgbClr>
+            </a:solidFill>
+            <a:ln>
+              <a:solidFill>
+                <a:schemeClr val="bg1"/>
+              </a:solidFill>
+            </a:ln>
+          </p:spPr>
+          <p:style>
+            <a:lnRef idx="2">
+              <a:schemeClr val="accent1">
+                <a:shade val="15000"/>
+              </a:schemeClr>
+            </a:lnRef>
+            <a:fillRef idx="1">
+              <a:schemeClr val="accent1"/>
+            </a:fillRef>
+            <a:effectRef idx="0">
+              <a:schemeClr val="accent1"/>
+            </a:effectRef>
+            <a:fontRef idx="minor">
+              <a:schemeClr val="lt1"/>
+            </a:fontRef>
+          </p:style>
+          <p:txBody>
+            <a:bodyPr lIns="36000" tIns="36000" rIns="36000" bIns="36000" rtlCol="0" anchor="ctr"/>
+            <a:lstStyle/>
+            <a:p>
+              <a:pPr algn="ctr"/>
+              <a:r>
+                <a:rPr lang="en-US" sz="800" dirty="0">
+                  <a:solidFill>
+                    <a:schemeClr val="tx1"/>
+                  </a:solidFill>
+                  <a:latin typeface="Arial" panose="020B0604020202020204" pitchFamily="34" charset="0"/>
+                  <a:cs typeface="Arial" panose="020B0604020202020204" pitchFamily="34" charset="0"/>
+                </a:rPr>
+                <a:t>Engineering</a:t>
+              </a:r>
+            </a:p>
+            <a:p>
+              <a:pPr algn="ctr"/>
+              <a:r>
+                <a:rPr lang="en-US" sz="800" dirty="0">
+                  <a:solidFill>
+                    <a:schemeClr val="tx1"/>
+                  </a:solidFill>
+                  <a:latin typeface="Arial" panose="020B0604020202020204" pitchFamily="34" charset="0"/>
+                  <a:cs typeface="Arial" panose="020B0604020202020204" pitchFamily="34" charset="0"/>
+                </a:rPr>
+                <a:t>control</a:t>
+              </a:r>
+            </a:p>
+          </p:txBody>
+        </p:sp>
+        <p:sp>
+          <p:nvSpPr>
+            <p:cNvPr id="51" name="Chevron 50">
+              <a:extLst>
+                <a:ext uri="{FF2B5EF4-FFF2-40B4-BE49-F238E27FC236}">
+                  <a16:creationId xmlns:a16="http://schemas.microsoft.com/office/drawing/2014/main" id="{3479009B-E2E0-1153-BD8A-B57623B3A50D}"/>
+                </a:ext>
+              </a:extLst>
+            </p:cNvPr>
+            <p:cNvSpPr/>
+            <p:nvPr/>
+          </p:nvSpPr>
+          <p:spPr>
+            <a:xfrm>
+              <a:off x="6012097" y="3656102"/>
+              <a:ext cx="2320942" cy="645458"/>
+            </a:xfrm>
+            <a:prstGeom prst="chevron">
+              <a:avLst/>
+            </a:prstGeom>
+            <a:solidFill>
+              <a:srgbClr val="CEE26B">
+                <a:alpha val="40000"/>
+              </a:srgbClr>
+            </a:solidFill>
+            <a:ln>
+              <a:solidFill>
+                <a:schemeClr val="bg1"/>
+              </a:solidFill>
+            </a:ln>
+          </p:spPr>
+          <p:style>
+            <a:lnRef idx="2">
+              <a:schemeClr val="accent1">
+                <a:shade val="15000"/>
+              </a:schemeClr>
+            </a:lnRef>
+            <a:fillRef idx="1">
+              <a:schemeClr val="accent1"/>
+            </a:fillRef>
+            <a:effectRef idx="0">
+              <a:schemeClr val="accent1"/>
+            </a:effectRef>
+            <a:fontRef idx="minor">
+              <a:schemeClr val="lt1"/>
+            </a:fontRef>
+          </p:style>
+          <p:txBody>
+            <a:bodyPr lIns="36000" tIns="36000" rIns="36000" bIns="36000" rtlCol="0" anchor="ctr"/>
+            <a:lstStyle/>
+            <a:p>
+              <a:pPr algn="ctr"/>
+              <a:r>
+                <a:rPr lang="en-US" sz="800" dirty="0">
+                  <a:solidFill>
+                    <a:schemeClr val="tx1"/>
+                  </a:solidFill>
+                  <a:latin typeface="Arial" panose="020B0604020202020204" pitchFamily="34" charset="0"/>
+                  <a:cs typeface="Arial" panose="020B0604020202020204" pitchFamily="34" charset="0"/>
+                </a:rPr>
+                <a:t>Administrative</a:t>
+              </a:r>
+            </a:p>
+            <a:p>
+              <a:pPr algn="ctr"/>
+              <a:r>
+                <a:rPr lang="en-US" sz="800" dirty="0">
+                  <a:solidFill>
+                    <a:schemeClr val="tx1"/>
+                  </a:solidFill>
+                  <a:latin typeface="Arial" panose="020B0604020202020204" pitchFamily="34" charset="0"/>
+                  <a:cs typeface="Arial" panose="020B0604020202020204" pitchFamily="34" charset="0"/>
+                </a:rPr>
+                <a:t>control</a:t>
+              </a:r>
+            </a:p>
+          </p:txBody>
+        </p:sp>
+        <p:sp>
+          <p:nvSpPr>
+            <p:cNvPr id="52" name="Chevron 51">
+              <a:extLst>
+                <a:ext uri="{FF2B5EF4-FFF2-40B4-BE49-F238E27FC236}">
+                  <a16:creationId xmlns:a16="http://schemas.microsoft.com/office/drawing/2014/main" id="{4E677B8F-A27E-4689-A6E4-6994CBABB164}"/>
+                </a:ext>
+              </a:extLst>
+            </p:cNvPr>
+            <p:cNvSpPr/>
+            <p:nvPr/>
+          </p:nvSpPr>
+          <p:spPr>
+            <a:xfrm>
+              <a:off x="7983963" y="3656102"/>
+              <a:ext cx="2008181" cy="645458"/>
+            </a:xfrm>
+            <a:prstGeom prst="chevron">
+              <a:avLst/>
+            </a:prstGeom>
+            <a:solidFill>
+              <a:srgbClr val="F4F269">
+                <a:alpha val="20000"/>
+              </a:srgbClr>
+            </a:solidFill>
+            <a:ln>
+              <a:solidFill>
+                <a:schemeClr val="bg1"/>
+              </a:solidFill>
+            </a:ln>
+          </p:spPr>
+          <p:style>
+            <a:lnRef idx="2">
+              <a:schemeClr val="accent1">
+                <a:shade val="15000"/>
+              </a:schemeClr>
+            </a:lnRef>
+            <a:fillRef idx="1">
+              <a:schemeClr val="accent1"/>
+            </a:fillRef>
+            <a:effectRef idx="0">
+              <a:schemeClr val="accent1"/>
+            </a:effectRef>
+            <a:fontRef idx="minor">
+              <a:schemeClr val="lt1"/>
+            </a:fontRef>
+          </p:style>
+          <p:txBody>
+            <a:bodyPr lIns="36000" tIns="36000" rIns="36000" bIns="36000" rtlCol="0" anchor="ctr"/>
+            <a:lstStyle/>
+            <a:p>
+              <a:pPr algn="ctr"/>
+              <a:r>
+                <a:rPr lang="en-US" sz="800" dirty="0">
+                  <a:solidFill>
+                    <a:schemeClr val="tx1"/>
+                  </a:solidFill>
+                  <a:latin typeface="Arial" panose="020B0604020202020204" pitchFamily="34" charset="0"/>
+                  <a:cs typeface="Arial" panose="020B0604020202020204" pitchFamily="34" charset="0"/>
+                </a:rPr>
+                <a:t>PPE</a:t>
+              </a:r>
+            </a:p>
+          </p:txBody>
+        </p:sp>
+        <p:sp>
+          <p:nvSpPr>
+            <p:cNvPr id="53" name="TextBox 52">
+              <a:extLst>
+                <a:ext uri="{FF2B5EF4-FFF2-40B4-BE49-F238E27FC236}">
+                  <a16:creationId xmlns:a16="http://schemas.microsoft.com/office/drawing/2014/main" id="{6618B3B0-7215-D790-3004-49903E2A9346}"/>
+                </a:ext>
+              </a:extLst>
+            </p:cNvPr>
+            <p:cNvSpPr txBox="1"/>
+            <p:nvPr/>
+          </p:nvSpPr>
+          <p:spPr>
+            <a:xfrm>
+              <a:off x="9773276" y="3840334"/>
+              <a:ext cx="2372348" cy="313564"/>
+            </a:xfrm>
+            <a:prstGeom prst="rect">
+              <a:avLst/>
+            </a:prstGeom>
+            <a:noFill/>
+          </p:spPr>
+          <p:txBody>
+            <a:bodyPr wrap="square" rtlCol="0">
+              <a:spAutoFit/>
+            </a:bodyPr>
+            <a:lstStyle/>
+            <a:p>
+              <a:pPr algn="ctr"/>
+              <a:r>
+                <a:rPr lang="en-US" sz="800" dirty="0">
+                  <a:latin typeface="Arial" panose="020B0604020202020204" pitchFamily="34" charset="0"/>
+                  <a:cs typeface="Arial" panose="020B0604020202020204" pitchFamily="34" charset="0"/>
+                </a:rPr>
+                <a:t>Correct data interpretation</a:t>
+              </a:r>
+            </a:p>
+          </p:txBody>
+        </p:sp>
+        <p:sp>
+          <p:nvSpPr>
+            <p:cNvPr id="54" name="TextBox 53">
+              <a:extLst>
+                <a:ext uri="{FF2B5EF4-FFF2-40B4-BE49-F238E27FC236}">
+                  <a16:creationId xmlns:a16="http://schemas.microsoft.com/office/drawing/2014/main" id="{1F3CB408-BD56-8C0D-1EF2-5864988F5F76}"/>
+                </a:ext>
+              </a:extLst>
+            </p:cNvPr>
+            <p:cNvSpPr txBox="1"/>
+            <p:nvPr/>
+          </p:nvSpPr>
+          <p:spPr>
+            <a:xfrm>
+              <a:off x="973783" y="4411834"/>
+              <a:ext cx="1704332" cy="1567818"/>
+            </a:xfrm>
+            <a:prstGeom prst="rect">
+              <a:avLst/>
+            </a:prstGeom>
+            <a:noFill/>
+          </p:spPr>
+          <p:txBody>
+            <a:bodyPr wrap="square" rtlCol="0">
+              <a:spAutoFit/>
+            </a:bodyPr>
+            <a:lstStyle/>
+            <a:p>
+              <a:pPr marL="133350" indent="-128588">
+                <a:buFont typeface="Arial" panose="020B0604020202020204" pitchFamily="34" charset="0"/>
+                <a:buChar char="•"/>
+              </a:pPr>
+              <a:r>
+                <a:rPr lang="en-US" sz="800" dirty="0">
+                  <a:latin typeface="Arial" panose="020B0604020202020204" pitchFamily="34" charset="0"/>
+                  <a:cs typeface="Arial" panose="020B0604020202020204" pitchFamily="34" charset="0"/>
+                </a:rPr>
+                <a:t>Do not use bar graphs (Fig. 2d, Extended Data Fig. 2, 5, 10)</a:t>
+              </a:r>
+            </a:p>
+            <a:p>
+              <a:pPr marL="133350" indent="-128588">
+                <a:buFont typeface="Arial" panose="020B0604020202020204" pitchFamily="34" charset="0"/>
+                <a:buChar char="•"/>
+              </a:pPr>
+              <a:r>
+                <a:rPr lang="en-US" sz="800" dirty="0">
+                  <a:latin typeface="Arial" panose="020B0604020202020204" pitchFamily="34" charset="0"/>
+                  <a:cs typeface="Arial" panose="020B0604020202020204" pitchFamily="34" charset="0"/>
+                </a:rPr>
+                <a:t>Choose box and violin plots that show data distribution</a:t>
+              </a:r>
+            </a:p>
+          </p:txBody>
+        </p:sp>
+        <p:sp>
+          <p:nvSpPr>
+            <p:cNvPr id="55" name="TextBox 54">
+              <a:extLst>
+                <a:ext uri="{FF2B5EF4-FFF2-40B4-BE49-F238E27FC236}">
+                  <a16:creationId xmlns:a16="http://schemas.microsoft.com/office/drawing/2014/main" id="{521CA802-9037-4074-B971-AB4B236C24AA}"/>
+                </a:ext>
+              </a:extLst>
+            </p:cNvPr>
+            <p:cNvSpPr txBox="1"/>
+            <p:nvPr/>
+          </p:nvSpPr>
+          <p:spPr>
+            <a:xfrm>
+              <a:off x="2636273" y="4411834"/>
+              <a:ext cx="1755175" cy="1030280"/>
+            </a:xfrm>
+            <a:prstGeom prst="rect">
+              <a:avLst/>
+            </a:prstGeom>
+            <a:noFill/>
+          </p:spPr>
+          <p:txBody>
+            <a:bodyPr wrap="square" rtlCol="0">
+              <a:spAutoFit/>
+            </a:bodyPr>
+            <a:lstStyle/>
+            <a:p>
+              <a:pPr marL="133350" indent="-128588">
+                <a:buFont typeface="Arial" panose="020B0604020202020204" pitchFamily="34" charset="0"/>
+                <a:buChar char="•"/>
+              </a:pPr>
+              <a:r>
+                <a:rPr lang="en-US" sz="800" dirty="0">
+                  <a:latin typeface="Arial" panose="020B0604020202020204" pitchFamily="34" charset="0"/>
+                  <a:cs typeface="Arial" panose="020B0604020202020204" pitchFamily="34" charset="0"/>
+                </a:rPr>
+                <a:t>Use bar graphs correctly (Fig. 2e-g, Extended Data Fig. 1, 3, 4)</a:t>
+              </a:r>
+            </a:p>
+            <a:p>
+              <a:pPr marL="133350" indent="-128588">
+                <a:buFont typeface="Arial" panose="020B0604020202020204" pitchFamily="34" charset="0"/>
+                <a:buChar char="•"/>
+              </a:pPr>
+              <a:r>
+                <a:rPr lang="en-US" sz="800" dirty="0">
+                  <a:latin typeface="Arial" panose="020B0604020202020204" pitchFamily="34" charset="0"/>
+                  <a:cs typeface="Arial" panose="020B0604020202020204" pitchFamily="34" charset="0"/>
+                </a:rPr>
+                <a:t>Show raw data</a:t>
+              </a:r>
+            </a:p>
+          </p:txBody>
+        </p:sp>
+        <p:sp>
+          <p:nvSpPr>
+            <p:cNvPr id="56" name="TextBox 55">
+              <a:extLst>
+                <a:ext uri="{FF2B5EF4-FFF2-40B4-BE49-F238E27FC236}">
+                  <a16:creationId xmlns:a16="http://schemas.microsoft.com/office/drawing/2014/main" id="{96074514-1917-8909-DD3B-34A8C1418DE9}"/>
+                </a:ext>
+              </a:extLst>
+            </p:cNvPr>
+            <p:cNvSpPr txBox="1"/>
+            <p:nvPr/>
+          </p:nvSpPr>
+          <p:spPr>
+            <a:xfrm>
+              <a:off x="4298766" y="4412194"/>
+              <a:ext cx="1679438" cy="1567819"/>
+            </a:xfrm>
+            <a:prstGeom prst="rect">
+              <a:avLst/>
+            </a:prstGeom>
+            <a:noFill/>
+          </p:spPr>
+          <p:txBody>
+            <a:bodyPr wrap="square" rtlCol="0">
+              <a:spAutoFit/>
+            </a:bodyPr>
+            <a:lstStyle/>
+            <a:p>
+              <a:pPr marL="133350" indent="-128588">
+                <a:buFont typeface="Arial" panose="020B0604020202020204" pitchFamily="34" charset="0"/>
+                <a:buChar char="•"/>
+              </a:pPr>
+              <a:r>
+                <a:rPr lang="en-US" sz="800">
+                  <a:latin typeface="Arial" panose="020B0604020202020204" pitchFamily="34" charset="0"/>
+                  <a:cs typeface="Arial" panose="020B0604020202020204" pitchFamily="34" charset="0"/>
+                </a:rPr>
+                <a:t>Build </a:t>
+              </a:r>
+              <a:r>
+                <a:rPr lang="en-US" sz="800" dirty="0">
+                  <a:latin typeface="Arial" panose="020B0604020202020204" pitchFamily="34" charset="0"/>
+                  <a:cs typeface="Arial" panose="020B0604020202020204" pitchFamily="34" charset="0"/>
+                </a:rPr>
+                <a:t>warnings in software to prevent incorrect axes</a:t>
+              </a:r>
+            </a:p>
+            <a:p>
+              <a:pPr marL="133350" indent="-128588">
+                <a:buFont typeface="Arial" panose="020B0604020202020204" pitchFamily="34" charset="0"/>
+                <a:buChar char="•"/>
+              </a:pPr>
+              <a:r>
+                <a:rPr lang="en-US" sz="800" dirty="0">
+                  <a:latin typeface="Arial" panose="020B0604020202020204" pitchFamily="34" charset="0"/>
+                  <a:cs typeface="Arial" panose="020B0604020202020204" pitchFamily="34" charset="0"/>
+                </a:rPr>
+                <a:t>Provide data science warning and guidance in documentations</a:t>
+              </a:r>
+            </a:p>
+          </p:txBody>
+        </p:sp>
+        <p:sp>
+          <p:nvSpPr>
+            <p:cNvPr id="57" name="TextBox 56">
+              <a:extLst>
+                <a:ext uri="{FF2B5EF4-FFF2-40B4-BE49-F238E27FC236}">
+                  <a16:creationId xmlns:a16="http://schemas.microsoft.com/office/drawing/2014/main" id="{EC4B9D30-88BE-E780-B1DB-80E808CB96FE}"/>
+                </a:ext>
+              </a:extLst>
+            </p:cNvPr>
+            <p:cNvSpPr txBox="1"/>
+            <p:nvPr/>
+          </p:nvSpPr>
+          <p:spPr>
+            <a:xfrm>
+              <a:off x="6012098" y="4411833"/>
+              <a:ext cx="1679438" cy="1388639"/>
+            </a:xfrm>
+            <a:prstGeom prst="rect">
+              <a:avLst/>
+            </a:prstGeom>
+            <a:noFill/>
+          </p:spPr>
+          <p:txBody>
+            <a:bodyPr wrap="square" rtlCol="0">
+              <a:spAutoFit/>
+            </a:bodyPr>
+            <a:lstStyle/>
+            <a:p>
+              <a:pPr marL="133350" indent="-128588">
+                <a:buFont typeface="Arial" panose="020B0604020202020204" pitchFamily="34" charset="0"/>
+                <a:buChar char="•"/>
+              </a:pPr>
+              <a:r>
+                <a:rPr lang="en-US" sz="800" dirty="0">
+                  <a:latin typeface="Arial" panose="020B0604020202020204" pitchFamily="34" charset="0"/>
+                  <a:cs typeface="Arial" panose="020B0604020202020204" pitchFamily="34" charset="0"/>
+                </a:rPr>
+                <a:t>Improve data science training in publication cycle at all levels</a:t>
+              </a:r>
+            </a:p>
+            <a:p>
+              <a:pPr marL="133350" indent="-128588">
+                <a:buFont typeface="Arial" panose="020B0604020202020204" pitchFamily="34" charset="0"/>
+                <a:buChar char="•"/>
+              </a:pPr>
+              <a:r>
+                <a:rPr lang="en-US" sz="800" dirty="0">
+                  <a:latin typeface="Arial" panose="020B0604020202020204" pitchFamily="34" charset="0"/>
+                  <a:cs typeface="Arial" panose="020B0604020202020204" pitchFamily="34" charset="0"/>
+                </a:rPr>
+                <a:t>Establish journal data visualization checklist</a:t>
+              </a:r>
+            </a:p>
+          </p:txBody>
+        </p:sp>
+        <p:sp>
+          <p:nvSpPr>
+            <p:cNvPr id="58" name="TextBox 57">
+              <a:extLst>
+                <a:ext uri="{FF2B5EF4-FFF2-40B4-BE49-F238E27FC236}">
+                  <a16:creationId xmlns:a16="http://schemas.microsoft.com/office/drawing/2014/main" id="{58B96192-C189-CD5D-A5F7-00E2BEEEDB02}"/>
+                </a:ext>
+              </a:extLst>
+            </p:cNvPr>
+            <p:cNvSpPr txBox="1"/>
+            <p:nvPr/>
+          </p:nvSpPr>
+          <p:spPr>
+            <a:xfrm>
+              <a:off x="7983962" y="4411834"/>
+              <a:ext cx="1679438" cy="1030280"/>
+            </a:xfrm>
+            <a:prstGeom prst="rect">
+              <a:avLst/>
+            </a:prstGeom>
+            <a:noFill/>
+          </p:spPr>
+          <p:txBody>
+            <a:bodyPr wrap="square" rtlCol="0">
+              <a:spAutoFit/>
+            </a:bodyPr>
+            <a:lstStyle/>
+            <a:p>
+              <a:pPr marL="133350" indent="-128588">
+                <a:buFont typeface="Arial" panose="020B0604020202020204" pitchFamily="34" charset="0"/>
+                <a:buChar char="•"/>
+              </a:pPr>
+              <a:r>
+                <a:rPr lang="en-US" sz="800" dirty="0">
+                  <a:latin typeface="Arial" panose="020B0604020202020204" pitchFamily="34" charset="0"/>
+                  <a:cs typeface="Arial" panose="020B0604020202020204" pitchFamily="34" charset="0"/>
+                </a:rPr>
+                <a:t>Improve data science education and literacy for audience at all levels</a:t>
+              </a:r>
+            </a:p>
+          </p:txBody>
+        </p:sp>
+        <p:sp>
+          <p:nvSpPr>
+            <p:cNvPr id="59" name="Rectangle 58">
+              <a:extLst>
+                <a:ext uri="{FF2B5EF4-FFF2-40B4-BE49-F238E27FC236}">
+                  <a16:creationId xmlns:a16="http://schemas.microsoft.com/office/drawing/2014/main" id="{DC6EF708-5354-AFFB-9A16-744587456DB2}"/>
+                </a:ext>
+              </a:extLst>
+            </p:cNvPr>
+            <p:cNvSpPr/>
+            <p:nvPr/>
+          </p:nvSpPr>
+          <p:spPr>
+            <a:xfrm rot="16200000">
+              <a:off x="4796833" y="-1044223"/>
+              <a:ext cx="167531" cy="4195920"/>
+            </a:xfrm>
+            <a:prstGeom prst="rect">
+              <a:avLst/>
+            </a:prstGeom>
+            <a:gradFill>
+              <a:gsLst>
+                <a:gs pos="0">
+                  <a:srgbClr val="5CB270">
+                    <a:alpha val="80000"/>
+                  </a:srgbClr>
+                </a:gs>
+                <a:gs pos="25000">
+                  <a:srgbClr val="82C26E">
+                    <a:alpha val="80000"/>
+                  </a:srgbClr>
+                </a:gs>
+                <a:gs pos="50000">
+                  <a:srgbClr val="A8D26D">
+                    <a:alpha val="60000"/>
+                  </a:srgbClr>
+                </a:gs>
+                <a:gs pos="100000">
+                  <a:srgbClr val="F4F269">
+                    <a:alpha val="20000"/>
+                  </a:srgbClr>
+                </a:gs>
+                <a:gs pos="75000">
+                  <a:srgbClr val="CEE26B">
+                    <a:alpha val="40000"/>
+                  </a:srgbClr>
+                </a:gs>
+              </a:gsLst>
+              <a:lin ang="5400000" scaled="1"/>
+            </a:gradFill>
+            <a:ln w="12700">
+              <a:noFill/>
+            </a:ln>
+          </p:spPr>
+          <p:style>
+            <a:lnRef idx="2">
+              <a:schemeClr val="accent1">
+                <a:shade val="15000"/>
+              </a:schemeClr>
+            </a:lnRef>
+            <a:fillRef idx="1">
+              <a:schemeClr val="accent1"/>
+            </a:fillRef>
+            <a:effectRef idx="0">
+              <a:schemeClr val="accent1"/>
+            </a:effectRef>
+            <a:fontRef idx="minor">
+              <a:schemeClr val="lt1"/>
+            </a:fontRef>
+          </p:style>
+          <p:txBody>
+            <a:bodyPr rtlCol="0" anchor="ctr"/>
+            <a:lstStyle/>
+            <a:p>
+              <a:pPr algn="ctr"/>
+              <a:endParaRPr lang="en-US" sz="800"/>
+            </a:p>
+          </p:txBody>
+        </p:sp>
+        <p:sp>
+          <p:nvSpPr>
+            <p:cNvPr id="60" name="TextBox 59">
+              <a:extLst>
+                <a:ext uri="{FF2B5EF4-FFF2-40B4-BE49-F238E27FC236}">
+                  <a16:creationId xmlns:a16="http://schemas.microsoft.com/office/drawing/2014/main" id="{4688F446-90BE-B00C-3F06-56A4E2727CEA}"/>
+                </a:ext>
+              </a:extLst>
+            </p:cNvPr>
+            <p:cNvSpPr txBox="1"/>
+            <p:nvPr/>
+          </p:nvSpPr>
+          <p:spPr>
+            <a:xfrm>
+              <a:off x="1587642" y="918031"/>
+              <a:ext cx="1194996" cy="313564"/>
+            </a:xfrm>
+            <a:prstGeom prst="rect">
+              <a:avLst/>
+            </a:prstGeom>
+            <a:noFill/>
+          </p:spPr>
+          <p:txBody>
+            <a:bodyPr wrap="none" rtlCol="0">
+              <a:spAutoFit/>
+            </a:bodyPr>
+            <a:lstStyle/>
+            <a:p>
+              <a:pPr algn="r"/>
+              <a:r>
+                <a:rPr lang="en-US" sz="800" dirty="0">
+                  <a:latin typeface="Arial" panose="020B0604020202020204" pitchFamily="34" charset="0"/>
+                  <a:cs typeface="Arial" panose="020B0604020202020204" pitchFamily="34" charset="0"/>
+                </a:rPr>
+                <a:t>Most effective</a:t>
+              </a:r>
+            </a:p>
+          </p:txBody>
+        </p:sp>
+        <p:sp>
+          <p:nvSpPr>
+            <p:cNvPr id="61" name="TextBox 60">
+              <a:extLst>
+                <a:ext uri="{FF2B5EF4-FFF2-40B4-BE49-F238E27FC236}">
+                  <a16:creationId xmlns:a16="http://schemas.microsoft.com/office/drawing/2014/main" id="{7E059526-E202-BCB7-2909-8132A6DBE77A}"/>
+                </a:ext>
+              </a:extLst>
+            </p:cNvPr>
+            <p:cNvSpPr txBox="1"/>
+            <p:nvPr/>
+          </p:nvSpPr>
+          <p:spPr>
+            <a:xfrm>
+              <a:off x="6978559" y="918031"/>
+              <a:ext cx="1239323" cy="313564"/>
+            </a:xfrm>
+            <a:prstGeom prst="rect">
+              <a:avLst/>
+            </a:prstGeom>
+            <a:noFill/>
+          </p:spPr>
+          <p:txBody>
+            <a:bodyPr wrap="none" rtlCol="0">
+              <a:spAutoFit/>
+            </a:bodyPr>
+            <a:lstStyle/>
+            <a:p>
+              <a:r>
+                <a:rPr lang="en-US" sz="800" dirty="0">
+                  <a:latin typeface="Arial" panose="020B0604020202020204" pitchFamily="34" charset="0"/>
+                  <a:cs typeface="Arial" panose="020B0604020202020204" pitchFamily="34" charset="0"/>
+                </a:rPr>
+                <a:t>Least effective</a:t>
+              </a:r>
+            </a:p>
+          </p:txBody>
+        </p:sp>
+        <p:sp>
+          <p:nvSpPr>
+            <p:cNvPr id="62" name="TextBox 61">
+              <a:extLst>
+                <a:ext uri="{FF2B5EF4-FFF2-40B4-BE49-F238E27FC236}">
+                  <a16:creationId xmlns:a16="http://schemas.microsoft.com/office/drawing/2014/main" id="{AF580950-0AE1-8CC6-FDAD-C3D7F7028107}"/>
+                </a:ext>
+              </a:extLst>
+            </p:cNvPr>
+            <p:cNvSpPr txBox="1"/>
+            <p:nvPr/>
+          </p:nvSpPr>
+          <p:spPr>
+            <a:xfrm>
+              <a:off x="838969" y="918031"/>
+              <a:ext cx="362091" cy="335960"/>
+            </a:xfrm>
+            <a:prstGeom prst="rect">
+              <a:avLst/>
+            </a:prstGeom>
+            <a:noFill/>
+          </p:spPr>
+          <p:txBody>
+            <a:bodyPr wrap="none" rtlCol="0">
+              <a:spAutoFit/>
+            </a:bodyPr>
+            <a:lstStyle/>
+            <a:p>
+              <a:r>
+                <a:rPr lang="en-US" sz="900" b="1" dirty="0">
+                  <a:latin typeface="Arial" panose="020B0604020202020204" pitchFamily="34" charset="0"/>
+                  <a:cs typeface="Arial" panose="020B0604020202020204" pitchFamily="34" charset="0"/>
+                </a:rPr>
+                <a:t>a</a:t>
+              </a:r>
+            </a:p>
+          </p:txBody>
+        </p:sp>
+        <p:sp>
+          <p:nvSpPr>
+            <p:cNvPr id="63" name="TextBox 62">
+              <a:extLst>
+                <a:ext uri="{FF2B5EF4-FFF2-40B4-BE49-F238E27FC236}">
+                  <a16:creationId xmlns:a16="http://schemas.microsoft.com/office/drawing/2014/main" id="{1FF74071-DF85-A6F6-B0B9-A022D715E4FA}"/>
+                </a:ext>
+              </a:extLst>
+            </p:cNvPr>
+            <p:cNvSpPr txBox="1"/>
+            <p:nvPr/>
+          </p:nvSpPr>
+          <p:spPr>
+            <a:xfrm>
+              <a:off x="838969" y="2962758"/>
+              <a:ext cx="371424" cy="335960"/>
+            </a:xfrm>
+            <a:prstGeom prst="rect">
+              <a:avLst/>
+            </a:prstGeom>
+            <a:noFill/>
+          </p:spPr>
+          <p:txBody>
+            <a:bodyPr wrap="none" rtlCol="0">
+              <a:spAutoFit/>
+            </a:bodyPr>
+            <a:lstStyle/>
+            <a:p>
+              <a:r>
+                <a:rPr lang="en-US" sz="900" b="1" dirty="0">
+                  <a:latin typeface="Arial" panose="020B0604020202020204" pitchFamily="34" charset="0"/>
+                  <a:cs typeface="Arial" panose="020B0604020202020204" pitchFamily="34" charset="0"/>
+                </a:rPr>
+                <a:t>b</a:t>
+              </a:r>
+            </a:p>
+          </p:txBody>
+        </p:sp>
+        <p:sp>
+          <p:nvSpPr>
+            <p:cNvPr id="64" name="Chevron 63">
+              <a:extLst>
+                <a:ext uri="{FF2B5EF4-FFF2-40B4-BE49-F238E27FC236}">
+                  <a16:creationId xmlns:a16="http://schemas.microsoft.com/office/drawing/2014/main" id="{572497F8-9491-80C6-74CD-05E6C0E25860}"/>
+                </a:ext>
+              </a:extLst>
+            </p:cNvPr>
+            <p:cNvSpPr/>
+            <p:nvPr/>
+          </p:nvSpPr>
+          <p:spPr>
+            <a:xfrm>
+              <a:off x="946666" y="3322785"/>
+              <a:ext cx="5201479" cy="323432"/>
+            </a:xfrm>
+            <a:prstGeom prst="chevron">
+              <a:avLst/>
+            </a:prstGeom>
+            <a:solidFill>
+              <a:schemeClr val="bg2"/>
+            </a:solidFill>
+            <a:ln>
+              <a:solidFill>
+                <a:schemeClr val="bg1"/>
+              </a:solidFill>
+            </a:ln>
+          </p:spPr>
+          <p:style>
+            <a:lnRef idx="2">
+              <a:schemeClr val="accent1">
+                <a:shade val="15000"/>
+              </a:schemeClr>
+            </a:lnRef>
+            <a:fillRef idx="1">
+              <a:schemeClr val="accent1"/>
+            </a:fillRef>
+            <a:effectRef idx="0">
+              <a:schemeClr val="accent1"/>
+            </a:effectRef>
+            <a:fontRef idx="minor">
+              <a:schemeClr val="lt1"/>
+            </a:fontRef>
+          </p:style>
+          <p:txBody>
+            <a:bodyPr lIns="36000" tIns="36000" rIns="36000" bIns="36000" rtlCol="0" anchor="ctr"/>
+            <a:lstStyle/>
+            <a:p>
+              <a:pPr algn="ctr"/>
+              <a:r>
+                <a:rPr lang="en-US" sz="800" dirty="0">
+                  <a:solidFill>
+                    <a:schemeClr val="tx1"/>
+                  </a:solidFill>
+                  <a:latin typeface="Arial" panose="020B0604020202020204" pitchFamily="34" charset="0"/>
+                  <a:cs typeface="Arial" panose="020B0604020202020204" pitchFamily="34" charset="0"/>
+                </a:rPr>
+                <a:t>Data visualization standard	</a:t>
+              </a:r>
+            </a:p>
+          </p:txBody>
+        </p:sp>
+        <p:sp>
+          <p:nvSpPr>
+            <p:cNvPr id="65" name="Chevron 64">
+              <a:extLst>
+                <a:ext uri="{FF2B5EF4-FFF2-40B4-BE49-F238E27FC236}">
+                  <a16:creationId xmlns:a16="http://schemas.microsoft.com/office/drawing/2014/main" id="{28D33C27-4FEF-ED5E-80C0-B751D809F745}"/>
+                </a:ext>
+              </a:extLst>
+            </p:cNvPr>
+            <p:cNvSpPr/>
+            <p:nvPr/>
+          </p:nvSpPr>
+          <p:spPr>
+            <a:xfrm>
+              <a:off x="4332660" y="3343773"/>
+              <a:ext cx="5440648" cy="292559"/>
+            </a:xfrm>
+            <a:prstGeom prst="chevron">
+              <a:avLst/>
+            </a:prstGeom>
+            <a:noFill/>
+            <a:ln w="12700">
+              <a:solidFill>
+                <a:schemeClr val="tx1">
+                  <a:lumMod val="50000"/>
+                  <a:lumOff val="50000"/>
+                </a:schemeClr>
+              </a:solidFill>
+              <a:prstDash val="sysDash"/>
+            </a:ln>
+          </p:spPr>
+          <p:style>
+            <a:lnRef idx="2">
+              <a:schemeClr val="accent1">
+                <a:shade val="15000"/>
+              </a:schemeClr>
+            </a:lnRef>
+            <a:fillRef idx="1">
+              <a:schemeClr val="accent1"/>
+            </a:fillRef>
+            <a:effectRef idx="0">
+              <a:schemeClr val="accent1"/>
+            </a:effectRef>
+            <a:fontRef idx="minor">
+              <a:schemeClr val="lt1"/>
+            </a:fontRef>
+          </p:style>
+          <p:txBody>
+            <a:bodyPr lIns="36000" tIns="36000" rIns="36000" bIns="36000" rtlCol="0" anchor="ctr"/>
+            <a:lstStyle/>
+            <a:p>
+              <a:pPr algn="ctr"/>
+              <a:r>
+                <a:rPr lang="en-US" sz="800" dirty="0">
+                  <a:solidFill>
+                    <a:schemeClr val="tx1"/>
+                  </a:solidFill>
+                  <a:latin typeface="Arial" panose="020B0604020202020204" pitchFamily="34" charset="0"/>
+                  <a:cs typeface="Arial" panose="020B0604020202020204" pitchFamily="34" charset="0"/>
+                </a:rPr>
+                <a:t>Data science education</a:t>
+              </a:r>
+            </a:p>
+          </p:txBody>
+        </p:sp>
+        <p:sp>
+          <p:nvSpPr>
+            <p:cNvPr id="66" name="TextBox 65">
+              <a:extLst>
+                <a:ext uri="{FF2B5EF4-FFF2-40B4-BE49-F238E27FC236}">
+                  <a16:creationId xmlns:a16="http://schemas.microsoft.com/office/drawing/2014/main" id="{15B66447-72E9-6359-856A-4D83565366FA}"/>
+                </a:ext>
+              </a:extLst>
+            </p:cNvPr>
+            <p:cNvSpPr txBox="1"/>
+            <p:nvPr/>
+          </p:nvSpPr>
+          <p:spPr>
+            <a:xfrm>
+              <a:off x="973783" y="3022134"/>
+              <a:ext cx="8507552" cy="313564"/>
+            </a:xfrm>
+            <a:prstGeom prst="rect">
+              <a:avLst/>
+            </a:prstGeom>
+            <a:noFill/>
+          </p:spPr>
+          <p:txBody>
+            <a:bodyPr wrap="square" rtlCol="0">
+              <a:spAutoFit/>
+            </a:bodyPr>
+            <a:lstStyle/>
+            <a:p>
+              <a:pPr algn="ctr"/>
+              <a:r>
+                <a:rPr lang="en-US" sz="800" dirty="0">
+                  <a:latin typeface="Arial" panose="020B0604020202020204" pitchFamily="34" charset="0"/>
+                  <a:cs typeface="Arial" panose="020B0604020202020204" pitchFamily="34" charset="0"/>
+                </a:rPr>
+                <a:t>Hierarchy of Control</a:t>
+              </a:r>
+            </a:p>
+          </p:txBody>
+        </p:sp>
+      </p:grpSp>
+      <p:pic>
+        <p:nvPicPr>
+          <p:cNvPr id="73" name="Picture 72">
+            <a:extLst>
+              <a:ext uri="{FF2B5EF4-FFF2-40B4-BE49-F238E27FC236}">
+                <a16:creationId xmlns:a16="http://schemas.microsoft.com/office/drawing/2014/main" id="{3E3A3068-9A56-E0B6-F5B9-571022F270F9}"/>
+              </a:ext>
+            </a:extLst>
+          </p:cNvPr>
+          <p:cNvPicPr>
+            <a:picLocks noChangeAspect="1"/>
+          </p:cNvPicPr>
+          <p:nvPr/>
+        </p:nvPicPr>
+        <p:blipFill>
+          <a:blip r:embed="rId3"/>
+          <a:srcRect l="2312" t="6312" r="12575" b="6439"/>
+          <a:stretch/>
+        </p:blipFill>
+        <p:spPr>
+          <a:xfrm>
+            <a:off x="6872597" y="3218355"/>
+            <a:ext cx="4398719" cy="2301763"/>
+          </a:xfrm>
+          <a:prstGeom prst="rect">
+            <a:avLst/>
+          </a:prstGeom>
+        </p:spPr>
+      </p:pic>
+      <p:sp>
+        <p:nvSpPr>
+          <p:cNvPr id="74" name="Rounded Rectangle 73">
+            <a:extLst>
+              <a:ext uri="{FF2B5EF4-FFF2-40B4-BE49-F238E27FC236}">
+                <a16:creationId xmlns:a16="http://schemas.microsoft.com/office/drawing/2014/main" id="{2E03F1FE-B652-DBCA-7BA8-D91C487B2E1D}"/>
+              </a:ext>
+            </a:extLst>
+          </p:cNvPr>
+          <p:cNvSpPr/>
+          <p:nvPr/>
+        </p:nvSpPr>
+        <p:spPr>
+          <a:xfrm>
+            <a:off x="6872597" y="4349685"/>
+            <a:ext cx="494561" cy="238775"/>
+          </a:xfrm>
+          <a:prstGeom prst="roundRect">
+            <a:avLst/>
+          </a:prstGeom>
+          <a:solidFill>
+            <a:srgbClr val="FFFFFF"/>
+          </a:solidFill>
+          <a:ln w="12700">
+            <a:solidFill>
+              <a:schemeClr val="bg1">
+                <a:lumMod val="75000"/>
+              </a:schemeClr>
+            </a:solidFill>
+          </a:ln>
+        </p:spPr>
+        <p:style>
+          <a:lnRef idx="2">
+            <a:schemeClr val="accent1">
+              <a:shade val="15000"/>
+            </a:schemeClr>
+          </a:lnRef>
+          <a:fillRef idx="1">
+            <a:schemeClr val="accent1"/>
+          </a:fillRef>
+          <a:effectRef idx="0">
+            <a:schemeClr val="accent1"/>
+          </a:effectRef>
+          <a:fontRef idx="minor">
+            <a:schemeClr val="lt1"/>
+          </a:fontRef>
+        </p:style>
+        <p:txBody>
+          <a:bodyPr lIns="0" tIns="0" rIns="0" bIns="0" rtlCol="0" anchor="ctr"/>
+          <a:lstStyle/>
+          <a:p>
+            <a:pPr algn="ctr"/>
+            <a:r>
+              <a:rPr lang="en-US" sz="800" dirty="0">
+                <a:solidFill>
+                  <a:schemeClr val="tx1"/>
+                </a:solidFill>
+                <a:latin typeface="Arial" panose="020B0604020202020204" pitchFamily="34" charset="0"/>
+                <a:cs typeface="Arial" panose="020B0604020202020204" pitchFamily="34" charset="0"/>
+              </a:rPr>
+              <a:t>Data</a:t>
+            </a:r>
+          </a:p>
+        </p:txBody>
+      </p:sp>
+      <p:pic>
+        <p:nvPicPr>
+          <p:cNvPr id="1026" name="Picture 2">
+            <a:extLst>
+              <a:ext uri="{FF2B5EF4-FFF2-40B4-BE49-F238E27FC236}">
+                <a16:creationId xmlns:a16="http://schemas.microsoft.com/office/drawing/2014/main" id="{C4012177-FE55-B791-6C75-79D15C9C6B7E}"/>
+              </a:ext>
+            </a:extLst>
+          </p:cNvPr>
+          <p:cNvPicPr>
+            <a:picLocks noChangeAspect="1" noChangeArrowheads="1"/>
+          </p:cNvPicPr>
+          <p:nvPr/>
+        </p:nvPicPr>
+        <p:blipFill rotWithShape="1">
+          <a:blip r:embed="rId4"/>
+          <a:srcRect l="2322" t="2202" r="3553" b="3639"/>
+          <a:stretch/>
+        </p:blipFill>
+        <p:spPr bwMode="auto">
+          <a:xfrm>
+            <a:off x="8754183" y="5657188"/>
+            <a:ext cx="2396089" cy="1917541"/>
+          </a:xfrm>
+          <a:prstGeom prst="rect">
+            <a:avLst/>
+          </a:prstGeom>
+          <a:noFill/>
+          <a:extLst>
+            <a:ext uri="{909E8E84-426E-40DD-AFC4-6F175D3DCCD1}">
+              <a14:hiddenFill xmlns:a14="http://schemas.microsoft.com/office/drawing/2010/main">
+                <a:solidFill>
+                  <a:srgbClr val="FFFFFF"/>
+                </a:solidFill>
+              </a14:hiddenFill>
+            </a:ext>
+          </a:extLst>
+        </p:spPr>
+      </p:pic>
+      <p:sp>
+        <p:nvSpPr>
+          <p:cNvPr id="76" name="TextBox 75">
+            <a:extLst>
+              <a:ext uri="{FF2B5EF4-FFF2-40B4-BE49-F238E27FC236}">
+                <a16:creationId xmlns:a16="http://schemas.microsoft.com/office/drawing/2014/main" id="{C2E27CDF-A7FE-6ABF-E820-E7B338260858}"/>
+              </a:ext>
+            </a:extLst>
+          </p:cNvPr>
+          <p:cNvSpPr txBox="1"/>
+          <p:nvPr/>
+        </p:nvSpPr>
+        <p:spPr>
+          <a:xfrm>
+            <a:off x="2768810" y="5623620"/>
+            <a:ext cx="306853" cy="230832"/>
+          </a:xfrm>
+          <a:prstGeom prst="rect">
+            <a:avLst/>
+          </a:prstGeom>
+          <a:noFill/>
+        </p:spPr>
+        <p:txBody>
+          <a:bodyPr wrap="square" rtlCol="0">
+            <a:spAutoFit/>
+          </a:bodyPr>
+          <a:lstStyle/>
+          <a:p>
+            <a:r>
+              <a:rPr lang="en-US" sz="900" b="1" dirty="0">
+                <a:latin typeface="Arial" panose="020B0604020202020204" pitchFamily="34" charset="0"/>
+                <a:cs typeface="Arial" panose="020B0604020202020204" pitchFamily="34" charset="0"/>
+              </a:rPr>
+              <a:t>e</a:t>
+            </a:r>
+          </a:p>
+        </p:txBody>
+      </p:sp>
+      <p:sp>
+        <p:nvSpPr>
+          <p:cNvPr id="77" name="TextBox 76">
+            <a:extLst>
+              <a:ext uri="{FF2B5EF4-FFF2-40B4-BE49-F238E27FC236}">
+                <a16:creationId xmlns:a16="http://schemas.microsoft.com/office/drawing/2014/main" id="{FD271A52-49EF-D797-C81C-2F947758869A}"/>
+              </a:ext>
+            </a:extLst>
+          </p:cNvPr>
+          <p:cNvSpPr txBox="1"/>
+          <p:nvPr/>
+        </p:nvSpPr>
+        <p:spPr>
+          <a:xfrm>
+            <a:off x="6872598" y="5621260"/>
+            <a:ext cx="306853" cy="230832"/>
+          </a:xfrm>
+          <a:prstGeom prst="rect">
+            <a:avLst/>
+          </a:prstGeom>
+          <a:noFill/>
+        </p:spPr>
+        <p:txBody>
+          <a:bodyPr wrap="square" rtlCol="0">
+            <a:spAutoFit/>
+          </a:bodyPr>
+          <a:lstStyle/>
+          <a:p>
+            <a:r>
+              <a:rPr lang="en-US" sz="900" b="1" dirty="0">
+                <a:latin typeface="Arial" panose="020B0604020202020204" pitchFamily="34" charset="0"/>
+                <a:cs typeface="Arial" panose="020B0604020202020204" pitchFamily="34" charset="0"/>
+              </a:rPr>
+              <a:t>f</a:t>
+            </a:r>
+          </a:p>
+        </p:txBody>
+      </p:sp>
+      <p:pic>
+        <p:nvPicPr>
+          <p:cNvPr id="78" name="Picture 8">
+            <a:extLst>
+              <a:ext uri="{FF2B5EF4-FFF2-40B4-BE49-F238E27FC236}">
+                <a16:creationId xmlns:a16="http://schemas.microsoft.com/office/drawing/2014/main" id="{64291C4F-06B1-AC0F-C5A2-05C0D53D6310}"/>
+              </a:ext>
+            </a:extLst>
+          </p:cNvPr>
+          <p:cNvPicPr>
+            <a:picLocks noChangeAspect="1" noChangeArrowheads="1"/>
+          </p:cNvPicPr>
+          <p:nvPr/>
+        </p:nvPicPr>
+        <p:blipFill rotWithShape="1">
+          <a:blip r:embed="rId5"/>
+          <a:srcRect l="2927" t="3895" r="7827" b="2234"/>
+          <a:stretch/>
+        </p:blipFill>
+        <p:spPr bwMode="auto">
+          <a:xfrm>
+            <a:off x="3759541" y="5696886"/>
+            <a:ext cx="2290835" cy="1927658"/>
+          </a:xfrm>
+          <a:prstGeom prst="rect">
+            <a:avLst/>
+          </a:prstGeom>
+          <a:noFill/>
+          <a:extLst>
+            <a:ext uri="{909E8E84-426E-40DD-AFC4-6F175D3DCCD1}">
+              <a14:hiddenFill xmlns:a14="http://schemas.microsoft.com/office/drawing/2010/main">
+                <a:solidFill>
+                  <a:srgbClr val="FFFFFF"/>
+                </a:solidFill>
+              </a14:hiddenFill>
+            </a:ext>
+          </a:extLst>
+        </p:spPr>
+      </p:pic>
+      <p:sp>
+        <p:nvSpPr>
+          <p:cNvPr id="79" name="Line Callout 1 (Accent Bar) 78">
+            <a:extLst>
+              <a:ext uri="{FF2B5EF4-FFF2-40B4-BE49-F238E27FC236}">
+                <a16:creationId xmlns:a16="http://schemas.microsoft.com/office/drawing/2014/main" id="{68FE04D7-D4DA-9DD3-92F3-00634D061F4D}"/>
+              </a:ext>
+            </a:extLst>
+          </p:cNvPr>
+          <p:cNvSpPr/>
+          <p:nvPr/>
+        </p:nvSpPr>
+        <p:spPr>
+          <a:xfrm>
+            <a:off x="2740757" y="7356741"/>
+            <a:ext cx="697722" cy="187033"/>
+          </a:xfrm>
+          <a:prstGeom prst="accentCallout1">
+            <a:avLst>
+              <a:gd name="adj1" fmla="val 52069"/>
+              <a:gd name="adj2" fmla="val 103377"/>
+              <a:gd name="adj3" fmla="val 50675"/>
+              <a:gd name="adj4" fmla="val 175086"/>
+            </a:avLst>
+          </a:prstGeom>
+          <a:noFill/>
+          <a:ln w="9525">
+            <a:solidFill>
+              <a:schemeClr val="tx1">
+                <a:lumMod val="50000"/>
+                <a:lumOff val="50000"/>
+              </a:schemeClr>
+            </a:solidFill>
+            <a:tailEnd type="diamond" w="sm" len="sm"/>
+          </a:ln>
+        </p:spPr>
+        <p:style>
+          <a:lnRef idx="2">
+            <a:schemeClr val="accent1">
+              <a:shade val="15000"/>
+            </a:schemeClr>
+          </a:lnRef>
+          <a:fillRef idx="1">
+            <a:schemeClr val="accent1"/>
+          </a:fillRef>
+          <a:effectRef idx="0">
+            <a:schemeClr val="accent1"/>
+          </a:effectRef>
+          <a:fontRef idx="minor">
+            <a:schemeClr val="lt1"/>
+          </a:fontRef>
+        </p:style>
+        <p:txBody>
+          <a:bodyPr lIns="36000" tIns="0" rIns="0" bIns="0" rtlCol="0" anchor="ctr"/>
+          <a:lstStyle/>
+          <a:p>
+            <a:pPr algn="r"/>
+            <a:r>
+              <a:rPr lang="en-US" sz="700" dirty="0">
+                <a:solidFill>
+                  <a:schemeClr val="tx1">
+                    <a:lumMod val="50000"/>
+                    <a:lumOff val="50000"/>
+                  </a:schemeClr>
+                </a:solidFill>
+                <a:latin typeface="Arial" panose="020B0604020202020204" pitchFamily="34" charset="0"/>
+                <a:cs typeface="Arial" panose="020B0604020202020204" pitchFamily="34" charset="0"/>
+              </a:rPr>
+              <a:t>Starts at 0</a:t>
+            </a:r>
+          </a:p>
+          <a:p>
+            <a:pPr algn="r"/>
+            <a:r>
+              <a:rPr lang="en-US" sz="700" dirty="0">
+                <a:solidFill>
+                  <a:schemeClr val="tx1">
+                    <a:lumMod val="50000"/>
+                    <a:lumOff val="50000"/>
+                  </a:schemeClr>
+                </a:solidFill>
+                <a:latin typeface="Arial" panose="020B0604020202020204" pitchFamily="34" charset="0"/>
+                <a:cs typeface="Arial" panose="020B0604020202020204" pitchFamily="34" charset="0"/>
+              </a:rPr>
+              <a:t>Labels 0</a:t>
+            </a:r>
+          </a:p>
+        </p:txBody>
+      </p:sp>
+      <p:sp>
+        <p:nvSpPr>
+          <p:cNvPr id="81" name="Line Callout 1 (Accent Bar) 80">
+            <a:extLst>
+              <a:ext uri="{FF2B5EF4-FFF2-40B4-BE49-F238E27FC236}">
+                <a16:creationId xmlns:a16="http://schemas.microsoft.com/office/drawing/2014/main" id="{ADAA937B-3302-1B8C-A126-E459A5226F6F}"/>
+              </a:ext>
+            </a:extLst>
+          </p:cNvPr>
+          <p:cNvSpPr/>
+          <p:nvPr/>
+        </p:nvSpPr>
+        <p:spPr>
+          <a:xfrm>
+            <a:off x="6094822" y="6317224"/>
+            <a:ext cx="697722" cy="118678"/>
+          </a:xfrm>
+          <a:prstGeom prst="accentCallout1">
+            <a:avLst>
+              <a:gd name="adj1" fmla="val 60889"/>
+              <a:gd name="adj2" fmla="val -1132"/>
+              <a:gd name="adj3" fmla="val 61347"/>
+              <a:gd name="adj4" fmla="val -28433"/>
+            </a:avLst>
+          </a:prstGeom>
+          <a:noFill/>
+          <a:ln w="9525">
+            <a:solidFill>
+              <a:schemeClr val="tx1">
+                <a:lumMod val="50000"/>
+                <a:lumOff val="50000"/>
+              </a:schemeClr>
+            </a:solidFill>
+            <a:tailEnd type="diamond" w="sm" len="sm"/>
+          </a:ln>
+        </p:spPr>
+        <p:style>
+          <a:lnRef idx="2">
+            <a:schemeClr val="accent1">
+              <a:shade val="15000"/>
+            </a:schemeClr>
+          </a:lnRef>
+          <a:fillRef idx="1">
+            <a:schemeClr val="accent1"/>
+          </a:fillRef>
+          <a:effectRef idx="0">
+            <a:schemeClr val="accent1"/>
+          </a:effectRef>
+          <a:fontRef idx="minor">
+            <a:schemeClr val="lt1"/>
+          </a:fontRef>
+        </p:style>
+        <p:txBody>
+          <a:bodyPr lIns="36000" tIns="0" rIns="0" bIns="0" rtlCol="0" anchor="ctr"/>
+          <a:lstStyle/>
+          <a:p>
+            <a:r>
+              <a:rPr lang="en-US" sz="700" dirty="0">
+                <a:solidFill>
+                  <a:schemeClr val="tx1">
+                    <a:lumMod val="50000"/>
+                    <a:lumOff val="50000"/>
+                  </a:schemeClr>
+                </a:solidFill>
+                <a:latin typeface="Arial" panose="020B0604020202020204" pitchFamily="34" charset="0"/>
+                <a:cs typeface="Arial" panose="020B0604020202020204" pitchFamily="34" charset="0"/>
+              </a:rPr>
+              <a:t>Consistent width</a:t>
+            </a:r>
+          </a:p>
+        </p:txBody>
+      </p:sp>
+      <p:sp>
+        <p:nvSpPr>
+          <p:cNvPr id="82" name="Line Callout 1 (Accent Bar) 81">
+            <a:extLst>
+              <a:ext uri="{FF2B5EF4-FFF2-40B4-BE49-F238E27FC236}">
+                <a16:creationId xmlns:a16="http://schemas.microsoft.com/office/drawing/2014/main" id="{92FA368C-C1DE-DD34-FA4B-BFD850743D9D}"/>
+              </a:ext>
+            </a:extLst>
+          </p:cNvPr>
+          <p:cNvSpPr/>
+          <p:nvPr/>
+        </p:nvSpPr>
+        <p:spPr>
+          <a:xfrm>
+            <a:off x="6097853" y="7446290"/>
+            <a:ext cx="434750" cy="185646"/>
+          </a:xfrm>
+          <a:prstGeom prst="accentCallout1">
+            <a:avLst>
+              <a:gd name="adj1" fmla="val 50628"/>
+              <a:gd name="adj2" fmla="val 329"/>
+              <a:gd name="adj3" fmla="val 51085"/>
+              <a:gd name="adj4" fmla="val -29359"/>
+            </a:avLst>
+          </a:prstGeom>
+          <a:noFill/>
+          <a:ln w="9525">
+            <a:solidFill>
+              <a:schemeClr val="tx1">
+                <a:lumMod val="50000"/>
+                <a:lumOff val="50000"/>
+              </a:schemeClr>
+            </a:solidFill>
+            <a:tailEnd type="diamond" w="sm" len="sm"/>
+          </a:ln>
+        </p:spPr>
+        <p:style>
+          <a:lnRef idx="2">
+            <a:schemeClr val="accent1">
+              <a:shade val="15000"/>
+            </a:schemeClr>
+          </a:lnRef>
+          <a:fillRef idx="1">
+            <a:schemeClr val="accent1"/>
+          </a:fillRef>
+          <a:effectRef idx="0">
+            <a:schemeClr val="accent1"/>
+          </a:effectRef>
+          <a:fontRef idx="minor">
+            <a:schemeClr val="lt1"/>
+          </a:fontRef>
+        </p:style>
+        <p:txBody>
+          <a:bodyPr lIns="36000" tIns="0" rIns="0" bIns="0" rtlCol="0" anchor="ctr"/>
+          <a:lstStyle/>
+          <a:p>
+            <a:r>
+              <a:rPr lang="en-US" sz="700" dirty="0">
+                <a:solidFill>
+                  <a:schemeClr val="tx1">
+                    <a:lumMod val="50000"/>
+                    <a:lumOff val="50000"/>
+                  </a:schemeClr>
+                </a:solidFill>
+                <a:latin typeface="Arial" panose="020B0604020202020204" pitchFamily="34" charset="0"/>
+                <a:cs typeface="Arial" panose="020B0604020202020204" pitchFamily="34" charset="0"/>
+              </a:rPr>
+              <a:t>Nominal </a:t>
+            </a:r>
+          </a:p>
+          <a:p>
+            <a:r>
+              <a:rPr lang="en-US" sz="700" dirty="0">
+                <a:solidFill>
+                  <a:schemeClr val="tx1">
+                    <a:lumMod val="50000"/>
+                    <a:lumOff val="50000"/>
+                  </a:schemeClr>
+                </a:solidFill>
+                <a:latin typeface="Arial" panose="020B0604020202020204" pitchFamily="34" charset="0"/>
+                <a:cs typeface="Arial" panose="020B0604020202020204" pitchFamily="34" charset="0"/>
+              </a:rPr>
+              <a:t>variables</a:t>
+            </a:r>
+          </a:p>
+        </p:txBody>
+      </p:sp>
+      <p:sp>
+        <p:nvSpPr>
+          <p:cNvPr id="83" name="Line Callout 1 (Accent Bar) 82">
+            <a:extLst>
+              <a:ext uri="{FF2B5EF4-FFF2-40B4-BE49-F238E27FC236}">
+                <a16:creationId xmlns:a16="http://schemas.microsoft.com/office/drawing/2014/main" id="{997C8974-A915-D065-82DD-8C54F8193A0D}"/>
+              </a:ext>
+            </a:extLst>
+          </p:cNvPr>
+          <p:cNvSpPr/>
+          <p:nvPr/>
+        </p:nvSpPr>
+        <p:spPr>
+          <a:xfrm>
+            <a:off x="6094822" y="6729392"/>
+            <a:ext cx="697722" cy="118678"/>
+          </a:xfrm>
+          <a:prstGeom prst="accentCallout1">
+            <a:avLst>
+              <a:gd name="adj1" fmla="val 60889"/>
+              <a:gd name="adj2" fmla="val -1132"/>
+              <a:gd name="adj3" fmla="val 58407"/>
+              <a:gd name="adj4" fmla="val -51935"/>
+            </a:avLst>
+          </a:prstGeom>
+          <a:noFill/>
+          <a:ln w="9525">
+            <a:solidFill>
+              <a:schemeClr val="tx1">
+                <a:lumMod val="50000"/>
+                <a:lumOff val="50000"/>
+              </a:schemeClr>
+            </a:solidFill>
+            <a:tailEnd type="diamond" w="sm" len="sm"/>
+          </a:ln>
+        </p:spPr>
+        <p:style>
+          <a:lnRef idx="2">
+            <a:schemeClr val="accent1">
+              <a:shade val="15000"/>
+            </a:schemeClr>
+          </a:lnRef>
+          <a:fillRef idx="1">
+            <a:schemeClr val="accent1"/>
+          </a:fillRef>
+          <a:effectRef idx="0">
+            <a:schemeClr val="accent1"/>
+          </a:effectRef>
+          <a:fontRef idx="minor">
+            <a:schemeClr val="lt1"/>
+          </a:fontRef>
+        </p:style>
+        <p:txBody>
+          <a:bodyPr lIns="36000" tIns="0" rIns="0" bIns="0" rtlCol="0" anchor="ctr"/>
+          <a:lstStyle/>
+          <a:p>
+            <a:r>
+              <a:rPr lang="en-US" sz="700" dirty="0">
+                <a:solidFill>
+                  <a:schemeClr val="tx1">
+                    <a:lumMod val="50000"/>
+                    <a:lumOff val="50000"/>
+                  </a:schemeClr>
+                </a:solidFill>
+                <a:latin typeface="Arial" panose="020B0604020202020204" pitchFamily="34" charset="0"/>
+                <a:cs typeface="Arial" panose="020B0604020202020204" pitchFamily="34" charset="0"/>
+              </a:rPr>
+              <a:t>Shows raw data</a:t>
+            </a:r>
+          </a:p>
+        </p:txBody>
+      </p:sp>
+      <p:sp>
+        <p:nvSpPr>
+          <p:cNvPr id="84" name="Line Callout 1 (Accent Bar) 83">
+            <a:extLst>
+              <a:ext uri="{FF2B5EF4-FFF2-40B4-BE49-F238E27FC236}">
+                <a16:creationId xmlns:a16="http://schemas.microsoft.com/office/drawing/2014/main" id="{2691ED7B-C7CB-F329-6EE0-4BF81027B58A}"/>
+              </a:ext>
+            </a:extLst>
+          </p:cNvPr>
+          <p:cNvSpPr/>
+          <p:nvPr/>
+        </p:nvSpPr>
+        <p:spPr>
+          <a:xfrm>
+            <a:off x="6094822" y="6132968"/>
+            <a:ext cx="697722" cy="118678"/>
+          </a:xfrm>
+          <a:prstGeom prst="accentCallout1">
+            <a:avLst>
+              <a:gd name="adj1" fmla="val 60889"/>
+              <a:gd name="adj2" fmla="val -1132"/>
+              <a:gd name="adj3" fmla="val 61347"/>
+              <a:gd name="adj4" fmla="val -28433"/>
+            </a:avLst>
+          </a:prstGeom>
+          <a:noFill/>
+          <a:ln w="9525">
+            <a:solidFill>
+              <a:schemeClr val="tx1">
+                <a:lumMod val="50000"/>
+                <a:lumOff val="50000"/>
+              </a:schemeClr>
+            </a:solidFill>
+            <a:tailEnd type="diamond" w="sm" len="sm"/>
+          </a:ln>
+        </p:spPr>
+        <p:style>
+          <a:lnRef idx="2">
+            <a:schemeClr val="accent1">
+              <a:shade val="15000"/>
+            </a:schemeClr>
+          </a:lnRef>
+          <a:fillRef idx="1">
+            <a:schemeClr val="accent1"/>
+          </a:fillRef>
+          <a:effectRef idx="0">
+            <a:schemeClr val="accent1"/>
+          </a:effectRef>
+          <a:fontRef idx="minor">
+            <a:schemeClr val="lt1"/>
+          </a:fontRef>
+        </p:style>
+        <p:txBody>
+          <a:bodyPr lIns="36000" tIns="0" rIns="0" bIns="0" rtlCol="0" anchor="ctr"/>
+          <a:lstStyle/>
+          <a:p>
+            <a:r>
+              <a:rPr lang="en-US" sz="700" dirty="0">
+                <a:solidFill>
+                  <a:schemeClr val="tx1">
+                    <a:lumMod val="50000"/>
+                    <a:lumOff val="50000"/>
+                  </a:schemeClr>
+                </a:solidFill>
+                <a:latin typeface="Arial" panose="020B0604020202020204" pitchFamily="34" charset="0"/>
+                <a:cs typeface="Arial" panose="020B0604020202020204" pitchFamily="34" charset="0"/>
+              </a:rPr>
+              <a:t>≥ 2 bars</a:t>
+            </a:r>
+          </a:p>
+        </p:txBody>
+      </p:sp>
+      <p:sp>
+        <p:nvSpPr>
+          <p:cNvPr id="85" name="Line Callout 1 (Accent Bar) 84">
+            <a:extLst>
+              <a:ext uri="{FF2B5EF4-FFF2-40B4-BE49-F238E27FC236}">
+                <a16:creationId xmlns:a16="http://schemas.microsoft.com/office/drawing/2014/main" id="{0F9EE9BC-709B-4236-2FCB-56356DEAC11F}"/>
+              </a:ext>
+            </a:extLst>
+          </p:cNvPr>
+          <p:cNvSpPr/>
+          <p:nvPr/>
+        </p:nvSpPr>
+        <p:spPr>
+          <a:xfrm>
+            <a:off x="2740757" y="6075043"/>
+            <a:ext cx="697722" cy="118678"/>
+          </a:xfrm>
+          <a:prstGeom prst="accentCallout1">
+            <a:avLst>
+              <a:gd name="adj1" fmla="val 52069"/>
+              <a:gd name="adj2" fmla="val 103377"/>
+              <a:gd name="adj3" fmla="val 58407"/>
+              <a:gd name="adj4" fmla="val 274594"/>
+            </a:avLst>
+          </a:prstGeom>
+          <a:noFill/>
+          <a:ln w="9525">
+            <a:solidFill>
+              <a:schemeClr val="tx1">
+                <a:lumMod val="50000"/>
+                <a:lumOff val="50000"/>
+              </a:schemeClr>
+            </a:solidFill>
+            <a:tailEnd type="diamond" w="sm" len="sm"/>
+          </a:ln>
+        </p:spPr>
+        <p:style>
+          <a:lnRef idx="2">
+            <a:schemeClr val="accent1">
+              <a:shade val="15000"/>
+            </a:schemeClr>
+          </a:lnRef>
+          <a:fillRef idx="1">
+            <a:schemeClr val="accent1"/>
+          </a:fillRef>
+          <a:effectRef idx="0">
+            <a:schemeClr val="accent1"/>
+          </a:effectRef>
+          <a:fontRef idx="minor">
+            <a:schemeClr val="lt1"/>
+          </a:fontRef>
+        </p:style>
+        <p:txBody>
+          <a:bodyPr lIns="36000" tIns="0" rIns="0" bIns="0" rtlCol="0" anchor="ctr"/>
+          <a:lstStyle/>
+          <a:p>
+            <a:pPr algn="r"/>
+            <a:r>
+              <a:rPr lang="en-US" sz="700" dirty="0">
+                <a:solidFill>
+                  <a:schemeClr val="tx1">
+                    <a:lumMod val="50000"/>
+                    <a:lumOff val="50000"/>
+                  </a:schemeClr>
+                </a:solidFill>
+                <a:latin typeface="Arial" panose="020B0604020202020204" pitchFamily="34" charset="0"/>
+                <a:cs typeface="Arial" panose="020B0604020202020204" pitchFamily="34" charset="0"/>
+              </a:rPr>
+              <a:t>2D bars</a:t>
+            </a:r>
+          </a:p>
+        </p:txBody>
+      </p:sp>
+      <p:sp>
+        <p:nvSpPr>
+          <p:cNvPr id="86" name="Line Callout 1 (Accent Bar) 85">
+            <a:extLst>
+              <a:ext uri="{FF2B5EF4-FFF2-40B4-BE49-F238E27FC236}">
+                <a16:creationId xmlns:a16="http://schemas.microsoft.com/office/drawing/2014/main" id="{DA4E8ED0-3150-A473-E58D-F42AADF1CC70}"/>
+              </a:ext>
+            </a:extLst>
+          </p:cNvPr>
+          <p:cNvSpPr/>
+          <p:nvPr/>
+        </p:nvSpPr>
+        <p:spPr>
+          <a:xfrm>
+            <a:off x="2651610" y="6516801"/>
+            <a:ext cx="873987" cy="187032"/>
+          </a:xfrm>
+          <a:prstGeom prst="accentCallout1">
+            <a:avLst>
+              <a:gd name="adj1" fmla="val 52069"/>
+              <a:gd name="adj2" fmla="val 103377"/>
+              <a:gd name="adj3" fmla="val 52540"/>
+              <a:gd name="adj4" fmla="val 126321"/>
+            </a:avLst>
+          </a:prstGeom>
+          <a:noFill/>
+          <a:ln w="9525">
+            <a:solidFill>
+              <a:schemeClr val="tx1">
+                <a:lumMod val="50000"/>
+                <a:lumOff val="50000"/>
+              </a:schemeClr>
+            </a:solidFill>
+            <a:tailEnd type="diamond" w="sm" len="sm"/>
+          </a:ln>
+        </p:spPr>
+        <p:style>
+          <a:lnRef idx="2">
+            <a:schemeClr val="accent1">
+              <a:shade val="15000"/>
+            </a:schemeClr>
+          </a:lnRef>
+          <a:fillRef idx="1">
+            <a:schemeClr val="accent1"/>
+          </a:fillRef>
+          <a:effectRef idx="0">
+            <a:schemeClr val="accent1"/>
+          </a:effectRef>
+          <a:fontRef idx="minor">
+            <a:schemeClr val="lt1"/>
+          </a:fontRef>
+        </p:style>
+        <p:txBody>
+          <a:bodyPr lIns="36000" tIns="0" rIns="0" bIns="0" rtlCol="0" anchor="ctr"/>
+          <a:lstStyle/>
+          <a:p>
+            <a:pPr algn="r"/>
+            <a:r>
+              <a:rPr lang="en-US" sz="700" dirty="0">
+                <a:solidFill>
+                  <a:schemeClr val="tx1">
+                    <a:lumMod val="50000"/>
+                    <a:lumOff val="50000"/>
+                  </a:schemeClr>
+                </a:solidFill>
+                <a:latin typeface="Arial" panose="020B0604020202020204" pitchFamily="34" charset="0"/>
+                <a:cs typeface="Arial" panose="020B0604020202020204" pitchFamily="34" charset="0"/>
+              </a:rPr>
+              <a:t>Quantity with defined relative difference</a:t>
+            </a:r>
+          </a:p>
+        </p:txBody>
+      </p:sp>
+      <p:sp>
+        <p:nvSpPr>
+          <p:cNvPr id="87" name="Line Callout 1 (Accent Bar) 86">
+            <a:extLst>
+              <a:ext uri="{FF2B5EF4-FFF2-40B4-BE49-F238E27FC236}">
+                <a16:creationId xmlns:a16="http://schemas.microsoft.com/office/drawing/2014/main" id="{E438EEC0-84B0-1C8A-6EBB-B28648913854}"/>
+              </a:ext>
+            </a:extLst>
+          </p:cNvPr>
+          <p:cNvSpPr/>
+          <p:nvPr/>
+        </p:nvSpPr>
+        <p:spPr>
+          <a:xfrm>
+            <a:off x="2740757" y="5670770"/>
+            <a:ext cx="697722" cy="118678"/>
+          </a:xfrm>
+          <a:prstGeom prst="accentCallout1">
+            <a:avLst>
+              <a:gd name="adj1" fmla="val 52069"/>
+              <a:gd name="adj2" fmla="val 103377"/>
+              <a:gd name="adj3" fmla="val 53615"/>
+              <a:gd name="adj4" fmla="val 159584"/>
+            </a:avLst>
+          </a:prstGeom>
+          <a:noFill/>
+          <a:ln w="9525">
+            <a:solidFill>
+              <a:schemeClr val="tx1">
+                <a:lumMod val="50000"/>
+                <a:lumOff val="50000"/>
+              </a:schemeClr>
+            </a:solidFill>
+            <a:tailEnd type="diamond" w="sm" len="sm"/>
+          </a:ln>
+        </p:spPr>
+        <p:style>
+          <a:lnRef idx="2">
+            <a:schemeClr val="accent1">
+              <a:shade val="15000"/>
+            </a:schemeClr>
+          </a:lnRef>
+          <a:fillRef idx="1">
+            <a:schemeClr val="accent1"/>
+          </a:fillRef>
+          <a:effectRef idx="0">
+            <a:schemeClr val="accent1"/>
+          </a:effectRef>
+          <a:fontRef idx="minor">
+            <a:schemeClr val="lt1"/>
+          </a:fontRef>
+        </p:style>
+        <p:txBody>
+          <a:bodyPr lIns="36000" tIns="0" rIns="0" bIns="0" rtlCol="0" anchor="ctr"/>
+          <a:lstStyle/>
+          <a:p>
+            <a:pPr algn="r"/>
+            <a:r>
+              <a:rPr lang="en-US" sz="700" dirty="0">
+                <a:solidFill>
+                  <a:schemeClr val="tx1">
+                    <a:lumMod val="50000"/>
+                    <a:lumOff val="50000"/>
+                  </a:schemeClr>
+                </a:solidFill>
+                <a:latin typeface="Arial" panose="020B0604020202020204" pitchFamily="34" charset="0"/>
+                <a:cs typeface="Arial" panose="020B0604020202020204" pitchFamily="34" charset="0"/>
+              </a:rPr>
+              <a:t>Linear axis</a:t>
+            </a:r>
+          </a:p>
+        </p:txBody>
+      </p:sp>
+      <p:sp>
+        <p:nvSpPr>
+          <p:cNvPr id="90" name="Line Callout 1 (Accent Bar) 89">
+            <a:extLst>
+              <a:ext uri="{FF2B5EF4-FFF2-40B4-BE49-F238E27FC236}">
+                <a16:creationId xmlns:a16="http://schemas.microsoft.com/office/drawing/2014/main" id="{C2BDA881-B3B3-00EB-1298-3CB750C4BA6A}"/>
+              </a:ext>
+            </a:extLst>
+          </p:cNvPr>
+          <p:cNvSpPr/>
+          <p:nvPr/>
+        </p:nvSpPr>
+        <p:spPr>
+          <a:xfrm>
+            <a:off x="6388657" y="7371232"/>
+            <a:ext cx="697722" cy="187033"/>
+          </a:xfrm>
+          <a:prstGeom prst="accentCallout1">
+            <a:avLst>
+              <a:gd name="adj1" fmla="val 52069"/>
+              <a:gd name="adj2" fmla="val 103377"/>
+              <a:gd name="adj3" fmla="val 53258"/>
+              <a:gd name="adj4" fmla="val 126665"/>
+            </a:avLst>
+          </a:prstGeom>
+          <a:noFill/>
+          <a:ln w="9525">
+            <a:solidFill>
+              <a:schemeClr val="tx1">
+                <a:lumMod val="50000"/>
+                <a:lumOff val="50000"/>
+              </a:schemeClr>
+            </a:solidFill>
+            <a:tailEnd type="diamond" w="sm" len="sm"/>
+          </a:ln>
+        </p:spPr>
+        <p:style>
+          <a:lnRef idx="2">
+            <a:schemeClr val="accent1">
+              <a:shade val="15000"/>
+            </a:schemeClr>
+          </a:lnRef>
+          <a:fillRef idx="1">
+            <a:schemeClr val="accent1"/>
+          </a:fillRef>
+          <a:effectRef idx="0">
+            <a:schemeClr val="accent1"/>
+          </a:effectRef>
+          <a:fontRef idx="minor">
+            <a:schemeClr val="lt1"/>
+          </a:fontRef>
+        </p:style>
+        <p:txBody>
+          <a:bodyPr lIns="36000" tIns="0" rIns="0" bIns="0" rtlCol="0" anchor="ctr"/>
+          <a:lstStyle/>
+          <a:p>
+            <a:pPr algn="r"/>
+            <a:r>
+              <a:rPr lang="en-US" sz="700" dirty="0">
+                <a:solidFill>
+                  <a:schemeClr val="tx1">
+                    <a:lumMod val="50000"/>
+                    <a:lumOff val="50000"/>
+                  </a:schemeClr>
+                </a:solidFill>
+                <a:latin typeface="Arial" panose="020B0604020202020204" pitchFamily="34" charset="0"/>
+                <a:cs typeface="Arial" panose="020B0604020202020204" pitchFamily="34" charset="0"/>
+              </a:rPr>
+              <a:t>Starts at 0</a:t>
+            </a:r>
+          </a:p>
+          <a:p>
+            <a:pPr algn="r"/>
+            <a:r>
+              <a:rPr lang="en-US" sz="700" dirty="0">
+                <a:solidFill>
+                  <a:schemeClr val="tx1">
+                    <a:lumMod val="50000"/>
+                    <a:lumOff val="50000"/>
+                  </a:schemeClr>
+                </a:solidFill>
+                <a:latin typeface="Arial" panose="020B0604020202020204" pitchFamily="34" charset="0"/>
+                <a:cs typeface="Arial" panose="020B0604020202020204" pitchFamily="34" charset="0"/>
+              </a:rPr>
+              <a:t>Labels 0</a:t>
+            </a:r>
+          </a:p>
+        </p:txBody>
+      </p:sp>
+      <p:sp>
+        <p:nvSpPr>
+          <p:cNvPr id="91" name="Line Callout 1 (Accent Bar) 90">
+            <a:extLst>
+              <a:ext uri="{FF2B5EF4-FFF2-40B4-BE49-F238E27FC236}">
+                <a16:creationId xmlns:a16="http://schemas.microsoft.com/office/drawing/2014/main" id="{2350940A-7B5A-2E88-9876-D01E6F003C67}"/>
+              </a:ext>
+            </a:extLst>
+          </p:cNvPr>
+          <p:cNvSpPr/>
+          <p:nvPr/>
+        </p:nvSpPr>
+        <p:spPr>
+          <a:xfrm>
+            <a:off x="8286643" y="6654764"/>
+            <a:ext cx="351298" cy="182480"/>
+          </a:xfrm>
+          <a:prstGeom prst="accentCallout1">
+            <a:avLst>
+              <a:gd name="adj1" fmla="val 57065"/>
+              <a:gd name="adj2" fmla="val -3406"/>
+              <a:gd name="adj3" fmla="val 56009"/>
+              <a:gd name="adj4" fmla="val -99634"/>
+            </a:avLst>
+          </a:prstGeom>
+          <a:noFill/>
+          <a:ln w="9525">
+            <a:solidFill>
+              <a:schemeClr val="tx1">
+                <a:lumMod val="50000"/>
+                <a:lumOff val="50000"/>
+              </a:schemeClr>
+            </a:solidFill>
+            <a:tailEnd type="diamond" w="sm" len="sm"/>
+          </a:ln>
+        </p:spPr>
+        <p:style>
+          <a:lnRef idx="2">
+            <a:schemeClr val="accent1">
+              <a:shade val="15000"/>
+            </a:schemeClr>
+          </a:lnRef>
+          <a:fillRef idx="1">
+            <a:schemeClr val="accent1"/>
+          </a:fillRef>
+          <a:effectRef idx="0">
+            <a:schemeClr val="accent1"/>
+          </a:effectRef>
+          <a:fontRef idx="minor">
+            <a:schemeClr val="lt1"/>
+          </a:fontRef>
+        </p:style>
+        <p:txBody>
+          <a:bodyPr lIns="36000" tIns="0" rIns="0" bIns="0" rtlCol="0" anchor="ctr"/>
+          <a:lstStyle/>
+          <a:p>
+            <a:r>
+              <a:rPr lang="en-US" sz="700" dirty="0">
+                <a:solidFill>
+                  <a:schemeClr val="tx1">
+                    <a:lumMod val="50000"/>
+                    <a:lumOff val="50000"/>
+                  </a:schemeClr>
+                </a:solidFill>
+                <a:latin typeface="Arial" panose="020B0604020202020204" pitchFamily="34" charset="0"/>
+                <a:cs typeface="Arial" panose="020B0604020202020204" pitchFamily="34" charset="0"/>
+              </a:rPr>
+              <a:t>Breaks</a:t>
+            </a:r>
+          </a:p>
+          <a:p>
+            <a:r>
+              <a:rPr lang="en-US" sz="700" dirty="0">
+                <a:solidFill>
+                  <a:schemeClr val="tx1">
+                    <a:lumMod val="50000"/>
+                    <a:lumOff val="50000"/>
+                  </a:schemeClr>
+                </a:solidFill>
+                <a:latin typeface="Arial" panose="020B0604020202020204" pitchFamily="34" charset="0"/>
+                <a:cs typeface="Arial" panose="020B0604020202020204" pitchFamily="34" charset="0"/>
+              </a:rPr>
+              <a:t>bars</a:t>
+            </a:r>
+          </a:p>
+        </p:txBody>
+      </p:sp>
+      <p:sp>
+        <p:nvSpPr>
+          <p:cNvPr id="92" name="Line Callout 1 (Accent Bar) 91">
+            <a:extLst>
+              <a:ext uri="{FF2B5EF4-FFF2-40B4-BE49-F238E27FC236}">
+                <a16:creationId xmlns:a16="http://schemas.microsoft.com/office/drawing/2014/main" id="{4D1D1C84-8E7B-80E4-2443-22B58192B404}"/>
+              </a:ext>
+            </a:extLst>
+          </p:cNvPr>
+          <p:cNvSpPr/>
+          <p:nvPr/>
+        </p:nvSpPr>
+        <p:spPr>
+          <a:xfrm>
+            <a:off x="8286643" y="5673484"/>
+            <a:ext cx="306853" cy="275319"/>
+          </a:xfrm>
+          <a:prstGeom prst="accentCallout1">
+            <a:avLst>
+              <a:gd name="adj1" fmla="val 57065"/>
+              <a:gd name="adj2" fmla="val -3406"/>
+              <a:gd name="adj3" fmla="val 56947"/>
+              <a:gd name="adj4" fmla="val -79278"/>
+            </a:avLst>
+          </a:prstGeom>
+          <a:noFill/>
+          <a:ln w="9525">
+            <a:solidFill>
+              <a:schemeClr val="tx1">
+                <a:lumMod val="50000"/>
+                <a:lumOff val="50000"/>
+              </a:schemeClr>
+            </a:solidFill>
+            <a:tailEnd type="diamond" w="sm" len="sm"/>
+          </a:ln>
+        </p:spPr>
+        <p:style>
+          <a:lnRef idx="2">
+            <a:schemeClr val="accent1">
+              <a:shade val="15000"/>
+            </a:schemeClr>
+          </a:lnRef>
+          <a:fillRef idx="1">
+            <a:schemeClr val="accent1"/>
+          </a:fillRef>
+          <a:effectRef idx="0">
+            <a:schemeClr val="accent1"/>
+          </a:effectRef>
+          <a:fontRef idx="minor">
+            <a:schemeClr val="lt1"/>
+          </a:fontRef>
+        </p:style>
+        <p:txBody>
+          <a:bodyPr lIns="36000" tIns="0" rIns="0" bIns="0" rtlCol="0" anchor="ctr"/>
+          <a:lstStyle/>
+          <a:p>
+            <a:r>
+              <a:rPr lang="en-US" sz="700" dirty="0">
+                <a:solidFill>
+                  <a:schemeClr val="tx1">
+                    <a:lumMod val="50000"/>
+                    <a:lumOff val="50000"/>
+                  </a:schemeClr>
+                </a:solidFill>
+                <a:latin typeface="Arial" panose="020B0604020202020204" pitchFamily="34" charset="0"/>
+                <a:cs typeface="Arial" panose="020B0604020202020204" pitchFamily="34" charset="0"/>
+              </a:rPr>
+              <a:t>Shows raw data</a:t>
+            </a:r>
+          </a:p>
+        </p:txBody>
+      </p:sp>
+      <p:sp>
+        <p:nvSpPr>
+          <p:cNvPr id="93" name="Line Callout 1 (Accent Bar) 92">
+            <a:extLst>
+              <a:ext uri="{FF2B5EF4-FFF2-40B4-BE49-F238E27FC236}">
+                <a16:creationId xmlns:a16="http://schemas.microsoft.com/office/drawing/2014/main" id="{453ECFFF-A7F8-4F12-2A38-559E1D8FCCBC}"/>
+              </a:ext>
+            </a:extLst>
+          </p:cNvPr>
+          <p:cNvSpPr/>
+          <p:nvPr/>
+        </p:nvSpPr>
+        <p:spPr>
+          <a:xfrm>
+            <a:off x="8287021" y="7174938"/>
+            <a:ext cx="358411" cy="275319"/>
+          </a:xfrm>
+          <a:prstGeom prst="accentCallout1">
+            <a:avLst>
+              <a:gd name="adj1" fmla="val 57065"/>
+              <a:gd name="adj2" fmla="val -3406"/>
+              <a:gd name="adj3" fmla="val 56947"/>
+              <a:gd name="adj4" fmla="val -154899"/>
+            </a:avLst>
+          </a:prstGeom>
+          <a:noFill/>
+          <a:ln w="9525">
+            <a:solidFill>
+              <a:schemeClr val="tx1">
+                <a:lumMod val="50000"/>
+                <a:lumOff val="50000"/>
+              </a:schemeClr>
+            </a:solidFill>
+            <a:tailEnd type="diamond" w="sm" len="sm"/>
+          </a:ln>
+        </p:spPr>
+        <p:style>
+          <a:lnRef idx="2">
+            <a:schemeClr val="accent1">
+              <a:shade val="15000"/>
+            </a:schemeClr>
+          </a:lnRef>
+          <a:fillRef idx="1">
+            <a:schemeClr val="accent1"/>
+          </a:fillRef>
+          <a:effectRef idx="0">
+            <a:schemeClr val="accent1"/>
+          </a:effectRef>
+          <a:fontRef idx="minor">
+            <a:schemeClr val="lt1"/>
+          </a:fontRef>
+        </p:style>
+        <p:txBody>
+          <a:bodyPr lIns="36000" tIns="0" rIns="0" bIns="0" rtlCol="0" anchor="ctr"/>
+          <a:lstStyle/>
+          <a:p>
+            <a:r>
+              <a:rPr lang="en-US" sz="700" dirty="0">
+                <a:solidFill>
+                  <a:schemeClr val="tx1">
+                    <a:lumMod val="50000"/>
+                    <a:lumOff val="50000"/>
+                  </a:schemeClr>
+                </a:solidFill>
+                <a:latin typeface="Arial" panose="020B0604020202020204" pitchFamily="34" charset="0"/>
+                <a:cs typeface="Arial" panose="020B0604020202020204" pitchFamily="34" charset="0"/>
+              </a:rPr>
+              <a:t>≥ 2 bars</a:t>
+            </a:r>
+          </a:p>
+          <a:p>
+            <a:r>
+              <a:rPr lang="en-US" sz="700" dirty="0">
+                <a:solidFill>
+                  <a:schemeClr val="tx1">
+                    <a:lumMod val="50000"/>
+                    <a:lumOff val="50000"/>
+                  </a:schemeClr>
+                </a:solidFill>
+                <a:latin typeface="Arial" panose="020B0604020202020204" pitchFamily="34" charset="0"/>
+                <a:cs typeface="Arial" panose="020B0604020202020204" pitchFamily="34" charset="0"/>
+              </a:rPr>
+              <a:t>below break</a:t>
+            </a:r>
+          </a:p>
+        </p:txBody>
+      </p:sp>
+      <p:sp>
+        <p:nvSpPr>
+          <p:cNvPr id="95" name="TextBox 94">
+            <a:extLst>
+              <a:ext uri="{FF2B5EF4-FFF2-40B4-BE49-F238E27FC236}">
+                <a16:creationId xmlns:a16="http://schemas.microsoft.com/office/drawing/2014/main" id="{D01C2653-BEC6-DF92-26F6-9227C96AE130}"/>
+              </a:ext>
+            </a:extLst>
+          </p:cNvPr>
+          <p:cNvSpPr txBox="1"/>
+          <p:nvPr/>
+        </p:nvSpPr>
+        <p:spPr>
+          <a:xfrm>
+            <a:off x="8637941" y="5621575"/>
+            <a:ext cx="306853" cy="230832"/>
+          </a:xfrm>
+          <a:prstGeom prst="rect">
+            <a:avLst/>
+          </a:prstGeom>
+          <a:noFill/>
+        </p:spPr>
+        <p:txBody>
+          <a:bodyPr wrap="square" rtlCol="0">
+            <a:spAutoFit/>
+          </a:bodyPr>
+          <a:lstStyle/>
+          <a:p>
+            <a:r>
+              <a:rPr lang="en-US" sz="900" b="1" dirty="0">
+                <a:latin typeface="Arial" panose="020B0604020202020204" pitchFamily="34" charset="0"/>
+                <a:cs typeface="Arial" panose="020B0604020202020204" pitchFamily="34" charset="0"/>
+              </a:rPr>
+              <a:t>g</a:t>
+            </a:r>
+          </a:p>
+        </p:txBody>
+      </p:sp>
+      <p:sp>
+        <p:nvSpPr>
+          <p:cNvPr id="97" name="Line Callout 1 (Accent Bar) 96">
+            <a:extLst>
+              <a:ext uri="{FF2B5EF4-FFF2-40B4-BE49-F238E27FC236}">
+                <a16:creationId xmlns:a16="http://schemas.microsoft.com/office/drawing/2014/main" id="{5E56DE82-9F89-CDB3-8A05-5553E32AD4C6}"/>
+              </a:ext>
+            </a:extLst>
+          </p:cNvPr>
+          <p:cNvSpPr/>
+          <p:nvPr/>
+        </p:nvSpPr>
+        <p:spPr>
+          <a:xfrm>
+            <a:off x="10884347" y="6649549"/>
+            <a:ext cx="442188" cy="108567"/>
+          </a:xfrm>
+          <a:prstGeom prst="accentCallout1">
+            <a:avLst>
+              <a:gd name="adj1" fmla="val 57065"/>
+              <a:gd name="adj2" fmla="val -3406"/>
+              <a:gd name="adj3" fmla="val 56947"/>
+              <a:gd name="adj4" fmla="val -45780"/>
+            </a:avLst>
+          </a:prstGeom>
+          <a:noFill/>
+          <a:ln w="9525">
+            <a:solidFill>
+              <a:schemeClr val="tx1">
+                <a:lumMod val="50000"/>
+                <a:lumOff val="50000"/>
+              </a:schemeClr>
+            </a:solidFill>
+            <a:tailEnd type="diamond" w="sm" len="sm"/>
+          </a:ln>
+        </p:spPr>
+        <p:style>
+          <a:lnRef idx="2">
+            <a:schemeClr val="accent1">
+              <a:shade val="15000"/>
+            </a:schemeClr>
+          </a:lnRef>
+          <a:fillRef idx="1">
+            <a:schemeClr val="accent1"/>
+          </a:fillRef>
+          <a:effectRef idx="0">
+            <a:schemeClr val="accent1"/>
+          </a:effectRef>
+          <a:fontRef idx="minor">
+            <a:schemeClr val="lt1"/>
+          </a:fontRef>
+        </p:style>
+        <p:txBody>
+          <a:bodyPr lIns="36000" tIns="0" rIns="0" bIns="0" rtlCol="0" anchor="ctr"/>
+          <a:lstStyle/>
+          <a:p>
+            <a:r>
+              <a:rPr lang="en-US" sz="700" dirty="0">
+                <a:solidFill>
+                  <a:schemeClr val="tx1">
+                    <a:lumMod val="50000"/>
+                    <a:lumOff val="50000"/>
+                  </a:schemeClr>
+                </a:solidFill>
+                <a:latin typeface="Arial" panose="020B0604020202020204" pitchFamily="34" charset="0"/>
+                <a:cs typeface="Arial" panose="020B0604020202020204" pitchFamily="34" charset="0"/>
+              </a:rPr>
+              <a:t>≤ 3 stacks</a:t>
+            </a:r>
+          </a:p>
+        </p:txBody>
+      </p:sp>
+      <p:sp>
+        <p:nvSpPr>
+          <p:cNvPr id="99" name="Line Callout 1 (Accent Bar) 98">
+            <a:extLst>
+              <a:ext uri="{FF2B5EF4-FFF2-40B4-BE49-F238E27FC236}">
+                <a16:creationId xmlns:a16="http://schemas.microsoft.com/office/drawing/2014/main" id="{823A1B63-DC8C-42D2-7E8E-316852CD0F7F}"/>
+              </a:ext>
+            </a:extLst>
+          </p:cNvPr>
+          <p:cNvSpPr/>
+          <p:nvPr/>
+        </p:nvSpPr>
+        <p:spPr>
+          <a:xfrm>
+            <a:off x="8235211" y="6192888"/>
+            <a:ext cx="570464" cy="118678"/>
+          </a:xfrm>
+          <a:prstGeom prst="accentCallout1">
+            <a:avLst>
+              <a:gd name="adj1" fmla="val 52069"/>
+              <a:gd name="adj2" fmla="val 103377"/>
+              <a:gd name="adj3" fmla="val 54789"/>
+              <a:gd name="adj4" fmla="val 232766"/>
+            </a:avLst>
+          </a:prstGeom>
+          <a:noFill/>
+          <a:ln w="9525">
+            <a:solidFill>
+              <a:schemeClr val="tx1">
+                <a:lumMod val="50000"/>
+                <a:lumOff val="50000"/>
+              </a:schemeClr>
+            </a:solidFill>
+            <a:tailEnd type="diamond" w="sm" len="sm"/>
+          </a:ln>
+        </p:spPr>
+        <p:style>
+          <a:lnRef idx="2">
+            <a:schemeClr val="accent1">
+              <a:shade val="15000"/>
+            </a:schemeClr>
+          </a:lnRef>
+          <a:fillRef idx="1">
+            <a:schemeClr val="accent1"/>
+          </a:fillRef>
+          <a:effectRef idx="0">
+            <a:schemeClr val="accent1"/>
+          </a:effectRef>
+          <a:fontRef idx="minor">
+            <a:schemeClr val="lt1"/>
+          </a:fontRef>
+        </p:style>
+        <p:txBody>
+          <a:bodyPr lIns="36000" tIns="0" rIns="0" bIns="0" rtlCol="0" anchor="ctr"/>
+          <a:lstStyle/>
+          <a:p>
+            <a:pPr algn="r"/>
+            <a:r>
+              <a:rPr lang="en-US" sz="700" dirty="0">
+                <a:solidFill>
+                  <a:schemeClr val="tx1">
+                    <a:lumMod val="50000"/>
+                    <a:lumOff val="50000"/>
+                  </a:schemeClr>
+                </a:solidFill>
+                <a:latin typeface="Arial" panose="020B0604020202020204" pitchFamily="34" charset="0"/>
+                <a:cs typeface="Arial" panose="020B0604020202020204" pitchFamily="34" charset="0"/>
+              </a:rPr>
+              <a:t>≤ 2 stacks</a:t>
+            </a:r>
+          </a:p>
+        </p:txBody>
+      </p:sp>
+      <p:sp>
+        <p:nvSpPr>
+          <p:cNvPr id="100" name="Line Callout 2 (Accent Bar) 99">
+            <a:extLst>
+              <a:ext uri="{FF2B5EF4-FFF2-40B4-BE49-F238E27FC236}">
+                <a16:creationId xmlns:a16="http://schemas.microsoft.com/office/drawing/2014/main" id="{56FD0736-B669-4167-0D2C-A2F69D74A284}"/>
+              </a:ext>
+            </a:extLst>
+          </p:cNvPr>
+          <p:cNvSpPr/>
+          <p:nvPr/>
+        </p:nvSpPr>
+        <p:spPr>
+          <a:xfrm flipH="1">
+            <a:off x="2723627" y="7224468"/>
+            <a:ext cx="697722" cy="93516"/>
+          </a:xfrm>
+          <a:prstGeom prst="accentCallout2">
+            <a:avLst>
+              <a:gd name="adj1" fmla="val 53466"/>
+              <a:gd name="adj2" fmla="val -5712"/>
+              <a:gd name="adj3" fmla="val 52701"/>
+              <a:gd name="adj4" fmla="val -60287"/>
+              <a:gd name="adj5" fmla="val 173613"/>
+              <a:gd name="adj6" fmla="val -91263"/>
+            </a:avLst>
+          </a:prstGeom>
+          <a:noFill/>
+          <a:ln w="9525">
+            <a:solidFill>
+              <a:schemeClr val="tx1">
+                <a:lumMod val="50000"/>
+                <a:lumOff val="50000"/>
+              </a:schemeClr>
+            </a:solidFill>
+            <a:tailEnd type="diamond" w="sm" len="sm"/>
+          </a:ln>
+        </p:spPr>
+        <p:style>
+          <a:lnRef idx="2">
+            <a:schemeClr val="accent1">
+              <a:shade val="15000"/>
+            </a:schemeClr>
+          </a:lnRef>
+          <a:fillRef idx="1">
+            <a:schemeClr val="accent1"/>
+          </a:fillRef>
+          <a:effectRef idx="0">
+            <a:schemeClr val="accent1"/>
+          </a:effectRef>
+          <a:fontRef idx="minor">
+            <a:schemeClr val="lt1"/>
+          </a:fontRef>
+        </p:style>
+        <p:txBody>
+          <a:bodyPr lIns="0" tIns="0" rIns="0" bIns="0" rtlCol="0" anchor="ctr"/>
+          <a:lstStyle/>
+          <a:p>
+            <a:pPr algn="r"/>
+            <a:r>
+              <a:rPr lang="en-US" sz="700" dirty="0">
+                <a:solidFill>
+                  <a:schemeClr val="tx1">
+                    <a:lumMod val="50000"/>
+                    <a:lumOff val="50000"/>
+                  </a:schemeClr>
+                </a:solidFill>
+                <a:latin typeface="Arial" panose="020B0604020202020204" pitchFamily="34" charset="0"/>
+                <a:cs typeface="Arial" panose="020B0604020202020204" pitchFamily="34" charset="0"/>
+              </a:rPr>
+              <a:t>Ticks axis</a:t>
+            </a:r>
+          </a:p>
+        </p:txBody>
+      </p:sp>
+      <p:sp>
+        <p:nvSpPr>
+          <p:cNvPr id="101" name="Line Callout 2 (Accent Bar) 100">
+            <a:extLst>
+              <a:ext uri="{FF2B5EF4-FFF2-40B4-BE49-F238E27FC236}">
+                <a16:creationId xmlns:a16="http://schemas.microsoft.com/office/drawing/2014/main" id="{A7E1A743-CFAB-15AF-6118-565058107A1C}"/>
+              </a:ext>
+            </a:extLst>
+          </p:cNvPr>
+          <p:cNvSpPr/>
+          <p:nvPr/>
+        </p:nvSpPr>
+        <p:spPr>
+          <a:xfrm flipH="1">
+            <a:off x="6127200" y="7007936"/>
+            <a:ext cx="919482" cy="93516"/>
+          </a:xfrm>
+          <a:prstGeom prst="accentCallout2">
+            <a:avLst>
+              <a:gd name="adj1" fmla="val 53466"/>
+              <a:gd name="adj2" fmla="val -5712"/>
+              <a:gd name="adj3" fmla="val 52701"/>
+              <a:gd name="adj4" fmla="val -17287"/>
+              <a:gd name="adj5" fmla="val -145530"/>
+              <a:gd name="adj6" fmla="val -33311"/>
+            </a:avLst>
+          </a:prstGeom>
+          <a:noFill/>
+          <a:ln w="9525">
+            <a:solidFill>
+              <a:schemeClr val="tx1">
+                <a:lumMod val="50000"/>
+                <a:lumOff val="50000"/>
+              </a:schemeClr>
+            </a:solidFill>
+            <a:tailEnd type="diamond" w="sm" len="sm"/>
+          </a:ln>
+        </p:spPr>
+        <p:style>
+          <a:lnRef idx="2">
+            <a:schemeClr val="accent1">
+              <a:shade val="15000"/>
+            </a:schemeClr>
+          </a:lnRef>
+          <a:fillRef idx="1">
+            <a:schemeClr val="accent1"/>
+          </a:fillRef>
+          <a:effectRef idx="0">
+            <a:schemeClr val="accent1"/>
+          </a:effectRef>
+          <a:fontRef idx="minor">
+            <a:schemeClr val="lt1"/>
+          </a:fontRef>
+        </p:style>
+        <p:txBody>
+          <a:bodyPr lIns="0" tIns="0" rIns="0" bIns="0" rtlCol="0" anchor="ctr"/>
+          <a:lstStyle/>
+          <a:p>
+            <a:pPr algn="r"/>
+            <a:r>
+              <a:rPr lang="en-US" sz="700" dirty="0">
+                <a:solidFill>
+                  <a:schemeClr val="tx1">
+                    <a:lumMod val="50000"/>
+                    <a:lumOff val="50000"/>
+                  </a:schemeClr>
+                </a:solidFill>
+                <a:latin typeface="Arial" panose="020B0604020202020204" pitchFamily="34" charset="0"/>
+                <a:cs typeface="Arial" panose="020B0604020202020204" pitchFamily="34" charset="0"/>
+              </a:rPr>
+              <a:t>Labels values at break</a:t>
+            </a:r>
+          </a:p>
+        </p:txBody>
+      </p:sp>
+      <p:sp>
+        <p:nvSpPr>
+          <p:cNvPr id="103" name="Line Callout 2 (Accent Bar) 102">
+            <a:extLst>
+              <a:ext uri="{FF2B5EF4-FFF2-40B4-BE49-F238E27FC236}">
+                <a16:creationId xmlns:a16="http://schemas.microsoft.com/office/drawing/2014/main" id="{8F5576E5-BFA0-ED1F-3A9A-00BFFAA1EC68}"/>
+              </a:ext>
+            </a:extLst>
+          </p:cNvPr>
+          <p:cNvSpPr/>
+          <p:nvPr/>
+        </p:nvSpPr>
+        <p:spPr>
+          <a:xfrm>
+            <a:off x="10988636" y="6270466"/>
+            <a:ext cx="345011" cy="93516"/>
+          </a:xfrm>
+          <a:prstGeom prst="accentCallout2">
+            <a:avLst>
+              <a:gd name="adj1" fmla="val 53466"/>
+              <a:gd name="adj2" fmla="val -13899"/>
+              <a:gd name="adj3" fmla="val 52700"/>
+              <a:gd name="adj4" fmla="val -33659"/>
+              <a:gd name="adj5" fmla="val -179508"/>
+              <a:gd name="adj6" fmla="val -33613"/>
+            </a:avLst>
+          </a:prstGeom>
+          <a:noFill/>
+          <a:ln w="9525">
+            <a:solidFill>
+              <a:schemeClr val="tx1">
+                <a:lumMod val="50000"/>
+                <a:lumOff val="50000"/>
+              </a:schemeClr>
+            </a:solidFill>
+            <a:tailEnd type="diamond" w="sm" len="sm"/>
+          </a:ln>
+        </p:spPr>
+        <p:style>
+          <a:lnRef idx="2">
+            <a:schemeClr val="accent1">
+              <a:shade val="15000"/>
+            </a:schemeClr>
+          </a:lnRef>
+          <a:fillRef idx="1">
+            <a:schemeClr val="accent1"/>
+          </a:fillRef>
+          <a:effectRef idx="0">
+            <a:schemeClr val="accent1"/>
+          </a:effectRef>
+          <a:fontRef idx="minor">
+            <a:schemeClr val="lt1"/>
+          </a:fontRef>
+        </p:style>
+        <p:txBody>
+          <a:bodyPr lIns="0" tIns="0" rIns="0" bIns="0" rtlCol="0" anchor="ctr"/>
+          <a:lstStyle/>
+          <a:p>
+            <a:r>
+              <a:rPr lang="en-US" sz="700" dirty="0">
+                <a:solidFill>
+                  <a:schemeClr val="tx1">
+                    <a:lumMod val="50000"/>
+                    <a:lumOff val="50000"/>
+                  </a:schemeClr>
+                </a:solidFill>
+                <a:latin typeface="Arial" panose="020B0604020202020204" pitchFamily="34" charset="0"/>
+                <a:cs typeface="Arial" panose="020B0604020202020204" pitchFamily="34" charset="0"/>
+              </a:rPr>
+              <a:t>Legend</a:t>
+            </a:r>
+          </a:p>
+        </p:txBody>
+      </p:sp>
+      <p:sp>
+        <p:nvSpPr>
+          <p:cNvPr id="104" name="Line Callout 1 (Accent Bar) 103">
+            <a:extLst>
+              <a:ext uri="{FF2B5EF4-FFF2-40B4-BE49-F238E27FC236}">
+                <a16:creationId xmlns:a16="http://schemas.microsoft.com/office/drawing/2014/main" id="{FDC1EFF9-736C-557B-1033-F6C1722E1842}"/>
+              </a:ext>
+            </a:extLst>
+          </p:cNvPr>
+          <p:cNvSpPr/>
+          <p:nvPr/>
+        </p:nvSpPr>
+        <p:spPr>
+          <a:xfrm>
+            <a:off x="10884347" y="7076765"/>
+            <a:ext cx="442188" cy="108567"/>
+          </a:xfrm>
+          <a:prstGeom prst="accentCallout1">
+            <a:avLst>
+              <a:gd name="adj1" fmla="val 57065"/>
+              <a:gd name="adj2" fmla="val -3406"/>
+              <a:gd name="adj3" fmla="val 56947"/>
+              <a:gd name="adj4" fmla="val -45780"/>
+            </a:avLst>
+          </a:prstGeom>
+          <a:noFill/>
+          <a:ln w="9525">
+            <a:solidFill>
+              <a:schemeClr val="tx1">
+                <a:lumMod val="50000"/>
+                <a:lumOff val="50000"/>
+              </a:schemeClr>
+            </a:solidFill>
+            <a:tailEnd type="diamond" w="sm" len="sm"/>
+          </a:ln>
+        </p:spPr>
+        <p:style>
+          <a:lnRef idx="2">
+            <a:schemeClr val="accent1">
+              <a:shade val="15000"/>
+            </a:schemeClr>
+          </a:lnRef>
+          <a:fillRef idx="1">
+            <a:schemeClr val="accent1"/>
+          </a:fillRef>
+          <a:effectRef idx="0">
+            <a:schemeClr val="accent1"/>
+          </a:effectRef>
+          <a:fontRef idx="minor">
+            <a:schemeClr val="lt1"/>
+          </a:fontRef>
+        </p:style>
+        <p:txBody>
+          <a:bodyPr lIns="36000" tIns="0" rIns="0" bIns="0" rtlCol="0" anchor="ctr"/>
+          <a:lstStyle/>
+          <a:p>
+            <a:r>
+              <a:rPr lang="en-US" sz="700" dirty="0">
+                <a:solidFill>
+                  <a:schemeClr val="tx1">
+                    <a:lumMod val="50000"/>
+                    <a:lumOff val="50000"/>
+                  </a:schemeClr>
+                </a:solidFill>
+                <a:latin typeface="Arial" panose="020B0604020202020204" pitchFamily="34" charset="0"/>
+                <a:cs typeface="Arial" panose="020B0604020202020204" pitchFamily="34" charset="0"/>
+              </a:rPr>
+              <a:t>No breaks</a:t>
+            </a:r>
+          </a:p>
+        </p:txBody>
+      </p:sp>
+      <p:sp>
+        <p:nvSpPr>
+          <p:cNvPr id="106" name="TextBox 105">
+            <a:extLst>
+              <a:ext uri="{FF2B5EF4-FFF2-40B4-BE49-F238E27FC236}">
+                <a16:creationId xmlns:a16="http://schemas.microsoft.com/office/drawing/2014/main" id="{1E584F67-AE50-D87D-FBC4-0F336187B5B4}"/>
+              </a:ext>
+            </a:extLst>
+          </p:cNvPr>
+          <p:cNvSpPr txBox="1"/>
+          <p:nvPr/>
+        </p:nvSpPr>
+        <p:spPr>
+          <a:xfrm>
+            <a:off x="2765087" y="3484553"/>
+            <a:ext cx="306853" cy="230832"/>
+          </a:xfrm>
+          <a:prstGeom prst="rect">
+            <a:avLst/>
+          </a:prstGeom>
+          <a:noFill/>
+        </p:spPr>
+        <p:txBody>
+          <a:bodyPr wrap="square" rtlCol="0">
+            <a:spAutoFit/>
+          </a:bodyPr>
+          <a:lstStyle/>
+          <a:p>
+            <a:r>
+              <a:rPr lang="en-US" sz="900" b="1" dirty="0">
+                <a:latin typeface="Arial" panose="020B0604020202020204" pitchFamily="34" charset="0"/>
+                <a:cs typeface="Arial" panose="020B0604020202020204" pitchFamily="34" charset="0"/>
+              </a:rPr>
+              <a:t>c</a:t>
+            </a:r>
+          </a:p>
+        </p:txBody>
+      </p:sp>
+      <p:sp>
+        <p:nvSpPr>
+          <p:cNvPr id="107" name="TextBox 106">
+            <a:extLst>
+              <a:ext uri="{FF2B5EF4-FFF2-40B4-BE49-F238E27FC236}">
+                <a16:creationId xmlns:a16="http://schemas.microsoft.com/office/drawing/2014/main" id="{2A92B689-9C6E-E2DD-7991-495B98EA5D75}"/>
+              </a:ext>
+            </a:extLst>
+          </p:cNvPr>
+          <p:cNvSpPr txBox="1"/>
+          <p:nvPr/>
+        </p:nvSpPr>
+        <p:spPr>
+          <a:xfrm>
+            <a:off x="6852995" y="3528830"/>
+            <a:ext cx="306853" cy="230832"/>
+          </a:xfrm>
+          <a:prstGeom prst="rect">
+            <a:avLst/>
+          </a:prstGeom>
+          <a:noFill/>
+        </p:spPr>
+        <p:txBody>
+          <a:bodyPr wrap="square" rtlCol="0">
+            <a:spAutoFit/>
+          </a:bodyPr>
+          <a:lstStyle/>
+          <a:p>
+            <a:r>
+              <a:rPr lang="en-US" sz="900" b="1" dirty="0">
+                <a:latin typeface="Arial" panose="020B0604020202020204" pitchFamily="34" charset="0"/>
+                <a:cs typeface="Arial" panose="020B0604020202020204" pitchFamily="34" charset="0"/>
+              </a:rPr>
+              <a:t>d</a:t>
+            </a:r>
+          </a:p>
+        </p:txBody>
+      </p:sp>
+    </p:spTree>
+    <p:extLst>
+      <p:ext uri="{BB962C8B-B14F-4D97-AF65-F5344CB8AC3E}">
+        <p14:creationId xmlns:p14="http://schemas.microsoft.com/office/powerpoint/2010/main" val="3693339460"/>
       </p:ext>
     </p:extLst>
   </p:cSld>

--- a/figures/Fig2.pptx
+++ b/figures/Fig2.pptx
@@ -208,7 +208,7 @@
           <a:p>
             <a:fld id="{B19977C2-3852-6343-8FB6-75798599EF47}" type="datetimeFigureOut">
               <a:rPr lang="en-US" smtClean="0"/>
-              <a:t>9/5/24</a:t>
+              <a:t>9/6/24</a:t>
             </a:fld>
             <a:endParaRPr lang="en-US"/>
           </a:p>
@@ -962,7 +962,7 @@
           <a:p>
             <a:fld id="{49D16157-31ED-214D-A6E8-583A2FDE31BF}" type="datetimeFigureOut">
               <a:rPr lang="en-US" smtClean="0"/>
-              <a:t>9/5/24</a:t>
+              <a:t>9/6/24</a:t>
             </a:fld>
             <a:endParaRPr lang="en-US"/>
           </a:p>
@@ -1132,7 +1132,7 @@
           <a:p>
             <a:fld id="{49D16157-31ED-214D-A6E8-583A2FDE31BF}" type="datetimeFigureOut">
               <a:rPr lang="en-US" smtClean="0"/>
-              <a:t>9/5/24</a:t>
+              <a:t>9/6/24</a:t>
             </a:fld>
             <a:endParaRPr lang="en-US"/>
           </a:p>
@@ -1312,7 +1312,7 @@
           <a:p>
             <a:fld id="{49D16157-31ED-214D-A6E8-583A2FDE31BF}" type="datetimeFigureOut">
               <a:rPr lang="en-US" smtClean="0"/>
-              <a:t>9/5/24</a:t>
+              <a:t>9/6/24</a:t>
             </a:fld>
             <a:endParaRPr lang="en-US"/>
           </a:p>
@@ -1482,7 +1482,7 @@
           <a:p>
             <a:fld id="{49D16157-31ED-214D-A6E8-583A2FDE31BF}" type="datetimeFigureOut">
               <a:rPr lang="en-US" smtClean="0"/>
-              <a:t>9/5/24</a:t>
+              <a:t>9/6/24</a:t>
             </a:fld>
             <a:endParaRPr lang="en-US"/>
           </a:p>
@@ -1728,7 +1728,7 @@
           <a:p>
             <a:fld id="{49D16157-31ED-214D-A6E8-583A2FDE31BF}" type="datetimeFigureOut">
               <a:rPr lang="en-US" smtClean="0"/>
-              <a:t>9/5/24</a:t>
+              <a:t>9/6/24</a:t>
             </a:fld>
             <a:endParaRPr lang="en-US"/>
           </a:p>
@@ -1960,7 +1960,7 @@
           <a:p>
             <a:fld id="{49D16157-31ED-214D-A6E8-583A2FDE31BF}" type="datetimeFigureOut">
               <a:rPr lang="en-US" smtClean="0"/>
-              <a:t>9/5/24</a:t>
+              <a:t>9/6/24</a:t>
             </a:fld>
             <a:endParaRPr lang="en-US"/>
           </a:p>
@@ -2327,7 +2327,7 @@
           <a:p>
             <a:fld id="{49D16157-31ED-214D-A6E8-583A2FDE31BF}" type="datetimeFigureOut">
               <a:rPr lang="en-US" smtClean="0"/>
-              <a:t>9/5/24</a:t>
+              <a:t>9/6/24</a:t>
             </a:fld>
             <a:endParaRPr lang="en-US"/>
           </a:p>
@@ -2445,7 +2445,7 @@
           <a:p>
             <a:fld id="{49D16157-31ED-214D-A6E8-583A2FDE31BF}" type="datetimeFigureOut">
               <a:rPr lang="en-US" smtClean="0"/>
-              <a:t>9/5/24</a:t>
+              <a:t>9/6/24</a:t>
             </a:fld>
             <a:endParaRPr lang="en-US"/>
           </a:p>
@@ -2540,7 +2540,7 @@
           <a:p>
             <a:fld id="{49D16157-31ED-214D-A6E8-583A2FDE31BF}" type="datetimeFigureOut">
               <a:rPr lang="en-US" smtClean="0"/>
-              <a:t>9/5/24</a:t>
+              <a:t>9/6/24</a:t>
             </a:fld>
             <a:endParaRPr lang="en-US"/>
           </a:p>
@@ -2817,7 +2817,7 @@
           <a:p>
             <a:fld id="{49D16157-31ED-214D-A6E8-583A2FDE31BF}" type="datetimeFigureOut">
               <a:rPr lang="en-US" smtClean="0"/>
-              <a:t>9/5/24</a:t>
+              <a:t>9/6/24</a:t>
             </a:fld>
             <a:endParaRPr lang="en-US"/>
           </a:p>
@@ -3074,7 +3074,7 @@
           <a:p>
             <a:fld id="{49D16157-31ED-214D-A6E8-583A2FDE31BF}" type="datetimeFigureOut">
               <a:rPr lang="en-US" smtClean="0"/>
-              <a:t>9/5/24</a:t>
+              <a:t>9/6/24</a:t>
             </a:fld>
             <a:endParaRPr lang="en-US"/>
           </a:p>
@@ -3287,7 +3287,7 @@
           <a:p>
             <a:fld id="{49D16157-31ED-214D-A6E8-583A2FDE31BF}" type="datetimeFigureOut">
               <a:rPr lang="en-US" smtClean="0"/>
-              <a:t>9/5/24</a:t>
+              <a:t>9/6/24</a:t>
             </a:fld>
             <a:endParaRPr lang="en-US"/>
           </a:p>
@@ -21791,8 +21791,8 @@
         </p:nvSpPr>
         <p:spPr>
           <a:xfrm>
-            <a:off x="2651610" y="6516801"/>
-            <a:ext cx="873987" cy="187032"/>
+            <a:off x="2648754" y="6465285"/>
+            <a:ext cx="876843" cy="313058"/>
           </a:xfrm>
           <a:prstGeom prst="accentCallout1">
             <a:avLst>
@@ -21845,7 +21845,7 @@
                 <a:latin typeface="Arial" panose="020B0604020202020204" pitchFamily="34" charset="0"/>
                 <a:cs typeface="Arial" panose="020B0604020202020204" pitchFamily="34" charset="0"/>
               </a:rPr>
-              <a:t>Quantity with defined relative difference</a:t>
+              <a:t>Measurand with defined relative difference</a:t>
             </a:r>
           </a:p>
         </p:txBody>

--- a/figures/Fig2.pptx
+++ b/figures/Fig2.pptx
@@ -5,7 +5,7 @@
     <p:sldMasterId id="2147483672" r:id="rId1"/>
   </p:sldMasterIdLst>
   <p:notesMasterIdLst>
-    <p:notesMasterId r:id="rId14"/>
+    <p:notesMasterId r:id="rId16"/>
   </p:notesMasterIdLst>
   <p:sldIdLst>
     <p:sldId id="260" r:id="rId2"/>
@@ -20,6 +20,8 @@
     <p:sldId id="266" r:id="rId11"/>
     <p:sldId id="270" r:id="rId12"/>
     <p:sldId id="271" r:id="rId13"/>
+    <p:sldId id="272" r:id="rId14"/>
+    <p:sldId id="273" r:id="rId15"/>
   </p:sldIdLst>
   <p:sldSz cx="13320713" cy="7920038"/>
   <p:notesSz cx="6858000" cy="9144000"/>
@@ -208,7 +210,7 @@
           <a:p>
             <a:fld id="{B19977C2-3852-6343-8FB6-75798599EF47}" type="datetimeFigureOut">
               <a:rPr lang="en-US" smtClean="0"/>
-              <a:t>9/6/24</a:t>
+              <a:t>9/14/24</a:t>
             </a:fld>
             <a:endParaRPr lang="en-US"/>
           </a:p>
@@ -962,7 +964,7 @@
           <a:p>
             <a:fld id="{49D16157-31ED-214D-A6E8-583A2FDE31BF}" type="datetimeFigureOut">
               <a:rPr lang="en-US" smtClean="0"/>
-              <a:t>9/6/24</a:t>
+              <a:t>9/14/24</a:t>
             </a:fld>
             <a:endParaRPr lang="en-US"/>
           </a:p>
@@ -1132,7 +1134,7 @@
           <a:p>
             <a:fld id="{49D16157-31ED-214D-A6E8-583A2FDE31BF}" type="datetimeFigureOut">
               <a:rPr lang="en-US" smtClean="0"/>
-              <a:t>9/6/24</a:t>
+              <a:t>9/14/24</a:t>
             </a:fld>
             <a:endParaRPr lang="en-US"/>
           </a:p>
@@ -1312,7 +1314,7 @@
           <a:p>
             <a:fld id="{49D16157-31ED-214D-A6E8-583A2FDE31BF}" type="datetimeFigureOut">
               <a:rPr lang="en-US" smtClean="0"/>
-              <a:t>9/6/24</a:t>
+              <a:t>9/14/24</a:t>
             </a:fld>
             <a:endParaRPr lang="en-US"/>
           </a:p>
@@ -1482,7 +1484,7 @@
           <a:p>
             <a:fld id="{49D16157-31ED-214D-A6E8-583A2FDE31BF}" type="datetimeFigureOut">
               <a:rPr lang="en-US" smtClean="0"/>
-              <a:t>9/6/24</a:t>
+              <a:t>9/14/24</a:t>
             </a:fld>
             <a:endParaRPr lang="en-US"/>
           </a:p>
@@ -1728,7 +1730,7 @@
           <a:p>
             <a:fld id="{49D16157-31ED-214D-A6E8-583A2FDE31BF}" type="datetimeFigureOut">
               <a:rPr lang="en-US" smtClean="0"/>
-              <a:t>9/6/24</a:t>
+              <a:t>9/14/24</a:t>
             </a:fld>
             <a:endParaRPr lang="en-US"/>
           </a:p>
@@ -1960,7 +1962,7 @@
           <a:p>
             <a:fld id="{49D16157-31ED-214D-A6E8-583A2FDE31BF}" type="datetimeFigureOut">
               <a:rPr lang="en-US" smtClean="0"/>
-              <a:t>9/6/24</a:t>
+              <a:t>9/14/24</a:t>
             </a:fld>
             <a:endParaRPr lang="en-US"/>
           </a:p>
@@ -2327,7 +2329,7 @@
           <a:p>
             <a:fld id="{49D16157-31ED-214D-A6E8-583A2FDE31BF}" type="datetimeFigureOut">
               <a:rPr lang="en-US" smtClean="0"/>
-              <a:t>9/6/24</a:t>
+              <a:t>9/14/24</a:t>
             </a:fld>
             <a:endParaRPr lang="en-US"/>
           </a:p>
@@ -2445,7 +2447,7 @@
           <a:p>
             <a:fld id="{49D16157-31ED-214D-A6E8-583A2FDE31BF}" type="datetimeFigureOut">
               <a:rPr lang="en-US" smtClean="0"/>
-              <a:t>9/6/24</a:t>
+              <a:t>9/14/24</a:t>
             </a:fld>
             <a:endParaRPr lang="en-US"/>
           </a:p>
@@ -2540,7 +2542,7 @@
           <a:p>
             <a:fld id="{49D16157-31ED-214D-A6E8-583A2FDE31BF}" type="datetimeFigureOut">
               <a:rPr lang="en-US" smtClean="0"/>
-              <a:t>9/6/24</a:t>
+              <a:t>9/14/24</a:t>
             </a:fld>
             <a:endParaRPr lang="en-US"/>
           </a:p>
@@ -2817,7 +2819,7 @@
           <a:p>
             <a:fld id="{49D16157-31ED-214D-A6E8-583A2FDE31BF}" type="datetimeFigureOut">
               <a:rPr lang="en-US" smtClean="0"/>
-              <a:t>9/6/24</a:t>
+              <a:t>9/14/24</a:t>
             </a:fld>
             <a:endParaRPr lang="en-US"/>
           </a:p>
@@ -3074,7 +3076,7 @@
           <a:p>
             <a:fld id="{49D16157-31ED-214D-A6E8-583A2FDE31BF}" type="datetimeFigureOut">
               <a:rPr lang="en-US" smtClean="0"/>
-              <a:t>9/6/24</a:t>
+              <a:t>9/14/24</a:t>
             </a:fld>
             <a:endParaRPr lang="en-US"/>
           </a:p>
@@ -3287,7 +3289,7 @@
           <a:p>
             <a:fld id="{49D16157-31ED-214D-A6E8-583A2FDE31BF}" type="datetimeFigureOut">
               <a:rPr lang="en-US" smtClean="0"/>
-              <a:t>9/6/24</a:t>
+              <a:t>9/14/24</a:t>
             </a:fld>
             <a:endParaRPr lang="en-US"/>
           </a:p>
@@ -16058,7 +16060,13 @@
           <p:cNvGraphicFramePr>
             <a:graphicFrameLocks noGrp="1"/>
           </p:cNvGraphicFramePr>
-          <p:nvPr/>
+          <p:nvPr>
+            <p:extLst>
+              <p:ext uri="{D42A27DB-BD31-4B8C-83A1-F6EECF244321}">
+                <p14:modId xmlns:p14="http://schemas.microsoft.com/office/powerpoint/2010/main" val="2159178063"/>
+              </p:ext>
+            </p:extLst>
+          </p:nvPr>
         </p:nvGraphicFramePr>
         <p:xfrm>
           <a:off x="2808358" y="3720259"/>
@@ -16144,7 +16152,7 @@
                     </a:p>
                   </a:txBody>
                   <a:tcPr marL="80212" marR="80212" marT="40106" marB="40106" anchor="ctr">
-                    <a:lnL w="12700" cap="flat" cmpd="sng" algn="ctr">
+                    <a:lnL w="6350" cap="flat" cmpd="sng" algn="ctr">
                       <a:solidFill>
                         <a:schemeClr val="tx1"/>
                       </a:solidFill>
@@ -16153,7 +16161,7 @@
                       <a:headEnd type="none" w="med" len="med"/>
                       <a:tailEnd type="none" w="med" len="med"/>
                     </a:lnL>
-                    <a:lnR w="12700" cap="flat" cmpd="sng" algn="ctr">
+                    <a:lnR w="6350" cap="flat" cmpd="sng" algn="ctr">
                       <a:solidFill>
                         <a:schemeClr val="tx1"/>
                       </a:solidFill>
@@ -16162,7 +16170,7 @@
                       <a:headEnd type="none" w="med" len="med"/>
                       <a:tailEnd type="none" w="med" len="med"/>
                     </a:lnR>
-                    <a:lnT w="12700" cap="flat" cmpd="sng" algn="ctr">
+                    <a:lnT w="6350" cap="flat" cmpd="sng" algn="ctr">
                       <a:solidFill>
                         <a:schemeClr val="tx1"/>
                       </a:solidFill>
@@ -16171,7 +16179,7 @@
                       <a:headEnd type="none" w="med" len="med"/>
                       <a:tailEnd type="none" w="med" len="med"/>
                     </a:lnT>
-                    <a:lnB w="12700" cap="flat" cmpd="sng" algn="ctr">
+                    <a:lnB w="6350" cap="flat" cmpd="sng" algn="ctr">
                       <a:solidFill>
                         <a:schemeClr val="tx1"/>
                       </a:solidFill>
@@ -16205,7 +16213,7 @@
                     </a:p>
                   </a:txBody>
                   <a:tcPr marL="80212" marR="80212" marT="40106" marB="40106" anchor="ctr">
-                    <a:lnL w="12700" cap="flat" cmpd="sng" algn="ctr">
+                    <a:lnL w="6350" cap="flat" cmpd="sng" algn="ctr">
                       <a:solidFill>
                         <a:schemeClr val="tx1"/>
                       </a:solidFill>
@@ -16214,7 +16222,7 @@
                       <a:headEnd type="none" w="med" len="med"/>
                       <a:tailEnd type="none" w="med" len="med"/>
                     </a:lnL>
-                    <a:lnR w="12700" cap="flat" cmpd="sng" algn="ctr">
+                    <a:lnR w="6350" cap="flat" cmpd="sng" algn="ctr">
                       <a:solidFill>
                         <a:schemeClr val="tx1"/>
                       </a:solidFill>
@@ -16223,7 +16231,7 @@
                       <a:headEnd type="none" w="med" len="med"/>
                       <a:tailEnd type="none" w="med" len="med"/>
                     </a:lnR>
-                    <a:lnT w="12700" cap="flat" cmpd="sng" algn="ctr">
+                    <a:lnT w="6350" cap="flat" cmpd="sng" algn="ctr">
                       <a:solidFill>
                         <a:schemeClr val="tx1"/>
                       </a:solidFill>
@@ -16232,7 +16240,7 @@
                       <a:headEnd type="none" w="med" len="med"/>
                       <a:tailEnd type="none" w="med" len="med"/>
                     </a:lnT>
-                    <a:lnB w="12700" cap="flat" cmpd="sng" algn="ctr">
+                    <a:lnB w="6350" cap="flat" cmpd="sng" algn="ctr">
                       <a:solidFill>
                         <a:schemeClr val="tx1"/>
                       </a:solidFill>
@@ -16266,7 +16274,7 @@
                     </a:p>
                   </a:txBody>
                   <a:tcPr marL="80212" marR="80212" marT="40106" marB="40106">
-                    <a:lnL w="12700" cap="flat" cmpd="sng" algn="ctr">
+                    <a:lnL w="6350" cap="flat" cmpd="sng" algn="ctr">
                       <a:solidFill>
                         <a:schemeClr val="tx1"/>
                       </a:solidFill>
@@ -16275,7 +16283,7 @@
                       <a:headEnd type="none" w="med" len="med"/>
                       <a:tailEnd type="none" w="med" len="med"/>
                     </a:lnL>
-                    <a:lnR w="12700" cap="flat" cmpd="sng" algn="ctr">
+                    <a:lnR w="6350" cap="flat" cmpd="sng" algn="ctr">
                       <a:solidFill>
                         <a:schemeClr val="tx1"/>
                       </a:solidFill>
@@ -16284,7 +16292,7 @@
                       <a:headEnd type="none" w="med" len="med"/>
                       <a:tailEnd type="none" w="med" len="med"/>
                     </a:lnR>
-                    <a:lnT w="12700" cap="flat" cmpd="sng" algn="ctr">
+                    <a:lnT w="6350" cap="flat" cmpd="sng" algn="ctr">
                       <a:solidFill>
                         <a:schemeClr val="tx1"/>
                       </a:solidFill>
@@ -16293,7 +16301,7 @@
                       <a:headEnd type="none" w="med" len="med"/>
                       <a:tailEnd type="none" w="med" len="med"/>
                     </a:lnT>
-                    <a:lnB w="12700" cap="flat" cmpd="sng" algn="ctr">
+                    <a:lnB w="6350" cap="flat" cmpd="sng" algn="ctr">
                       <a:solidFill>
                         <a:schemeClr val="tx1"/>
                       </a:solidFill>
@@ -16340,7 +16348,7 @@
                     </a:p>
                   </a:txBody>
                   <a:tcPr marL="80212" marR="80212" marT="40106" marB="40106">
-                    <a:lnL w="12700" cap="flat" cmpd="sng" algn="ctr">
+                    <a:lnL w="6350" cap="flat" cmpd="sng" algn="ctr">
                       <a:solidFill>
                         <a:schemeClr val="tx1"/>
                       </a:solidFill>
@@ -16349,7 +16357,7 @@
                       <a:headEnd type="none" w="med" len="med"/>
                       <a:tailEnd type="none" w="med" len="med"/>
                     </a:lnL>
-                    <a:lnR w="12700" cap="flat" cmpd="sng" algn="ctr">
+                    <a:lnR w="6350" cap="flat" cmpd="sng" algn="ctr">
                       <a:solidFill>
                         <a:schemeClr val="tx1"/>
                       </a:solidFill>
@@ -16358,7 +16366,7 @@
                       <a:headEnd type="none" w="med" len="med"/>
                       <a:tailEnd type="none" w="med" len="med"/>
                     </a:lnR>
-                    <a:lnT w="12700" cap="flat" cmpd="sng" algn="ctr">
+                    <a:lnT w="6350" cap="flat" cmpd="sng" algn="ctr">
                       <a:solidFill>
                         <a:schemeClr val="tx1"/>
                       </a:solidFill>
@@ -16367,7 +16375,7 @@
                       <a:headEnd type="none" w="med" len="med"/>
                       <a:tailEnd type="none" w="med" len="med"/>
                     </a:lnT>
-                    <a:lnB w="12700" cap="flat" cmpd="sng" algn="ctr">
+                    <a:lnB w="6350" cap="flat" cmpd="sng" algn="ctr">
                       <a:solidFill>
                         <a:schemeClr val="tx1"/>
                       </a:solidFill>
@@ -16521,7 +16529,7 @@
                     </a:p>
                   </a:txBody>
                   <a:tcPr marL="65948" marR="65948" marT="32973" marB="32973" anchor="ctr">
-                    <a:lnL w="12700" cap="flat" cmpd="sng" algn="ctr">
+                    <a:lnL w="6350" cap="flat" cmpd="sng" algn="ctr">
                       <a:solidFill>
                         <a:schemeClr val="tx1"/>
                       </a:solidFill>
@@ -16530,7 +16538,7 @@
                       <a:headEnd type="none" w="med" len="med"/>
                       <a:tailEnd type="none" w="med" len="med"/>
                     </a:lnL>
-                    <a:lnT w="12700" cap="flat" cmpd="sng" algn="ctr">
+                    <a:lnT w="6350" cap="flat" cmpd="sng" algn="ctr">
                       <a:solidFill>
                         <a:schemeClr val="tx1"/>
                       </a:solidFill>
@@ -16539,7 +16547,7 @@
                       <a:headEnd type="none" w="med" len="med"/>
                       <a:tailEnd type="none" w="med" len="med"/>
                     </a:lnT>
-                    <a:lnB w="12700" cap="flat" cmpd="sng" algn="ctr">
+                    <a:lnB w="6350" cap="flat" cmpd="sng" algn="ctr">
                       <a:solidFill>
                         <a:schemeClr val="tx1"/>
                       </a:solidFill>
@@ -16573,7 +16581,7 @@
                     </a:p>
                   </a:txBody>
                   <a:tcPr marL="65948" marR="65948" marT="32973" marB="32973" anchor="ctr">
-                    <a:lnR w="12700" cap="flat" cmpd="sng" algn="ctr">
+                    <a:lnR w="6350" cap="flat" cmpd="sng" algn="ctr">
                       <a:solidFill>
                         <a:schemeClr val="tx1"/>
                       </a:solidFill>
@@ -16582,7 +16590,7 @@
                       <a:headEnd type="none" w="med" len="med"/>
                       <a:tailEnd type="none" w="med" len="med"/>
                     </a:lnR>
-                    <a:lnT w="12700" cap="flat" cmpd="sng" algn="ctr">
+                    <a:lnT w="6350" cap="flat" cmpd="sng" algn="ctr">
                       <a:solidFill>
                         <a:schemeClr val="tx1"/>
                       </a:solidFill>
@@ -16591,7 +16599,7 @@
                       <a:headEnd type="none" w="med" len="med"/>
                       <a:tailEnd type="none" w="med" len="med"/>
                     </a:lnT>
-                    <a:lnB w="12700" cap="flat" cmpd="sng" algn="ctr">
+                    <a:lnB w="6350" cap="flat" cmpd="sng" algn="ctr">
                       <a:solidFill>
                         <a:schemeClr val="tx1"/>
                       </a:solidFill>
@@ -16625,7 +16633,7 @@
                     </a:p>
                   </a:txBody>
                   <a:tcPr marL="65948" marR="65948" marT="32973" marB="32973" anchor="ctr">
-                    <a:lnL w="12700" cap="flat" cmpd="sng" algn="ctr">
+                    <a:lnL w="6350" cap="flat" cmpd="sng" algn="ctr">
                       <a:solidFill>
                         <a:schemeClr val="tx1"/>
                       </a:solidFill>
@@ -16634,7 +16642,7 @@
                       <a:headEnd type="none" w="med" len="med"/>
                       <a:tailEnd type="none" w="med" len="med"/>
                     </a:lnL>
-                    <a:lnT w="12700" cap="flat" cmpd="sng" algn="ctr">
+                    <a:lnT w="6350" cap="flat" cmpd="sng" algn="ctr">
                       <a:solidFill>
                         <a:schemeClr val="tx1"/>
                       </a:solidFill>
@@ -16643,7 +16651,7 @@
                       <a:headEnd type="none" w="med" len="med"/>
                       <a:tailEnd type="none" w="med" len="med"/>
                     </a:lnT>
-                    <a:lnB w="12700" cap="flat" cmpd="sng" algn="ctr">
+                    <a:lnB w="6350" cap="flat" cmpd="sng" algn="ctr">
                       <a:solidFill>
                         <a:schemeClr val="tx1"/>
                       </a:solidFill>
@@ -16677,7 +16685,7 @@
                     </a:p>
                   </a:txBody>
                   <a:tcPr marL="65948" marR="65948" marT="32973" marB="32973" anchor="ctr">
-                    <a:lnT w="12700" cap="flat" cmpd="sng" algn="ctr">
+                    <a:lnT w="6350" cap="flat" cmpd="sng" algn="ctr">
                       <a:solidFill>
                         <a:schemeClr val="tx1"/>
                       </a:solidFill>
@@ -16686,7 +16694,7 @@
                       <a:headEnd type="none" w="med" len="med"/>
                       <a:tailEnd type="none" w="med" len="med"/>
                     </a:lnT>
-                    <a:lnB w="12700" cap="flat" cmpd="sng" algn="ctr">
+                    <a:lnB w="6350" cap="flat" cmpd="sng" algn="ctr">
                       <a:solidFill>
                         <a:schemeClr val="tx1"/>
                       </a:solidFill>
@@ -16720,7 +16728,7 @@
                     </a:p>
                   </a:txBody>
                   <a:tcPr marL="65948" marR="65948" marT="32973" marB="32973" anchor="ctr">
-                    <a:lnR w="12700" cap="flat" cmpd="sng" algn="ctr">
+                    <a:lnR w="6350" cap="flat" cmpd="sng" algn="ctr">
                       <a:solidFill>
                         <a:schemeClr val="tx1"/>
                       </a:solidFill>
@@ -16729,7 +16737,7 @@
                       <a:headEnd type="none" w="med" len="med"/>
                       <a:tailEnd type="none" w="med" len="med"/>
                     </a:lnR>
-                    <a:lnT w="12700" cap="flat" cmpd="sng" algn="ctr">
+                    <a:lnT w="6350" cap="flat" cmpd="sng" algn="ctr">
                       <a:solidFill>
                         <a:schemeClr val="tx1"/>
                       </a:solidFill>
@@ -16738,7 +16746,7 @@
                       <a:headEnd type="none" w="med" len="med"/>
                       <a:tailEnd type="none" w="med" len="med"/>
                     </a:lnT>
-                    <a:lnB w="12700" cap="flat" cmpd="sng" algn="ctr">
+                    <a:lnB w="6350" cap="flat" cmpd="sng" algn="ctr">
                       <a:solidFill>
                         <a:schemeClr val="tx1"/>
                       </a:solidFill>
@@ -16779,7 +16787,7 @@
                     </a:p>
                   </a:txBody>
                   <a:tcPr marL="65948" marR="65948" marT="32973" marB="32973" anchor="ctr">
-                    <a:lnL w="12700" cap="flat" cmpd="sng" algn="ctr">
+                    <a:lnL w="6350" cap="flat" cmpd="sng" algn="ctr">
                       <a:solidFill>
                         <a:schemeClr val="tx1"/>
                       </a:solidFill>
@@ -16788,7 +16796,7 @@
                       <a:headEnd type="none" w="med" len="med"/>
                       <a:tailEnd type="none" w="med" len="med"/>
                     </a:lnL>
-                    <a:lnR w="12700" cap="flat" cmpd="sng" algn="ctr">
+                    <a:lnR w="6350" cap="flat" cmpd="sng" algn="ctr">
                       <a:solidFill>
                         <a:schemeClr val="tx1"/>
                       </a:solidFill>
@@ -16797,7 +16805,7 @@
                       <a:headEnd type="none" w="med" len="med"/>
                       <a:tailEnd type="none" w="med" len="med"/>
                     </a:lnR>
-                    <a:lnT w="12700" cap="flat" cmpd="sng" algn="ctr">
+                    <a:lnT w="6350" cap="flat" cmpd="sng" algn="ctr">
                       <a:solidFill>
                         <a:schemeClr val="tx1"/>
                       </a:solidFill>
@@ -16847,7 +16855,7 @@
                     </a:p>
                   </a:txBody>
                   <a:tcPr marL="65948" marR="65948" marT="32973" marB="32973" anchor="ctr">
-                    <a:lnL w="12700" cap="flat" cmpd="sng" algn="ctr">
+                    <a:lnL w="6350" cap="flat" cmpd="sng" algn="ctr">
                       <a:solidFill>
                         <a:schemeClr val="tx1"/>
                       </a:solidFill>
@@ -16856,7 +16864,7 @@
                       <a:headEnd type="none" w="med" len="med"/>
                       <a:tailEnd type="none" w="med" len="med"/>
                     </a:lnL>
-                    <a:lnR w="12700" cap="flat" cmpd="sng" algn="ctr">
+                    <a:lnR w="6350" cap="flat" cmpd="sng" algn="ctr">
                       <a:solidFill>
                         <a:schemeClr val="tx1"/>
                       </a:solidFill>
@@ -16865,7 +16873,7 @@
                       <a:headEnd type="none" w="med" len="med"/>
                       <a:tailEnd type="none" w="med" len="med"/>
                     </a:lnR>
-                    <a:lnT w="12700" cap="flat" cmpd="sng" algn="ctr">
+                    <a:lnT w="6350" cap="flat" cmpd="sng" algn="ctr">
                       <a:solidFill>
                         <a:schemeClr val="tx1"/>
                       </a:solidFill>
@@ -16902,7 +16910,7 @@
                     </a:p>
                   </a:txBody>
                   <a:tcPr marL="65948" marR="65948" marT="32973" marB="32973" anchor="ctr">
-                    <a:lnL w="12700" cap="flat" cmpd="sng" algn="ctr">
+                    <a:lnL w="6350" cap="flat" cmpd="sng" algn="ctr">
                       <a:solidFill>
                         <a:schemeClr val="tx1"/>
                       </a:solidFill>
@@ -16911,7 +16919,7 @@
                       <a:headEnd type="none" w="med" len="med"/>
                       <a:tailEnd type="none" w="med" len="med"/>
                     </a:lnL>
-                    <a:lnT w="12700" cap="flat" cmpd="sng" algn="ctr">
+                    <a:lnT w="6350" cap="flat" cmpd="sng" algn="ctr">
                       <a:solidFill>
                         <a:schemeClr val="tx1"/>
                       </a:solidFill>
@@ -16948,7 +16956,7 @@
                     </a:p>
                   </a:txBody>
                   <a:tcPr marL="65948" marR="65948" marT="32973" marB="32973" anchor="ctr">
-                    <a:lnR w="12700" cap="flat" cmpd="sng" algn="ctr">
+                    <a:lnR w="6350" cap="flat" cmpd="sng" algn="ctr">
                       <a:solidFill>
                         <a:schemeClr val="tx1"/>
                       </a:solidFill>
@@ -16957,7 +16965,7 @@
                       <a:headEnd type="none" w="med" len="med"/>
                       <a:tailEnd type="none" w="med" len="med"/>
                     </a:lnR>
-                    <a:lnT w="12700" cap="flat" cmpd="sng" algn="ctr">
+                    <a:lnT w="6350" cap="flat" cmpd="sng" algn="ctr">
                       <a:solidFill>
                         <a:schemeClr val="tx1"/>
                       </a:solidFill>
@@ -17008,7 +17016,7 @@
                     </a:p>
                   </a:txBody>
                   <a:tcPr marL="65948" marR="65948" marT="32973" marB="32973" anchor="ctr">
-                    <a:lnL w="12700" cap="flat" cmpd="sng" algn="ctr">
+                    <a:lnL w="6350" cap="flat" cmpd="sng" algn="ctr">
                       <a:solidFill>
                         <a:schemeClr val="tx1"/>
                       </a:solidFill>
@@ -17017,7 +17025,7 @@
                       <a:headEnd type="none" w="med" len="med"/>
                       <a:tailEnd type="none" w="med" len="med"/>
                     </a:lnL>
-                    <a:lnT w="12700" cap="flat" cmpd="sng" algn="ctr">
+                    <a:lnT w="6350" cap="flat" cmpd="sng" algn="ctr">
                       <a:solidFill>
                         <a:schemeClr val="tx1"/>
                       </a:solidFill>
@@ -17051,7 +17059,7 @@
                     </a:p>
                   </a:txBody>
                   <a:tcPr marL="65948" marR="65948" marT="32973" marB="32973" anchor="ctr">
-                    <a:lnT w="12700" cap="flat" cmpd="sng" algn="ctr">
+                    <a:lnT w="6350" cap="flat" cmpd="sng" algn="ctr">
                       <a:solidFill>
                         <a:schemeClr val="tx1"/>
                       </a:solidFill>
@@ -17085,7 +17093,7 @@
                     </a:p>
                   </a:txBody>
                   <a:tcPr marL="65948" marR="65948" marT="32973" marB="32973" anchor="ctr">
-                    <a:lnR w="12700" cap="flat" cmpd="sng" algn="ctr">
+                    <a:lnR w="6350" cap="flat" cmpd="sng" algn="ctr">
                       <a:solidFill>
                         <a:schemeClr val="tx1"/>
                       </a:solidFill>
@@ -17094,7 +17102,7 @@
                       <a:headEnd type="none" w="med" len="med"/>
                       <a:tailEnd type="none" w="med" len="med"/>
                     </a:lnR>
-                    <a:lnT w="12700" cap="flat" cmpd="sng" algn="ctr">
+                    <a:lnT w="6350" cap="flat" cmpd="sng" algn="ctr">
                       <a:solidFill>
                         <a:schemeClr val="tx1"/>
                       </a:solidFill>
@@ -17138,7 +17146,7 @@
                     </a:p>
                   </a:txBody>
                   <a:tcPr marL="65948" marR="65948" marT="32973" marB="32973" anchor="ctr">
-                    <a:lnL w="12700" cap="flat" cmpd="sng" algn="ctr">
+                    <a:lnL w="6350" cap="flat" cmpd="sng" algn="ctr">
                       <a:solidFill>
                         <a:schemeClr val="tx1"/>
                       </a:solidFill>
@@ -17147,7 +17155,7 @@
                       <a:headEnd type="none" w="med" len="med"/>
                       <a:tailEnd type="none" w="med" len="med"/>
                     </a:lnL>
-                    <a:lnR w="12700" cap="flat" cmpd="sng" algn="ctr">
+                    <a:lnR w="6350" cap="flat" cmpd="sng" algn="ctr">
                       <a:solidFill>
                         <a:schemeClr val="tx1"/>
                       </a:solidFill>
@@ -17200,7 +17208,7 @@
                     </a:p>
                   </a:txBody>
                   <a:tcPr marL="65948" marR="65948" marT="32973" marB="32973" anchor="ctr">
-                    <a:lnL w="12700" cap="flat" cmpd="sng" algn="ctr">
+                    <a:lnL w="6350" cap="flat" cmpd="sng" algn="ctr">
                       <a:solidFill>
                         <a:schemeClr val="tx1"/>
                       </a:solidFill>
@@ -17209,7 +17217,7 @@
                       <a:headEnd type="none" w="med" len="med"/>
                       <a:tailEnd type="none" w="med" len="med"/>
                     </a:lnL>
-                    <a:lnR w="12700" cap="flat" cmpd="sng" algn="ctr">
+                    <a:lnR w="6350" cap="flat" cmpd="sng" algn="ctr">
                       <a:solidFill>
                         <a:schemeClr val="tx1"/>
                       </a:solidFill>
@@ -17249,7 +17257,7 @@
                     </a:p>
                   </a:txBody>
                   <a:tcPr marL="65948" marR="65948" marT="32973" marB="32973" anchor="ctr">
-                    <a:lnL w="12700" cap="flat" cmpd="sng" algn="ctr">
+                    <a:lnL w="6350" cap="flat" cmpd="sng" algn="ctr">
                       <a:solidFill>
                         <a:schemeClr val="tx1"/>
                       </a:solidFill>
@@ -17286,7 +17294,7 @@
                     </a:p>
                   </a:txBody>
                   <a:tcPr marL="65948" marR="65948" marT="32973" marB="32973" anchor="ctr">
-                    <a:lnR w="12700" cap="flat" cmpd="sng" algn="ctr">
+                    <a:lnR w="6350" cap="flat" cmpd="sng" algn="ctr">
                       <a:solidFill>
                         <a:schemeClr val="tx1"/>
                       </a:solidFill>
@@ -17323,7 +17331,7 @@
                     </a:p>
                   </a:txBody>
                   <a:tcPr marL="65948" marR="65948" marT="32973" marB="32973" anchor="ctr">
-                    <a:lnL w="12700" cap="flat" cmpd="sng" algn="ctr">
+                    <a:lnL w="6350" cap="flat" cmpd="sng" algn="ctr">
                       <a:solidFill>
                         <a:schemeClr val="tx1"/>
                       </a:solidFill>
@@ -17394,7 +17402,7 @@
                     </a:p>
                   </a:txBody>
                   <a:tcPr marL="65948" marR="65948" marT="32973" marB="32973" anchor="ctr">
-                    <a:lnR w="12700" cap="flat" cmpd="sng" algn="ctr">
+                    <a:lnR w="6350" cap="flat" cmpd="sng" algn="ctr">
                       <a:solidFill>
                         <a:schemeClr val="tx1"/>
                       </a:solidFill>
@@ -17441,7 +17449,7 @@
                     </a:p>
                   </a:txBody>
                   <a:tcPr marL="65948" marR="65948" marT="32973" marB="32973" anchor="ctr">
-                    <a:lnL w="12700" cap="flat" cmpd="sng" algn="ctr">
+                    <a:lnL w="6350" cap="flat" cmpd="sng" algn="ctr">
                       <a:solidFill>
                         <a:schemeClr val="tx1"/>
                       </a:solidFill>
@@ -17450,7 +17458,7 @@
                       <a:headEnd type="none" w="med" len="med"/>
                       <a:tailEnd type="none" w="med" len="med"/>
                     </a:lnL>
-                    <a:lnR w="12700" cap="flat" cmpd="sng" algn="ctr">
+                    <a:lnR w="6350" cap="flat" cmpd="sng" algn="ctr">
                       <a:solidFill>
                         <a:schemeClr val="tx1"/>
                       </a:solidFill>
@@ -17532,7 +17540,7 @@
                     </a:p>
                   </a:txBody>
                   <a:tcPr marL="65948" marR="65948" marT="32973" marB="32973" anchor="ctr">
-                    <a:lnL w="12700" cap="flat" cmpd="sng" algn="ctr">
+                    <a:lnL w="6350" cap="flat" cmpd="sng" algn="ctr">
                       <a:solidFill>
                         <a:schemeClr val="tx1"/>
                       </a:solidFill>
@@ -17541,7 +17549,7 @@
                       <a:headEnd type="none" w="med" len="med"/>
                       <a:tailEnd type="none" w="med" len="med"/>
                     </a:lnL>
-                    <a:lnR w="12700" cap="flat" cmpd="sng" algn="ctr">
+                    <a:lnR w="6350" cap="flat" cmpd="sng" algn="ctr">
                       <a:solidFill>
                         <a:schemeClr val="tx1"/>
                       </a:solidFill>
@@ -17581,7 +17589,7 @@
                     </a:p>
                   </a:txBody>
                   <a:tcPr marL="65948" marR="65948" marT="32973" marB="32973" anchor="ctr">
-                    <a:lnL w="12700" cap="flat" cmpd="sng" algn="ctr">
+                    <a:lnL w="6350" cap="flat" cmpd="sng" algn="ctr">
                       <a:solidFill>
                         <a:schemeClr val="tx1"/>
                       </a:solidFill>
@@ -17618,7 +17626,7 @@
                     </a:p>
                   </a:txBody>
                   <a:tcPr marL="65948" marR="65948" marT="32973" marB="32973" anchor="ctr">
-                    <a:lnR w="12700" cap="flat" cmpd="sng" algn="ctr">
+                    <a:lnR w="6350" cap="flat" cmpd="sng" algn="ctr">
                       <a:solidFill>
                         <a:schemeClr val="tx1"/>
                       </a:solidFill>
@@ -17655,7 +17663,7 @@
                     </a:p>
                   </a:txBody>
                   <a:tcPr marL="65948" marR="65948" marT="32973" marB="32973" anchor="ctr">
-                    <a:lnL w="12700" cap="flat" cmpd="sng" algn="ctr">
+                    <a:lnL w="6350" cap="flat" cmpd="sng" algn="ctr">
                       <a:solidFill>
                         <a:schemeClr val="tx1"/>
                       </a:solidFill>
@@ -17726,7 +17734,7 @@
                     </a:p>
                   </a:txBody>
                   <a:tcPr marL="65948" marR="65948" marT="32973" marB="32973" anchor="ctr">
-                    <a:lnR w="12700" cap="flat" cmpd="sng" algn="ctr">
+                    <a:lnR w="6350" cap="flat" cmpd="sng" algn="ctr">
                       <a:solidFill>
                         <a:schemeClr val="tx1"/>
                       </a:solidFill>
@@ -17773,7 +17781,7 @@
                     </a:p>
                   </a:txBody>
                   <a:tcPr marL="65948" marR="65948" marT="32973" marB="32973" anchor="ctr">
-                    <a:lnL w="12700" cap="flat" cmpd="sng" algn="ctr">
+                    <a:lnL w="6350" cap="flat" cmpd="sng" algn="ctr">
                       <a:solidFill>
                         <a:schemeClr val="tx1"/>
                       </a:solidFill>
@@ -17782,7 +17790,7 @@
                       <a:headEnd type="none" w="med" len="med"/>
                       <a:tailEnd type="none" w="med" len="med"/>
                     </a:lnL>
-                    <a:lnR w="12700" cap="flat" cmpd="sng" algn="ctr">
+                    <a:lnR w="6350" cap="flat" cmpd="sng" algn="ctr">
                       <a:solidFill>
                         <a:schemeClr val="tx1"/>
                       </a:solidFill>
@@ -17864,7 +17872,7 @@
                     </a:p>
                   </a:txBody>
                   <a:tcPr marL="65948" marR="65948" marT="32973" marB="32973" anchor="ctr">
-                    <a:lnL w="12700" cap="flat" cmpd="sng" algn="ctr">
+                    <a:lnL w="6350" cap="flat" cmpd="sng" algn="ctr">
                       <a:solidFill>
                         <a:schemeClr val="tx1"/>
                       </a:solidFill>
@@ -17873,7 +17881,7 @@
                       <a:headEnd type="none" w="med" len="med"/>
                       <a:tailEnd type="none" w="med" len="med"/>
                     </a:lnL>
-                    <a:lnR w="12700" cap="flat" cmpd="sng" algn="ctr">
+                    <a:lnR w="6350" cap="flat" cmpd="sng" algn="ctr">
                       <a:solidFill>
                         <a:schemeClr val="tx1"/>
                       </a:solidFill>
@@ -17923,7 +17931,7 @@
                     </a:p>
                   </a:txBody>
                   <a:tcPr marL="65948" marR="65948" marT="32973" marB="32973" anchor="ctr">
-                    <a:lnL w="12700" cap="flat" cmpd="sng" algn="ctr">
+                    <a:lnL w="6350" cap="flat" cmpd="sng" algn="ctr">
                       <a:solidFill>
                         <a:schemeClr val="tx1"/>
                       </a:solidFill>
@@ -17948,7 +17956,7 @@
                     <a:p>
                       <a:pPr algn="ctr"/>
                       <a:r>
-                        <a:rPr lang="en-US" sz="700">
+                        <a:rPr lang="en-US" sz="700" dirty="0">
                           <a:ln>
                             <a:noFill/>
                           </a:ln>
@@ -17960,20 +17968,10 @@
                         </a:rPr>
                         <a:t>✓</a:t>
                       </a:r>
-                      <a:endParaRPr lang="en-US" sz="700" dirty="0">
-                        <a:ln>
-                          <a:noFill/>
-                        </a:ln>
-                        <a:solidFill>
-                          <a:schemeClr val="tx1"/>
-                        </a:solidFill>
-                        <a:latin typeface="Arial" panose="020B0604020202020204" pitchFamily="34" charset="0"/>
-                        <a:cs typeface="Arial" panose="020B0604020202020204" pitchFamily="34" charset="0"/>
-                      </a:endParaRPr>
                     </a:p>
                   </a:txBody>
                   <a:tcPr marL="65948" marR="65948" marT="32973" marB="32973" anchor="ctr">
-                    <a:lnR w="12700" cap="flat" cmpd="sng" algn="ctr">
+                    <a:lnR w="6350" cap="flat" cmpd="sng" algn="ctr">
                       <a:solidFill>
                         <a:schemeClr val="tx1"/>
                       </a:solidFill>
@@ -18027,7 +18025,7 @@
                     </a:p>
                   </a:txBody>
                   <a:tcPr marL="65948" marR="65948" marT="32973" marB="32973" anchor="ctr">
-                    <a:lnL w="12700" cap="flat" cmpd="sng" algn="ctr">
+                    <a:lnL w="6350" cap="flat" cmpd="sng" algn="ctr">
                       <a:solidFill>
                         <a:schemeClr val="tx1"/>
                       </a:solidFill>
@@ -18092,7 +18090,7 @@
                     </a:p>
                   </a:txBody>
                   <a:tcPr marL="65948" marR="65948" marT="32973" marB="32973" anchor="ctr">
-                    <a:lnR w="12700" cap="flat" cmpd="sng" algn="ctr">
+                    <a:lnR w="6350" cap="flat" cmpd="sng" algn="ctr">
                       <a:solidFill>
                         <a:schemeClr val="tx1"/>
                       </a:solidFill>
@@ -18139,7 +18137,7 @@
                     </a:p>
                   </a:txBody>
                   <a:tcPr marL="65948" marR="65948" marT="32973" marB="32973" anchor="ctr">
-                    <a:lnL w="12700" cap="flat" cmpd="sng" algn="ctr">
+                    <a:lnL w="6350" cap="flat" cmpd="sng" algn="ctr">
                       <a:solidFill>
                         <a:schemeClr val="tx1"/>
                       </a:solidFill>
@@ -18148,7 +18146,7 @@
                       <a:headEnd type="none" w="med" len="med"/>
                       <a:tailEnd type="none" w="med" len="med"/>
                     </a:lnL>
-                    <a:lnR w="12700" cap="flat" cmpd="sng" algn="ctr">
+                    <a:lnR w="6350" cap="flat" cmpd="sng" algn="ctr">
                       <a:solidFill>
                         <a:schemeClr val="tx1"/>
                       </a:solidFill>
@@ -18230,7 +18228,7 @@
                     </a:p>
                   </a:txBody>
                   <a:tcPr marL="65948" marR="65948" marT="32973" marB="32973" anchor="ctr">
-                    <a:lnL w="12700" cap="flat" cmpd="sng" algn="ctr">
+                    <a:lnL w="6350" cap="flat" cmpd="sng" algn="ctr">
                       <a:solidFill>
                         <a:schemeClr val="tx1"/>
                       </a:solidFill>
@@ -18239,7 +18237,7 @@
                       <a:headEnd type="none" w="med" len="med"/>
                       <a:tailEnd type="none" w="med" len="med"/>
                     </a:lnL>
-                    <a:lnR w="12700" cap="flat" cmpd="sng" algn="ctr">
+                    <a:lnR w="6350" cap="flat" cmpd="sng" algn="ctr">
                       <a:solidFill>
                         <a:schemeClr val="tx1"/>
                       </a:solidFill>
@@ -18289,7 +18287,7 @@
                     </a:p>
                   </a:txBody>
                   <a:tcPr marL="65948" marR="65948" marT="32973" marB="32973" anchor="ctr">
-                    <a:lnL w="12700" cap="flat" cmpd="sng" algn="ctr">
+                    <a:lnL w="6350" cap="flat" cmpd="sng" algn="ctr">
                       <a:solidFill>
                         <a:schemeClr val="tx1"/>
                       </a:solidFill>
@@ -18339,7 +18337,7 @@
                     </a:p>
                   </a:txBody>
                   <a:tcPr marL="65948" marR="65948" marT="32973" marB="32973" anchor="ctr">
-                    <a:lnR w="12700" cap="flat" cmpd="sng" algn="ctr">
+                    <a:lnR w="6350" cap="flat" cmpd="sng" algn="ctr">
                       <a:solidFill>
                         <a:schemeClr val="tx1"/>
                       </a:solidFill>
@@ -18364,7 +18362,7 @@
                     <a:p>
                       <a:pPr algn="ctr"/>
                       <a:r>
-                        <a:rPr kumimoji="0" lang="en-US" sz="700" b="0" i="0" u="none" strike="noStrike" kern="1200" cap="none" spc="0" normalizeH="0" baseline="0" noProof="0">
+                        <a:rPr kumimoji="0" lang="en-US" sz="700" b="0" i="0" u="none" strike="noStrike" kern="1200" cap="none" spc="0" normalizeH="0" baseline="0" noProof="0" dirty="0">
                           <a:ln>
                             <a:noFill/>
                           </a:ln>
@@ -18380,7 +18378,7 @@
                         </a:rPr>
                         <a:t>✓</a:t>
                       </a:r>
-                      <a:endParaRPr lang="en-US" sz="700">
+                      <a:endParaRPr lang="en-US" sz="700" dirty="0">
                         <a:ln>
                           <a:noFill/>
                         </a:ln>
@@ -18393,7 +18391,7 @@
                     </a:p>
                   </a:txBody>
                   <a:tcPr marL="65948" marR="65948" marT="32973" marB="32973" anchor="ctr">
-                    <a:lnL w="12700" cap="flat" cmpd="sng" algn="ctr">
+                    <a:lnL w="6350" cap="flat" cmpd="sng" algn="ctr">
                       <a:solidFill>
                         <a:schemeClr val="tx1"/>
                       </a:solidFill>
@@ -18458,7 +18456,7 @@
                     </a:p>
                   </a:txBody>
                   <a:tcPr marL="65948" marR="65948" marT="32973" marB="32973" anchor="ctr">
-                    <a:lnR w="12700" cap="flat" cmpd="sng" algn="ctr">
+                    <a:lnR w="6350" cap="flat" cmpd="sng" algn="ctr">
                       <a:solidFill>
                         <a:schemeClr val="tx1"/>
                       </a:solidFill>
@@ -18505,7 +18503,7 @@
                     </a:p>
                   </a:txBody>
                   <a:tcPr marL="65948" marR="65948" marT="32973" marB="32973" anchor="ctr">
-                    <a:lnL w="12700" cap="flat" cmpd="sng" algn="ctr">
+                    <a:lnL w="6350" cap="flat" cmpd="sng" algn="ctr">
                       <a:solidFill>
                         <a:schemeClr val="tx1"/>
                       </a:solidFill>
@@ -18514,7 +18512,7 @@
                       <a:headEnd type="none" w="med" len="med"/>
                       <a:tailEnd type="none" w="med" len="med"/>
                     </a:lnL>
-                    <a:lnR w="12700" cap="flat" cmpd="sng" algn="ctr">
+                    <a:lnR w="6350" cap="flat" cmpd="sng" algn="ctr">
                       <a:solidFill>
                         <a:schemeClr val="tx1"/>
                       </a:solidFill>
@@ -18583,7 +18581,7 @@
                     </a:p>
                   </a:txBody>
                   <a:tcPr marL="65948" marR="65948" marT="32973" marB="32973" anchor="ctr">
-                    <a:lnL w="12700" cap="flat" cmpd="sng" algn="ctr">
+                    <a:lnL w="6350" cap="flat" cmpd="sng" algn="ctr">
                       <a:solidFill>
                         <a:schemeClr val="tx1"/>
                       </a:solidFill>
@@ -18592,7 +18590,7 @@
                       <a:headEnd type="none" w="med" len="med"/>
                       <a:tailEnd type="none" w="med" len="med"/>
                     </a:lnL>
-                    <a:lnR w="12700" cap="flat" cmpd="sng" algn="ctr">
+                    <a:lnR w="6350" cap="flat" cmpd="sng" algn="ctr">
                       <a:solidFill>
                         <a:schemeClr val="tx1"/>
                       </a:solidFill>
@@ -18632,7 +18630,7 @@
                     </a:p>
                   </a:txBody>
                   <a:tcPr marL="65948" marR="65948" marT="32973" marB="32973" anchor="ctr">
-                    <a:lnL w="12700" cap="flat" cmpd="sng" algn="ctr">
+                    <a:lnL w="6350" cap="flat" cmpd="sng" algn="ctr">
                       <a:solidFill>
                         <a:schemeClr val="tx1"/>
                       </a:solidFill>
@@ -18682,7 +18680,7 @@
                     </a:p>
                   </a:txBody>
                   <a:tcPr marL="65948" marR="65948" marT="32973" marB="32973" anchor="ctr">
-                    <a:lnR w="12700" cap="flat" cmpd="sng" algn="ctr">
+                    <a:lnR w="6350" cap="flat" cmpd="sng" algn="ctr">
                       <a:solidFill>
                         <a:schemeClr val="tx1"/>
                       </a:solidFill>
@@ -18736,7 +18734,7 @@
                     </a:p>
                   </a:txBody>
                   <a:tcPr marL="65948" marR="65948" marT="32973" marB="32973" anchor="ctr">
-                    <a:lnL w="12700" cap="flat" cmpd="sng" algn="ctr">
+                    <a:lnL w="6350" cap="flat" cmpd="sng" algn="ctr">
                       <a:solidFill>
                         <a:schemeClr val="tx1"/>
                       </a:solidFill>
@@ -18801,7 +18799,7 @@
                     </a:p>
                   </a:txBody>
                   <a:tcPr marL="65948" marR="65948" marT="32973" marB="32973" anchor="ctr">
-                    <a:lnR w="12700" cap="flat" cmpd="sng" algn="ctr">
+                    <a:lnR w="6350" cap="flat" cmpd="sng" algn="ctr">
                       <a:solidFill>
                         <a:schemeClr val="tx1"/>
                       </a:solidFill>
@@ -18848,7 +18846,7 @@
                     </a:p>
                   </a:txBody>
                   <a:tcPr marL="65948" marR="65948" marT="32973" marB="32973" anchor="ctr">
-                    <a:lnL w="12700" cap="flat" cmpd="sng" algn="ctr">
+                    <a:lnL w="6350" cap="flat" cmpd="sng" algn="ctr">
                       <a:solidFill>
                         <a:schemeClr val="tx1"/>
                       </a:solidFill>
@@ -18857,7 +18855,7 @@
                       <a:headEnd type="none" w="med" len="med"/>
                       <a:tailEnd type="none" w="med" len="med"/>
                     </a:lnL>
-                    <a:lnR w="12700" cap="flat" cmpd="sng" algn="ctr">
+                    <a:lnR w="6350" cap="flat" cmpd="sng" algn="ctr">
                       <a:solidFill>
                         <a:schemeClr val="tx1"/>
                       </a:solidFill>
@@ -18869,7 +18867,7 @@
                     <a:lnT w="12700" cmpd="sng">
                       <a:noFill/>
                     </a:lnT>
-                    <a:lnB w="12700" cap="flat" cmpd="sng" algn="ctr">
+                    <a:lnB w="6350" cap="flat" cmpd="sng" algn="ctr">
                       <a:solidFill>
                         <a:schemeClr val="tx1"/>
                       </a:solidFill>
@@ -18932,7 +18930,7 @@
                     </a:p>
                   </a:txBody>
                   <a:tcPr marL="65948" marR="65948" marT="32973" marB="32973" anchor="ctr">
-                    <a:lnL w="12700" cap="flat" cmpd="sng" algn="ctr">
+                    <a:lnL w="6350" cap="flat" cmpd="sng" algn="ctr">
                       <a:solidFill>
                         <a:schemeClr val="tx1"/>
                       </a:solidFill>
@@ -18941,7 +18939,7 @@
                       <a:headEnd type="none" w="med" len="med"/>
                       <a:tailEnd type="none" w="med" len="med"/>
                     </a:lnL>
-                    <a:lnR w="12700" cap="flat" cmpd="sng" algn="ctr">
+                    <a:lnR w="6350" cap="flat" cmpd="sng" algn="ctr">
                       <a:solidFill>
                         <a:schemeClr val="tx1"/>
                       </a:solidFill>
@@ -18953,7 +18951,7 @@
                     <a:lnT w="12700" cmpd="sng">
                       <a:noFill/>
                     </a:lnT>
-                    <a:lnB w="12700" cap="flat" cmpd="sng" algn="ctr">
+                    <a:lnB w="6350" cap="flat" cmpd="sng" algn="ctr">
                       <a:solidFill>
                         <a:schemeClr val="tx1"/>
                       </a:solidFill>
@@ -18987,7 +18985,7 @@
                     </a:p>
                   </a:txBody>
                   <a:tcPr marL="65948" marR="65948" marT="32973" marB="32973" anchor="ctr">
-                    <a:lnL w="12700" cap="flat" cmpd="sng" algn="ctr">
+                    <a:lnL w="6350" cap="flat" cmpd="sng" algn="ctr">
                       <a:solidFill>
                         <a:schemeClr val="tx1"/>
                       </a:solidFill>
@@ -18999,7 +18997,7 @@
                     <a:lnT w="12700" cmpd="sng">
                       <a:noFill/>
                     </a:lnT>
-                    <a:lnB w="12700" cap="flat" cmpd="sng" algn="ctr">
+                    <a:lnB w="6350" cap="flat" cmpd="sng" algn="ctr">
                       <a:solidFill>
                         <a:schemeClr val="tx1"/>
                       </a:solidFill>
@@ -19030,7 +19028,7 @@
                     </a:p>
                   </a:txBody>
                   <a:tcPr marL="65948" marR="65948" marT="32973" marB="32973" anchor="ctr">
-                    <a:lnR w="12700" cap="flat" cmpd="sng" algn="ctr">
+                    <a:lnR w="6350" cap="flat" cmpd="sng" algn="ctr">
                       <a:solidFill>
                         <a:schemeClr val="tx1"/>
                       </a:solidFill>
@@ -19042,7 +19040,7 @@
                     <a:lnT w="12700" cmpd="sng">
                       <a:noFill/>
                     </a:lnT>
-                    <a:lnB w="12700" cap="flat" cmpd="sng" algn="ctr">
+                    <a:lnB w="6350" cap="flat" cmpd="sng" algn="ctr">
                       <a:solidFill>
                         <a:schemeClr val="tx1"/>
                       </a:solidFill>
@@ -19090,7 +19088,7 @@
                     </a:p>
                   </a:txBody>
                   <a:tcPr marL="65948" marR="65948" marT="32973" marB="32973" anchor="ctr">
-                    <a:lnL w="12700" cap="flat" cmpd="sng" algn="ctr">
+                    <a:lnL w="6350" cap="flat" cmpd="sng" algn="ctr">
                       <a:solidFill>
                         <a:schemeClr val="tx1"/>
                       </a:solidFill>
@@ -19102,7 +19100,7 @@
                     <a:lnT w="12700" cmpd="sng">
                       <a:noFill/>
                     </a:lnT>
-                    <a:lnB w="12700" cap="flat" cmpd="sng" algn="ctr">
+                    <a:lnB w="6350" cap="flat" cmpd="sng" algn="ctr">
                       <a:solidFill>
                         <a:schemeClr val="tx1"/>
                       </a:solidFill>
@@ -19136,7 +19134,7 @@
                     <a:lnT w="12700" cmpd="sng">
                       <a:noFill/>
                     </a:lnT>
-                    <a:lnB w="12700" cap="flat" cmpd="sng" algn="ctr">
+                    <a:lnB w="6350" cap="flat" cmpd="sng" algn="ctr">
                       <a:solidFill>
                         <a:schemeClr val="tx1"/>
                       </a:solidFill>
@@ -19167,7 +19165,7 @@
                     </a:p>
                   </a:txBody>
                   <a:tcPr marL="65948" marR="65948" marT="32973" marB="32973" anchor="ctr">
-                    <a:lnR w="12700" cap="flat" cmpd="sng" algn="ctr">
+                    <a:lnR w="6350" cap="flat" cmpd="sng" algn="ctr">
                       <a:solidFill>
                         <a:schemeClr val="tx1"/>
                       </a:solidFill>
@@ -19179,7 +19177,7 @@
                     <a:lnT w="12700" cmpd="sng">
                       <a:noFill/>
                     </a:lnT>
-                    <a:lnB w="12700" cap="flat" cmpd="sng" algn="ctr">
+                    <a:lnB w="6350" cap="flat" cmpd="sng" algn="ctr">
                       <a:solidFill>
                         <a:schemeClr val="tx1"/>
                       </a:solidFill>
@@ -19215,10 +19213,10 @@
         </p:nvGrpSpPr>
         <p:grpSpPr>
           <a:xfrm>
-            <a:off x="2826045" y="166255"/>
-            <a:ext cx="8092836" cy="3477991"/>
-            <a:chOff x="815225" y="918031"/>
-            <a:chExt cx="11778579" cy="5061982"/>
+            <a:off x="2826045" y="140855"/>
+            <a:ext cx="8092836" cy="3503391"/>
+            <a:chOff x="815225" y="881063"/>
+            <a:chExt cx="11778579" cy="5098950"/>
           </a:xfrm>
         </p:grpSpPr>
         <p:sp>
@@ -19428,8 +19426,8 @@
               <a:avLst/>
             </a:prstGeom>
             <a:solidFill>
-              <a:srgbClr val="CEE26B">
-                <a:alpha val="40000"/>
+              <a:srgbClr val="5CB270">
+                <a:alpha val="80000"/>
               </a:srgbClr>
             </a:solidFill>
             <a:ln>
@@ -19493,7 +19491,7 @@
               <a:avLst/>
             </a:prstGeom>
             <a:solidFill>
-              <a:srgbClr val="82C26E">
+              <a:srgbClr val="5CB270">
                 <a:alpha val="80000"/>
               </a:srgbClr>
             </a:solidFill>
@@ -19936,71 +19934,6 @@
                   <a:cs typeface="Arial" panose="020B0604020202020204" pitchFamily="34" charset="0"/>
                 </a:rPr>
                 <a:t>Continued training</a:t>
-              </a:r>
-            </a:p>
-          </p:txBody>
-        </p:sp>
-        <p:sp>
-          <p:nvSpPr>
-            <p:cNvPr id="47" name="Chevron 46">
-              <a:extLst>
-                <a:ext uri="{FF2B5EF4-FFF2-40B4-BE49-F238E27FC236}">
-                  <a16:creationId xmlns:a16="http://schemas.microsoft.com/office/drawing/2014/main" id="{5A15C25D-80A4-004C-2480-8691FA37DF02}"/>
-                </a:ext>
-              </a:extLst>
-            </p:cNvPr>
-            <p:cNvSpPr/>
-            <p:nvPr/>
-          </p:nvSpPr>
-          <p:spPr>
-            <a:xfrm>
-              <a:off x="973783" y="2234136"/>
-              <a:ext cx="5201479" cy="292559"/>
-            </a:xfrm>
-            <a:prstGeom prst="chevron">
-              <a:avLst/>
-            </a:prstGeom>
-            <a:noFill/>
-            <a:ln w="12700">
-              <a:solidFill>
-                <a:schemeClr val="tx1">
-                  <a:lumMod val="50000"/>
-                  <a:lumOff val="50000"/>
-                </a:schemeClr>
-              </a:solidFill>
-              <a:prstDash val="sysDash"/>
-            </a:ln>
-          </p:spPr>
-          <p:style>
-            <a:lnRef idx="2">
-              <a:schemeClr val="accent1">
-                <a:shade val="15000"/>
-              </a:schemeClr>
-            </a:lnRef>
-            <a:fillRef idx="1">
-              <a:schemeClr val="accent1"/>
-            </a:fillRef>
-            <a:effectRef idx="0">
-              <a:schemeClr val="accent1"/>
-            </a:effectRef>
-            <a:fontRef idx="minor">
-              <a:schemeClr val="lt1"/>
-            </a:fontRef>
-          </p:style>
-          <p:txBody>
-            <a:bodyPr lIns="36000" tIns="36000" rIns="36000" bIns="36000" rtlCol="0" anchor="ctr"/>
-            <a:lstStyle/>
-            <a:p>
-              <a:pPr algn="ctr"/>
-              <a:r>
-                <a:rPr lang="en-US" sz="800" dirty="0">
-                  <a:solidFill>
-                    <a:schemeClr val="tx1"/>
-                  </a:solidFill>
-                  <a:latin typeface="Arial" panose="020B0604020202020204" pitchFamily="34" charset="0"/>
-                  <a:cs typeface="Arial" panose="020B0604020202020204" pitchFamily="34" charset="0"/>
-                </a:rPr>
-                <a:t>Industrial workforce</a:t>
               </a:r>
             </a:p>
           </p:txBody>
@@ -20757,8 +20690,8 @@
           </p:nvSpPr>
           <p:spPr>
             <a:xfrm>
-              <a:off x="1587642" y="918031"/>
-              <a:ext cx="1194996" cy="313564"/>
+              <a:off x="1354336" y="881063"/>
+              <a:ext cx="1428302" cy="313564"/>
             </a:xfrm>
             <a:prstGeom prst="rect">
               <a:avLst/>
@@ -20777,7 +20710,7 @@
                   <a:latin typeface="Arial" panose="020B0604020202020204" pitchFamily="34" charset="0"/>
                   <a:cs typeface="Arial" panose="020B0604020202020204" pitchFamily="34" charset="0"/>
                 </a:rPr>
-                <a:t>Most effective</a:t>
+                <a:t>Early intervention</a:t>
               </a:r>
             </a:p>
           </p:txBody>
@@ -20796,8 +20729,8 @@
           </p:nvSpPr>
           <p:spPr>
             <a:xfrm>
-              <a:off x="6978559" y="918031"/>
-              <a:ext cx="1239323" cy="313564"/>
+              <a:off x="6978559" y="881063"/>
+              <a:ext cx="1381641" cy="313564"/>
             </a:xfrm>
             <a:prstGeom prst="rect">
               <a:avLst/>
@@ -20815,7 +20748,7 @@
                   <a:latin typeface="Arial" panose="020B0604020202020204" pitchFamily="34" charset="0"/>
                   <a:cs typeface="Arial" panose="020B0604020202020204" pitchFamily="34" charset="0"/>
                 </a:rPr>
-                <a:t>Least effective</a:t>
+                <a:t>Late intervention</a:t>
               </a:r>
             </a:p>
           </p:txBody>
@@ -21058,8 +20991,19 @@
                   <a:latin typeface="Arial" panose="020B0604020202020204" pitchFamily="34" charset="0"/>
                   <a:cs typeface="Arial" panose="020B0604020202020204" pitchFamily="34" charset="0"/>
                 </a:rPr>
-                <a:t>Hierarchy of Control</a:t>
+                <a:t>Hierarchy </a:t>
               </a:r>
+              <a:r>
+                <a:rPr lang="en-US" sz="800">
+                  <a:latin typeface="Arial" panose="020B0604020202020204" pitchFamily="34" charset="0"/>
+                  <a:cs typeface="Arial" panose="020B0604020202020204" pitchFamily="34" charset="0"/>
+                </a:rPr>
+                <a:t>of Controls</a:t>
+              </a:r>
+              <a:endParaRPr lang="en-US" sz="800" dirty="0">
+                <a:latin typeface="Arial" panose="020B0604020202020204" pitchFamily="34" charset="0"/>
+                <a:cs typeface="Arial" panose="020B0604020202020204" pitchFamily="34" charset="0"/>
+              </a:endParaRPr>
             </a:p>
           </p:txBody>
         </p:sp>
@@ -22813,10 +22757,3112 @@
           </a:p>
         </p:txBody>
       </p:sp>
+      <p:sp>
+        <p:nvSpPr>
+          <p:cNvPr id="3" name="Line Callout 1 (Accent Bar) 2">
+            <a:extLst>
+              <a:ext uri="{FF2B5EF4-FFF2-40B4-BE49-F238E27FC236}">
+                <a16:creationId xmlns:a16="http://schemas.microsoft.com/office/drawing/2014/main" id="{3A6D02B3-6E4C-CAFC-D81A-78FD5E2C9A3E}"/>
+              </a:ext>
+            </a:extLst>
+          </p:cNvPr>
+          <p:cNvSpPr/>
+          <p:nvPr/>
+        </p:nvSpPr>
+        <p:spPr>
+          <a:xfrm>
+            <a:off x="6094822" y="5764222"/>
+            <a:ext cx="697722" cy="196969"/>
+          </a:xfrm>
+          <a:prstGeom prst="accentCallout1">
+            <a:avLst>
+              <a:gd name="adj1" fmla="val 50051"/>
+              <a:gd name="adj2" fmla="val -1132"/>
+              <a:gd name="adj3" fmla="val 48703"/>
+              <a:gd name="adj4" fmla="val -62258"/>
+            </a:avLst>
+          </a:prstGeom>
+          <a:noFill/>
+          <a:ln w="9525">
+            <a:solidFill>
+              <a:schemeClr val="tx1">
+                <a:lumMod val="50000"/>
+                <a:lumOff val="50000"/>
+              </a:schemeClr>
+            </a:solidFill>
+            <a:tailEnd type="diamond" w="sm" len="sm"/>
+          </a:ln>
+        </p:spPr>
+        <p:style>
+          <a:lnRef idx="2">
+            <a:schemeClr val="accent1">
+              <a:shade val="15000"/>
+            </a:schemeClr>
+          </a:lnRef>
+          <a:fillRef idx="1">
+            <a:schemeClr val="accent1"/>
+          </a:fillRef>
+          <a:effectRef idx="0">
+            <a:schemeClr val="accent1"/>
+          </a:effectRef>
+          <a:fontRef idx="minor">
+            <a:schemeClr val="lt1"/>
+          </a:fontRef>
+        </p:style>
+        <p:txBody>
+          <a:bodyPr lIns="36000" tIns="0" rIns="0" bIns="0" rtlCol="0" anchor="ctr"/>
+          <a:lstStyle/>
+          <a:p>
+            <a:r>
+              <a:rPr lang="en-US" sz="700" dirty="0">
+                <a:solidFill>
+                  <a:schemeClr val="tx1">
+                    <a:lumMod val="50000"/>
+                    <a:lumOff val="50000"/>
+                  </a:schemeClr>
+                </a:solidFill>
+                <a:latin typeface="Arial" panose="020B0604020202020204" pitchFamily="34" charset="0"/>
+                <a:cs typeface="Arial" panose="020B0604020202020204" pitchFamily="34" charset="0"/>
+              </a:rPr>
+              <a:t>Cartesian coordinates</a:t>
+            </a:r>
+          </a:p>
+        </p:txBody>
+      </p:sp>
     </p:spTree>
     <p:extLst>
       <p:ext uri="{BB962C8B-B14F-4D97-AF65-F5344CB8AC3E}">
         <p14:creationId xmlns:p14="http://schemas.microsoft.com/office/powerpoint/2010/main" val="3693339460"/>
+      </p:ext>
+    </p:extLst>
+  </p:cSld>
+  <p:clrMapOvr>
+    <a:masterClrMapping/>
+  </p:clrMapOvr>
+</p:sld>
+</file>
+
+<file path=ppt/slides/slide13.xml><?xml version="1.0" encoding="utf-8"?>
+<p:sld xmlns:a="http://schemas.openxmlformats.org/drawingml/2006/main" xmlns:r="http://schemas.openxmlformats.org/officeDocument/2006/relationships" xmlns:p="http://schemas.openxmlformats.org/presentationml/2006/main">
+  <p:cSld>
+    <p:spTree>
+      <p:nvGrpSpPr>
+        <p:cNvPr id="1" name="">
+          <a:extLst>
+            <a:ext uri="{FF2B5EF4-FFF2-40B4-BE49-F238E27FC236}">
+              <a16:creationId xmlns:a16="http://schemas.microsoft.com/office/drawing/2014/main" id="{7C0ED164-0D5D-0072-44C5-B7164C9B61AF}"/>
+            </a:ext>
+          </a:extLst>
+        </p:cNvPr>
+        <p:cNvGrpSpPr/>
+        <p:nvPr/>
+      </p:nvGrpSpPr>
+      <p:grpSpPr>
+        <a:xfrm>
+          <a:off x="0" y="0"/>
+          <a:ext cx="0" cy="0"/>
+          <a:chOff x="0" y="0"/>
+          <a:chExt cx="0" cy="0"/>
+        </a:xfrm>
+      </p:grpSpPr>
+      <p:grpSp>
+        <p:nvGrpSpPr>
+          <p:cNvPr id="11" name="Group 10">
+            <a:extLst>
+              <a:ext uri="{FF2B5EF4-FFF2-40B4-BE49-F238E27FC236}">
+                <a16:creationId xmlns:a16="http://schemas.microsoft.com/office/drawing/2014/main" id="{52C12E2B-C719-1DEF-709C-32BDB11BD5F7}"/>
+              </a:ext>
+            </a:extLst>
+          </p:cNvPr>
+          <p:cNvGrpSpPr/>
+          <p:nvPr/>
+        </p:nvGrpSpPr>
+        <p:grpSpPr>
+          <a:xfrm>
+            <a:off x="2826045" y="140855"/>
+            <a:ext cx="8092836" cy="3503391"/>
+            <a:chOff x="815225" y="881063"/>
+            <a:chExt cx="11778579" cy="5098950"/>
+          </a:xfrm>
+        </p:grpSpPr>
+        <p:sp>
+          <p:nvSpPr>
+            <p:cNvPr id="23" name="Trapezoid 22">
+              <a:extLst>
+                <a:ext uri="{FF2B5EF4-FFF2-40B4-BE49-F238E27FC236}">
+                  <a16:creationId xmlns:a16="http://schemas.microsoft.com/office/drawing/2014/main" id="{0348F6A0-FA61-9D47-F172-41D2C67DCCC0}"/>
+                </a:ext>
+              </a:extLst>
+            </p:cNvPr>
+            <p:cNvSpPr/>
+            <p:nvPr/>
+          </p:nvSpPr>
+          <p:spPr>
+            <a:xfrm>
+              <a:off x="815225" y="2425872"/>
+              <a:ext cx="8751508" cy="1161132"/>
+            </a:xfrm>
+            <a:prstGeom prst="trapezoid">
+              <a:avLst>
+                <a:gd name="adj" fmla="val 338500"/>
+              </a:avLst>
+            </a:prstGeom>
+            <a:gradFill>
+              <a:gsLst>
+                <a:gs pos="0">
+                  <a:schemeClr val="bg2">
+                    <a:lumMod val="90000"/>
+                  </a:schemeClr>
+                </a:gs>
+                <a:gs pos="55000">
+                  <a:srgbClr val="FFFFFF"/>
+                </a:gs>
+              </a:gsLst>
+              <a:lin ang="5400000" scaled="1"/>
+            </a:gradFill>
+            <a:ln>
+              <a:noFill/>
+            </a:ln>
+          </p:spPr>
+          <p:style>
+            <a:lnRef idx="2">
+              <a:schemeClr val="accent1">
+                <a:shade val="15000"/>
+              </a:schemeClr>
+            </a:lnRef>
+            <a:fillRef idx="1">
+              <a:schemeClr val="accent1"/>
+            </a:fillRef>
+            <a:effectRef idx="0">
+              <a:schemeClr val="accent1"/>
+            </a:effectRef>
+            <a:fontRef idx="minor">
+              <a:schemeClr val="lt1"/>
+            </a:fontRef>
+          </p:style>
+          <p:txBody>
+            <a:bodyPr rtlCol="0" anchor="ctr"/>
+            <a:lstStyle/>
+            <a:p>
+              <a:pPr algn="ctr"/>
+              <a:endParaRPr lang="en-US" sz="800"/>
+            </a:p>
+          </p:txBody>
+        </p:sp>
+        <p:sp>
+          <p:nvSpPr>
+            <p:cNvPr id="36" name="Chevron 35">
+              <a:extLst>
+                <a:ext uri="{FF2B5EF4-FFF2-40B4-BE49-F238E27FC236}">
+                  <a16:creationId xmlns:a16="http://schemas.microsoft.com/office/drawing/2014/main" id="{5C4A455D-9532-8721-C6B0-BB3574CA8334}"/>
+                </a:ext>
+              </a:extLst>
+            </p:cNvPr>
+            <p:cNvSpPr/>
+            <p:nvPr/>
+          </p:nvSpPr>
+          <p:spPr>
+            <a:xfrm>
+              <a:off x="973783" y="1242097"/>
+              <a:ext cx="5201479" cy="323432"/>
+            </a:xfrm>
+            <a:prstGeom prst="chevron">
+              <a:avLst/>
+            </a:prstGeom>
+            <a:solidFill>
+              <a:schemeClr val="bg2"/>
+            </a:solidFill>
+            <a:ln>
+              <a:noFill/>
+            </a:ln>
+          </p:spPr>
+          <p:style>
+            <a:lnRef idx="2">
+              <a:schemeClr val="accent1">
+                <a:shade val="15000"/>
+              </a:schemeClr>
+            </a:lnRef>
+            <a:fillRef idx="1">
+              <a:schemeClr val="accent1"/>
+            </a:fillRef>
+            <a:effectRef idx="0">
+              <a:schemeClr val="accent1"/>
+            </a:effectRef>
+            <a:fontRef idx="minor">
+              <a:schemeClr val="lt1"/>
+            </a:fontRef>
+          </p:style>
+          <p:txBody>
+            <a:bodyPr lIns="36000" tIns="36000" rIns="36000" bIns="36000" rtlCol="0" anchor="ctr"/>
+            <a:lstStyle/>
+            <a:p>
+              <a:pPr algn="ctr"/>
+              <a:r>
+                <a:rPr lang="en-US" sz="800" dirty="0">
+                  <a:solidFill>
+                    <a:schemeClr val="tx1"/>
+                  </a:solidFill>
+                  <a:latin typeface="Arial" panose="020B0604020202020204" pitchFamily="34" charset="0"/>
+                  <a:cs typeface="Arial" panose="020B0604020202020204" pitchFamily="34" charset="0"/>
+                </a:rPr>
+                <a:t>Education</a:t>
+              </a:r>
+            </a:p>
+          </p:txBody>
+        </p:sp>
+        <p:sp>
+          <p:nvSpPr>
+            <p:cNvPr id="38" name="Chevron 37">
+              <a:extLst>
+                <a:ext uri="{FF2B5EF4-FFF2-40B4-BE49-F238E27FC236}">
+                  <a16:creationId xmlns:a16="http://schemas.microsoft.com/office/drawing/2014/main" id="{99E6AE21-43AC-9BA8-0E1B-647A8EAE1A3E}"/>
+                </a:ext>
+              </a:extLst>
+            </p:cNvPr>
+            <p:cNvSpPr/>
+            <p:nvPr/>
+          </p:nvSpPr>
+          <p:spPr>
+            <a:xfrm>
+              <a:off x="4332660" y="2218699"/>
+              <a:ext cx="7172599" cy="323432"/>
+            </a:xfrm>
+            <a:prstGeom prst="chevron">
+              <a:avLst/>
+            </a:prstGeom>
+            <a:solidFill>
+              <a:schemeClr val="bg2"/>
+            </a:solidFill>
+            <a:ln>
+              <a:noFill/>
+            </a:ln>
+          </p:spPr>
+          <p:style>
+            <a:lnRef idx="2">
+              <a:schemeClr val="accent1">
+                <a:shade val="15000"/>
+              </a:schemeClr>
+            </a:lnRef>
+            <a:fillRef idx="1">
+              <a:schemeClr val="accent1"/>
+            </a:fillRef>
+            <a:effectRef idx="0">
+              <a:schemeClr val="accent1"/>
+            </a:effectRef>
+            <a:fontRef idx="minor">
+              <a:schemeClr val="lt1"/>
+            </a:fontRef>
+          </p:style>
+          <p:txBody>
+            <a:bodyPr lIns="36000" tIns="36000" rIns="36000" bIns="36000" rtlCol="0" anchor="ctr"/>
+            <a:lstStyle/>
+            <a:p>
+              <a:pPr algn="ctr"/>
+              <a:r>
+                <a:rPr lang="en-US" sz="800" dirty="0">
+                  <a:solidFill>
+                    <a:schemeClr val="tx1"/>
+                  </a:solidFill>
+                  <a:latin typeface="Arial" panose="020B0604020202020204" pitchFamily="34" charset="0"/>
+                  <a:cs typeface="Arial" panose="020B0604020202020204" pitchFamily="34" charset="0"/>
+                </a:rPr>
+                <a:t>Publication cycle</a:t>
+              </a:r>
+            </a:p>
+          </p:txBody>
+        </p:sp>
+        <p:sp>
+          <p:nvSpPr>
+            <p:cNvPr id="39" name="Chevron 38">
+              <a:extLst>
+                <a:ext uri="{FF2B5EF4-FFF2-40B4-BE49-F238E27FC236}">
+                  <a16:creationId xmlns:a16="http://schemas.microsoft.com/office/drawing/2014/main" id="{B5DA810B-F1AC-69AD-4890-168ABAB8BE0D}"/>
+                </a:ext>
+              </a:extLst>
+            </p:cNvPr>
+            <p:cNvSpPr/>
+            <p:nvPr/>
+          </p:nvSpPr>
+          <p:spPr>
+            <a:xfrm>
+              <a:off x="973784" y="1569385"/>
+              <a:ext cx="2008181" cy="645458"/>
+            </a:xfrm>
+            <a:prstGeom prst="chevron">
+              <a:avLst/>
+            </a:prstGeom>
+            <a:solidFill>
+              <a:srgbClr val="5CB270">
+                <a:alpha val="80000"/>
+              </a:srgbClr>
+            </a:solidFill>
+            <a:ln>
+              <a:solidFill>
+                <a:schemeClr val="bg1"/>
+              </a:solidFill>
+            </a:ln>
+          </p:spPr>
+          <p:style>
+            <a:lnRef idx="2">
+              <a:schemeClr val="accent1">
+                <a:shade val="15000"/>
+              </a:schemeClr>
+            </a:lnRef>
+            <a:fillRef idx="1">
+              <a:schemeClr val="accent1"/>
+            </a:fillRef>
+            <a:effectRef idx="0">
+              <a:schemeClr val="accent1"/>
+            </a:effectRef>
+            <a:fontRef idx="minor">
+              <a:schemeClr val="lt1"/>
+            </a:fontRef>
+          </p:style>
+          <p:txBody>
+            <a:bodyPr lIns="36000" tIns="36000" rIns="36000" bIns="36000" rtlCol="0" anchor="ctr"/>
+            <a:lstStyle/>
+            <a:p>
+              <a:pPr algn="ctr"/>
+              <a:r>
+                <a:rPr lang="en-US" sz="800" dirty="0">
+                  <a:solidFill>
+                    <a:schemeClr val="tx1"/>
+                  </a:solidFill>
+                  <a:latin typeface="Arial" panose="020B0604020202020204" pitchFamily="34" charset="0"/>
+                  <a:cs typeface="Arial" panose="020B0604020202020204" pitchFamily="34" charset="0"/>
+                </a:rPr>
+                <a:t>K-12</a:t>
+              </a:r>
+            </a:p>
+          </p:txBody>
+        </p:sp>
+        <p:sp>
+          <p:nvSpPr>
+            <p:cNvPr id="40" name="Chevron 39">
+              <a:extLst>
+                <a:ext uri="{FF2B5EF4-FFF2-40B4-BE49-F238E27FC236}">
+                  <a16:creationId xmlns:a16="http://schemas.microsoft.com/office/drawing/2014/main" id="{5C48CBA0-E78A-5B75-AF31-3C615C4441FC}"/>
+                </a:ext>
+              </a:extLst>
+            </p:cNvPr>
+            <p:cNvSpPr/>
+            <p:nvPr/>
+          </p:nvSpPr>
+          <p:spPr>
+            <a:xfrm>
+              <a:off x="2653222" y="1569385"/>
+              <a:ext cx="2008181" cy="645458"/>
+            </a:xfrm>
+            <a:prstGeom prst="chevron">
+              <a:avLst/>
+            </a:prstGeom>
+            <a:solidFill>
+              <a:srgbClr val="5CB270">
+                <a:alpha val="80000"/>
+              </a:srgbClr>
+            </a:solidFill>
+            <a:ln>
+              <a:solidFill>
+                <a:schemeClr val="bg1"/>
+              </a:solidFill>
+            </a:ln>
+          </p:spPr>
+          <p:style>
+            <a:lnRef idx="2">
+              <a:schemeClr val="accent1">
+                <a:shade val="15000"/>
+              </a:schemeClr>
+            </a:lnRef>
+            <a:fillRef idx="1">
+              <a:schemeClr val="accent1"/>
+            </a:fillRef>
+            <a:effectRef idx="0">
+              <a:schemeClr val="accent1"/>
+            </a:effectRef>
+            <a:fontRef idx="minor">
+              <a:schemeClr val="lt1"/>
+            </a:fontRef>
+          </p:style>
+          <p:txBody>
+            <a:bodyPr lIns="36000" tIns="36000" rIns="36000" bIns="36000" rtlCol="0" anchor="ctr"/>
+            <a:lstStyle/>
+            <a:p>
+              <a:pPr algn="ctr"/>
+              <a:r>
+                <a:rPr lang="en-US" sz="800" dirty="0">
+                  <a:solidFill>
+                    <a:schemeClr val="tx1"/>
+                  </a:solidFill>
+                  <a:latin typeface="Arial" panose="020B0604020202020204" pitchFamily="34" charset="0"/>
+                  <a:cs typeface="Arial" panose="020B0604020202020204" pitchFamily="34" charset="0"/>
+                </a:rPr>
+                <a:t>Undergraduate</a:t>
+              </a:r>
+            </a:p>
+          </p:txBody>
+        </p:sp>
+        <p:sp>
+          <p:nvSpPr>
+            <p:cNvPr id="41" name="Chevron 40">
+              <a:extLst>
+                <a:ext uri="{FF2B5EF4-FFF2-40B4-BE49-F238E27FC236}">
+                  <a16:creationId xmlns:a16="http://schemas.microsoft.com/office/drawing/2014/main" id="{6E01468F-941E-A5E1-446A-C825948CF49A}"/>
+                </a:ext>
+              </a:extLst>
+            </p:cNvPr>
+            <p:cNvSpPr/>
+            <p:nvPr/>
+          </p:nvSpPr>
+          <p:spPr>
+            <a:xfrm>
+              <a:off x="4332660" y="1569385"/>
+              <a:ext cx="2008181" cy="645458"/>
+            </a:xfrm>
+            <a:prstGeom prst="chevron">
+              <a:avLst/>
+            </a:prstGeom>
+            <a:solidFill>
+              <a:srgbClr val="5CB270">
+                <a:alpha val="80000"/>
+              </a:srgbClr>
+            </a:solidFill>
+            <a:ln>
+              <a:solidFill>
+                <a:schemeClr val="bg1"/>
+              </a:solidFill>
+            </a:ln>
+          </p:spPr>
+          <p:style>
+            <a:lnRef idx="2">
+              <a:schemeClr val="accent1">
+                <a:shade val="15000"/>
+              </a:schemeClr>
+            </a:lnRef>
+            <a:fillRef idx="1">
+              <a:schemeClr val="accent1"/>
+            </a:fillRef>
+            <a:effectRef idx="0">
+              <a:schemeClr val="accent1"/>
+            </a:effectRef>
+            <a:fontRef idx="minor">
+              <a:schemeClr val="lt1"/>
+            </a:fontRef>
+          </p:style>
+          <p:txBody>
+            <a:bodyPr lIns="36000" tIns="36000" rIns="36000" bIns="36000" rtlCol="0" anchor="ctr"/>
+            <a:lstStyle/>
+            <a:p>
+              <a:pPr algn="ctr"/>
+              <a:r>
+                <a:rPr lang="en-US" sz="800" dirty="0">
+                  <a:solidFill>
+                    <a:schemeClr val="tx1"/>
+                  </a:solidFill>
+                  <a:latin typeface="Arial" panose="020B0604020202020204" pitchFamily="34" charset="0"/>
+                  <a:cs typeface="Arial" panose="020B0604020202020204" pitchFamily="34" charset="0"/>
+                </a:rPr>
+                <a:t>Graduate/Postdoc</a:t>
+              </a:r>
+            </a:p>
+            <a:p>
+              <a:pPr algn="ctr"/>
+              <a:r>
+                <a:rPr lang="en-US" sz="800" dirty="0">
+                  <a:solidFill>
+                    <a:schemeClr val="tx1"/>
+                  </a:solidFill>
+                  <a:latin typeface="Arial" panose="020B0604020202020204" pitchFamily="34" charset="0"/>
+                  <a:cs typeface="Arial" panose="020B0604020202020204" pitchFamily="34" charset="0"/>
+                </a:rPr>
+                <a:t>(First author)</a:t>
+              </a:r>
+            </a:p>
+          </p:txBody>
+        </p:sp>
+        <p:sp>
+          <p:nvSpPr>
+            <p:cNvPr id="42" name="Chevron 41">
+              <a:extLst>
+                <a:ext uri="{FF2B5EF4-FFF2-40B4-BE49-F238E27FC236}">
+                  <a16:creationId xmlns:a16="http://schemas.microsoft.com/office/drawing/2014/main" id="{BC0E9C4C-AEF3-52E0-D5E6-AE7F850AA08C}"/>
+                </a:ext>
+              </a:extLst>
+            </p:cNvPr>
+            <p:cNvSpPr/>
+            <p:nvPr/>
+          </p:nvSpPr>
+          <p:spPr>
+            <a:xfrm>
+              <a:off x="6012097" y="1569385"/>
+              <a:ext cx="2320942" cy="645458"/>
+            </a:xfrm>
+            <a:prstGeom prst="chevron">
+              <a:avLst/>
+            </a:prstGeom>
+            <a:solidFill>
+              <a:srgbClr val="82C26E">
+                <a:alpha val="80000"/>
+              </a:srgbClr>
+            </a:solidFill>
+            <a:ln>
+              <a:solidFill>
+                <a:schemeClr val="bg1"/>
+              </a:solidFill>
+            </a:ln>
+          </p:spPr>
+          <p:style>
+            <a:lnRef idx="2">
+              <a:schemeClr val="accent1">
+                <a:shade val="15000"/>
+              </a:schemeClr>
+            </a:lnRef>
+            <a:fillRef idx="1">
+              <a:schemeClr val="accent1"/>
+            </a:fillRef>
+            <a:effectRef idx="0">
+              <a:schemeClr val="accent1"/>
+            </a:effectRef>
+            <a:fontRef idx="minor">
+              <a:schemeClr val="lt1"/>
+            </a:fontRef>
+          </p:style>
+          <p:txBody>
+            <a:bodyPr lIns="36000" tIns="36000" rIns="36000" bIns="36000" rtlCol="0" anchor="ctr"/>
+            <a:lstStyle/>
+            <a:p>
+              <a:pPr algn="ctr"/>
+              <a:r>
+                <a:rPr lang="en-US" sz="800" dirty="0">
+                  <a:solidFill>
+                    <a:schemeClr val="tx1"/>
+                  </a:solidFill>
+                  <a:latin typeface="Arial" panose="020B0604020202020204" pitchFamily="34" charset="0"/>
+                  <a:cs typeface="Arial" panose="020B0604020202020204" pitchFamily="34" charset="0"/>
+                </a:rPr>
+                <a:t>PI</a:t>
+              </a:r>
+            </a:p>
+            <a:p>
+              <a:pPr algn="ctr"/>
+              <a:r>
+                <a:rPr lang="en-US" sz="800" dirty="0">
+                  <a:solidFill>
+                    <a:schemeClr val="tx1"/>
+                  </a:solidFill>
+                  <a:latin typeface="Arial" panose="020B0604020202020204" pitchFamily="34" charset="0"/>
+                  <a:cs typeface="Arial" panose="020B0604020202020204" pitchFamily="34" charset="0"/>
+                </a:rPr>
+                <a:t>(Corresponding author)</a:t>
+              </a:r>
+            </a:p>
+          </p:txBody>
+        </p:sp>
+        <p:sp>
+          <p:nvSpPr>
+            <p:cNvPr id="43" name="Chevron 42">
+              <a:extLst>
+                <a:ext uri="{FF2B5EF4-FFF2-40B4-BE49-F238E27FC236}">
+                  <a16:creationId xmlns:a16="http://schemas.microsoft.com/office/drawing/2014/main" id="{EFB3C0D3-9705-A252-AEB8-0110DDA0C4C7}"/>
+                </a:ext>
+              </a:extLst>
+            </p:cNvPr>
+            <p:cNvSpPr/>
+            <p:nvPr/>
+          </p:nvSpPr>
+          <p:spPr>
+            <a:xfrm>
+              <a:off x="7983963" y="1569385"/>
+              <a:ext cx="2008181" cy="645458"/>
+            </a:xfrm>
+            <a:prstGeom prst="chevron">
+              <a:avLst/>
+            </a:prstGeom>
+            <a:solidFill>
+              <a:srgbClr val="A8D26D">
+                <a:alpha val="60000"/>
+              </a:srgbClr>
+            </a:solidFill>
+            <a:ln>
+              <a:solidFill>
+                <a:schemeClr val="bg1"/>
+              </a:solidFill>
+            </a:ln>
+          </p:spPr>
+          <p:style>
+            <a:lnRef idx="2">
+              <a:schemeClr val="accent1">
+                <a:shade val="15000"/>
+              </a:schemeClr>
+            </a:lnRef>
+            <a:fillRef idx="1">
+              <a:schemeClr val="accent1"/>
+            </a:fillRef>
+            <a:effectRef idx="0">
+              <a:schemeClr val="accent1"/>
+            </a:effectRef>
+            <a:fontRef idx="minor">
+              <a:schemeClr val="lt1"/>
+            </a:fontRef>
+          </p:style>
+          <p:txBody>
+            <a:bodyPr lIns="36000" tIns="36000" rIns="36000" bIns="36000" rtlCol="0" anchor="ctr"/>
+            <a:lstStyle/>
+            <a:p>
+              <a:pPr algn="ctr"/>
+              <a:r>
+                <a:rPr lang="en-US" sz="800" dirty="0">
+                  <a:solidFill>
+                    <a:schemeClr val="tx1"/>
+                  </a:solidFill>
+                  <a:latin typeface="Arial" panose="020B0604020202020204" pitchFamily="34" charset="0"/>
+                  <a:cs typeface="Arial" panose="020B0604020202020204" pitchFamily="34" charset="0"/>
+                </a:rPr>
+                <a:t>Reviewers</a:t>
+              </a:r>
+            </a:p>
+          </p:txBody>
+        </p:sp>
+        <p:sp>
+          <p:nvSpPr>
+            <p:cNvPr id="44" name="Chevron 43">
+              <a:extLst>
+                <a:ext uri="{FF2B5EF4-FFF2-40B4-BE49-F238E27FC236}">
+                  <a16:creationId xmlns:a16="http://schemas.microsoft.com/office/drawing/2014/main" id="{23F5AE7E-ADDB-9276-62AE-B84670A3E443}"/>
+                </a:ext>
+              </a:extLst>
+            </p:cNvPr>
+            <p:cNvSpPr/>
+            <p:nvPr/>
+          </p:nvSpPr>
+          <p:spPr>
+            <a:xfrm>
+              <a:off x="9663401" y="1569385"/>
+              <a:ext cx="2008181" cy="645458"/>
+            </a:xfrm>
+            <a:prstGeom prst="chevron">
+              <a:avLst/>
+            </a:prstGeom>
+            <a:solidFill>
+              <a:srgbClr val="A8D26D">
+                <a:alpha val="60000"/>
+              </a:srgbClr>
+            </a:solidFill>
+            <a:ln>
+              <a:solidFill>
+                <a:schemeClr val="bg1"/>
+              </a:solidFill>
+            </a:ln>
+          </p:spPr>
+          <p:style>
+            <a:lnRef idx="2">
+              <a:schemeClr val="accent1">
+                <a:shade val="15000"/>
+              </a:schemeClr>
+            </a:lnRef>
+            <a:fillRef idx="1">
+              <a:schemeClr val="accent1"/>
+            </a:fillRef>
+            <a:effectRef idx="0">
+              <a:schemeClr val="accent1"/>
+            </a:effectRef>
+            <a:fontRef idx="minor">
+              <a:schemeClr val="lt1"/>
+            </a:fontRef>
+          </p:style>
+          <p:txBody>
+            <a:bodyPr lIns="36000" tIns="36000" rIns="36000" bIns="36000" rtlCol="0" anchor="ctr"/>
+            <a:lstStyle/>
+            <a:p>
+              <a:pPr algn="ctr"/>
+              <a:r>
+                <a:rPr lang="en-US" sz="800" dirty="0">
+                  <a:solidFill>
+                    <a:schemeClr val="tx1"/>
+                  </a:solidFill>
+                  <a:latin typeface="Arial" panose="020B0604020202020204" pitchFamily="34" charset="0"/>
+                  <a:cs typeface="Arial" panose="020B0604020202020204" pitchFamily="34" charset="0"/>
+                </a:rPr>
+                <a:t>Editors</a:t>
+              </a:r>
+            </a:p>
+            <a:p>
+              <a:pPr algn="ctr"/>
+              <a:r>
+                <a:rPr lang="en-US" sz="800" dirty="0">
+                  <a:solidFill>
+                    <a:schemeClr val="tx1"/>
+                  </a:solidFill>
+                  <a:latin typeface="Arial" panose="020B0604020202020204" pitchFamily="34" charset="0"/>
+                  <a:cs typeface="Arial" panose="020B0604020202020204" pitchFamily="34" charset="0"/>
+                </a:rPr>
+                <a:t>(Text and art)</a:t>
+              </a:r>
+            </a:p>
+          </p:txBody>
+        </p:sp>
+        <p:sp>
+          <p:nvSpPr>
+            <p:cNvPr id="45" name="TextBox 44">
+              <a:extLst>
+                <a:ext uri="{FF2B5EF4-FFF2-40B4-BE49-F238E27FC236}">
+                  <a16:creationId xmlns:a16="http://schemas.microsoft.com/office/drawing/2014/main" id="{7557E53D-9A9D-A269-AB37-D0331B94AFB0}"/>
+                </a:ext>
+              </a:extLst>
+            </p:cNvPr>
+            <p:cNvSpPr txBox="1"/>
+            <p:nvPr/>
+          </p:nvSpPr>
+          <p:spPr>
+            <a:xfrm>
+              <a:off x="11697442" y="1753615"/>
+              <a:ext cx="896362" cy="313564"/>
+            </a:xfrm>
+            <a:prstGeom prst="rect">
+              <a:avLst/>
+            </a:prstGeom>
+            <a:noFill/>
+          </p:spPr>
+          <p:txBody>
+            <a:bodyPr wrap="none" rtlCol="0">
+              <a:spAutoFit/>
+            </a:bodyPr>
+            <a:lstStyle/>
+            <a:p>
+              <a:pPr algn="ctr"/>
+              <a:r>
+                <a:rPr lang="en-US" sz="800" dirty="0">
+                  <a:latin typeface="Arial" panose="020B0604020202020204" pitchFamily="34" charset="0"/>
+                  <a:cs typeface="Arial" panose="020B0604020202020204" pitchFamily="34" charset="0"/>
+                </a:rPr>
+                <a:t>Audience</a:t>
+              </a:r>
+            </a:p>
+          </p:txBody>
+        </p:sp>
+        <p:sp>
+          <p:nvSpPr>
+            <p:cNvPr id="46" name="Chevron 45">
+              <a:extLst>
+                <a:ext uri="{FF2B5EF4-FFF2-40B4-BE49-F238E27FC236}">
+                  <a16:creationId xmlns:a16="http://schemas.microsoft.com/office/drawing/2014/main" id="{41139044-BC3A-3E36-7438-285EBB524290}"/>
+                </a:ext>
+              </a:extLst>
+            </p:cNvPr>
+            <p:cNvSpPr/>
+            <p:nvPr/>
+          </p:nvSpPr>
+          <p:spPr>
+            <a:xfrm>
+              <a:off x="4332660" y="1258222"/>
+              <a:ext cx="7172599" cy="292559"/>
+            </a:xfrm>
+            <a:prstGeom prst="chevron">
+              <a:avLst/>
+            </a:prstGeom>
+            <a:noFill/>
+            <a:ln w="12700">
+              <a:solidFill>
+                <a:schemeClr val="tx1">
+                  <a:lumMod val="50000"/>
+                  <a:lumOff val="50000"/>
+                </a:schemeClr>
+              </a:solidFill>
+              <a:prstDash val="sysDash"/>
+            </a:ln>
+          </p:spPr>
+          <p:style>
+            <a:lnRef idx="2">
+              <a:schemeClr val="accent1">
+                <a:shade val="15000"/>
+              </a:schemeClr>
+            </a:lnRef>
+            <a:fillRef idx="1">
+              <a:schemeClr val="accent1"/>
+            </a:fillRef>
+            <a:effectRef idx="0">
+              <a:schemeClr val="accent1"/>
+            </a:effectRef>
+            <a:fontRef idx="minor">
+              <a:schemeClr val="lt1"/>
+            </a:fontRef>
+          </p:style>
+          <p:txBody>
+            <a:bodyPr lIns="36000" tIns="36000" rIns="36000" bIns="36000" rtlCol="0" anchor="ctr"/>
+            <a:lstStyle/>
+            <a:p>
+              <a:pPr algn="ctr"/>
+              <a:r>
+                <a:rPr lang="en-US" sz="800" dirty="0">
+                  <a:solidFill>
+                    <a:schemeClr val="tx1"/>
+                  </a:solidFill>
+                  <a:latin typeface="Arial" panose="020B0604020202020204" pitchFamily="34" charset="0"/>
+                  <a:cs typeface="Arial" panose="020B0604020202020204" pitchFamily="34" charset="0"/>
+                </a:rPr>
+                <a:t>Continued training</a:t>
+              </a:r>
+            </a:p>
+          </p:txBody>
+        </p:sp>
+        <p:sp>
+          <p:nvSpPr>
+            <p:cNvPr id="48" name="Chevron 47">
+              <a:extLst>
+                <a:ext uri="{FF2B5EF4-FFF2-40B4-BE49-F238E27FC236}">
+                  <a16:creationId xmlns:a16="http://schemas.microsoft.com/office/drawing/2014/main" id="{745435E0-5D02-F3CA-414B-18A5CF1F0796}"/>
+                </a:ext>
+              </a:extLst>
+            </p:cNvPr>
+            <p:cNvSpPr/>
+            <p:nvPr/>
+          </p:nvSpPr>
+          <p:spPr>
+            <a:xfrm>
+              <a:off x="973784" y="3656102"/>
+              <a:ext cx="2008181" cy="645458"/>
+            </a:xfrm>
+            <a:prstGeom prst="chevron">
+              <a:avLst/>
+            </a:prstGeom>
+            <a:solidFill>
+              <a:srgbClr val="5CB270">
+                <a:alpha val="80000"/>
+              </a:srgbClr>
+            </a:solidFill>
+            <a:ln>
+              <a:solidFill>
+                <a:schemeClr val="bg1"/>
+              </a:solidFill>
+            </a:ln>
+          </p:spPr>
+          <p:style>
+            <a:lnRef idx="2">
+              <a:schemeClr val="accent1">
+                <a:shade val="15000"/>
+              </a:schemeClr>
+            </a:lnRef>
+            <a:fillRef idx="1">
+              <a:schemeClr val="accent1"/>
+            </a:fillRef>
+            <a:effectRef idx="0">
+              <a:schemeClr val="accent1"/>
+            </a:effectRef>
+            <a:fontRef idx="minor">
+              <a:schemeClr val="lt1"/>
+            </a:fontRef>
+          </p:style>
+          <p:txBody>
+            <a:bodyPr lIns="36000" tIns="36000" rIns="36000" bIns="36000" rtlCol="0" anchor="ctr"/>
+            <a:lstStyle/>
+            <a:p>
+              <a:pPr algn="ctr"/>
+              <a:r>
+                <a:rPr lang="en-US" sz="800" dirty="0">
+                  <a:solidFill>
+                    <a:schemeClr val="tx1"/>
+                  </a:solidFill>
+                  <a:latin typeface="Arial" panose="020B0604020202020204" pitchFamily="34" charset="0"/>
+                  <a:cs typeface="Arial" panose="020B0604020202020204" pitchFamily="34" charset="0"/>
+                </a:rPr>
+                <a:t>Elimination</a:t>
+              </a:r>
+            </a:p>
+          </p:txBody>
+        </p:sp>
+        <p:sp>
+          <p:nvSpPr>
+            <p:cNvPr id="49" name="Chevron 48">
+              <a:extLst>
+                <a:ext uri="{FF2B5EF4-FFF2-40B4-BE49-F238E27FC236}">
+                  <a16:creationId xmlns:a16="http://schemas.microsoft.com/office/drawing/2014/main" id="{E5ACA6C7-65C9-A41B-92E9-96512CC668DA}"/>
+                </a:ext>
+              </a:extLst>
+            </p:cNvPr>
+            <p:cNvSpPr/>
+            <p:nvPr/>
+          </p:nvSpPr>
+          <p:spPr>
+            <a:xfrm>
+              <a:off x="2653222" y="3656102"/>
+              <a:ext cx="2008181" cy="645458"/>
+            </a:xfrm>
+            <a:prstGeom prst="chevron">
+              <a:avLst/>
+            </a:prstGeom>
+            <a:solidFill>
+              <a:srgbClr val="82C26E">
+                <a:alpha val="80000"/>
+              </a:srgbClr>
+            </a:solidFill>
+            <a:ln>
+              <a:solidFill>
+                <a:schemeClr val="bg1"/>
+              </a:solidFill>
+            </a:ln>
+          </p:spPr>
+          <p:style>
+            <a:lnRef idx="2">
+              <a:schemeClr val="accent1">
+                <a:shade val="15000"/>
+              </a:schemeClr>
+            </a:lnRef>
+            <a:fillRef idx="1">
+              <a:schemeClr val="accent1"/>
+            </a:fillRef>
+            <a:effectRef idx="0">
+              <a:schemeClr val="accent1"/>
+            </a:effectRef>
+            <a:fontRef idx="minor">
+              <a:schemeClr val="lt1"/>
+            </a:fontRef>
+          </p:style>
+          <p:txBody>
+            <a:bodyPr lIns="36000" tIns="36000" rIns="36000" bIns="36000" rtlCol="0" anchor="ctr"/>
+            <a:lstStyle/>
+            <a:p>
+              <a:pPr algn="ctr"/>
+              <a:r>
+                <a:rPr lang="en-US" sz="800" dirty="0">
+                  <a:solidFill>
+                    <a:schemeClr val="tx1"/>
+                  </a:solidFill>
+                  <a:latin typeface="Arial" panose="020B0604020202020204" pitchFamily="34" charset="0"/>
+                  <a:cs typeface="Arial" panose="020B0604020202020204" pitchFamily="34" charset="0"/>
+                </a:rPr>
+                <a:t>Substitution</a:t>
+              </a:r>
+            </a:p>
+          </p:txBody>
+        </p:sp>
+        <p:sp>
+          <p:nvSpPr>
+            <p:cNvPr id="50" name="Chevron 49">
+              <a:extLst>
+                <a:ext uri="{FF2B5EF4-FFF2-40B4-BE49-F238E27FC236}">
+                  <a16:creationId xmlns:a16="http://schemas.microsoft.com/office/drawing/2014/main" id="{67C108DA-1557-EA1D-D856-01B69448F89A}"/>
+                </a:ext>
+              </a:extLst>
+            </p:cNvPr>
+            <p:cNvSpPr/>
+            <p:nvPr/>
+          </p:nvSpPr>
+          <p:spPr>
+            <a:xfrm>
+              <a:off x="4332660" y="3656102"/>
+              <a:ext cx="2008181" cy="645458"/>
+            </a:xfrm>
+            <a:prstGeom prst="chevron">
+              <a:avLst/>
+            </a:prstGeom>
+            <a:solidFill>
+              <a:srgbClr val="A8D26D">
+                <a:alpha val="60000"/>
+              </a:srgbClr>
+            </a:solidFill>
+            <a:ln>
+              <a:solidFill>
+                <a:schemeClr val="bg1"/>
+              </a:solidFill>
+            </a:ln>
+          </p:spPr>
+          <p:style>
+            <a:lnRef idx="2">
+              <a:schemeClr val="accent1">
+                <a:shade val="15000"/>
+              </a:schemeClr>
+            </a:lnRef>
+            <a:fillRef idx="1">
+              <a:schemeClr val="accent1"/>
+            </a:fillRef>
+            <a:effectRef idx="0">
+              <a:schemeClr val="accent1"/>
+            </a:effectRef>
+            <a:fontRef idx="minor">
+              <a:schemeClr val="lt1"/>
+            </a:fontRef>
+          </p:style>
+          <p:txBody>
+            <a:bodyPr lIns="36000" tIns="36000" rIns="36000" bIns="36000" rtlCol="0" anchor="ctr"/>
+            <a:lstStyle/>
+            <a:p>
+              <a:pPr algn="ctr"/>
+              <a:r>
+                <a:rPr lang="en-US" sz="800" dirty="0">
+                  <a:solidFill>
+                    <a:schemeClr val="tx1"/>
+                  </a:solidFill>
+                  <a:latin typeface="Arial" panose="020B0604020202020204" pitchFamily="34" charset="0"/>
+                  <a:cs typeface="Arial" panose="020B0604020202020204" pitchFamily="34" charset="0"/>
+                </a:rPr>
+                <a:t>Engineering</a:t>
+              </a:r>
+            </a:p>
+            <a:p>
+              <a:pPr algn="ctr"/>
+              <a:r>
+                <a:rPr lang="en-US" sz="800" dirty="0">
+                  <a:solidFill>
+                    <a:schemeClr val="tx1"/>
+                  </a:solidFill>
+                  <a:latin typeface="Arial" panose="020B0604020202020204" pitchFamily="34" charset="0"/>
+                  <a:cs typeface="Arial" panose="020B0604020202020204" pitchFamily="34" charset="0"/>
+                </a:rPr>
+                <a:t>control</a:t>
+              </a:r>
+            </a:p>
+          </p:txBody>
+        </p:sp>
+        <p:sp>
+          <p:nvSpPr>
+            <p:cNvPr id="51" name="Chevron 50">
+              <a:extLst>
+                <a:ext uri="{FF2B5EF4-FFF2-40B4-BE49-F238E27FC236}">
+                  <a16:creationId xmlns:a16="http://schemas.microsoft.com/office/drawing/2014/main" id="{94A764C4-7B79-010E-3EDF-CC0C62874F1F}"/>
+                </a:ext>
+              </a:extLst>
+            </p:cNvPr>
+            <p:cNvSpPr/>
+            <p:nvPr/>
+          </p:nvSpPr>
+          <p:spPr>
+            <a:xfrm>
+              <a:off x="6012097" y="3656102"/>
+              <a:ext cx="2320942" cy="645458"/>
+            </a:xfrm>
+            <a:prstGeom prst="chevron">
+              <a:avLst/>
+            </a:prstGeom>
+            <a:solidFill>
+              <a:srgbClr val="CEE26B">
+                <a:alpha val="40000"/>
+              </a:srgbClr>
+            </a:solidFill>
+            <a:ln>
+              <a:solidFill>
+                <a:schemeClr val="bg1"/>
+              </a:solidFill>
+            </a:ln>
+          </p:spPr>
+          <p:style>
+            <a:lnRef idx="2">
+              <a:schemeClr val="accent1">
+                <a:shade val="15000"/>
+              </a:schemeClr>
+            </a:lnRef>
+            <a:fillRef idx="1">
+              <a:schemeClr val="accent1"/>
+            </a:fillRef>
+            <a:effectRef idx="0">
+              <a:schemeClr val="accent1"/>
+            </a:effectRef>
+            <a:fontRef idx="minor">
+              <a:schemeClr val="lt1"/>
+            </a:fontRef>
+          </p:style>
+          <p:txBody>
+            <a:bodyPr lIns="36000" tIns="36000" rIns="36000" bIns="36000" rtlCol="0" anchor="ctr"/>
+            <a:lstStyle/>
+            <a:p>
+              <a:pPr algn="ctr"/>
+              <a:r>
+                <a:rPr lang="en-US" sz="800" dirty="0">
+                  <a:solidFill>
+                    <a:schemeClr val="tx1"/>
+                  </a:solidFill>
+                  <a:latin typeface="Arial" panose="020B0604020202020204" pitchFamily="34" charset="0"/>
+                  <a:cs typeface="Arial" panose="020B0604020202020204" pitchFamily="34" charset="0"/>
+                </a:rPr>
+                <a:t>Administrative</a:t>
+              </a:r>
+            </a:p>
+            <a:p>
+              <a:pPr algn="ctr"/>
+              <a:r>
+                <a:rPr lang="en-US" sz="800" dirty="0">
+                  <a:solidFill>
+                    <a:schemeClr val="tx1"/>
+                  </a:solidFill>
+                  <a:latin typeface="Arial" panose="020B0604020202020204" pitchFamily="34" charset="0"/>
+                  <a:cs typeface="Arial" panose="020B0604020202020204" pitchFamily="34" charset="0"/>
+                </a:rPr>
+                <a:t>control</a:t>
+              </a:r>
+            </a:p>
+          </p:txBody>
+        </p:sp>
+        <p:sp>
+          <p:nvSpPr>
+            <p:cNvPr id="52" name="Chevron 51">
+              <a:extLst>
+                <a:ext uri="{FF2B5EF4-FFF2-40B4-BE49-F238E27FC236}">
+                  <a16:creationId xmlns:a16="http://schemas.microsoft.com/office/drawing/2014/main" id="{A66CB3CE-9136-1E26-68DE-D4A5EE06A0E7}"/>
+                </a:ext>
+              </a:extLst>
+            </p:cNvPr>
+            <p:cNvSpPr/>
+            <p:nvPr/>
+          </p:nvSpPr>
+          <p:spPr>
+            <a:xfrm>
+              <a:off x="7983963" y="3656102"/>
+              <a:ext cx="2008181" cy="645458"/>
+            </a:xfrm>
+            <a:prstGeom prst="chevron">
+              <a:avLst/>
+            </a:prstGeom>
+            <a:solidFill>
+              <a:srgbClr val="F4F269">
+                <a:alpha val="20000"/>
+              </a:srgbClr>
+            </a:solidFill>
+            <a:ln>
+              <a:solidFill>
+                <a:schemeClr val="bg1"/>
+              </a:solidFill>
+            </a:ln>
+          </p:spPr>
+          <p:style>
+            <a:lnRef idx="2">
+              <a:schemeClr val="accent1">
+                <a:shade val="15000"/>
+              </a:schemeClr>
+            </a:lnRef>
+            <a:fillRef idx="1">
+              <a:schemeClr val="accent1"/>
+            </a:fillRef>
+            <a:effectRef idx="0">
+              <a:schemeClr val="accent1"/>
+            </a:effectRef>
+            <a:fontRef idx="minor">
+              <a:schemeClr val="lt1"/>
+            </a:fontRef>
+          </p:style>
+          <p:txBody>
+            <a:bodyPr lIns="36000" tIns="36000" rIns="36000" bIns="36000" rtlCol="0" anchor="ctr"/>
+            <a:lstStyle/>
+            <a:p>
+              <a:pPr algn="ctr"/>
+              <a:r>
+                <a:rPr lang="en-US" sz="800" dirty="0">
+                  <a:solidFill>
+                    <a:schemeClr val="tx1"/>
+                  </a:solidFill>
+                  <a:latin typeface="Arial" panose="020B0604020202020204" pitchFamily="34" charset="0"/>
+                  <a:cs typeface="Arial" panose="020B0604020202020204" pitchFamily="34" charset="0"/>
+                </a:rPr>
+                <a:t>PPE</a:t>
+              </a:r>
+            </a:p>
+          </p:txBody>
+        </p:sp>
+        <p:sp>
+          <p:nvSpPr>
+            <p:cNvPr id="53" name="TextBox 52">
+              <a:extLst>
+                <a:ext uri="{FF2B5EF4-FFF2-40B4-BE49-F238E27FC236}">
+                  <a16:creationId xmlns:a16="http://schemas.microsoft.com/office/drawing/2014/main" id="{D6D6ED04-5518-CD86-6DB7-CE280B39BA33}"/>
+                </a:ext>
+              </a:extLst>
+            </p:cNvPr>
+            <p:cNvSpPr txBox="1"/>
+            <p:nvPr/>
+          </p:nvSpPr>
+          <p:spPr>
+            <a:xfrm>
+              <a:off x="9773276" y="3840334"/>
+              <a:ext cx="2372348" cy="313564"/>
+            </a:xfrm>
+            <a:prstGeom prst="rect">
+              <a:avLst/>
+            </a:prstGeom>
+            <a:noFill/>
+          </p:spPr>
+          <p:txBody>
+            <a:bodyPr wrap="square" rtlCol="0">
+              <a:spAutoFit/>
+            </a:bodyPr>
+            <a:lstStyle/>
+            <a:p>
+              <a:pPr algn="ctr"/>
+              <a:r>
+                <a:rPr lang="en-US" sz="800" dirty="0">
+                  <a:latin typeface="Arial" panose="020B0604020202020204" pitchFamily="34" charset="0"/>
+                  <a:cs typeface="Arial" panose="020B0604020202020204" pitchFamily="34" charset="0"/>
+                </a:rPr>
+                <a:t>Correct data interpretation</a:t>
+              </a:r>
+            </a:p>
+          </p:txBody>
+        </p:sp>
+        <p:sp>
+          <p:nvSpPr>
+            <p:cNvPr id="54" name="TextBox 53">
+              <a:extLst>
+                <a:ext uri="{FF2B5EF4-FFF2-40B4-BE49-F238E27FC236}">
+                  <a16:creationId xmlns:a16="http://schemas.microsoft.com/office/drawing/2014/main" id="{44B5FAE8-9C40-14AC-4715-800F04C83490}"/>
+                </a:ext>
+              </a:extLst>
+            </p:cNvPr>
+            <p:cNvSpPr txBox="1"/>
+            <p:nvPr/>
+          </p:nvSpPr>
+          <p:spPr>
+            <a:xfrm>
+              <a:off x="973783" y="4411834"/>
+              <a:ext cx="1704332" cy="1209460"/>
+            </a:xfrm>
+            <a:prstGeom prst="rect">
+              <a:avLst/>
+            </a:prstGeom>
+            <a:noFill/>
+          </p:spPr>
+          <p:txBody>
+            <a:bodyPr wrap="square" rtlCol="0">
+              <a:spAutoFit/>
+            </a:bodyPr>
+            <a:lstStyle/>
+            <a:p>
+              <a:pPr marL="133350" indent="-128588">
+                <a:buFont typeface="Arial" panose="020B0604020202020204" pitchFamily="34" charset="0"/>
+                <a:buChar char="•"/>
+              </a:pPr>
+              <a:r>
+                <a:rPr lang="en-US" sz="800" dirty="0">
+                  <a:latin typeface="Arial" panose="020B0604020202020204" pitchFamily="34" charset="0"/>
+                  <a:cs typeface="Arial" panose="020B0604020202020204" pitchFamily="34" charset="0"/>
+                </a:rPr>
+                <a:t>Do not use bar graphs</a:t>
+              </a:r>
+            </a:p>
+            <a:p>
+              <a:pPr marL="133350" indent="-128588">
+                <a:buFont typeface="Arial" panose="020B0604020202020204" pitchFamily="34" charset="0"/>
+                <a:buChar char="•"/>
+              </a:pPr>
+              <a:r>
+                <a:rPr lang="en-US" sz="800" dirty="0">
+                  <a:latin typeface="Arial" panose="020B0604020202020204" pitchFamily="34" charset="0"/>
+                  <a:cs typeface="Arial" panose="020B0604020202020204" pitchFamily="34" charset="0"/>
+                </a:rPr>
+                <a:t>Choose box and violin plots that show data distribution</a:t>
+              </a:r>
+            </a:p>
+          </p:txBody>
+        </p:sp>
+        <p:sp>
+          <p:nvSpPr>
+            <p:cNvPr id="55" name="TextBox 54">
+              <a:extLst>
+                <a:ext uri="{FF2B5EF4-FFF2-40B4-BE49-F238E27FC236}">
+                  <a16:creationId xmlns:a16="http://schemas.microsoft.com/office/drawing/2014/main" id="{FF7E6AEC-2069-1F01-F9D2-B20A1A7B3EAD}"/>
+                </a:ext>
+              </a:extLst>
+            </p:cNvPr>
+            <p:cNvSpPr txBox="1"/>
+            <p:nvPr/>
+          </p:nvSpPr>
+          <p:spPr>
+            <a:xfrm>
+              <a:off x="2636273" y="4411834"/>
+              <a:ext cx="1755175" cy="671922"/>
+            </a:xfrm>
+            <a:prstGeom prst="rect">
+              <a:avLst/>
+            </a:prstGeom>
+            <a:noFill/>
+          </p:spPr>
+          <p:txBody>
+            <a:bodyPr wrap="square" rtlCol="0">
+              <a:spAutoFit/>
+            </a:bodyPr>
+            <a:lstStyle/>
+            <a:p>
+              <a:pPr marL="133350" indent="-128588">
+                <a:buFont typeface="Arial" panose="020B0604020202020204" pitchFamily="34" charset="0"/>
+                <a:buChar char="•"/>
+              </a:pPr>
+              <a:r>
+                <a:rPr lang="en-US" sz="800" dirty="0">
+                  <a:latin typeface="Arial" panose="020B0604020202020204" pitchFamily="34" charset="0"/>
+                  <a:cs typeface="Arial" panose="020B0604020202020204" pitchFamily="34" charset="0"/>
+                </a:rPr>
+                <a:t>Use bar graphs correctly</a:t>
+              </a:r>
+            </a:p>
+            <a:p>
+              <a:pPr marL="133350" indent="-128588">
+                <a:buFont typeface="Arial" panose="020B0604020202020204" pitchFamily="34" charset="0"/>
+                <a:buChar char="•"/>
+              </a:pPr>
+              <a:r>
+                <a:rPr lang="en-US" sz="800" dirty="0">
+                  <a:latin typeface="Arial" panose="020B0604020202020204" pitchFamily="34" charset="0"/>
+                  <a:cs typeface="Arial" panose="020B0604020202020204" pitchFamily="34" charset="0"/>
+                </a:rPr>
+                <a:t>Show raw data</a:t>
+              </a:r>
+            </a:p>
+          </p:txBody>
+        </p:sp>
+        <p:sp>
+          <p:nvSpPr>
+            <p:cNvPr id="56" name="TextBox 55">
+              <a:extLst>
+                <a:ext uri="{FF2B5EF4-FFF2-40B4-BE49-F238E27FC236}">
+                  <a16:creationId xmlns:a16="http://schemas.microsoft.com/office/drawing/2014/main" id="{97BF1E45-8366-FCB7-AF6F-87D453937C32}"/>
+                </a:ext>
+              </a:extLst>
+            </p:cNvPr>
+            <p:cNvSpPr txBox="1"/>
+            <p:nvPr/>
+          </p:nvSpPr>
+          <p:spPr>
+            <a:xfrm>
+              <a:off x="4298766" y="4412194"/>
+              <a:ext cx="1679438" cy="1567819"/>
+            </a:xfrm>
+            <a:prstGeom prst="rect">
+              <a:avLst/>
+            </a:prstGeom>
+            <a:noFill/>
+          </p:spPr>
+          <p:txBody>
+            <a:bodyPr wrap="square" rtlCol="0">
+              <a:spAutoFit/>
+            </a:bodyPr>
+            <a:lstStyle/>
+            <a:p>
+              <a:pPr marL="133350" indent="-128588">
+                <a:buFont typeface="Arial" panose="020B0604020202020204" pitchFamily="34" charset="0"/>
+                <a:buChar char="•"/>
+              </a:pPr>
+              <a:r>
+                <a:rPr lang="en-US" sz="800">
+                  <a:latin typeface="Arial" panose="020B0604020202020204" pitchFamily="34" charset="0"/>
+                  <a:cs typeface="Arial" panose="020B0604020202020204" pitchFamily="34" charset="0"/>
+                </a:rPr>
+                <a:t>Build </a:t>
+              </a:r>
+              <a:r>
+                <a:rPr lang="en-US" sz="800" dirty="0">
+                  <a:latin typeface="Arial" panose="020B0604020202020204" pitchFamily="34" charset="0"/>
+                  <a:cs typeface="Arial" panose="020B0604020202020204" pitchFamily="34" charset="0"/>
+                </a:rPr>
+                <a:t>warnings in software to prevent incorrect axes</a:t>
+              </a:r>
+            </a:p>
+            <a:p>
+              <a:pPr marL="133350" indent="-128588">
+                <a:buFont typeface="Arial" panose="020B0604020202020204" pitchFamily="34" charset="0"/>
+                <a:buChar char="•"/>
+              </a:pPr>
+              <a:r>
+                <a:rPr lang="en-US" sz="800" dirty="0">
+                  <a:latin typeface="Arial" panose="020B0604020202020204" pitchFamily="34" charset="0"/>
+                  <a:cs typeface="Arial" panose="020B0604020202020204" pitchFamily="34" charset="0"/>
+                </a:rPr>
+                <a:t>Provide data science warning and guidance in documentations</a:t>
+              </a:r>
+            </a:p>
+          </p:txBody>
+        </p:sp>
+        <p:sp>
+          <p:nvSpPr>
+            <p:cNvPr id="57" name="TextBox 56">
+              <a:extLst>
+                <a:ext uri="{FF2B5EF4-FFF2-40B4-BE49-F238E27FC236}">
+                  <a16:creationId xmlns:a16="http://schemas.microsoft.com/office/drawing/2014/main" id="{2401F2EA-F768-6284-52EC-898BED6DCD79}"/>
+                </a:ext>
+              </a:extLst>
+            </p:cNvPr>
+            <p:cNvSpPr txBox="1"/>
+            <p:nvPr/>
+          </p:nvSpPr>
+          <p:spPr>
+            <a:xfrm>
+              <a:off x="6012098" y="4411833"/>
+              <a:ext cx="1679438" cy="1388639"/>
+            </a:xfrm>
+            <a:prstGeom prst="rect">
+              <a:avLst/>
+            </a:prstGeom>
+            <a:noFill/>
+          </p:spPr>
+          <p:txBody>
+            <a:bodyPr wrap="square" rtlCol="0">
+              <a:spAutoFit/>
+            </a:bodyPr>
+            <a:lstStyle/>
+            <a:p>
+              <a:pPr marL="133350" indent="-128588">
+                <a:buFont typeface="Arial" panose="020B0604020202020204" pitchFamily="34" charset="0"/>
+                <a:buChar char="•"/>
+              </a:pPr>
+              <a:r>
+                <a:rPr lang="en-US" sz="800" dirty="0">
+                  <a:latin typeface="Arial" panose="020B0604020202020204" pitchFamily="34" charset="0"/>
+                  <a:cs typeface="Arial" panose="020B0604020202020204" pitchFamily="34" charset="0"/>
+                </a:rPr>
+                <a:t>Improve data science training in publication cycle at all levels</a:t>
+              </a:r>
+            </a:p>
+            <a:p>
+              <a:pPr marL="133350" indent="-128588">
+                <a:buFont typeface="Arial" panose="020B0604020202020204" pitchFamily="34" charset="0"/>
+                <a:buChar char="•"/>
+              </a:pPr>
+              <a:r>
+                <a:rPr lang="en-US" sz="800" dirty="0">
+                  <a:latin typeface="Arial" panose="020B0604020202020204" pitchFamily="34" charset="0"/>
+                  <a:cs typeface="Arial" panose="020B0604020202020204" pitchFamily="34" charset="0"/>
+                </a:rPr>
+                <a:t>Establish journal data visualization checklist</a:t>
+              </a:r>
+            </a:p>
+          </p:txBody>
+        </p:sp>
+        <p:sp>
+          <p:nvSpPr>
+            <p:cNvPr id="58" name="TextBox 57">
+              <a:extLst>
+                <a:ext uri="{FF2B5EF4-FFF2-40B4-BE49-F238E27FC236}">
+                  <a16:creationId xmlns:a16="http://schemas.microsoft.com/office/drawing/2014/main" id="{9F5CE784-FAD9-ABD4-90CB-E6FC945F0E83}"/>
+                </a:ext>
+              </a:extLst>
+            </p:cNvPr>
+            <p:cNvSpPr txBox="1"/>
+            <p:nvPr/>
+          </p:nvSpPr>
+          <p:spPr>
+            <a:xfrm>
+              <a:off x="7983962" y="4411834"/>
+              <a:ext cx="1679438" cy="1030280"/>
+            </a:xfrm>
+            <a:prstGeom prst="rect">
+              <a:avLst/>
+            </a:prstGeom>
+            <a:noFill/>
+          </p:spPr>
+          <p:txBody>
+            <a:bodyPr wrap="square" rtlCol="0">
+              <a:spAutoFit/>
+            </a:bodyPr>
+            <a:lstStyle/>
+            <a:p>
+              <a:pPr marL="133350" indent="-128588">
+                <a:buFont typeface="Arial" panose="020B0604020202020204" pitchFamily="34" charset="0"/>
+                <a:buChar char="•"/>
+              </a:pPr>
+              <a:r>
+                <a:rPr lang="en-US" sz="800" dirty="0">
+                  <a:latin typeface="Arial" panose="020B0604020202020204" pitchFamily="34" charset="0"/>
+                  <a:cs typeface="Arial" panose="020B0604020202020204" pitchFamily="34" charset="0"/>
+                </a:rPr>
+                <a:t>Improve data science education and literacy for audience at all levels</a:t>
+              </a:r>
+            </a:p>
+          </p:txBody>
+        </p:sp>
+        <p:sp>
+          <p:nvSpPr>
+            <p:cNvPr id="59" name="Rectangle 58">
+              <a:extLst>
+                <a:ext uri="{FF2B5EF4-FFF2-40B4-BE49-F238E27FC236}">
+                  <a16:creationId xmlns:a16="http://schemas.microsoft.com/office/drawing/2014/main" id="{114F51C8-A6E8-CB0E-6847-2D8A3A29279A}"/>
+                </a:ext>
+              </a:extLst>
+            </p:cNvPr>
+            <p:cNvSpPr/>
+            <p:nvPr/>
+          </p:nvSpPr>
+          <p:spPr>
+            <a:xfrm rot="16200000">
+              <a:off x="4796833" y="-1044223"/>
+              <a:ext cx="167531" cy="4195920"/>
+            </a:xfrm>
+            <a:prstGeom prst="rect">
+              <a:avLst/>
+            </a:prstGeom>
+            <a:gradFill>
+              <a:gsLst>
+                <a:gs pos="0">
+                  <a:srgbClr val="5CB270">
+                    <a:alpha val="80000"/>
+                  </a:srgbClr>
+                </a:gs>
+                <a:gs pos="25000">
+                  <a:srgbClr val="82C26E">
+                    <a:alpha val="80000"/>
+                  </a:srgbClr>
+                </a:gs>
+                <a:gs pos="50000">
+                  <a:srgbClr val="A8D26D">
+                    <a:alpha val="60000"/>
+                  </a:srgbClr>
+                </a:gs>
+                <a:gs pos="100000">
+                  <a:srgbClr val="F4F269">
+                    <a:alpha val="20000"/>
+                  </a:srgbClr>
+                </a:gs>
+                <a:gs pos="75000">
+                  <a:srgbClr val="CEE26B">
+                    <a:alpha val="40000"/>
+                  </a:srgbClr>
+                </a:gs>
+              </a:gsLst>
+              <a:lin ang="5400000" scaled="1"/>
+            </a:gradFill>
+            <a:ln w="12700">
+              <a:noFill/>
+            </a:ln>
+          </p:spPr>
+          <p:style>
+            <a:lnRef idx="2">
+              <a:schemeClr val="accent1">
+                <a:shade val="15000"/>
+              </a:schemeClr>
+            </a:lnRef>
+            <a:fillRef idx="1">
+              <a:schemeClr val="accent1"/>
+            </a:fillRef>
+            <a:effectRef idx="0">
+              <a:schemeClr val="accent1"/>
+            </a:effectRef>
+            <a:fontRef idx="minor">
+              <a:schemeClr val="lt1"/>
+            </a:fontRef>
+          </p:style>
+          <p:txBody>
+            <a:bodyPr rtlCol="0" anchor="ctr"/>
+            <a:lstStyle/>
+            <a:p>
+              <a:pPr algn="ctr"/>
+              <a:endParaRPr lang="en-US" sz="800"/>
+            </a:p>
+          </p:txBody>
+        </p:sp>
+        <p:sp>
+          <p:nvSpPr>
+            <p:cNvPr id="60" name="TextBox 59">
+              <a:extLst>
+                <a:ext uri="{FF2B5EF4-FFF2-40B4-BE49-F238E27FC236}">
+                  <a16:creationId xmlns:a16="http://schemas.microsoft.com/office/drawing/2014/main" id="{BB29CB0D-AC37-4B19-B69A-54D650096C8B}"/>
+                </a:ext>
+              </a:extLst>
+            </p:cNvPr>
+            <p:cNvSpPr txBox="1"/>
+            <p:nvPr/>
+          </p:nvSpPr>
+          <p:spPr>
+            <a:xfrm>
+              <a:off x="1354336" y="881063"/>
+              <a:ext cx="1428302" cy="313564"/>
+            </a:xfrm>
+            <a:prstGeom prst="rect">
+              <a:avLst/>
+            </a:prstGeom>
+            <a:noFill/>
+          </p:spPr>
+          <p:txBody>
+            <a:bodyPr wrap="none" rtlCol="0">
+              <a:spAutoFit/>
+            </a:bodyPr>
+            <a:lstStyle/>
+            <a:p>
+              <a:pPr algn="r"/>
+              <a:r>
+                <a:rPr lang="en-US" sz="800" dirty="0">
+                  <a:latin typeface="Arial" panose="020B0604020202020204" pitchFamily="34" charset="0"/>
+                  <a:cs typeface="Arial" panose="020B0604020202020204" pitchFamily="34" charset="0"/>
+                </a:rPr>
+                <a:t>Early intervention</a:t>
+              </a:r>
+            </a:p>
+          </p:txBody>
+        </p:sp>
+        <p:sp>
+          <p:nvSpPr>
+            <p:cNvPr id="61" name="TextBox 60">
+              <a:extLst>
+                <a:ext uri="{FF2B5EF4-FFF2-40B4-BE49-F238E27FC236}">
+                  <a16:creationId xmlns:a16="http://schemas.microsoft.com/office/drawing/2014/main" id="{137B0732-4954-F5F9-1697-54265210B8D7}"/>
+                </a:ext>
+              </a:extLst>
+            </p:cNvPr>
+            <p:cNvSpPr txBox="1"/>
+            <p:nvPr/>
+          </p:nvSpPr>
+          <p:spPr>
+            <a:xfrm>
+              <a:off x="6978559" y="881063"/>
+              <a:ext cx="1381641" cy="313564"/>
+            </a:xfrm>
+            <a:prstGeom prst="rect">
+              <a:avLst/>
+            </a:prstGeom>
+            <a:noFill/>
+          </p:spPr>
+          <p:txBody>
+            <a:bodyPr wrap="none" rtlCol="0">
+              <a:spAutoFit/>
+            </a:bodyPr>
+            <a:lstStyle/>
+            <a:p>
+              <a:r>
+                <a:rPr lang="en-US" sz="800" dirty="0">
+                  <a:latin typeface="Arial" panose="020B0604020202020204" pitchFamily="34" charset="0"/>
+                  <a:cs typeface="Arial" panose="020B0604020202020204" pitchFamily="34" charset="0"/>
+                </a:rPr>
+                <a:t>Late intervention</a:t>
+              </a:r>
+            </a:p>
+          </p:txBody>
+        </p:sp>
+        <p:sp>
+          <p:nvSpPr>
+            <p:cNvPr id="64" name="Chevron 63">
+              <a:extLst>
+                <a:ext uri="{FF2B5EF4-FFF2-40B4-BE49-F238E27FC236}">
+                  <a16:creationId xmlns:a16="http://schemas.microsoft.com/office/drawing/2014/main" id="{E26D9037-880F-61F9-975E-E33F6BB01B34}"/>
+                </a:ext>
+              </a:extLst>
+            </p:cNvPr>
+            <p:cNvSpPr/>
+            <p:nvPr/>
+          </p:nvSpPr>
+          <p:spPr>
+            <a:xfrm>
+              <a:off x="946666" y="3322785"/>
+              <a:ext cx="5201479" cy="323432"/>
+            </a:xfrm>
+            <a:prstGeom prst="chevron">
+              <a:avLst/>
+            </a:prstGeom>
+            <a:solidFill>
+              <a:schemeClr val="bg2"/>
+            </a:solidFill>
+            <a:ln>
+              <a:solidFill>
+                <a:schemeClr val="bg1"/>
+              </a:solidFill>
+            </a:ln>
+          </p:spPr>
+          <p:style>
+            <a:lnRef idx="2">
+              <a:schemeClr val="accent1">
+                <a:shade val="15000"/>
+              </a:schemeClr>
+            </a:lnRef>
+            <a:fillRef idx="1">
+              <a:schemeClr val="accent1"/>
+            </a:fillRef>
+            <a:effectRef idx="0">
+              <a:schemeClr val="accent1"/>
+            </a:effectRef>
+            <a:fontRef idx="minor">
+              <a:schemeClr val="lt1"/>
+            </a:fontRef>
+          </p:style>
+          <p:txBody>
+            <a:bodyPr lIns="36000" tIns="36000" rIns="36000" bIns="36000" rtlCol="0" anchor="ctr"/>
+            <a:lstStyle/>
+            <a:p>
+              <a:pPr algn="ctr"/>
+              <a:r>
+                <a:rPr lang="en-US" sz="800" dirty="0">
+                  <a:solidFill>
+                    <a:schemeClr val="tx1"/>
+                  </a:solidFill>
+                  <a:latin typeface="Arial" panose="020B0604020202020204" pitchFamily="34" charset="0"/>
+                  <a:cs typeface="Arial" panose="020B0604020202020204" pitchFamily="34" charset="0"/>
+                </a:rPr>
+                <a:t>Data visualization standard	</a:t>
+              </a:r>
+            </a:p>
+          </p:txBody>
+        </p:sp>
+        <p:sp>
+          <p:nvSpPr>
+            <p:cNvPr id="66" name="TextBox 65">
+              <a:extLst>
+                <a:ext uri="{FF2B5EF4-FFF2-40B4-BE49-F238E27FC236}">
+                  <a16:creationId xmlns:a16="http://schemas.microsoft.com/office/drawing/2014/main" id="{063EE459-7402-CA79-1F61-0397DC729C4D}"/>
+                </a:ext>
+              </a:extLst>
+            </p:cNvPr>
+            <p:cNvSpPr txBox="1"/>
+            <p:nvPr/>
+          </p:nvSpPr>
+          <p:spPr>
+            <a:xfrm>
+              <a:off x="973783" y="3022134"/>
+              <a:ext cx="8507552" cy="313564"/>
+            </a:xfrm>
+            <a:prstGeom prst="rect">
+              <a:avLst/>
+            </a:prstGeom>
+            <a:noFill/>
+          </p:spPr>
+          <p:txBody>
+            <a:bodyPr wrap="square" rtlCol="0">
+              <a:spAutoFit/>
+            </a:bodyPr>
+            <a:lstStyle/>
+            <a:p>
+              <a:pPr algn="ctr"/>
+              <a:r>
+                <a:rPr lang="en-US" sz="800" dirty="0">
+                  <a:latin typeface="Arial" panose="020B0604020202020204" pitchFamily="34" charset="0"/>
+                  <a:cs typeface="Arial" panose="020B0604020202020204" pitchFamily="34" charset="0"/>
+                </a:rPr>
+                <a:t>Hierarchy of Controls</a:t>
+              </a:r>
+            </a:p>
+          </p:txBody>
+        </p:sp>
+        <p:sp>
+          <p:nvSpPr>
+            <p:cNvPr id="65" name="Chevron 64">
+              <a:extLst>
+                <a:ext uri="{FF2B5EF4-FFF2-40B4-BE49-F238E27FC236}">
+                  <a16:creationId xmlns:a16="http://schemas.microsoft.com/office/drawing/2014/main" id="{79FE2E1A-2507-2E12-AA81-791287361868}"/>
+                </a:ext>
+              </a:extLst>
+            </p:cNvPr>
+            <p:cNvSpPr/>
+            <p:nvPr/>
+          </p:nvSpPr>
+          <p:spPr>
+            <a:xfrm>
+              <a:off x="4332660" y="3343773"/>
+              <a:ext cx="5440648" cy="292559"/>
+            </a:xfrm>
+            <a:prstGeom prst="chevron">
+              <a:avLst/>
+            </a:prstGeom>
+            <a:noFill/>
+            <a:ln w="12700">
+              <a:solidFill>
+                <a:schemeClr val="tx1">
+                  <a:lumMod val="50000"/>
+                  <a:lumOff val="50000"/>
+                </a:schemeClr>
+              </a:solidFill>
+              <a:prstDash val="sysDash"/>
+            </a:ln>
+          </p:spPr>
+          <p:style>
+            <a:lnRef idx="2">
+              <a:schemeClr val="accent1">
+                <a:shade val="15000"/>
+              </a:schemeClr>
+            </a:lnRef>
+            <a:fillRef idx="1">
+              <a:schemeClr val="accent1"/>
+            </a:fillRef>
+            <a:effectRef idx="0">
+              <a:schemeClr val="accent1"/>
+            </a:effectRef>
+            <a:fontRef idx="minor">
+              <a:schemeClr val="lt1"/>
+            </a:fontRef>
+          </p:style>
+          <p:txBody>
+            <a:bodyPr lIns="36000" tIns="36000" rIns="36000" bIns="36000" rtlCol="0" anchor="ctr"/>
+            <a:lstStyle/>
+            <a:p>
+              <a:pPr algn="ctr"/>
+              <a:r>
+                <a:rPr lang="en-US" sz="800" dirty="0">
+                  <a:solidFill>
+                    <a:schemeClr val="tx1"/>
+                  </a:solidFill>
+                  <a:latin typeface="Arial" panose="020B0604020202020204" pitchFamily="34" charset="0"/>
+                  <a:cs typeface="Arial" panose="020B0604020202020204" pitchFamily="34" charset="0"/>
+                </a:rPr>
+                <a:t>Data science education</a:t>
+              </a:r>
+            </a:p>
+          </p:txBody>
+        </p:sp>
+      </p:grpSp>
+    </p:spTree>
+    <p:extLst>
+      <p:ext uri="{BB962C8B-B14F-4D97-AF65-F5344CB8AC3E}">
+        <p14:creationId xmlns:p14="http://schemas.microsoft.com/office/powerpoint/2010/main" val="1638052127"/>
+      </p:ext>
+    </p:extLst>
+  </p:cSld>
+  <p:clrMapOvr>
+    <a:masterClrMapping/>
+  </p:clrMapOvr>
+</p:sld>
+</file>
+
+<file path=ppt/slides/slide14.xml><?xml version="1.0" encoding="utf-8"?>
+<p:sld xmlns:a="http://schemas.openxmlformats.org/drawingml/2006/main" xmlns:r="http://schemas.openxmlformats.org/officeDocument/2006/relationships" xmlns:p="http://schemas.openxmlformats.org/presentationml/2006/main">
+  <p:cSld>
+    <p:spTree>
+      <p:nvGrpSpPr>
+        <p:cNvPr id="1" name="">
+          <a:extLst>
+            <a:ext uri="{FF2B5EF4-FFF2-40B4-BE49-F238E27FC236}">
+              <a16:creationId xmlns:a16="http://schemas.microsoft.com/office/drawing/2014/main" id="{09792CBC-FB40-88A2-BB23-ABFA532CD245}"/>
+            </a:ext>
+          </a:extLst>
+        </p:cNvPr>
+        <p:cNvGrpSpPr/>
+        <p:nvPr/>
+      </p:nvGrpSpPr>
+      <p:grpSpPr>
+        <a:xfrm>
+          <a:off x="0" y="0"/>
+          <a:ext cx="0" cy="0"/>
+          <a:chOff x="0" y="0"/>
+          <a:chExt cx="0" cy="0"/>
+        </a:xfrm>
+      </p:grpSpPr>
+      <p:pic>
+        <p:nvPicPr>
+          <p:cNvPr id="6" name="Picture 5">
+            <a:extLst>
+              <a:ext uri="{FF2B5EF4-FFF2-40B4-BE49-F238E27FC236}">
+                <a16:creationId xmlns:a16="http://schemas.microsoft.com/office/drawing/2014/main" id="{87680969-4CB3-E878-00B6-DDD3D625B533}"/>
+              </a:ext>
+            </a:extLst>
+          </p:cNvPr>
+          <p:cNvPicPr>
+            <a:picLocks noChangeAspect="1"/>
+          </p:cNvPicPr>
+          <p:nvPr/>
+        </p:nvPicPr>
+        <p:blipFill>
+          <a:blip r:embed="rId2"/>
+          <a:srcRect l="9953" t="59976" r="9625" b="7602"/>
+          <a:stretch/>
+        </p:blipFill>
+        <p:spPr>
+          <a:xfrm rot="5400000">
+            <a:off x="6645153" y="6127583"/>
+            <a:ext cx="1910250" cy="996624"/>
+          </a:xfrm>
+          <a:prstGeom prst="rect">
+            <a:avLst/>
+          </a:prstGeom>
+        </p:spPr>
+      </p:pic>
+      <p:pic>
+        <p:nvPicPr>
+          <p:cNvPr id="78" name="Picture 8">
+            <a:extLst>
+              <a:ext uri="{FF2B5EF4-FFF2-40B4-BE49-F238E27FC236}">
+                <a16:creationId xmlns:a16="http://schemas.microsoft.com/office/drawing/2014/main" id="{F75E184E-1B40-371B-8820-2E10F5122CDD}"/>
+              </a:ext>
+            </a:extLst>
+          </p:cNvPr>
+          <p:cNvPicPr>
+            <a:picLocks noChangeAspect="1" noChangeArrowheads="1"/>
+          </p:cNvPicPr>
+          <p:nvPr/>
+        </p:nvPicPr>
+        <p:blipFill rotWithShape="1">
+          <a:blip r:embed="rId3"/>
+          <a:srcRect l="2927" t="3895" r="7827" b="2234"/>
+          <a:stretch/>
+        </p:blipFill>
+        <p:spPr bwMode="auto">
+          <a:xfrm>
+            <a:off x="3759541" y="5696886"/>
+            <a:ext cx="2290835" cy="1927658"/>
+          </a:xfrm>
+          <a:prstGeom prst="rect">
+            <a:avLst/>
+          </a:prstGeom>
+          <a:noFill/>
+          <a:extLst>
+            <a:ext uri="{909E8E84-426E-40DD-AFC4-6F175D3DCCD1}">
+              <a14:hiddenFill xmlns:a14="http://schemas.microsoft.com/office/drawing/2010/main">
+                <a:solidFill>
+                  <a:srgbClr val="FFFFFF"/>
+                </a:solidFill>
+              </a14:hiddenFill>
+            </a:ext>
+          </a:extLst>
+        </p:spPr>
+      </p:pic>
+      <p:sp>
+        <p:nvSpPr>
+          <p:cNvPr id="79" name="Line Callout 1 (Accent Bar) 78">
+            <a:extLst>
+              <a:ext uri="{FF2B5EF4-FFF2-40B4-BE49-F238E27FC236}">
+                <a16:creationId xmlns:a16="http://schemas.microsoft.com/office/drawing/2014/main" id="{F6B9D201-1573-48EC-C239-608CC8A62F8C}"/>
+              </a:ext>
+            </a:extLst>
+          </p:cNvPr>
+          <p:cNvSpPr/>
+          <p:nvPr/>
+        </p:nvSpPr>
+        <p:spPr>
+          <a:xfrm>
+            <a:off x="2740757" y="7356741"/>
+            <a:ext cx="697722" cy="187033"/>
+          </a:xfrm>
+          <a:prstGeom prst="accentCallout1">
+            <a:avLst>
+              <a:gd name="adj1" fmla="val 52069"/>
+              <a:gd name="adj2" fmla="val 103377"/>
+              <a:gd name="adj3" fmla="val 50675"/>
+              <a:gd name="adj4" fmla="val 175086"/>
+            </a:avLst>
+          </a:prstGeom>
+          <a:noFill/>
+          <a:ln w="9525">
+            <a:solidFill>
+              <a:schemeClr val="tx1">
+                <a:lumMod val="50000"/>
+                <a:lumOff val="50000"/>
+              </a:schemeClr>
+            </a:solidFill>
+            <a:tailEnd type="diamond" w="sm" len="sm"/>
+          </a:ln>
+        </p:spPr>
+        <p:style>
+          <a:lnRef idx="2">
+            <a:schemeClr val="accent1">
+              <a:shade val="15000"/>
+            </a:schemeClr>
+          </a:lnRef>
+          <a:fillRef idx="1">
+            <a:schemeClr val="accent1"/>
+          </a:fillRef>
+          <a:effectRef idx="0">
+            <a:schemeClr val="accent1"/>
+          </a:effectRef>
+          <a:fontRef idx="minor">
+            <a:schemeClr val="lt1"/>
+          </a:fontRef>
+        </p:style>
+        <p:txBody>
+          <a:bodyPr lIns="36000" tIns="0" rIns="0" bIns="0" rtlCol="0" anchor="ctr"/>
+          <a:lstStyle/>
+          <a:p>
+            <a:pPr algn="r"/>
+            <a:r>
+              <a:rPr lang="en-US" sz="700" dirty="0">
+                <a:solidFill>
+                  <a:schemeClr val="tx1">
+                    <a:lumMod val="50000"/>
+                    <a:lumOff val="50000"/>
+                  </a:schemeClr>
+                </a:solidFill>
+                <a:latin typeface="Arial" panose="020B0604020202020204" pitchFamily="34" charset="0"/>
+                <a:cs typeface="Arial" panose="020B0604020202020204" pitchFamily="34" charset="0"/>
+              </a:rPr>
+              <a:t>Starts at 0</a:t>
+            </a:r>
+          </a:p>
+          <a:p>
+            <a:pPr algn="r"/>
+            <a:r>
+              <a:rPr lang="en-US" sz="700" dirty="0">
+                <a:solidFill>
+                  <a:schemeClr val="tx1">
+                    <a:lumMod val="50000"/>
+                    <a:lumOff val="50000"/>
+                  </a:schemeClr>
+                </a:solidFill>
+                <a:latin typeface="Arial" panose="020B0604020202020204" pitchFamily="34" charset="0"/>
+                <a:cs typeface="Arial" panose="020B0604020202020204" pitchFamily="34" charset="0"/>
+              </a:rPr>
+              <a:t>Labels 0</a:t>
+            </a:r>
+          </a:p>
+        </p:txBody>
+      </p:sp>
+      <p:sp>
+        <p:nvSpPr>
+          <p:cNvPr id="81" name="Line Callout 1 (Accent Bar) 80">
+            <a:extLst>
+              <a:ext uri="{FF2B5EF4-FFF2-40B4-BE49-F238E27FC236}">
+                <a16:creationId xmlns:a16="http://schemas.microsoft.com/office/drawing/2014/main" id="{E3D5C66D-B981-D5D4-BFAE-460869A7F197}"/>
+              </a:ext>
+            </a:extLst>
+          </p:cNvPr>
+          <p:cNvSpPr/>
+          <p:nvPr/>
+        </p:nvSpPr>
+        <p:spPr>
+          <a:xfrm>
+            <a:off x="6094822" y="6317224"/>
+            <a:ext cx="697722" cy="118678"/>
+          </a:xfrm>
+          <a:prstGeom prst="accentCallout1">
+            <a:avLst>
+              <a:gd name="adj1" fmla="val 60889"/>
+              <a:gd name="adj2" fmla="val -1132"/>
+              <a:gd name="adj3" fmla="val 61347"/>
+              <a:gd name="adj4" fmla="val -28433"/>
+            </a:avLst>
+          </a:prstGeom>
+          <a:noFill/>
+          <a:ln w="9525">
+            <a:solidFill>
+              <a:schemeClr val="tx1">
+                <a:lumMod val="50000"/>
+                <a:lumOff val="50000"/>
+              </a:schemeClr>
+            </a:solidFill>
+            <a:tailEnd type="diamond" w="sm" len="sm"/>
+          </a:ln>
+        </p:spPr>
+        <p:style>
+          <a:lnRef idx="2">
+            <a:schemeClr val="accent1">
+              <a:shade val="15000"/>
+            </a:schemeClr>
+          </a:lnRef>
+          <a:fillRef idx="1">
+            <a:schemeClr val="accent1"/>
+          </a:fillRef>
+          <a:effectRef idx="0">
+            <a:schemeClr val="accent1"/>
+          </a:effectRef>
+          <a:fontRef idx="minor">
+            <a:schemeClr val="lt1"/>
+          </a:fontRef>
+        </p:style>
+        <p:txBody>
+          <a:bodyPr lIns="36000" tIns="0" rIns="0" bIns="0" rtlCol="0" anchor="ctr"/>
+          <a:lstStyle/>
+          <a:p>
+            <a:r>
+              <a:rPr lang="en-US" sz="700" dirty="0">
+                <a:solidFill>
+                  <a:schemeClr val="tx1">
+                    <a:lumMod val="50000"/>
+                    <a:lumOff val="50000"/>
+                  </a:schemeClr>
+                </a:solidFill>
+                <a:latin typeface="Arial" panose="020B0604020202020204" pitchFamily="34" charset="0"/>
+                <a:cs typeface="Arial" panose="020B0604020202020204" pitchFamily="34" charset="0"/>
+              </a:rPr>
+              <a:t>Consistent width</a:t>
+            </a:r>
+          </a:p>
+        </p:txBody>
+      </p:sp>
+      <p:sp>
+        <p:nvSpPr>
+          <p:cNvPr id="82" name="Line Callout 1 (Accent Bar) 81">
+            <a:extLst>
+              <a:ext uri="{FF2B5EF4-FFF2-40B4-BE49-F238E27FC236}">
+                <a16:creationId xmlns:a16="http://schemas.microsoft.com/office/drawing/2014/main" id="{00659FF9-15EB-DD59-C13A-ACAF7E071967}"/>
+              </a:ext>
+            </a:extLst>
+          </p:cNvPr>
+          <p:cNvSpPr/>
+          <p:nvPr/>
+        </p:nvSpPr>
+        <p:spPr>
+          <a:xfrm>
+            <a:off x="6097853" y="7446290"/>
+            <a:ext cx="434750" cy="185646"/>
+          </a:xfrm>
+          <a:prstGeom prst="accentCallout1">
+            <a:avLst>
+              <a:gd name="adj1" fmla="val 50628"/>
+              <a:gd name="adj2" fmla="val 329"/>
+              <a:gd name="adj3" fmla="val 51085"/>
+              <a:gd name="adj4" fmla="val -29359"/>
+            </a:avLst>
+          </a:prstGeom>
+          <a:noFill/>
+          <a:ln w="9525">
+            <a:solidFill>
+              <a:schemeClr val="tx1">
+                <a:lumMod val="50000"/>
+                <a:lumOff val="50000"/>
+              </a:schemeClr>
+            </a:solidFill>
+            <a:tailEnd type="diamond" w="sm" len="sm"/>
+          </a:ln>
+        </p:spPr>
+        <p:style>
+          <a:lnRef idx="2">
+            <a:schemeClr val="accent1">
+              <a:shade val="15000"/>
+            </a:schemeClr>
+          </a:lnRef>
+          <a:fillRef idx="1">
+            <a:schemeClr val="accent1"/>
+          </a:fillRef>
+          <a:effectRef idx="0">
+            <a:schemeClr val="accent1"/>
+          </a:effectRef>
+          <a:fontRef idx="minor">
+            <a:schemeClr val="lt1"/>
+          </a:fontRef>
+        </p:style>
+        <p:txBody>
+          <a:bodyPr lIns="36000" tIns="0" rIns="0" bIns="0" rtlCol="0" anchor="ctr"/>
+          <a:lstStyle/>
+          <a:p>
+            <a:r>
+              <a:rPr lang="en-US" sz="700" dirty="0">
+                <a:solidFill>
+                  <a:schemeClr val="tx1">
+                    <a:lumMod val="50000"/>
+                    <a:lumOff val="50000"/>
+                  </a:schemeClr>
+                </a:solidFill>
+                <a:latin typeface="Arial" panose="020B0604020202020204" pitchFamily="34" charset="0"/>
+                <a:cs typeface="Arial" panose="020B0604020202020204" pitchFamily="34" charset="0"/>
+              </a:rPr>
+              <a:t>Nominal </a:t>
+            </a:r>
+          </a:p>
+          <a:p>
+            <a:r>
+              <a:rPr lang="en-US" sz="700" dirty="0">
+                <a:solidFill>
+                  <a:schemeClr val="tx1">
+                    <a:lumMod val="50000"/>
+                    <a:lumOff val="50000"/>
+                  </a:schemeClr>
+                </a:solidFill>
+                <a:latin typeface="Arial" panose="020B0604020202020204" pitchFamily="34" charset="0"/>
+                <a:cs typeface="Arial" panose="020B0604020202020204" pitchFamily="34" charset="0"/>
+              </a:rPr>
+              <a:t>variables</a:t>
+            </a:r>
+          </a:p>
+        </p:txBody>
+      </p:sp>
+      <p:sp>
+        <p:nvSpPr>
+          <p:cNvPr id="83" name="Line Callout 1 (Accent Bar) 82">
+            <a:extLst>
+              <a:ext uri="{FF2B5EF4-FFF2-40B4-BE49-F238E27FC236}">
+                <a16:creationId xmlns:a16="http://schemas.microsoft.com/office/drawing/2014/main" id="{5ACBE030-C91D-5DD1-12F1-9088A3DA3D2F}"/>
+              </a:ext>
+            </a:extLst>
+          </p:cNvPr>
+          <p:cNvSpPr/>
+          <p:nvPr/>
+        </p:nvSpPr>
+        <p:spPr>
+          <a:xfrm>
+            <a:off x="6094822" y="6729392"/>
+            <a:ext cx="697722" cy="118678"/>
+          </a:xfrm>
+          <a:prstGeom prst="accentCallout1">
+            <a:avLst>
+              <a:gd name="adj1" fmla="val 60889"/>
+              <a:gd name="adj2" fmla="val -1132"/>
+              <a:gd name="adj3" fmla="val 58407"/>
+              <a:gd name="adj4" fmla="val -51935"/>
+            </a:avLst>
+          </a:prstGeom>
+          <a:noFill/>
+          <a:ln w="9525">
+            <a:solidFill>
+              <a:schemeClr val="tx1">
+                <a:lumMod val="50000"/>
+                <a:lumOff val="50000"/>
+              </a:schemeClr>
+            </a:solidFill>
+            <a:tailEnd type="diamond" w="sm" len="sm"/>
+          </a:ln>
+        </p:spPr>
+        <p:style>
+          <a:lnRef idx="2">
+            <a:schemeClr val="accent1">
+              <a:shade val="15000"/>
+            </a:schemeClr>
+          </a:lnRef>
+          <a:fillRef idx="1">
+            <a:schemeClr val="accent1"/>
+          </a:fillRef>
+          <a:effectRef idx="0">
+            <a:schemeClr val="accent1"/>
+          </a:effectRef>
+          <a:fontRef idx="minor">
+            <a:schemeClr val="lt1"/>
+          </a:fontRef>
+        </p:style>
+        <p:txBody>
+          <a:bodyPr lIns="36000" tIns="0" rIns="0" bIns="0" rtlCol="0" anchor="ctr"/>
+          <a:lstStyle/>
+          <a:p>
+            <a:r>
+              <a:rPr lang="en-US" sz="700" dirty="0">
+                <a:solidFill>
+                  <a:schemeClr val="tx1">
+                    <a:lumMod val="50000"/>
+                    <a:lumOff val="50000"/>
+                  </a:schemeClr>
+                </a:solidFill>
+                <a:latin typeface="Arial" panose="020B0604020202020204" pitchFamily="34" charset="0"/>
+                <a:cs typeface="Arial" panose="020B0604020202020204" pitchFamily="34" charset="0"/>
+              </a:rPr>
+              <a:t>Shows raw data</a:t>
+            </a:r>
+          </a:p>
+        </p:txBody>
+      </p:sp>
+      <p:sp>
+        <p:nvSpPr>
+          <p:cNvPr id="84" name="Line Callout 1 (Accent Bar) 83">
+            <a:extLst>
+              <a:ext uri="{FF2B5EF4-FFF2-40B4-BE49-F238E27FC236}">
+                <a16:creationId xmlns:a16="http://schemas.microsoft.com/office/drawing/2014/main" id="{1F24B06B-73B2-64B0-70F8-45D961FC98C2}"/>
+              </a:ext>
+            </a:extLst>
+          </p:cNvPr>
+          <p:cNvSpPr/>
+          <p:nvPr/>
+        </p:nvSpPr>
+        <p:spPr>
+          <a:xfrm>
+            <a:off x="6094822" y="6132968"/>
+            <a:ext cx="697722" cy="118678"/>
+          </a:xfrm>
+          <a:prstGeom prst="accentCallout1">
+            <a:avLst>
+              <a:gd name="adj1" fmla="val 60889"/>
+              <a:gd name="adj2" fmla="val -1132"/>
+              <a:gd name="adj3" fmla="val 61347"/>
+              <a:gd name="adj4" fmla="val -28433"/>
+            </a:avLst>
+          </a:prstGeom>
+          <a:noFill/>
+          <a:ln w="9525">
+            <a:solidFill>
+              <a:schemeClr val="tx1">
+                <a:lumMod val="50000"/>
+                <a:lumOff val="50000"/>
+              </a:schemeClr>
+            </a:solidFill>
+            <a:tailEnd type="diamond" w="sm" len="sm"/>
+          </a:ln>
+        </p:spPr>
+        <p:style>
+          <a:lnRef idx="2">
+            <a:schemeClr val="accent1">
+              <a:shade val="15000"/>
+            </a:schemeClr>
+          </a:lnRef>
+          <a:fillRef idx="1">
+            <a:schemeClr val="accent1"/>
+          </a:fillRef>
+          <a:effectRef idx="0">
+            <a:schemeClr val="accent1"/>
+          </a:effectRef>
+          <a:fontRef idx="minor">
+            <a:schemeClr val="lt1"/>
+          </a:fontRef>
+        </p:style>
+        <p:txBody>
+          <a:bodyPr lIns="36000" tIns="0" rIns="0" bIns="0" rtlCol="0" anchor="ctr"/>
+          <a:lstStyle/>
+          <a:p>
+            <a:r>
+              <a:rPr lang="en-US" sz="700" dirty="0">
+                <a:solidFill>
+                  <a:schemeClr val="tx1">
+                    <a:lumMod val="50000"/>
+                    <a:lumOff val="50000"/>
+                  </a:schemeClr>
+                </a:solidFill>
+                <a:latin typeface="Arial" panose="020B0604020202020204" pitchFamily="34" charset="0"/>
+                <a:cs typeface="Arial" panose="020B0604020202020204" pitchFamily="34" charset="0"/>
+              </a:rPr>
+              <a:t>≥ 2 bars</a:t>
+            </a:r>
+          </a:p>
+        </p:txBody>
+      </p:sp>
+      <p:sp>
+        <p:nvSpPr>
+          <p:cNvPr id="85" name="Line Callout 1 (Accent Bar) 84">
+            <a:extLst>
+              <a:ext uri="{FF2B5EF4-FFF2-40B4-BE49-F238E27FC236}">
+                <a16:creationId xmlns:a16="http://schemas.microsoft.com/office/drawing/2014/main" id="{F585A222-1EA2-E397-C573-44E5FC2AF993}"/>
+              </a:ext>
+            </a:extLst>
+          </p:cNvPr>
+          <p:cNvSpPr/>
+          <p:nvPr/>
+        </p:nvSpPr>
+        <p:spPr>
+          <a:xfrm>
+            <a:off x="2740757" y="6075043"/>
+            <a:ext cx="697722" cy="118678"/>
+          </a:xfrm>
+          <a:prstGeom prst="accentCallout1">
+            <a:avLst>
+              <a:gd name="adj1" fmla="val 52069"/>
+              <a:gd name="adj2" fmla="val 103377"/>
+              <a:gd name="adj3" fmla="val 58407"/>
+              <a:gd name="adj4" fmla="val 274594"/>
+            </a:avLst>
+          </a:prstGeom>
+          <a:noFill/>
+          <a:ln w="9525">
+            <a:solidFill>
+              <a:schemeClr val="tx1">
+                <a:lumMod val="50000"/>
+                <a:lumOff val="50000"/>
+              </a:schemeClr>
+            </a:solidFill>
+            <a:tailEnd type="diamond" w="sm" len="sm"/>
+          </a:ln>
+        </p:spPr>
+        <p:style>
+          <a:lnRef idx="2">
+            <a:schemeClr val="accent1">
+              <a:shade val="15000"/>
+            </a:schemeClr>
+          </a:lnRef>
+          <a:fillRef idx="1">
+            <a:schemeClr val="accent1"/>
+          </a:fillRef>
+          <a:effectRef idx="0">
+            <a:schemeClr val="accent1"/>
+          </a:effectRef>
+          <a:fontRef idx="minor">
+            <a:schemeClr val="lt1"/>
+          </a:fontRef>
+        </p:style>
+        <p:txBody>
+          <a:bodyPr lIns="36000" tIns="0" rIns="0" bIns="0" rtlCol="0" anchor="ctr"/>
+          <a:lstStyle/>
+          <a:p>
+            <a:pPr algn="r"/>
+            <a:r>
+              <a:rPr lang="en-US" sz="700" dirty="0">
+                <a:solidFill>
+                  <a:schemeClr val="tx1">
+                    <a:lumMod val="50000"/>
+                    <a:lumOff val="50000"/>
+                  </a:schemeClr>
+                </a:solidFill>
+                <a:latin typeface="Arial" panose="020B0604020202020204" pitchFamily="34" charset="0"/>
+                <a:cs typeface="Arial" panose="020B0604020202020204" pitchFamily="34" charset="0"/>
+              </a:rPr>
+              <a:t>2D bars</a:t>
+            </a:r>
+          </a:p>
+        </p:txBody>
+      </p:sp>
+      <p:sp>
+        <p:nvSpPr>
+          <p:cNvPr id="86" name="Line Callout 1 (Accent Bar) 85">
+            <a:extLst>
+              <a:ext uri="{FF2B5EF4-FFF2-40B4-BE49-F238E27FC236}">
+                <a16:creationId xmlns:a16="http://schemas.microsoft.com/office/drawing/2014/main" id="{0D7CBF23-88F7-DE60-6D04-161CDD644FCD}"/>
+              </a:ext>
+            </a:extLst>
+          </p:cNvPr>
+          <p:cNvSpPr/>
+          <p:nvPr/>
+        </p:nvSpPr>
+        <p:spPr>
+          <a:xfrm>
+            <a:off x="2648754" y="6465285"/>
+            <a:ext cx="876843" cy="313058"/>
+          </a:xfrm>
+          <a:prstGeom prst="accentCallout1">
+            <a:avLst>
+              <a:gd name="adj1" fmla="val 52069"/>
+              <a:gd name="adj2" fmla="val 103377"/>
+              <a:gd name="adj3" fmla="val 52540"/>
+              <a:gd name="adj4" fmla="val 126321"/>
+            </a:avLst>
+          </a:prstGeom>
+          <a:noFill/>
+          <a:ln w="9525">
+            <a:solidFill>
+              <a:schemeClr val="tx1">
+                <a:lumMod val="50000"/>
+                <a:lumOff val="50000"/>
+              </a:schemeClr>
+            </a:solidFill>
+            <a:tailEnd type="diamond" w="sm" len="sm"/>
+          </a:ln>
+        </p:spPr>
+        <p:style>
+          <a:lnRef idx="2">
+            <a:schemeClr val="accent1">
+              <a:shade val="15000"/>
+            </a:schemeClr>
+          </a:lnRef>
+          <a:fillRef idx="1">
+            <a:schemeClr val="accent1"/>
+          </a:fillRef>
+          <a:effectRef idx="0">
+            <a:schemeClr val="accent1"/>
+          </a:effectRef>
+          <a:fontRef idx="minor">
+            <a:schemeClr val="lt1"/>
+          </a:fontRef>
+        </p:style>
+        <p:txBody>
+          <a:bodyPr lIns="36000" tIns="0" rIns="0" bIns="0" rtlCol="0" anchor="ctr"/>
+          <a:lstStyle/>
+          <a:p>
+            <a:pPr algn="r"/>
+            <a:r>
+              <a:rPr lang="en-US" sz="700" dirty="0">
+                <a:solidFill>
+                  <a:schemeClr val="tx1">
+                    <a:lumMod val="50000"/>
+                    <a:lumOff val="50000"/>
+                  </a:schemeClr>
+                </a:solidFill>
+                <a:latin typeface="Arial" panose="020B0604020202020204" pitchFamily="34" charset="0"/>
+                <a:cs typeface="Arial" panose="020B0604020202020204" pitchFamily="34" charset="0"/>
+              </a:rPr>
+              <a:t>Measurand with defined relative difference</a:t>
+            </a:r>
+          </a:p>
+        </p:txBody>
+      </p:sp>
+      <p:sp>
+        <p:nvSpPr>
+          <p:cNvPr id="87" name="Line Callout 1 (Accent Bar) 86">
+            <a:extLst>
+              <a:ext uri="{FF2B5EF4-FFF2-40B4-BE49-F238E27FC236}">
+                <a16:creationId xmlns:a16="http://schemas.microsoft.com/office/drawing/2014/main" id="{77EC721D-9064-2D3D-40B7-BD30250D9EC1}"/>
+              </a:ext>
+            </a:extLst>
+          </p:cNvPr>
+          <p:cNvSpPr/>
+          <p:nvPr/>
+        </p:nvSpPr>
+        <p:spPr>
+          <a:xfrm>
+            <a:off x="2740757" y="5670770"/>
+            <a:ext cx="697722" cy="118678"/>
+          </a:xfrm>
+          <a:prstGeom prst="accentCallout1">
+            <a:avLst>
+              <a:gd name="adj1" fmla="val 52069"/>
+              <a:gd name="adj2" fmla="val 103377"/>
+              <a:gd name="adj3" fmla="val 53615"/>
+              <a:gd name="adj4" fmla="val 159584"/>
+            </a:avLst>
+          </a:prstGeom>
+          <a:noFill/>
+          <a:ln w="9525">
+            <a:solidFill>
+              <a:schemeClr val="tx1">
+                <a:lumMod val="50000"/>
+                <a:lumOff val="50000"/>
+              </a:schemeClr>
+            </a:solidFill>
+            <a:tailEnd type="diamond" w="sm" len="sm"/>
+          </a:ln>
+        </p:spPr>
+        <p:style>
+          <a:lnRef idx="2">
+            <a:schemeClr val="accent1">
+              <a:shade val="15000"/>
+            </a:schemeClr>
+          </a:lnRef>
+          <a:fillRef idx="1">
+            <a:schemeClr val="accent1"/>
+          </a:fillRef>
+          <a:effectRef idx="0">
+            <a:schemeClr val="accent1"/>
+          </a:effectRef>
+          <a:fontRef idx="minor">
+            <a:schemeClr val="lt1"/>
+          </a:fontRef>
+        </p:style>
+        <p:txBody>
+          <a:bodyPr lIns="36000" tIns="0" rIns="0" bIns="0" rtlCol="0" anchor="ctr"/>
+          <a:lstStyle/>
+          <a:p>
+            <a:pPr algn="r"/>
+            <a:r>
+              <a:rPr lang="en-US" sz="700" dirty="0">
+                <a:solidFill>
+                  <a:schemeClr val="tx1">
+                    <a:lumMod val="50000"/>
+                    <a:lumOff val="50000"/>
+                  </a:schemeClr>
+                </a:solidFill>
+                <a:latin typeface="Arial" panose="020B0604020202020204" pitchFamily="34" charset="0"/>
+                <a:cs typeface="Arial" panose="020B0604020202020204" pitchFamily="34" charset="0"/>
+              </a:rPr>
+              <a:t>Linear axis</a:t>
+            </a:r>
+          </a:p>
+        </p:txBody>
+      </p:sp>
+      <p:sp>
+        <p:nvSpPr>
+          <p:cNvPr id="90" name="Line Callout 1 (Accent Bar) 89">
+            <a:extLst>
+              <a:ext uri="{FF2B5EF4-FFF2-40B4-BE49-F238E27FC236}">
+                <a16:creationId xmlns:a16="http://schemas.microsoft.com/office/drawing/2014/main" id="{04D243ED-0F83-7399-DC9E-F157B29D2939}"/>
+              </a:ext>
+            </a:extLst>
+          </p:cNvPr>
+          <p:cNvSpPr/>
+          <p:nvPr/>
+        </p:nvSpPr>
+        <p:spPr>
+          <a:xfrm>
+            <a:off x="6388657" y="7371232"/>
+            <a:ext cx="697722" cy="187033"/>
+          </a:xfrm>
+          <a:prstGeom prst="accentCallout1">
+            <a:avLst>
+              <a:gd name="adj1" fmla="val 52069"/>
+              <a:gd name="adj2" fmla="val 103377"/>
+              <a:gd name="adj3" fmla="val 53258"/>
+              <a:gd name="adj4" fmla="val 126665"/>
+            </a:avLst>
+          </a:prstGeom>
+          <a:noFill/>
+          <a:ln w="9525">
+            <a:solidFill>
+              <a:schemeClr val="tx1">
+                <a:lumMod val="50000"/>
+                <a:lumOff val="50000"/>
+              </a:schemeClr>
+            </a:solidFill>
+            <a:tailEnd type="diamond" w="sm" len="sm"/>
+          </a:ln>
+        </p:spPr>
+        <p:style>
+          <a:lnRef idx="2">
+            <a:schemeClr val="accent1">
+              <a:shade val="15000"/>
+            </a:schemeClr>
+          </a:lnRef>
+          <a:fillRef idx="1">
+            <a:schemeClr val="accent1"/>
+          </a:fillRef>
+          <a:effectRef idx="0">
+            <a:schemeClr val="accent1"/>
+          </a:effectRef>
+          <a:fontRef idx="minor">
+            <a:schemeClr val="lt1"/>
+          </a:fontRef>
+        </p:style>
+        <p:txBody>
+          <a:bodyPr lIns="36000" tIns="0" rIns="0" bIns="0" rtlCol="0" anchor="ctr"/>
+          <a:lstStyle/>
+          <a:p>
+            <a:pPr algn="r"/>
+            <a:r>
+              <a:rPr lang="en-US" sz="700" dirty="0">
+                <a:solidFill>
+                  <a:schemeClr val="tx1">
+                    <a:lumMod val="50000"/>
+                    <a:lumOff val="50000"/>
+                  </a:schemeClr>
+                </a:solidFill>
+                <a:latin typeface="Arial" panose="020B0604020202020204" pitchFamily="34" charset="0"/>
+                <a:cs typeface="Arial" panose="020B0604020202020204" pitchFamily="34" charset="0"/>
+              </a:rPr>
+              <a:t>Starts at 0</a:t>
+            </a:r>
+          </a:p>
+          <a:p>
+            <a:pPr algn="r"/>
+            <a:r>
+              <a:rPr lang="en-US" sz="700" dirty="0">
+                <a:solidFill>
+                  <a:schemeClr val="tx1">
+                    <a:lumMod val="50000"/>
+                    <a:lumOff val="50000"/>
+                  </a:schemeClr>
+                </a:solidFill>
+                <a:latin typeface="Arial" panose="020B0604020202020204" pitchFamily="34" charset="0"/>
+                <a:cs typeface="Arial" panose="020B0604020202020204" pitchFamily="34" charset="0"/>
+              </a:rPr>
+              <a:t>Labels 0</a:t>
+            </a:r>
+          </a:p>
+        </p:txBody>
+      </p:sp>
+      <p:sp>
+        <p:nvSpPr>
+          <p:cNvPr id="91" name="Line Callout 1 (Accent Bar) 90">
+            <a:extLst>
+              <a:ext uri="{FF2B5EF4-FFF2-40B4-BE49-F238E27FC236}">
+                <a16:creationId xmlns:a16="http://schemas.microsoft.com/office/drawing/2014/main" id="{1962EACD-BA09-51B0-D622-7811D1F1A6C5}"/>
+              </a:ext>
+            </a:extLst>
+          </p:cNvPr>
+          <p:cNvSpPr/>
+          <p:nvPr/>
+        </p:nvSpPr>
+        <p:spPr>
+          <a:xfrm>
+            <a:off x="8286643" y="6654764"/>
+            <a:ext cx="351298" cy="182480"/>
+          </a:xfrm>
+          <a:prstGeom prst="accentCallout1">
+            <a:avLst>
+              <a:gd name="adj1" fmla="val 57065"/>
+              <a:gd name="adj2" fmla="val -3406"/>
+              <a:gd name="adj3" fmla="val 56009"/>
+              <a:gd name="adj4" fmla="val -99634"/>
+            </a:avLst>
+          </a:prstGeom>
+          <a:noFill/>
+          <a:ln w="9525">
+            <a:solidFill>
+              <a:schemeClr val="tx1">
+                <a:lumMod val="50000"/>
+                <a:lumOff val="50000"/>
+              </a:schemeClr>
+            </a:solidFill>
+            <a:tailEnd type="diamond" w="sm" len="sm"/>
+          </a:ln>
+        </p:spPr>
+        <p:style>
+          <a:lnRef idx="2">
+            <a:schemeClr val="accent1">
+              <a:shade val="15000"/>
+            </a:schemeClr>
+          </a:lnRef>
+          <a:fillRef idx="1">
+            <a:schemeClr val="accent1"/>
+          </a:fillRef>
+          <a:effectRef idx="0">
+            <a:schemeClr val="accent1"/>
+          </a:effectRef>
+          <a:fontRef idx="minor">
+            <a:schemeClr val="lt1"/>
+          </a:fontRef>
+        </p:style>
+        <p:txBody>
+          <a:bodyPr lIns="36000" tIns="0" rIns="0" bIns="0" rtlCol="0" anchor="ctr"/>
+          <a:lstStyle/>
+          <a:p>
+            <a:r>
+              <a:rPr lang="en-US" sz="700" dirty="0">
+                <a:solidFill>
+                  <a:schemeClr val="tx1">
+                    <a:lumMod val="50000"/>
+                    <a:lumOff val="50000"/>
+                  </a:schemeClr>
+                </a:solidFill>
+                <a:latin typeface="Arial" panose="020B0604020202020204" pitchFamily="34" charset="0"/>
+                <a:cs typeface="Arial" panose="020B0604020202020204" pitchFamily="34" charset="0"/>
+              </a:rPr>
+              <a:t>Breaks</a:t>
+            </a:r>
+          </a:p>
+          <a:p>
+            <a:r>
+              <a:rPr lang="en-US" sz="700" dirty="0">
+                <a:solidFill>
+                  <a:schemeClr val="tx1">
+                    <a:lumMod val="50000"/>
+                    <a:lumOff val="50000"/>
+                  </a:schemeClr>
+                </a:solidFill>
+                <a:latin typeface="Arial" panose="020B0604020202020204" pitchFamily="34" charset="0"/>
+                <a:cs typeface="Arial" panose="020B0604020202020204" pitchFamily="34" charset="0"/>
+              </a:rPr>
+              <a:t>bars</a:t>
+            </a:r>
+          </a:p>
+        </p:txBody>
+      </p:sp>
+      <p:sp>
+        <p:nvSpPr>
+          <p:cNvPr id="92" name="Line Callout 1 (Accent Bar) 91">
+            <a:extLst>
+              <a:ext uri="{FF2B5EF4-FFF2-40B4-BE49-F238E27FC236}">
+                <a16:creationId xmlns:a16="http://schemas.microsoft.com/office/drawing/2014/main" id="{9F36DEC8-85D0-0BE2-85E0-3E70614D057E}"/>
+              </a:ext>
+            </a:extLst>
+          </p:cNvPr>
+          <p:cNvSpPr/>
+          <p:nvPr/>
+        </p:nvSpPr>
+        <p:spPr>
+          <a:xfrm>
+            <a:off x="8286643" y="5673484"/>
+            <a:ext cx="306853" cy="275319"/>
+          </a:xfrm>
+          <a:prstGeom prst="accentCallout1">
+            <a:avLst>
+              <a:gd name="adj1" fmla="val 57065"/>
+              <a:gd name="adj2" fmla="val -3406"/>
+              <a:gd name="adj3" fmla="val 56947"/>
+              <a:gd name="adj4" fmla="val -79278"/>
+            </a:avLst>
+          </a:prstGeom>
+          <a:noFill/>
+          <a:ln w="9525">
+            <a:solidFill>
+              <a:schemeClr val="tx1">
+                <a:lumMod val="50000"/>
+                <a:lumOff val="50000"/>
+              </a:schemeClr>
+            </a:solidFill>
+            <a:tailEnd type="diamond" w="sm" len="sm"/>
+          </a:ln>
+        </p:spPr>
+        <p:style>
+          <a:lnRef idx="2">
+            <a:schemeClr val="accent1">
+              <a:shade val="15000"/>
+            </a:schemeClr>
+          </a:lnRef>
+          <a:fillRef idx="1">
+            <a:schemeClr val="accent1"/>
+          </a:fillRef>
+          <a:effectRef idx="0">
+            <a:schemeClr val="accent1"/>
+          </a:effectRef>
+          <a:fontRef idx="minor">
+            <a:schemeClr val="lt1"/>
+          </a:fontRef>
+        </p:style>
+        <p:txBody>
+          <a:bodyPr lIns="36000" tIns="0" rIns="0" bIns="0" rtlCol="0" anchor="ctr"/>
+          <a:lstStyle/>
+          <a:p>
+            <a:r>
+              <a:rPr lang="en-US" sz="700" dirty="0">
+                <a:solidFill>
+                  <a:schemeClr val="tx1">
+                    <a:lumMod val="50000"/>
+                    <a:lumOff val="50000"/>
+                  </a:schemeClr>
+                </a:solidFill>
+                <a:latin typeface="Arial" panose="020B0604020202020204" pitchFamily="34" charset="0"/>
+                <a:cs typeface="Arial" panose="020B0604020202020204" pitchFamily="34" charset="0"/>
+              </a:rPr>
+              <a:t>Shows raw data</a:t>
+            </a:r>
+          </a:p>
+        </p:txBody>
+      </p:sp>
+      <p:sp>
+        <p:nvSpPr>
+          <p:cNvPr id="93" name="Line Callout 1 (Accent Bar) 92">
+            <a:extLst>
+              <a:ext uri="{FF2B5EF4-FFF2-40B4-BE49-F238E27FC236}">
+                <a16:creationId xmlns:a16="http://schemas.microsoft.com/office/drawing/2014/main" id="{F921155B-9359-AA65-4CB1-EB90C87BC00D}"/>
+              </a:ext>
+            </a:extLst>
+          </p:cNvPr>
+          <p:cNvSpPr/>
+          <p:nvPr/>
+        </p:nvSpPr>
+        <p:spPr>
+          <a:xfrm>
+            <a:off x="8287021" y="7174938"/>
+            <a:ext cx="358411" cy="275319"/>
+          </a:xfrm>
+          <a:prstGeom prst="accentCallout1">
+            <a:avLst>
+              <a:gd name="adj1" fmla="val 57065"/>
+              <a:gd name="adj2" fmla="val -3406"/>
+              <a:gd name="adj3" fmla="val 56947"/>
+              <a:gd name="adj4" fmla="val -154899"/>
+            </a:avLst>
+          </a:prstGeom>
+          <a:noFill/>
+          <a:ln w="9525">
+            <a:solidFill>
+              <a:schemeClr val="tx1">
+                <a:lumMod val="50000"/>
+                <a:lumOff val="50000"/>
+              </a:schemeClr>
+            </a:solidFill>
+            <a:tailEnd type="diamond" w="sm" len="sm"/>
+          </a:ln>
+        </p:spPr>
+        <p:style>
+          <a:lnRef idx="2">
+            <a:schemeClr val="accent1">
+              <a:shade val="15000"/>
+            </a:schemeClr>
+          </a:lnRef>
+          <a:fillRef idx="1">
+            <a:schemeClr val="accent1"/>
+          </a:fillRef>
+          <a:effectRef idx="0">
+            <a:schemeClr val="accent1"/>
+          </a:effectRef>
+          <a:fontRef idx="minor">
+            <a:schemeClr val="lt1"/>
+          </a:fontRef>
+        </p:style>
+        <p:txBody>
+          <a:bodyPr lIns="36000" tIns="0" rIns="0" bIns="0" rtlCol="0" anchor="ctr"/>
+          <a:lstStyle/>
+          <a:p>
+            <a:r>
+              <a:rPr lang="en-US" sz="700" dirty="0">
+                <a:solidFill>
+                  <a:schemeClr val="tx1">
+                    <a:lumMod val="50000"/>
+                    <a:lumOff val="50000"/>
+                  </a:schemeClr>
+                </a:solidFill>
+                <a:latin typeface="Arial" panose="020B0604020202020204" pitchFamily="34" charset="0"/>
+                <a:cs typeface="Arial" panose="020B0604020202020204" pitchFamily="34" charset="0"/>
+              </a:rPr>
+              <a:t>≥ 2 bars</a:t>
+            </a:r>
+          </a:p>
+          <a:p>
+            <a:r>
+              <a:rPr lang="en-US" sz="700" dirty="0">
+                <a:solidFill>
+                  <a:schemeClr val="tx1">
+                    <a:lumMod val="50000"/>
+                    <a:lumOff val="50000"/>
+                  </a:schemeClr>
+                </a:solidFill>
+                <a:latin typeface="Arial" panose="020B0604020202020204" pitchFamily="34" charset="0"/>
+                <a:cs typeface="Arial" panose="020B0604020202020204" pitchFamily="34" charset="0"/>
+              </a:rPr>
+              <a:t>below break</a:t>
+            </a:r>
+          </a:p>
+        </p:txBody>
+      </p:sp>
+      <p:sp>
+        <p:nvSpPr>
+          <p:cNvPr id="100" name="Line Callout 2 (Accent Bar) 99">
+            <a:extLst>
+              <a:ext uri="{FF2B5EF4-FFF2-40B4-BE49-F238E27FC236}">
+                <a16:creationId xmlns:a16="http://schemas.microsoft.com/office/drawing/2014/main" id="{E966BC88-F803-D0A7-2BF6-8978D8358C7A}"/>
+              </a:ext>
+            </a:extLst>
+          </p:cNvPr>
+          <p:cNvSpPr/>
+          <p:nvPr/>
+        </p:nvSpPr>
+        <p:spPr>
+          <a:xfrm flipH="1">
+            <a:off x="2723627" y="7224468"/>
+            <a:ext cx="697722" cy="93516"/>
+          </a:xfrm>
+          <a:prstGeom prst="accentCallout2">
+            <a:avLst>
+              <a:gd name="adj1" fmla="val 53466"/>
+              <a:gd name="adj2" fmla="val -5712"/>
+              <a:gd name="adj3" fmla="val 52701"/>
+              <a:gd name="adj4" fmla="val -60287"/>
+              <a:gd name="adj5" fmla="val 173613"/>
+              <a:gd name="adj6" fmla="val -91263"/>
+            </a:avLst>
+          </a:prstGeom>
+          <a:noFill/>
+          <a:ln w="9525">
+            <a:solidFill>
+              <a:schemeClr val="tx1">
+                <a:lumMod val="50000"/>
+                <a:lumOff val="50000"/>
+              </a:schemeClr>
+            </a:solidFill>
+            <a:tailEnd type="diamond" w="sm" len="sm"/>
+          </a:ln>
+        </p:spPr>
+        <p:style>
+          <a:lnRef idx="2">
+            <a:schemeClr val="accent1">
+              <a:shade val="15000"/>
+            </a:schemeClr>
+          </a:lnRef>
+          <a:fillRef idx="1">
+            <a:schemeClr val="accent1"/>
+          </a:fillRef>
+          <a:effectRef idx="0">
+            <a:schemeClr val="accent1"/>
+          </a:effectRef>
+          <a:fontRef idx="minor">
+            <a:schemeClr val="lt1"/>
+          </a:fontRef>
+        </p:style>
+        <p:txBody>
+          <a:bodyPr lIns="0" tIns="0" rIns="0" bIns="0" rtlCol="0" anchor="ctr"/>
+          <a:lstStyle/>
+          <a:p>
+            <a:pPr algn="r"/>
+            <a:r>
+              <a:rPr lang="en-US" sz="700" dirty="0">
+                <a:solidFill>
+                  <a:schemeClr val="tx1">
+                    <a:lumMod val="50000"/>
+                    <a:lumOff val="50000"/>
+                  </a:schemeClr>
+                </a:solidFill>
+                <a:latin typeface="Arial" panose="020B0604020202020204" pitchFamily="34" charset="0"/>
+                <a:cs typeface="Arial" panose="020B0604020202020204" pitchFamily="34" charset="0"/>
+              </a:rPr>
+              <a:t>Ticks axis</a:t>
+            </a:r>
+          </a:p>
+        </p:txBody>
+      </p:sp>
+      <p:sp>
+        <p:nvSpPr>
+          <p:cNvPr id="101" name="Line Callout 2 (Accent Bar) 100">
+            <a:extLst>
+              <a:ext uri="{FF2B5EF4-FFF2-40B4-BE49-F238E27FC236}">
+                <a16:creationId xmlns:a16="http://schemas.microsoft.com/office/drawing/2014/main" id="{01CB9190-4F3C-4E79-2D56-3CD4F135362F}"/>
+              </a:ext>
+            </a:extLst>
+          </p:cNvPr>
+          <p:cNvSpPr/>
+          <p:nvPr/>
+        </p:nvSpPr>
+        <p:spPr>
+          <a:xfrm flipH="1">
+            <a:off x="6127200" y="7007936"/>
+            <a:ext cx="919482" cy="93516"/>
+          </a:xfrm>
+          <a:prstGeom prst="accentCallout2">
+            <a:avLst>
+              <a:gd name="adj1" fmla="val 53466"/>
+              <a:gd name="adj2" fmla="val -5712"/>
+              <a:gd name="adj3" fmla="val 52701"/>
+              <a:gd name="adj4" fmla="val -17287"/>
+              <a:gd name="adj5" fmla="val -145530"/>
+              <a:gd name="adj6" fmla="val -33311"/>
+            </a:avLst>
+          </a:prstGeom>
+          <a:noFill/>
+          <a:ln w="9525">
+            <a:solidFill>
+              <a:schemeClr val="tx1">
+                <a:lumMod val="50000"/>
+                <a:lumOff val="50000"/>
+              </a:schemeClr>
+            </a:solidFill>
+            <a:tailEnd type="diamond" w="sm" len="sm"/>
+          </a:ln>
+        </p:spPr>
+        <p:style>
+          <a:lnRef idx="2">
+            <a:schemeClr val="accent1">
+              <a:shade val="15000"/>
+            </a:schemeClr>
+          </a:lnRef>
+          <a:fillRef idx="1">
+            <a:schemeClr val="accent1"/>
+          </a:fillRef>
+          <a:effectRef idx="0">
+            <a:schemeClr val="accent1"/>
+          </a:effectRef>
+          <a:fontRef idx="minor">
+            <a:schemeClr val="lt1"/>
+          </a:fontRef>
+        </p:style>
+        <p:txBody>
+          <a:bodyPr lIns="0" tIns="0" rIns="0" bIns="0" rtlCol="0" anchor="ctr"/>
+          <a:lstStyle/>
+          <a:p>
+            <a:pPr algn="r"/>
+            <a:r>
+              <a:rPr lang="en-US" sz="700" dirty="0">
+                <a:solidFill>
+                  <a:schemeClr val="tx1">
+                    <a:lumMod val="50000"/>
+                    <a:lumOff val="50000"/>
+                  </a:schemeClr>
+                </a:solidFill>
+                <a:latin typeface="Arial" panose="020B0604020202020204" pitchFamily="34" charset="0"/>
+                <a:cs typeface="Arial" panose="020B0604020202020204" pitchFamily="34" charset="0"/>
+              </a:rPr>
+              <a:t>Labels values at break</a:t>
+            </a:r>
+          </a:p>
+        </p:txBody>
+      </p:sp>
+      <p:sp>
+        <p:nvSpPr>
+          <p:cNvPr id="2" name="Line Callout 1 (Accent Bar) 1">
+            <a:extLst>
+              <a:ext uri="{FF2B5EF4-FFF2-40B4-BE49-F238E27FC236}">
+                <a16:creationId xmlns:a16="http://schemas.microsoft.com/office/drawing/2014/main" id="{E3301E6F-A83C-16F1-CE86-867200DE19C4}"/>
+              </a:ext>
+            </a:extLst>
+          </p:cNvPr>
+          <p:cNvSpPr/>
+          <p:nvPr/>
+        </p:nvSpPr>
+        <p:spPr>
+          <a:xfrm>
+            <a:off x="6094822" y="5764222"/>
+            <a:ext cx="697722" cy="196969"/>
+          </a:xfrm>
+          <a:prstGeom prst="accentCallout1">
+            <a:avLst>
+              <a:gd name="adj1" fmla="val 50051"/>
+              <a:gd name="adj2" fmla="val -1132"/>
+              <a:gd name="adj3" fmla="val 48703"/>
+              <a:gd name="adj4" fmla="val -62258"/>
+            </a:avLst>
+          </a:prstGeom>
+          <a:noFill/>
+          <a:ln w="9525">
+            <a:solidFill>
+              <a:schemeClr val="tx1">
+                <a:lumMod val="50000"/>
+                <a:lumOff val="50000"/>
+              </a:schemeClr>
+            </a:solidFill>
+            <a:tailEnd type="diamond" w="sm" len="sm"/>
+          </a:ln>
+        </p:spPr>
+        <p:style>
+          <a:lnRef idx="2">
+            <a:schemeClr val="accent1">
+              <a:shade val="15000"/>
+            </a:schemeClr>
+          </a:lnRef>
+          <a:fillRef idx="1">
+            <a:schemeClr val="accent1"/>
+          </a:fillRef>
+          <a:effectRef idx="0">
+            <a:schemeClr val="accent1"/>
+          </a:effectRef>
+          <a:fontRef idx="minor">
+            <a:schemeClr val="lt1"/>
+          </a:fontRef>
+        </p:style>
+        <p:txBody>
+          <a:bodyPr lIns="36000" tIns="0" rIns="0" bIns="0" rtlCol="0" anchor="ctr"/>
+          <a:lstStyle/>
+          <a:p>
+            <a:r>
+              <a:rPr lang="en-US" sz="700" dirty="0">
+                <a:solidFill>
+                  <a:schemeClr val="tx1">
+                    <a:lumMod val="50000"/>
+                    <a:lumOff val="50000"/>
+                  </a:schemeClr>
+                </a:solidFill>
+                <a:latin typeface="Arial" panose="020B0604020202020204" pitchFamily="34" charset="0"/>
+                <a:cs typeface="Arial" panose="020B0604020202020204" pitchFamily="34" charset="0"/>
+              </a:rPr>
+              <a:t>Cartesian coordinates</a:t>
+            </a:r>
+          </a:p>
+        </p:txBody>
+      </p:sp>
+    </p:spTree>
+    <p:extLst>
+      <p:ext uri="{BB962C8B-B14F-4D97-AF65-F5344CB8AC3E}">
+        <p14:creationId xmlns:p14="http://schemas.microsoft.com/office/powerpoint/2010/main" val="3533961165"/>
       </p:ext>
     </p:extLst>
   </p:cSld>
